--- a/Apresentação/Apresentação TCC - Vinícius Andrade Lopes.pptx
+++ b/Apresentação/Apresentação TCC - Vinícius Andrade Lopes.pptx
@@ -399,7 +399,7 @@
           <a:p>
             <a:fld id="{588D7303-1349-4B3B-906B-0AD17F7A84D3}" type="datetimeFigureOut">
               <a:rPr lang="pt-BR" smtClean="0"/>
-              <a:t>17/05/2023</a:t>
+              <a:t>18/05/2023</a:t>
             </a:fld>
             <a:endParaRPr lang="pt-BR"/>
           </a:p>
@@ -453,7 +453,7 @@
           <a:p>
             <a:fld id="{542FF06D-87BF-405F-9790-318F41D0CF65}" type="slidenum">
               <a:rPr lang="pt-BR" smtClean="0"/>
-              <a:t>‹nº›</a:t>
+              <a:t>‹#›</a:t>
             </a:fld>
             <a:endParaRPr lang="pt-BR"/>
           </a:p>
@@ -607,7 +607,7 @@
           <a:p>
             <a:fld id="{588D7303-1349-4B3B-906B-0AD17F7A84D3}" type="datetimeFigureOut">
               <a:rPr lang="pt-BR" smtClean="0"/>
-              <a:t>17/05/2023</a:t>
+              <a:t>18/05/2023</a:t>
             </a:fld>
             <a:endParaRPr lang="pt-BR"/>
           </a:p>
@@ -661,7 +661,7 @@
           <a:p>
             <a:fld id="{542FF06D-87BF-405F-9790-318F41D0CF65}" type="slidenum">
               <a:rPr lang="pt-BR" smtClean="0"/>
-              <a:t>‹nº›</a:t>
+              <a:t>‹#›</a:t>
             </a:fld>
             <a:endParaRPr lang="pt-BR"/>
           </a:p>
@@ -805,7 +805,7 @@
           <a:p>
             <a:fld id="{588D7303-1349-4B3B-906B-0AD17F7A84D3}" type="datetimeFigureOut">
               <a:rPr lang="pt-BR" smtClean="0"/>
-              <a:t>17/05/2023</a:t>
+              <a:t>18/05/2023</a:t>
             </a:fld>
             <a:endParaRPr lang="pt-BR"/>
           </a:p>
@@ -859,7 +859,7 @@
           <a:p>
             <a:fld id="{542FF06D-87BF-405F-9790-318F41D0CF65}" type="slidenum">
               <a:rPr lang="pt-BR" smtClean="0"/>
-              <a:t>‹nº›</a:t>
+              <a:t>‹#›</a:t>
             </a:fld>
             <a:endParaRPr lang="pt-BR"/>
           </a:p>
@@ -1080,7 +1080,7 @@
           <a:p>
             <a:fld id="{588D7303-1349-4B3B-906B-0AD17F7A84D3}" type="datetimeFigureOut">
               <a:rPr lang="pt-BR" smtClean="0"/>
-              <a:t>17/05/2023</a:t>
+              <a:t>18/05/2023</a:t>
             </a:fld>
             <a:endParaRPr lang="pt-BR"/>
           </a:p>
@@ -1134,7 +1134,7 @@
           <a:p>
             <a:fld id="{542FF06D-87BF-405F-9790-318F41D0CF65}" type="slidenum">
               <a:rPr lang="pt-BR" smtClean="0"/>
-              <a:t>‹nº›</a:t>
+              <a:t>‹#›</a:t>
             </a:fld>
             <a:endParaRPr lang="pt-BR"/>
           </a:p>
@@ -1345,7 +1345,7 @@
           <a:p>
             <a:fld id="{588D7303-1349-4B3B-906B-0AD17F7A84D3}" type="datetimeFigureOut">
               <a:rPr lang="pt-BR" smtClean="0"/>
-              <a:t>17/05/2023</a:t>
+              <a:t>18/05/2023</a:t>
             </a:fld>
             <a:endParaRPr lang="pt-BR"/>
           </a:p>
@@ -1399,7 +1399,7 @@
           <a:p>
             <a:fld id="{542FF06D-87BF-405F-9790-318F41D0CF65}" type="slidenum">
               <a:rPr lang="pt-BR" smtClean="0"/>
-              <a:t>‹nº›</a:t>
+              <a:t>‹#›</a:t>
             </a:fld>
             <a:endParaRPr lang="pt-BR"/>
           </a:p>
@@ -1757,7 +1757,7 @@
           <a:p>
             <a:fld id="{588D7303-1349-4B3B-906B-0AD17F7A84D3}" type="datetimeFigureOut">
               <a:rPr lang="pt-BR" smtClean="0"/>
-              <a:t>17/05/2023</a:t>
+              <a:t>18/05/2023</a:t>
             </a:fld>
             <a:endParaRPr lang="pt-BR"/>
           </a:p>
@@ -1811,7 +1811,7 @@
           <a:p>
             <a:fld id="{542FF06D-87BF-405F-9790-318F41D0CF65}" type="slidenum">
               <a:rPr lang="pt-BR" smtClean="0"/>
-              <a:t>‹nº›</a:t>
+              <a:t>‹#›</a:t>
             </a:fld>
             <a:endParaRPr lang="pt-BR"/>
           </a:p>
@@ -1898,7 +1898,7 @@
           <a:p>
             <a:fld id="{588D7303-1349-4B3B-906B-0AD17F7A84D3}" type="datetimeFigureOut">
               <a:rPr lang="pt-BR" smtClean="0"/>
-              <a:t>17/05/2023</a:t>
+              <a:t>18/05/2023</a:t>
             </a:fld>
             <a:endParaRPr lang="pt-BR"/>
           </a:p>
@@ -1952,7 +1952,7 @@
           <a:p>
             <a:fld id="{542FF06D-87BF-405F-9790-318F41D0CF65}" type="slidenum">
               <a:rPr lang="pt-BR" smtClean="0"/>
-              <a:t>‹nº›</a:t>
+              <a:t>‹#›</a:t>
             </a:fld>
             <a:endParaRPr lang="pt-BR"/>
           </a:p>
@@ -2011,7 +2011,7 @@
           <a:p>
             <a:fld id="{588D7303-1349-4B3B-906B-0AD17F7A84D3}" type="datetimeFigureOut">
               <a:rPr lang="pt-BR" smtClean="0"/>
-              <a:t>17/05/2023</a:t>
+              <a:t>18/05/2023</a:t>
             </a:fld>
             <a:endParaRPr lang="pt-BR"/>
           </a:p>
@@ -2065,7 +2065,7 @@
           <a:p>
             <a:fld id="{542FF06D-87BF-405F-9790-318F41D0CF65}" type="slidenum">
               <a:rPr lang="pt-BR" smtClean="0"/>
-              <a:t>‹nº›</a:t>
+              <a:t>‹#›</a:t>
             </a:fld>
             <a:endParaRPr lang="pt-BR"/>
           </a:p>
@@ -2322,7 +2322,7 @@
           <a:p>
             <a:fld id="{588D7303-1349-4B3B-906B-0AD17F7A84D3}" type="datetimeFigureOut">
               <a:rPr lang="pt-BR" smtClean="0"/>
-              <a:t>17/05/2023</a:t>
+              <a:t>18/05/2023</a:t>
             </a:fld>
             <a:endParaRPr lang="pt-BR"/>
           </a:p>
@@ -2376,7 +2376,7 @@
           <a:p>
             <a:fld id="{542FF06D-87BF-405F-9790-318F41D0CF65}" type="slidenum">
               <a:rPr lang="pt-BR" smtClean="0"/>
-              <a:t>‹nº›</a:t>
+              <a:t>‹#›</a:t>
             </a:fld>
             <a:endParaRPr lang="pt-BR"/>
           </a:p>
@@ -2610,7 +2610,7 @@
           <a:p>
             <a:fld id="{588D7303-1349-4B3B-906B-0AD17F7A84D3}" type="datetimeFigureOut">
               <a:rPr lang="pt-BR" smtClean="0"/>
-              <a:t>17/05/2023</a:t>
+              <a:t>18/05/2023</a:t>
             </a:fld>
             <a:endParaRPr lang="pt-BR"/>
           </a:p>
@@ -2664,7 +2664,7 @@
           <a:p>
             <a:fld id="{542FF06D-87BF-405F-9790-318F41D0CF65}" type="slidenum">
               <a:rPr lang="pt-BR" smtClean="0"/>
-              <a:t>‹nº›</a:t>
+              <a:t>‹#›</a:t>
             </a:fld>
             <a:endParaRPr lang="pt-BR"/>
           </a:p>
@@ -2860,7 +2860,7 @@
           <a:p>
             <a:fld id="{588D7303-1349-4B3B-906B-0AD17F7A84D3}" type="datetimeFigureOut">
               <a:rPr lang="pt-BR" smtClean="0"/>
-              <a:t>17/05/2023</a:t>
+              <a:t>18/05/2023</a:t>
             </a:fld>
             <a:endParaRPr lang="pt-BR"/>
           </a:p>
@@ -2950,7 +2950,7 @@
           <a:p>
             <a:fld id="{542FF06D-87BF-405F-9790-318F41D0CF65}" type="slidenum">
               <a:rPr lang="pt-BR" smtClean="0"/>
-              <a:t>‹nº›</a:t>
+              <a:t>‹#›</a:t>
             </a:fld>
             <a:endParaRPr lang="pt-BR"/>
           </a:p>
@@ -3378,648 +3378,642 @@
           <a:chExt cx="0" cy="0"/>
         </a:xfrm>
       </p:grpSpPr>
-      <p:sp>
-        <p:nvSpPr>
-          <p:cNvPr id="7" name="Rectangle 6">
+      <p:grpSp>
+        <p:nvGrpSpPr>
+          <p:cNvPr id="17" name="Group 16">
             <a:extLst>
               <a:ext uri="{FF2B5EF4-FFF2-40B4-BE49-F238E27FC236}">
-                <a16:creationId xmlns:a16="http://schemas.microsoft.com/office/drawing/2014/main" id="{04FABB05-6C2E-CEFC-8C95-F5EA054DAF7D}"/>
+                <a16:creationId xmlns:a16="http://schemas.microsoft.com/office/drawing/2014/main" id="{3717A52D-EE54-4126-FD31-9ADAD2027DD6}"/>
               </a:ext>
             </a:extLst>
           </p:cNvPr>
-          <p:cNvSpPr/>
+          <p:cNvGrpSpPr/>
           <p:nvPr/>
-        </p:nvSpPr>
-        <p:spPr>
+        </p:nvGrpSpPr>
+        <p:grpSpPr>
           <a:xfrm>
-            <a:off x="6095999" y="0"/>
-            <a:ext cx="6096001" cy="6858000"/>
+            <a:off x="6227928" y="178295"/>
+            <a:ext cx="5813224" cy="1273737"/>
+            <a:chOff x="6227928" y="178295"/>
+            <a:chExt cx="5813224" cy="1273737"/>
           </a:xfrm>
-          <a:prstGeom prst="rect">
-            <a:avLst/>
-          </a:prstGeom>
-          <a:solidFill>
-            <a:schemeClr val="tx2">
-              <a:lumMod val="60000"/>
-              <a:lumOff val="40000"/>
-              <a:alpha val="70000"/>
-            </a:schemeClr>
-          </a:solidFill>
-          <a:ln w="12700">
-            <a:noFill/>
-          </a:ln>
-        </p:spPr>
-        <p:style>
-          <a:lnRef idx="0">
-            <a:scrgbClr r="0" g="0" b="0"/>
-          </a:lnRef>
-          <a:fillRef idx="0">
-            <a:scrgbClr r="0" g="0" b="0"/>
-          </a:fillRef>
-          <a:effectRef idx="0">
-            <a:scrgbClr r="0" g="0" b="0"/>
-          </a:effectRef>
-          <a:fontRef idx="minor">
-            <a:schemeClr val="lt1"/>
-          </a:fontRef>
-        </p:style>
-        <p:txBody>
-          <a:bodyPr rtlCol="0" anchor="ctr"/>
-          <a:lstStyle/>
-          <a:p>
-            <a:pPr>
-              <a:lnSpc>
-                <a:spcPct val="90000"/>
-              </a:lnSpc>
-              <a:spcBef>
-                <a:spcPts val="1000"/>
-              </a:spcBef>
-            </a:pPr>
-            <a:endParaRPr lang="pt-BR" sz="1600" dirty="0">
-              <a:solidFill>
-                <a:schemeClr val="bg2">
-                  <a:lumMod val="10000"/>
-                </a:schemeClr>
-              </a:solidFill>
-              <a:ea typeface="Calibri" panose="020F0502020204030204" pitchFamily="34" charset="0"/>
-              <a:cs typeface="Arial" panose="020B0604020202020204" pitchFamily="34" charset="0"/>
-            </a:endParaRPr>
-          </a:p>
-        </p:txBody>
-      </p:sp>
-      <p:pic>
-        <p:nvPicPr>
-          <p:cNvPr id="3" name="Picture 2">
+        </p:grpSpPr>
+        <p:pic>
+          <p:nvPicPr>
+            <p:cNvPr id="3" name="Picture 2">
+              <a:extLst>
+                <a:ext uri="{FF2B5EF4-FFF2-40B4-BE49-F238E27FC236}">
+                  <a16:creationId xmlns:a16="http://schemas.microsoft.com/office/drawing/2014/main" id="{FC93B50F-C07C-9BE0-12C2-28329FA995D1}"/>
+                </a:ext>
+              </a:extLst>
+            </p:cNvPr>
+            <p:cNvPicPr>
+              <a:picLocks noChangeAspect="1"/>
+            </p:cNvPicPr>
+            <p:nvPr/>
+          </p:nvPicPr>
+          <p:blipFill>
+            <a:blip r:embed="rId2">
+              <a:extLst>
+                <a:ext uri="{28A0092B-C50C-407E-A947-70E740481C1C}">
+                  <a14:useLocalDpi xmlns:a14="http://schemas.microsoft.com/office/drawing/2010/main" val="0"/>
+                </a:ext>
+              </a:extLst>
+            </a:blip>
+            <a:stretch>
+              <a:fillRect/>
+            </a:stretch>
+          </p:blipFill>
+          <p:spPr>
+            <a:xfrm>
+              <a:off x="6227928" y="178295"/>
+              <a:ext cx="5813224" cy="719328"/>
+            </a:xfrm>
+            <a:prstGeom prst="rect">
+              <a:avLst/>
+            </a:prstGeom>
+          </p:spPr>
+        </p:pic>
+        <p:sp>
+          <p:nvSpPr>
+            <p:cNvPr id="5" name="Espaço Reservado para Conteúdo 2">
+              <a:extLst>
+                <a:ext uri="{FF2B5EF4-FFF2-40B4-BE49-F238E27FC236}">
+                  <a16:creationId xmlns:a16="http://schemas.microsoft.com/office/drawing/2014/main" id="{7793F7F0-C787-FDE0-AACB-D4D5E8431D4B}"/>
+                </a:ext>
+              </a:extLst>
+            </p:cNvPr>
+            <p:cNvSpPr txBox="1">
+              <a:spLocks/>
+            </p:cNvSpPr>
+            <p:nvPr/>
+          </p:nvSpPr>
+          <p:spPr>
+            <a:xfrm>
+              <a:off x="6227928" y="897623"/>
+              <a:ext cx="5797824" cy="554409"/>
+            </a:xfrm>
+            <a:prstGeom prst="rect">
+              <a:avLst/>
+            </a:prstGeom>
+          </p:spPr>
+          <p:txBody>
+            <a:bodyPr vert="horz" lIns="91440" tIns="45720" rIns="91440" bIns="45720" rtlCol="0">
+              <a:noAutofit/>
+            </a:bodyPr>
+            <a:lstStyle>
+              <a:defPPr>
+                <a:defRPr lang="pt-BR"/>
+              </a:defPPr>
+              <a:lvl1pPr indent="0">
+                <a:lnSpc>
+                  <a:spcPct val="90000"/>
+                </a:lnSpc>
+                <a:spcBef>
+                  <a:spcPts val="1000"/>
+                </a:spcBef>
+                <a:buFont typeface="Arial" panose="020B0604020202020204" pitchFamily="34" charset="0"/>
+                <a:buNone/>
+                <a:defRPr sz="1600">
+                  <a:solidFill>
+                    <a:schemeClr val="bg2">
+                      <a:lumMod val="25000"/>
+                    </a:schemeClr>
+                  </a:solidFill>
+                  <a:cs typeface="Arial" panose="020B0604020202020204" pitchFamily="34" charset="0"/>
+                </a:defRPr>
+              </a:lvl1pPr>
+              <a:lvl2pPr marL="685800" indent="-228600">
+                <a:lnSpc>
+                  <a:spcPct val="90000"/>
+                </a:lnSpc>
+                <a:spcBef>
+                  <a:spcPts val="500"/>
+                </a:spcBef>
+                <a:buFont typeface="Arial" panose="020B0604020202020204" pitchFamily="34" charset="0"/>
+                <a:buChar char="•"/>
+                <a:defRPr sz="2400"/>
+              </a:lvl2pPr>
+              <a:lvl3pPr marL="1143000" indent="-228600">
+                <a:lnSpc>
+                  <a:spcPct val="90000"/>
+                </a:lnSpc>
+                <a:spcBef>
+                  <a:spcPts val="500"/>
+                </a:spcBef>
+                <a:buFont typeface="Arial" panose="020B0604020202020204" pitchFamily="34" charset="0"/>
+                <a:buChar char="•"/>
+                <a:defRPr sz="2000"/>
+              </a:lvl3pPr>
+              <a:lvl4pPr marL="1600200" indent="-228600">
+                <a:lnSpc>
+                  <a:spcPct val="90000"/>
+                </a:lnSpc>
+                <a:spcBef>
+                  <a:spcPts val="500"/>
+                </a:spcBef>
+                <a:buFont typeface="Arial" panose="020B0604020202020204" pitchFamily="34" charset="0"/>
+                <a:buChar char="•"/>
+              </a:lvl4pPr>
+              <a:lvl5pPr marL="2057400" indent="-228600">
+                <a:lnSpc>
+                  <a:spcPct val="90000"/>
+                </a:lnSpc>
+                <a:spcBef>
+                  <a:spcPts val="500"/>
+                </a:spcBef>
+                <a:buFont typeface="Arial" panose="020B0604020202020204" pitchFamily="34" charset="0"/>
+                <a:buChar char="•"/>
+              </a:lvl5pPr>
+              <a:lvl6pPr marL="2514600" indent="-228600">
+                <a:lnSpc>
+                  <a:spcPct val="90000"/>
+                </a:lnSpc>
+                <a:spcBef>
+                  <a:spcPts val="500"/>
+                </a:spcBef>
+                <a:buFont typeface="Arial" panose="020B0604020202020204" pitchFamily="34" charset="0"/>
+                <a:buChar char="•"/>
+              </a:lvl6pPr>
+              <a:lvl7pPr marL="2971800" indent="-228600">
+                <a:lnSpc>
+                  <a:spcPct val="90000"/>
+                </a:lnSpc>
+                <a:spcBef>
+                  <a:spcPts val="500"/>
+                </a:spcBef>
+                <a:buFont typeface="Arial" panose="020B0604020202020204" pitchFamily="34" charset="0"/>
+                <a:buChar char="•"/>
+              </a:lvl7pPr>
+              <a:lvl8pPr marL="3429000" indent="-228600">
+                <a:lnSpc>
+                  <a:spcPct val="90000"/>
+                </a:lnSpc>
+                <a:spcBef>
+                  <a:spcPts val="500"/>
+                </a:spcBef>
+                <a:buFont typeface="Arial" panose="020B0604020202020204" pitchFamily="34" charset="0"/>
+                <a:buChar char="•"/>
+              </a:lvl8pPr>
+              <a:lvl9pPr marL="3886200" indent="-228600">
+                <a:lnSpc>
+                  <a:spcPct val="90000"/>
+                </a:lnSpc>
+                <a:spcBef>
+                  <a:spcPts val="500"/>
+                </a:spcBef>
+                <a:buFont typeface="Arial" panose="020B0604020202020204" pitchFamily="34" charset="0"/>
+                <a:buChar char="•"/>
+              </a:lvl9pPr>
+            </a:lstStyle>
+            <a:p>
+              <a:r>
+                <a:rPr lang="pt-BR" sz="1200" dirty="0"/>
+                <a:t>Output gerado após a aplicação da técnica de similaridade no livro Harry Potter e a Câmara Secreta, com os dados textuais </a:t>
+              </a:r>
+              <a:r>
+                <a:rPr lang="pt-BR" sz="1200" dirty="0" err="1"/>
+                <a:t>pré</a:t>
+              </a:r>
+              <a:r>
+                <a:rPr lang="pt-BR" sz="1200" dirty="0"/>
+                <a:t>-processados.</a:t>
+              </a:r>
+              <a:br>
+                <a:rPr lang="pt-BR" sz="1200" dirty="0"/>
+              </a:br>
+              <a:r>
+                <a:rPr lang="pt-BR" sz="1200" b="1" dirty="0"/>
+                <a:t>Fonte: Resultados originais da pesquisa </a:t>
+              </a:r>
+            </a:p>
+          </p:txBody>
+        </p:sp>
+      </p:grpSp>
+      <p:grpSp>
+        <p:nvGrpSpPr>
+          <p:cNvPr id="6" name="Group 5">
             <a:extLst>
               <a:ext uri="{FF2B5EF4-FFF2-40B4-BE49-F238E27FC236}">
-                <a16:creationId xmlns:a16="http://schemas.microsoft.com/office/drawing/2014/main" id="{FC93B50F-C07C-9BE0-12C2-28329FA995D1}"/>
+                <a16:creationId xmlns:a16="http://schemas.microsoft.com/office/drawing/2014/main" id="{41CE6842-CB92-6DFC-A7F1-B1E716D886DC}"/>
               </a:ext>
             </a:extLst>
           </p:cNvPr>
-          <p:cNvPicPr>
-            <a:picLocks noChangeAspect="1"/>
-          </p:cNvPicPr>
+          <p:cNvGrpSpPr/>
           <p:nvPr/>
-        </p:nvPicPr>
-        <p:blipFill>
-          <a:blip r:embed="rId2">
-            <a:extLst>
-              <a:ext uri="{28A0092B-C50C-407E-A947-70E740481C1C}">
-                <a14:useLocalDpi xmlns:a14="http://schemas.microsoft.com/office/drawing/2010/main" val="0"/>
-              </a:ext>
-            </a:extLst>
-          </a:blip>
-          <a:stretch>
-            <a:fillRect/>
-          </a:stretch>
-        </p:blipFill>
-        <p:spPr>
+        </p:nvGrpSpPr>
+        <p:grpSpPr>
           <a:xfrm>
-            <a:off x="152740" y="2076045"/>
-            <a:ext cx="5828624" cy="719328"/>
+            <a:off x="6212528" y="1681050"/>
+            <a:ext cx="5832225" cy="2419449"/>
+            <a:chOff x="6212528" y="1681050"/>
+            <a:chExt cx="5832225" cy="2419449"/>
           </a:xfrm>
-          <a:prstGeom prst="rect">
-            <a:avLst/>
-          </a:prstGeom>
-        </p:spPr>
-      </p:pic>
-      <p:sp>
-        <p:nvSpPr>
-          <p:cNvPr id="5" name="Espaço Reservado para Conteúdo 2">
+        </p:grpSpPr>
+        <p:pic>
+          <p:nvPicPr>
+            <p:cNvPr id="9" name="Picture 8" descr="A screenshot of a computer code&#10;&#10;Description automatically generated with low confidence">
+              <a:extLst>
+                <a:ext uri="{FF2B5EF4-FFF2-40B4-BE49-F238E27FC236}">
+                  <a16:creationId xmlns:a16="http://schemas.microsoft.com/office/drawing/2014/main" id="{4E817F75-8D41-2237-3CA5-C66DBEBBC00A}"/>
+                </a:ext>
+              </a:extLst>
+            </p:cNvPr>
+            <p:cNvPicPr>
+              <a:picLocks noChangeAspect="1"/>
+            </p:cNvPicPr>
+            <p:nvPr/>
+          </p:nvPicPr>
+          <p:blipFill>
+            <a:blip r:embed="rId3">
+              <a:extLst>
+                <a:ext uri="{28A0092B-C50C-407E-A947-70E740481C1C}">
+                  <a14:useLocalDpi xmlns:a14="http://schemas.microsoft.com/office/drawing/2010/main" val="0"/>
+                </a:ext>
+              </a:extLst>
+            </a:blip>
+            <a:stretch>
+              <a:fillRect/>
+            </a:stretch>
+          </p:blipFill>
+          <p:spPr>
+            <a:xfrm>
+              <a:off x="6231529" y="1681050"/>
+              <a:ext cx="5813224" cy="1810512"/>
+            </a:xfrm>
+            <a:prstGeom prst="rect">
+              <a:avLst/>
+            </a:prstGeom>
+          </p:spPr>
+        </p:pic>
+        <p:sp>
+          <p:nvSpPr>
+            <p:cNvPr id="10" name="Espaço Reservado para Conteúdo 2">
+              <a:extLst>
+                <a:ext uri="{FF2B5EF4-FFF2-40B4-BE49-F238E27FC236}">
+                  <a16:creationId xmlns:a16="http://schemas.microsoft.com/office/drawing/2014/main" id="{A94475B3-8EC4-2979-A424-A7DD85A5625E}"/>
+                </a:ext>
+              </a:extLst>
+            </p:cNvPr>
+            <p:cNvSpPr txBox="1">
+              <a:spLocks/>
+            </p:cNvSpPr>
+            <p:nvPr/>
+          </p:nvSpPr>
+          <p:spPr>
+            <a:xfrm>
+              <a:off x="6212528" y="3491563"/>
+              <a:ext cx="5813224" cy="608936"/>
+            </a:xfrm>
+            <a:prstGeom prst="rect">
+              <a:avLst/>
+            </a:prstGeom>
+          </p:spPr>
+          <p:txBody>
+            <a:bodyPr vert="horz" lIns="91440" tIns="45720" rIns="91440" bIns="45720" rtlCol="0">
+              <a:noAutofit/>
+            </a:bodyPr>
+            <a:lstStyle>
+              <a:defPPr>
+                <a:defRPr lang="pt-BR"/>
+              </a:defPPr>
+              <a:lvl1pPr indent="0">
+                <a:lnSpc>
+                  <a:spcPct val="90000"/>
+                </a:lnSpc>
+                <a:spcBef>
+                  <a:spcPts val="1000"/>
+                </a:spcBef>
+                <a:buFont typeface="Arial" panose="020B0604020202020204" pitchFamily="34" charset="0"/>
+                <a:buNone/>
+                <a:defRPr sz="1600">
+                  <a:solidFill>
+                    <a:schemeClr val="bg2">
+                      <a:lumMod val="25000"/>
+                    </a:schemeClr>
+                  </a:solidFill>
+                  <a:cs typeface="Arial" panose="020B0604020202020204" pitchFamily="34" charset="0"/>
+                </a:defRPr>
+              </a:lvl1pPr>
+              <a:lvl2pPr marL="685800" indent="-228600">
+                <a:lnSpc>
+                  <a:spcPct val="90000"/>
+                </a:lnSpc>
+                <a:spcBef>
+                  <a:spcPts val="500"/>
+                </a:spcBef>
+                <a:buFont typeface="Arial" panose="020B0604020202020204" pitchFamily="34" charset="0"/>
+                <a:buChar char="•"/>
+                <a:defRPr sz="2400"/>
+              </a:lvl2pPr>
+              <a:lvl3pPr marL="1143000" indent="-228600">
+                <a:lnSpc>
+                  <a:spcPct val="90000"/>
+                </a:lnSpc>
+                <a:spcBef>
+                  <a:spcPts val="500"/>
+                </a:spcBef>
+                <a:buFont typeface="Arial" panose="020B0604020202020204" pitchFamily="34" charset="0"/>
+                <a:buChar char="•"/>
+                <a:defRPr sz="2000"/>
+              </a:lvl3pPr>
+              <a:lvl4pPr marL="1600200" indent="-228600">
+                <a:lnSpc>
+                  <a:spcPct val="90000"/>
+                </a:lnSpc>
+                <a:spcBef>
+                  <a:spcPts val="500"/>
+                </a:spcBef>
+                <a:buFont typeface="Arial" panose="020B0604020202020204" pitchFamily="34" charset="0"/>
+                <a:buChar char="•"/>
+              </a:lvl4pPr>
+              <a:lvl5pPr marL="2057400" indent="-228600">
+                <a:lnSpc>
+                  <a:spcPct val="90000"/>
+                </a:lnSpc>
+                <a:spcBef>
+                  <a:spcPts val="500"/>
+                </a:spcBef>
+                <a:buFont typeface="Arial" panose="020B0604020202020204" pitchFamily="34" charset="0"/>
+                <a:buChar char="•"/>
+              </a:lvl5pPr>
+              <a:lvl6pPr marL="2514600" indent="-228600">
+                <a:lnSpc>
+                  <a:spcPct val="90000"/>
+                </a:lnSpc>
+                <a:spcBef>
+                  <a:spcPts val="500"/>
+                </a:spcBef>
+                <a:buFont typeface="Arial" panose="020B0604020202020204" pitchFamily="34" charset="0"/>
+                <a:buChar char="•"/>
+              </a:lvl6pPr>
+              <a:lvl7pPr marL="2971800" indent="-228600">
+                <a:lnSpc>
+                  <a:spcPct val="90000"/>
+                </a:lnSpc>
+                <a:spcBef>
+                  <a:spcPts val="500"/>
+                </a:spcBef>
+                <a:buFont typeface="Arial" panose="020B0604020202020204" pitchFamily="34" charset="0"/>
+                <a:buChar char="•"/>
+              </a:lvl7pPr>
+              <a:lvl8pPr marL="3429000" indent="-228600">
+                <a:lnSpc>
+                  <a:spcPct val="90000"/>
+                </a:lnSpc>
+                <a:spcBef>
+                  <a:spcPts val="500"/>
+                </a:spcBef>
+                <a:buFont typeface="Arial" panose="020B0604020202020204" pitchFamily="34" charset="0"/>
+                <a:buChar char="•"/>
+              </a:lvl8pPr>
+              <a:lvl9pPr marL="3886200" indent="-228600">
+                <a:lnSpc>
+                  <a:spcPct val="90000"/>
+                </a:lnSpc>
+                <a:spcBef>
+                  <a:spcPts val="500"/>
+                </a:spcBef>
+                <a:buFont typeface="Arial" panose="020B0604020202020204" pitchFamily="34" charset="0"/>
+                <a:buChar char="•"/>
+              </a:lvl9pPr>
+            </a:lstStyle>
+            <a:p>
+              <a:r>
+                <a:rPr lang="pt-BR" sz="1200" dirty="0"/>
+                <a:t>Output gerado após a aplicação da técnica de concordância no livro Harry Potter e a Câmara Secreta, com os dados textuais </a:t>
+              </a:r>
+              <a:r>
+                <a:rPr lang="pt-BR" sz="1200" dirty="0" err="1"/>
+                <a:t>pré</a:t>
+              </a:r>
+              <a:r>
+                <a:rPr lang="pt-BR" sz="1200" dirty="0"/>
+                <a:t>-processados.</a:t>
+              </a:r>
+              <a:br>
+                <a:rPr lang="pt-BR" sz="1200" dirty="0"/>
+              </a:br>
+              <a:r>
+                <a:rPr lang="pt-BR" sz="1200" b="1" dirty="0"/>
+                <a:t>Fonte: Resultados originais da pesquisa </a:t>
+              </a:r>
+            </a:p>
+          </p:txBody>
+        </p:sp>
+      </p:grpSp>
+      <p:grpSp>
+        <p:nvGrpSpPr>
+          <p:cNvPr id="16" name="Group 15">
             <a:extLst>
               <a:ext uri="{FF2B5EF4-FFF2-40B4-BE49-F238E27FC236}">
-                <a16:creationId xmlns:a16="http://schemas.microsoft.com/office/drawing/2014/main" id="{7793F7F0-C787-FDE0-AACB-D4D5E8431D4B}"/>
+                <a16:creationId xmlns:a16="http://schemas.microsoft.com/office/drawing/2014/main" id="{AADCE08E-B313-BC02-A47B-EDBAAF1BF068}"/>
               </a:ext>
             </a:extLst>
           </p:cNvPr>
-          <p:cNvSpPr txBox="1">
-            <a:spLocks/>
-          </p:cNvSpPr>
+          <p:cNvGrpSpPr/>
           <p:nvPr/>
-        </p:nvSpPr>
-        <p:spPr>
+        </p:nvGrpSpPr>
+        <p:grpSpPr>
           <a:xfrm>
-            <a:off x="152740" y="2795373"/>
-            <a:ext cx="5809520" cy="959185"/>
+            <a:off x="6227928" y="4284043"/>
+            <a:ext cx="5813224" cy="1982634"/>
+            <a:chOff x="6227928" y="4284043"/>
+            <a:chExt cx="5813224" cy="1982634"/>
           </a:xfrm>
-          <a:prstGeom prst="rect">
-            <a:avLst/>
-          </a:prstGeom>
-        </p:spPr>
-        <p:txBody>
-          <a:bodyPr vert="horz" lIns="91440" tIns="45720" rIns="91440" bIns="45720" rtlCol="0">
-            <a:noAutofit/>
-          </a:bodyPr>
-          <a:lstStyle>
-            <a:defPPr>
-              <a:defRPr lang="pt-BR"/>
-            </a:defPPr>
-            <a:lvl1pPr indent="0">
-              <a:lnSpc>
-                <a:spcPct val="90000"/>
-              </a:lnSpc>
-              <a:spcBef>
-                <a:spcPts val="1000"/>
-              </a:spcBef>
-              <a:buFont typeface="Arial" panose="020B0604020202020204" pitchFamily="34" charset="0"/>
-              <a:buNone/>
-              <a:defRPr sz="1600">
-                <a:solidFill>
-                  <a:schemeClr val="bg2">
-                    <a:lumMod val="25000"/>
-                  </a:schemeClr>
-                </a:solidFill>
-                <a:cs typeface="Arial" panose="020B0604020202020204" pitchFamily="34" charset="0"/>
-              </a:defRPr>
-            </a:lvl1pPr>
-            <a:lvl2pPr marL="685800" indent="-228600">
-              <a:lnSpc>
-                <a:spcPct val="90000"/>
-              </a:lnSpc>
-              <a:spcBef>
-                <a:spcPts val="500"/>
-              </a:spcBef>
-              <a:buFont typeface="Arial" panose="020B0604020202020204" pitchFamily="34" charset="0"/>
-              <a:buChar char="•"/>
-              <a:defRPr sz="2400"/>
-            </a:lvl2pPr>
-            <a:lvl3pPr marL="1143000" indent="-228600">
-              <a:lnSpc>
-                <a:spcPct val="90000"/>
-              </a:lnSpc>
-              <a:spcBef>
-                <a:spcPts val="500"/>
-              </a:spcBef>
-              <a:buFont typeface="Arial" panose="020B0604020202020204" pitchFamily="34" charset="0"/>
-              <a:buChar char="•"/>
-              <a:defRPr sz="2000"/>
-            </a:lvl3pPr>
-            <a:lvl4pPr marL="1600200" indent="-228600">
-              <a:lnSpc>
-                <a:spcPct val="90000"/>
-              </a:lnSpc>
-              <a:spcBef>
-                <a:spcPts val="500"/>
-              </a:spcBef>
-              <a:buFont typeface="Arial" panose="020B0604020202020204" pitchFamily="34" charset="0"/>
-              <a:buChar char="•"/>
-            </a:lvl4pPr>
-            <a:lvl5pPr marL="2057400" indent="-228600">
-              <a:lnSpc>
-                <a:spcPct val="90000"/>
-              </a:lnSpc>
-              <a:spcBef>
-                <a:spcPts val="500"/>
-              </a:spcBef>
-              <a:buFont typeface="Arial" panose="020B0604020202020204" pitchFamily="34" charset="0"/>
-              <a:buChar char="•"/>
-            </a:lvl5pPr>
-            <a:lvl6pPr marL="2514600" indent="-228600">
-              <a:lnSpc>
-                <a:spcPct val="90000"/>
-              </a:lnSpc>
-              <a:spcBef>
-                <a:spcPts val="500"/>
-              </a:spcBef>
-              <a:buFont typeface="Arial" panose="020B0604020202020204" pitchFamily="34" charset="0"/>
-              <a:buChar char="•"/>
-            </a:lvl6pPr>
-            <a:lvl7pPr marL="2971800" indent="-228600">
-              <a:lnSpc>
-                <a:spcPct val="90000"/>
-              </a:lnSpc>
-              <a:spcBef>
-                <a:spcPts val="500"/>
-              </a:spcBef>
-              <a:buFont typeface="Arial" panose="020B0604020202020204" pitchFamily="34" charset="0"/>
-              <a:buChar char="•"/>
-            </a:lvl7pPr>
-            <a:lvl8pPr marL="3429000" indent="-228600">
-              <a:lnSpc>
-                <a:spcPct val="90000"/>
-              </a:lnSpc>
-              <a:spcBef>
-                <a:spcPts val="500"/>
-              </a:spcBef>
-              <a:buFont typeface="Arial" panose="020B0604020202020204" pitchFamily="34" charset="0"/>
-              <a:buChar char="•"/>
-            </a:lvl8pPr>
-            <a:lvl9pPr marL="3886200" indent="-228600">
-              <a:lnSpc>
-                <a:spcPct val="90000"/>
-              </a:lnSpc>
-              <a:spcBef>
-                <a:spcPts val="500"/>
-              </a:spcBef>
-              <a:buFont typeface="Arial" panose="020B0604020202020204" pitchFamily="34" charset="0"/>
-              <a:buChar char="•"/>
-            </a:lvl9pPr>
-          </a:lstStyle>
-          <a:p>
-            <a:r>
-              <a:rPr lang="pt-BR" sz="1200" dirty="0"/>
-              <a:t>Output gerado após a aplicação da técnica de similaridade no livro Harry Potter e a Câmara Secreta, com os dados textuais </a:t>
-            </a:r>
-            <a:r>
-              <a:rPr lang="pt-BR" sz="1200" dirty="0" err="1"/>
-              <a:t>pré</a:t>
-            </a:r>
-            <a:r>
-              <a:rPr lang="pt-BR" sz="1200" dirty="0"/>
-              <a:t>-processados.</a:t>
-            </a:r>
-            <a:br>
-              <a:rPr lang="pt-BR" sz="1200" dirty="0"/>
-            </a:br>
-            <a:r>
-              <a:rPr lang="pt-BR" sz="1200" b="1" dirty="0"/>
-              <a:t>Fonte: Resultados originais da pesquisa </a:t>
-            </a:r>
-          </a:p>
-        </p:txBody>
-      </p:sp>
-      <p:pic>
-        <p:nvPicPr>
-          <p:cNvPr id="9" name="Picture 8" descr="A screenshot of a computer code&#10;&#10;Description automatically generated with low confidence">
-            <a:extLst>
-              <a:ext uri="{FF2B5EF4-FFF2-40B4-BE49-F238E27FC236}">
-                <a16:creationId xmlns:a16="http://schemas.microsoft.com/office/drawing/2014/main" id="{4E817F75-8D41-2237-3CA5-C66DBEBBC00A}"/>
-              </a:ext>
-            </a:extLst>
-          </p:cNvPr>
-          <p:cNvPicPr>
-            <a:picLocks noChangeAspect="1"/>
-          </p:cNvPicPr>
-          <p:nvPr/>
-        </p:nvPicPr>
-        <p:blipFill>
-          <a:blip r:embed="rId3">
-            <a:extLst>
-              <a:ext uri="{28A0092B-C50C-407E-A947-70E740481C1C}">
-                <a14:useLocalDpi xmlns:a14="http://schemas.microsoft.com/office/drawing/2010/main" val="0"/>
-              </a:ext>
-            </a:extLst>
-          </a:blip>
-          <a:stretch>
-            <a:fillRect/>
-          </a:stretch>
-        </p:blipFill>
-        <p:spPr>
-          <a:xfrm>
-            <a:off x="6245140" y="2523744"/>
-            <a:ext cx="5832225" cy="1810512"/>
-          </a:xfrm>
-          <a:prstGeom prst="rect">
-            <a:avLst/>
-          </a:prstGeom>
-        </p:spPr>
-      </p:pic>
-      <p:sp>
-        <p:nvSpPr>
-          <p:cNvPr id="10" name="Espaço Reservado para Conteúdo 2">
-            <a:extLst>
-              <a:ext uri="{FF2B5EF4-FFF2-40B4-BE49-F238E27FC236}">
-                <a16:creationId xmlns:a16="http://schemas.microsoft.com/office/drawing/2014/main" id="{A94475B3-8EC4-2979-A424-A7DD85A5625E}"/>
-              </a:ext>
-            </a:extLst>
-          </p:cNvPr>
-          <p:cNvSpPr txBox="1">
-            <a:spLocks/>
-          </p:cNvSpPr>
-          <p:nvPr/>
-        </p:nvSpPr>
-        <p:spPr>
-          <a:xfrm>
-            <a:off x="6245140" y="4334256"/>
-            <a:ext cx="5813224" cy="959185"/>
-          </a:xfrm>
-          <a:prstGeom prst="rect">
-            <a:avLst/>
-          </a:prstGeom>
-        </p:spPr>
-        <p:txBody>
-          <a:bodyPr vert="horz" lIns="91440" tIns="45720" rIns="91440" bIns="45720" rtlCol="0">
-            <a:noAutofit/>
-          </a:bodyPr>
-          <a:lstStyle>
-            <a:defPPr>
-              <a:defRPr lang="pt-BR"/>
-            </a:defPPr>
-            <a:lvl1pPr indent="0">
-              <a:lnSpc>
-                <a:spcPct val="90000"/>
-              </a:lnSpc>
-              <a:spcBef>
-                <a:spcPts val="1000"/>
-              </a:spcBef>
-              <a:buFont typeface="Arial" panose="020B0604020202020204" pitchFamily="34" charset="0"/>
-              <a:buNone/>
-              <a:defRPr sz="1600">
-                <a:solidFill>
-                  <a:schemeClr val="bg2">
-                    <a:lumMod val="25000"/>
-                  </a:schemeClr>
-                </a:solidFill>
-                <a:cs typeface="Arial" panose="020B0604020202020204" pitchFamily="34" charset="0"/>
-              </a:defRPr>
-            </a:lvl1pPr>
-            <a:lvl2pPr marL="685800" indent="-228600">
-              <a:lnSpc>
-                <a:spcPct val="90000"/>
-              </a:lnSpc>
-              <a:spcBef>
-                <a:spcPts val="500"/>
-              </a:spcBef>
-              <a:buFont typeface="Arial" panose="020B0604020202020204" pitchFamily="34" charset="0"/>
-              <a:buChar char="•"/>
-              <a:defRPr sz="2400"/>
-            </a:lvl2pPr>
-            <a:lvl3pPr marL="1143000" indent="-228600">
-              <a:lnSpc>
-                <a:spcPct val="90000"/>
-              </a:lnSpc>
-              <a:spcBef>
-                <a:spcPts val="500"/>
-              </a:spcBef>
-              <a:buFont typeface="Arial" panose="020B0604020202020204" pitchFamily="34" charset="0"/>
-              <a:buChar char="•"/>
-              <a:defRPr sz="2000"/>
-            </a:lvl3pPr>
-            <a:lvl4pPr marL="1600200" indent="-228600">
-              <a:lnSpc>
-                <a:spcPct val="90000"/>
-              </a:lnSpc>
-              <a:spcBef>
-                <a:spcPts val="500"/>
-              </a:spcBef>
-              <a:buFont typeface="Arial" panose="020B0604020202020204" pitchFamily="34" charset="0"/>
-              <a:buChar char="•"/>
-            </a:lvl4pPr>
-            <a:lvl5pPr marL="2057400" indent="-228600">
-              <a:lnSpc>
-                <a:spcPct val="90000"/>
-              </a:lnSpc>
-              <a:spcBef>
-                <a:spcPts val="500"/>
-              </a:spcBef>
-              <a:buFont typeface="Arial" panose="020B0604020202020204" pitchFamily="34" charset="0"/>
-              <a:buChar char="•"/>
-            </a:lvl5pPr>
-            <a:lvl6pPr marL="2514600" indent="-228600">
-              <a:lnSpc>
-                <a:spcPct val="90000"/>
-              </a:lnSpc>
-              <a:spcBef>
-                <a:spcPts val="500"/>
-              </a:spcBef>
-              <a:buFont typeface="Arial" panose="020B0604020202020204" pitchFamily="34" charset="0"/>
-              <a:buChar char="•"/>
-            </a:lvl6pPr>
-            <a:lvl7pPr marL="2971800" indent="-228600">
-              <a:lnSpc>
-                <a:spcPct val="90000"/>
-              </a:lnSpc>
-              <a:spcBef>
-                <a:spcPts val="500"/>
-              </a:spcBef>
-              <a:buFont typeface="Arial" panose="020B0604020202020204" pitchFamily="34" charset="0"/>
-              <a:buChar char="•"/>
-            </a:lvl7pPr>
-            <a:lvl8pPr marL="3429000" indent="-228600">
-              <a:lnSpc>
-                <a:spcPct val="90000"/>
-              </a:lnSpc>
-              <a:spcBef>
-                <a:spcPts val="500"/>
-              </a:spcBef>
-              <a:buFont typeface="Arial" panose="020B0604020202020204" pitchFamily="34" charset="0"/>
-              <a:buChar char="•"/>
-            </a:lvl8pPr>
-            <a:lvl9pPr marL="3886200" indent="-228600">
-              <a:lnSpc>
-                <a:spcPct val="90000"/>
-              </a:lnSpc>
-              <a:spcBef>
-                <a:spcPts val="500"/>
-              </a:spcBef>
-              <a:buFont typeface="Arial" panose="020B0604020202020204" pitchFamily="34" charset="0"/>
-              <a:buChar char="•"/>
-            </a:lvl9pPr>
-          </a:lstStyle>
-          <a:p>
-            <a:r>
-              <a:rPr lang="pt-BR" sz="1200" dirty="0"/>
-              <a:t>Output gerado após a aplicação da técnica de concordância no livro Harry Potter e a Câmara Secreta, com os dados textuais </a:t>
-            </a:r>
-            <a:r>
-              <a:rPr lang="pt-BR" sz="1200" dirty="0" err="1"/>
-              <a:t>pré</a:t>
-            </a:r>
-            <a:r>
-              <a:rPr lang="pt-BR" sz="1200" dirty="0"/>
-              <a:t>-processados.</a:t>
-            </a:r>
-            <a:br>
-              <a:rPr lang="pt-BR" sz="1200" dirty="0"/>
-            </a:br>
-            <a:r>
-              <a:rPr lang="pt-BR" sz="1200" b="1" dirty="0"/>
-              <a:t>Fonte: Resultados originais da pesquisa </a:t>
-            </a:r>
-          </a:p>
-        </p:txBody>
-      </p:sp>
-      <p:pic>
-        <p:nvPicPr>
-          <p:cNvPr id="12" name="Picture 11" descr="A black text on a white background&#10;&#10;Description automatically generated with low confidence">
-            <a:extLst>
-              <a:ext uri="{FF2B5EF4-FFF2-40B4-BE49-F238E27FC236}">
-                <a16:creationId xmlns:a16="http://schemas.microsoft.com/office/drawing/2014/main" id="{309BC8B5-5C0A-1BE9-C1A0-58DCAD8C1B17}"/>
-              </a:ext>
-            </a:extLst>
-          </p:cNvPr>
-          <p:cNvPicPr>
-            <a:picLocks noChangeAspect="1"/>
-          </p:cNvPicPr>
-          <p:nvPr/>
-        </p:nvPicPr>
-        <p:blipFill>
-          <a:blip r:embed="rId4">
-            <a:extLst>
-              <a:ext uri="{28A0092B-C50C-407E-A947-70E740481C1C}">
-                <a14:useLocalDpi xmlns:a14="http://schemas.microsoft.com/office/drawing/2010/main" val="0"/>
-              </a:ext>
-            </a:extLst>
-          </a:blip>
-          <a:stretch>
-            <a:fillRect/>
-          </a:stretch>
-        </p:blipFill>
-        <p:spPr>
-          <a:xfrm>
-            <a:off x="152740" y="4083189"/>
-            <a:ext cx="5828624" cy="1444752"/>
-          </a:xfrm>
-          <a:prstGeom prst="rect">
-            <a:avLst/>
-          </a:prstGeom>
-        </p:spPr>
-      </p:pic>
-      <p:sp>
-        <p:nvSpPr>
-          <p:cNvPr id="13" name="Espaço Reservado para Conteúdo 2">
-            <a:extLst>
-              <a:ext uri="{FF2B5EF4-FFF2-40B4-BE49-F238E27FC236}">
-                <a16:creationId xmlns:a16="http://schemas.microsoft.com/office/drawing/2014/main" id="{4B084FA3-DAFC-B003-E2B8-4409FBF798E8}"/>
-              </a:ext>
-            </a:extLst>
-          </p:cNvPr>
-          <p:cNvSpPr txBox="1">
-            <a:spLocks/>
-          </p:cNvSpPr>
-          <p:nvPr/>
-        </p:nvSpPr>
-        <p:spPr>
-          <a:xfrm>
-            <a:off x="152740" y="5515424"/>
-            <a:ext cx="5809520" cy="959185"/>
-          </a:xfrm>
-          <a:prstGeom prst="rect">
-            <a:avLst/>
-          </a:prstGeom>
-        </p:spPr>
-        <p:txBody>
-          <a:bodyPr vert="horz" lIns="91440" tIns="45720" rIns="91440" bIns="45720" rtlCol="0">
-            <a:noAutofit/>
-          </a:bodyPr>
-          <a:lstStyle>
-            <a:defPPr>
-              <a:defRPr lang="pt-BR"/>
-            </a:defPPr>
-            <a:lvl1pPr indent="0">
-              <a:lnSpc>
-                <a:spcPct val="90000"/>
-              </a:lnSpc>
-              <a:spcBef>
-                <a:spcPts val="1000"/>
-              </a:spcBef>
-              <a:buFont typeface="Arial" panose="020B0604020202020204" pitchFamily="34" charset="0"/>
-              <a:buNone/>
-              <a:defRPr sz="1600">
-                <a:solidFill>
-                  <a:schemeClr val="bg2">
-                    <a:lumMod val="25000"/>
-                  </a:schemeClr>
-                </a:solidFill>
-                <a:cs typeface="Arial" panose="020B0604020202020204" pitchFamily="34" charset="0"/>
-              </a:defRPr>
-            </a:lvl1pPr>
-            <a:lvl2pPr marL="685800" indent="-228600">
-              <a:lnSpc>
-                <a:spcPct val="90000"/>
-              </a:lnSpc>
-              <a:spcBef>
-                <a:spcPts val="500"/>
-              </a:spcBef>
-              <a:buFont typeface="Arial" panose="020B0604020202020204" pitchFamily="34" charset="0"/>
-              <a:buChar char="•"/>
-              <a:defRPr sz="2400"/>
-            </a:lvl2pPr>
-            <a:lvl3pPr marL="1143000" indent="-228600">
-              <a:lnSpc>
-                <a:spcPct val="90000"/>
-              </a:lnSpc>
-              <a:spcBef>
-                <a:spcPts val="500"/>
-              </a:spcBef>
-              <a:buFont typeface="Arial" panose="020B0604020202020204" pitchFamily="34" charset="0"/>
-              <a:buChar char="•"/>
-              <a:defRPr sz="2000"/>
-            </a:lvl3pPr>
-            <a:lvl4pPr marL="1600200" indent="-228600">
-              <a:lnSpc>
-                <a:spcPct val="90000"/>
-              </a:lnSpc>
-              <a:spcBef>
-                <a:spcPts val="500"/>
-              </a:spcBef>
-              <a:buFont typeface="Arial" panose="020B0604020202020204" pitchFamily="34" charset="0"/>
-              <a:buChar char="•"/>
-            </a:lvl4pPr>
-            <a:lvl5pPr marL="2057400" indent="-228600">
-              <a:lnSpc>
-                <a:spcPct val="90000"/>
-              </a:lnSpc>
-              <a:spcBef>
-                <a:spcPts val="500"/>
-              </a:spcBef>
-              <a:buFont typeface="Arial" panose="020B0604020202020204" pitchFamily="34" charset="0"/>
-              <a:buChar char="•"/>
-            </a:lvl5pPr>
-            <a:lvl6pPr marL="2514600" indent="-228600">
-              <a:lnSpc>
-                <a:spcPct val="90000"/>
-              </a:lnSpc>
-              <a:spcBef>
-                <a:spcPts val="500"/>
-              </a:spcBef>
-              <a:buFont typeface="Arial" panose="020B0604020202020204" pitchFamily="34" charset="0"/>
-              <a:buChar char="•"/>
-            </a:lvl6pPr>
-            <a:lvl7pPr marL="2971800" indent="-228600">
-              <a:lnSpc>
-                <a:spcPct val="90000"/>
-              </a:lnSpc>
-              <a:spcBef>
-                <a:spcPts val="500"/>
-              </a:spcBef>
-              <a:buFont typeface="Arial" panose="020B0604020202020204" pitchFamily="34" charset="0"/>
-              <a:buChar char="•"/>
-            </a:lvl7pPr>
-            <a:lvl8pPr marL="3429000" indent="-228600">
-              <a:lnSpc>
-                <a:spcPct val="90000"/>
-              </a:lnSpc>
-              <a:spcBef>
-                <a:spcPts val="500"/>
-              </a:spcBef>
-              <a:buFont typeface="Arial" panose="020B0604020202020204" pitchFamily="34" charset="0"/>
-              <a:buChar char="•"/>
-            </a:lvl8pPr>
-            <a:lvl9pPr marL="3886200" indent="-228600">
-              <a:lnSpc>
-                <a:spcPct val="90000"/>
-              </a:lnSpc>
-              <a:spcBef>
-                <a:spcPts val="500"/>
-              </a:spcBef>
-              <a:buFont typeface="Arial" panose="020B0604020202020204" pitchFamily="34" charset="0"/>
-              <a:buChar char="•"/>
-            </a:lvl9pPr>
-          </a:lstStyle>
-          <a:p>
-            <a:r>
-              <a:rPr lang="pt-BR" sz="1200" dirty="0"/>
-              <a:t>Output gerado após a aplicação da técnica de bigramas no livro Harry Potter e a Câmara Secreta, com os dados textuais </a:t>
-            </a:r>
-            <a:r>
-              <a:rPr lang="pt-BR" sz="1200" dirty="0" err="1"/>
-              <a:t>pré</a:t>
-            </a:r>
-            <a:r>
-              <a:rPr lang="pt-BR" sz="1200" dirty="0"/>
-              <a:t>-processados.</a:t>
-            </a:r>
-            <a:br>
-              <a:rPr lang="pt-BR" sz="1200" dirty="0"/>
-            </a:br>
-            <a:r>
-              <a:rPr lang="pt-BR" sz="1200" b="1" dirty="0"/>
-              <a:t>Fonte: Resultados originais da pesquisa </a:t>
-            </a:r>
-          </a:p>
-        </p:txBody>
-      </p:sp>
+        </p:grpSpPr>
+        <p:pic>
+          <p:nvPicPr>
+            <p:cNvPr id="12" name="Picture 11" descr="A black text on a white background&#10;&#10;Description automatically generated with low confidence">
+              <a:extLst>
+                <a:ext uri="{FF2B5EF4-FFF2-40B4-BE49-F238E27FC236}">
+                  <a16:creationId xmlns:a16="http://schemas.microsoft.com/office/drawing/2014/main" id="{309BC8B5-5C0A-1BE9-C1A0-58DCAD8C1B17}"/>
+                </a:ext>
+              </a:extLst>
+            </p:cNvPr>
+            <p:cNvPicPr>
+              <a:picLocks noChangeAspect="1"/>
+            </p:cNvPicPr>
+            <p:nvPr/>
+          </p:nvPicPr>
+          <p:blipFill>
+            <a:blip r:embed="rId4">
+              <a:extLst>
+                <a:ext uri="{28A0092B-C50C-407E-A947-70E740481C1C}">
+                  <a14:useLocalDpi xmlns:a14="http://schemas.microsoft.com/office/drawing/2010/main" val="0"/>
+                </a:ext>
+              </a:extLst>
+            </a:blip>
+            <a:stretch>
+              <a:fillRect/>
+            </a:stretch>
+          </p:blipFill>
+          <p:spPr>
+            <a:xfrm>
+              <a:off x="6227928" y="4284043"/>
+              <a:ext cx="5813224" cy="1444752"/>
+            </a:xfrm>
+            <a:prstGeom prst="rect">
+              <a:avLst/>
+            </a:prstGeom>
+          </p:spPr>
+        </p:pic>
+        <p:sp>
+          <p:nvSpPr>
+            <p:cNvPr id="13" name="Espaço Reservado para Conteúdo 2">
+              <a:extLst>
+                <a:ext uri="{FF2B5EF4-FFF2-40B4-BE49-F238E27FC236}">
+                  <a16:creationId xmlns:a16="http://schemas.microsoft.com/office/drawing/2014/main" id="{4B084FA3-DAFC-B003-E2B8-4409FBF798E8}"/>
+                </a:ext>
+              </a:extLst>
+            </p:cNvPr>
+            <p:cNvSpPr txBox="1">
+              <a:spLocks/>
+            </p:cNvSpPr>
+            <p:nvPr/>
+          </p:nvSpPr>
+          <p:spPr>
+            <a:xfrm>
+              <a:off x="6227928" y="5716279"/>
+              <a:ext cx="5813224" cy="550398"/>
+            </a:xfrm>
+            <a:prstGeom prst="rect">
+              <a:avLst/>
+            </a:prstGeom>
+          </p:spPr>
+          <p:txBody>
+            <a:bodyPr vert="horz" lIns="91440" tIns="45720" rIns="91440" bIns="45720" rtlCol="0">
+              <a:noAutofit/>
+            </a:bodyPr>
+            <a:lstStyle>
+              <a:defPPr>
+                <a:defRPr lang="pt-BR"/>
+              </a:defPPr>
+              <a:lvl1pPr indent="0">
+                <a:lnSpc>
+                  <a:spcPct val="90000"/>
+                </a:lnSpc>
+                <a:spcBef>
+                  <a:spcPts val="1000"/>
+                </a:spcBef>
+                <a:buFont typeface="Arial" panose="020B0604020202020204" pitchFamily="34" charset="0"/>
+                <a:buNone/>
+                <a:defRPr sz="1600">
+                  <a:solidFill>
+                    <a:schemeClr val="bg2">
+                      <a:lumMod val="25000"/>
+                    </a:schemeClr>
+                  </a:solidFill>
+                  <a:cs typeface="Arial" panose="020B0604020202020204" pitchFamily="34" charset="0"/>
+                </a:defRPr>
+              </a:lvl1pPr>
+              <a:lvl2pPr marL="685800" indent="-228600">
+                <a:lnSpc>
+                  <a:spcPct val="90000"/>
+                </a:lnSpc>
+                <a:spcBef>
+                  <a:spcPts val="500"/>
+                </a:spcBef>
+                <a:buFont typeface="Arial" panose="020B0604020202020204" pitchFamily="34" charset="0"/>
+                <a:buChar char="•"/>
+                <a:defRPr sz="2400"/>
+              </a:lvl2pPr>
+              <a:lvl3pPr marL="1143000" indent="-228600">
+                <a:lnSpc>
+                  <a:spcPct val="90000"/>
+                </a:lnSpc>
+                <a:spcBef>
+                  <a:spcPts val="500"/>
+                </a:spcBef>
+                <a:buFont typeface="Arial" panose="020B0604020202020204" pitchFamily="34" charset="0"/>
+                <a:buChar char="•"/>
+                <a:defRPr sz="2000"/>
+              </a:lvl3pPr>
+              <a:lvl4pPr marL="1600200" indent="-228600">
+                <a:lnSpc>
+                  <a:spcPct val="90000"/>
+                </a:lnSpc>
+                <a:spcBef>
+                  <a:spcPts val="500"/>
+                </a:spcBef>
+                <a:buFont typeface="Arial" panose="020B0604020202020204" pitchFamily="34" charset="0"/>
+                <a:buChar char="•"/>
+              </a:lvl4pPr>
+              <a:lvl5pPr marL="2057400" indent="-228600">
+                <a:lnSpc>
+                  <a:spcPct val="90000"/>
+                </a:lnSpc>
+                <a:spcBef>
+                  <a:spcPts val="500"/>
+                </a:spcBef>
+                <a:buFont typeface="Arial" panose="020B0604020202020204" pitchFamily="34" charset="0"/>
+                <a:buChar char="•"/>
+              </a:lvl5pPr>
+              <a:lvl6pPr marL="2514600" indent="-228600">
+                <a:lnSpc>
+                  <a:spcPct val="90000"/>
+                </a:lnSpc>
+                <a:spcBef>
+                  <a:spcPts val="500"/>
+                </a:spcBef>
+                <a:buFont typeface="Arial" panose="020B0604020202020204" pitchFamily="34" charset="0"/>
+                <a:buChar char="•"/>
+              </a:lvl6pPr>
+              <a:lvl7pPr marL="2971800" indent="-228600">
+                <a:lnSpc>
+                  <a:spcPct val="90000"/>
+                </a:lnSpc>
+                <a:spcBef>
+                  <a:spcPts val="500"/>
+                </a:spcBef>
+                <a:buFont typeface="Arial" panose="020B0604020202020204" pitchFamily="34" charset="0"/>
+                <a:buChar char="•"/>
+              </a:lvl7pPr>
+              <a:lvl8pPr marL="3429000" indent="-228600">
+                <a:lnSpc>
+                  <a:spcPct val="90000"/>
+                </a:lnSpc>
+                <a:spcBef>
+                  <a:spcPts val="500"/>
+                </a:spcBef>
+                <a:buFont typeface="Arial" panose="020B0604020202020204" pitchFamily="34" charset="0"/>
+                <a:buChar char="•"/>
+              </a:lvl8pPr>
+              <a:lvl9pPr marL="3886200" indent="-228600">
+                <a:lnSpc>
+                  <a:spcPct val="90000"/>
+                </a:lnSpc>
+                <a:spcBef>
+                  <a:spcPts val="500"/>
+                </a:spcBef>
+                <a:buFont typeface="Arial" panose="020B0604020202020204" pitchFamily="34" charset="0"/>
+                <a:buChar char="•"/>
+              </a:lvl9pPr>
+            </a:lstStyle>
+            <a:p>
+              <a:r>
+                <a:rPr lang="pt-BR" sz="1200" dirty="0"/>
+                <a:t>Output gerado após a aplicação da técnica de bigramas no livro Harry Potter e a Câmara Secreta, com os dados textuais </a:t>
+              </a:r>
+              <a:r>
+                <a:rPr lang="pt-BR" sz="1200" dirty="0" err="1"/>
+                <a:t>pré</a:t>
+              </a:r>
+              <a:r>
+                <a:rPr lang="pt-BR" sz="1200" dirty="0"/>
+                <a:t>-processados.</a:t>
+              </a:r>
+              <a:br>
+                <a:rPr lang="pt-BR" sz="1200" dirty="0"/>
+              </a:br>
+              <a:r>
+                <a:rPr lang="pt-BR" sz="1200" b="1" dirty="0"/>
+                <a:t>Fonte: Resultados originais da pesquisa </a:t>
+              </a:r>
+            </a:p>
+          </p:txBody>
+        </p:sp>
+      </p:grpSp>
       <p:sp>
         <p:nvSpPr>
           <p:cNvPr id="2" name="Arrow: Pentagon 3">
@@ -4034,7 +4028,7 @@
         </p:nvSpPr>
         <p:spPr>
           <a:xfrm>
-            <a:off x="-1" y="383391"/>
+            <a:off x="0" y="178295"/>
             <a:ext cx="4975200" cy="630000"/>
           </a:xfrm>
           <a:prstGeom prst="homePlate">
@@ -4091,7 +4085,7 @@
         </p:nvSpPr>
         <p:spPr>
           <a:xfrm>
-            <a:off x="0" y="933967"/>
+            <a:off x="0" y="698192"/>
             <a:ext cx="3205538" cy="370852"/>
           </a:xfrm>
           <a:prstGeom prst="homePlate">
@@ -4100,7 +4094,6 @@
           <a:solidFill>
             <a:schemeClr val="bg2">
               <a:lumMod val="75000"/>
-              <a:alpha val="90000"/>
             </a:schemeClr>
           </a:solidFill>
         </p:spPr>
@@ -4166,435 +4159,477 @@
           <a:chExt cx="0" cy="0"/>
         </a:xfrm>
       </p:grpSpPr>
-      <p:sp>
-        <p:nvSpPr>
-          <p:cNvPr id="13" name="Espaço Reservado para Conteúdo 2">
+      <p:grpSp>
+        <p:nvGrpSpPr>
+          <p:cNvPr id="3" name="Group 2">
             <a:extLst>
               <a:ext uri="{FF2B5EF4-FFF2-40B4-BE49-F238E27FC236}">
-                <a16:creationId xmlns:a16="http://schemas.microsoft.com/office/drawing/2014/main" id="{4B084FA3-DAFC-B003-E2B8-4409FBF798E8}"/>
+                <a16:creationId xmlns:a16="http://schemas.microsoft.com/office/drawing/2014/main" id="{69AC7A8D-327E-8F31-F52B-5E0B035CF0FD}"/>
               </a:ext>
             </a:extLst>
           </p:cNvPr>
-          <p:cNvSpPr txBox="1">
-            <a:spLocks/>
-          </p:cNvSpPr>
+          <p:cNvGrpSpPr/>
           <p:nvPr/>
-        </p:nvSpPr>
-        <p:spPr>
+        </p:nvGrpSpPr>
+        <p:grpSpPr>
           <a:xfrm>
-            <a:off x="2847057" y="3055597"/>
-            <a:ext cx="6230404" cy="613411"/>
+            <a:off x="2847057" y="1563967"/>
+            <a:ext cx="6230405" cy="2186494"/>
+            <a:chOff x="2847057" y="1563967"/>
+            <a:chExt cx="6230405" cy="2186494"/>
           </a:xfrm>
-          <a:prstGeom prst="rect">
-            <a:avLst/>
-          </a:prstGeom>
-        </p:spPr>
-        <p:txBody>
-          <a:bodyPr vert="horz" lIns="91440" tIns="45720" rIns="91440" bIns="45720" rtlCol="0">
-            <a:noAutofit/>
-          </a:bodyPr>
-          <a:lstStyle>
-            <a:defPPr>
-              <a:defRPr lang="pt-BR"/>
-            </a:defPPr>
-            <a:lvl1pPr indent="0">
-              <a:lnSpc>
-                <a:spcPct val="90000"/>
-              </a:lnSpc>
-              <a:spcBef>
-                <a:spcPts val="1000"/>
-              </a:spcBef>
-              <a:buFont typeface="Arial" panose="020B0604020202020204" pitchFamily="34" charset="0"/>
-              <a:buNone/>
-              <a:defRPr sz="1600">
-                <a:solidFill>
-                  <a:schemeClr val="bg2">
-                    <a:lumMod val="25000"/>
-                  </a:schemeClr>
-                </a:solidFill>
-                <a:cs typeface="Arial" panose="020B0604020202020204" pitchFamily="34" charset="0"/>
-              </a:defRPr>
-            </a:lvl1pPr>
-            <a:lvl2pPr marL="685800" indent="-228600">
-              <a:lnSpc>
-                <a:spcPct val="90000"/>
-              </a:lnSpc>
-              <a:spcBef>
-                <a:spcPts val="500"/>
-              </a:spcBef>
-              <a:buFont typeface="Arial" panose="020B0604020202020204" pitchFamily="34" charset="0"/>
-              <a:buChar char="•"/>
-              <a:defRPr sz="2400"/>
-            </a:lvl2pPr>
-            <a:lvl3pPr marL="1143000" indent="-228600">
-              <a:lnSpc>
-                <a:spcPct val="90000"/>
-              </a:lnSpc>
-              <a:spcBef>
-                <a:spcPts val="500"/>
-              </a:spcBef>
-              <a:buFont typeface="Arial" panose="020B0604020202020204" pitchFamily="34" charset="0"/>
-              <a:buChar char="•"/>
-              <a:defRPr sz="2000"/>
-            </a:lvl3pPr>
-            <a:lvl4pPr marL="1600200" indent="-228600">
-              <a:lnSpc>
-                <a:spcPct val="90000"/>
-              </a:lnSpc>
-              <a:spcBef>
-                <a:spcPts val="500"/>
-              </a:spcBef>
-              <a:buFont typeface="Arial" panose="020B0604020202020204" pitchFamily="34" charset="0"/>
-              <a:buChar char="•"/>
-            </a:lvl4pPr>
-            <a:lvl5pPr marL="2057400" indent="-228600">
-              <a:lnSpc>
-                <a:spcPct val="90000"/>
-              </a:lnSpc>
-              <a:spcBef>
-                <a:spcPts val="500"/>
-              </a:spcBef>
-              <a:buFont typeface="Arial" panose="020B0604020202020204" pitchFamily="34" charset="0"/>
-              <a:buChar char="•"/>
-            </a:lvl5pPr>
-            <a:lvl6pPr marL="2514600" indent="-228600">
-              <a:lnSpc>
-                <a:spcPct val="90000"/>
-              </a:lnSpc>
-              <a:spcBef>
-                <a:spcPts val="500"/>
-              </a:spcBef>
-              <a:buFont typeface="Arial" panose="020B0604020202020204" pitchFamily="34" charset="0"/>
-              <a:buChar char="•"/>
-            </a:lvl6pPr>
-            <a:lvl7pPr marL="2971800" indent="-228600">
-              <a:lnSpc>
-                <a:spcPct val="90000"/>
-              </a:lnSpc>
-              <a:spcBef>
-                <a:spcPts val="500"/>
-              </a:spcBef>
-              <a:buFont typeface="Arial" panose="020B0604020202020204" pitchFamily="34" charset="0"/>
-              <a:buChar char="•"/>
-            </a:lvl7pPr>
-            <a:lvl8pPr marL="3429000" indent="-228600">
-              <a:lnSpc>
-                <a:spcPct val="90000"/>
-              </a:lnSpc>
-              <a:spcBef>
-                <a:spcPts val="500"/>
-              </a:spcBef>
-              <a:buFont typeface="Arial" panose="020B0604020202020204" pitchFamily="34" charset="0"/>
-              <a:buChar char="•"/>
-            </a:lvl8pPr>
-            <a:lvl9pPr marL="3886200" indent="-228600">
-              <a:lnSpc>
-                <a:spcPct val="90000"/>
-              </a:lnSpc>
-              <a:spcBef>
-                <a:spcPts val="500"/>
-              </a:spcBef>
-              <a:buFont typeface="Arial" panose="020B0604020202020204" pitchFamily="34" charset="0"/>
-              <a:buChar char="•"/>
-            </a:lvl9pPr>
-          </a:lstStyle>
-          <a:p>
-            <a:r>
-              <a:rPr lang="pt-BR" sz="1200" dirty="0"/>
-              <a:t>Tabela 1. Quantidade de palavras em cada fonte de dados, com a aplicação da etapa de pré-processamento, e percentual de redução na frequência de palavras dos filmes se comparado com os livros.</a:t>
-            </a:r>
-            <a:br>
-              <a:rPr lang="pt-BR" sz="1200" dirty="0"/>
-            </a:br>
-            <a:r>
-              <a:rPr lang="pt-BR" sz="1200" b="1" dirty="0"/>
-              <a:t>Fonte: Resultados originais da pesquisa </a:t>
-            </a:r>
-          </a:p>
-          <a:p>
-            <a:endParaRPr lang="pt-BR" sz="1200" dirty="0"/>
-          </a:p>
-        </p:txBody>
-      </p:sp>
-      <p:graphicFrame>
-        <p:nvGraphicFramePr>
-          <p:cNvPr id="17" name="Objeto 16">
+        </p:grpSpPr>
+        <p:sp>
+          <p:nvSpPr>
+            <p:cNvPr id="13" name="Espaço Reservado para Conteúdo 2">
+              <a:extLst>
+                <a:ext uri="{FF2B5EF4-FFF2-40B4-BE49-F238E27FC236}">
+                  <a16:creationId xmlns:a16="http://schemas.microsoft.com/office/drawing/2014/main" id="{4B084FA3-DAFC-B003-E2B8-4409FBF798E8}"/>
+                </a:ext>
+              </a:extLst>
+            </p:cNvPr>
+            <p:cNvSpPr txBox="1">
+              <a:spLocks/>
+            </p:cNvSpPr>
+            <p:nvPr/>
+          </p:nvSpPr>
+          <p:spPr>
+            <a:xfrm>
+              <a:off x="2847057" y="3055597"/>
+              <a:ext cx="6230404" cy="694864"/>
+            </a:xfrm>
+            <a:prstGeom prst="rect">
+              <a:avLst/>
+            </a:prstGeom>
+          </p:spPr>
+          <p:txBody>
+            <a:bodyPr vert="horz" lIns="91440" tIns="45720" rIns="91440" bIns="45720" rtlCol="0">
+              <a:noAutofit/>
+            </a:bodyPr>
+            <a:lstStyle>
+              <a:defPPr>
+                <a:defRPr lang="pt-BR"/>
+              </a:defPPr>
+              <a:lvl1pPr indent="0">
+                <a:lnSpc>
+                  <a:spcPct val="90000"/>
+                </a:lnSpc>
+                <a:spcBef>
+                  <a:spcPts val="1000"/>
+                </a:spcBef>
+                <a:buFont typeface="Arial" panose="020B0604020202020204" pitchFamily="34" charset="0"/>
+                <a:buNone/>
+                <a:defRPr sz="1600">
+                  <a:solidFill>
+                    <a:schemeClr val="bg2">
+                      <a:lumMod val="25000"/>
+                    </a:schemeClr>
+                  </a:solidFill>
+                  <a:cs typeface="Arial" panose="020B0604020202020204" pitchFamily="34" charset="0"/>
+                </a:defRPr>
+              </a:lvl1pPr>
+              <a:lvl2pPr marL="685800" indent="-228600">
+                <a:lnSpc>
+                  <a:spcPct val="90000"/>
+                </a:lnSpc>
+                <a:spcBef>
+                  <a:spcPts val="500"/>
+                </a:spcBef>
+                <a:buFont typeface="Arial" panose="020B0604020202020204" pitchFamily="34" charset="0"/>
+                <a:buChar char="•"/>
+                <a:defRPr sz="2400"/>
+              </a:lvl2pPr>
+              <a:lvl3pPr marL="1143000" indent="-228600">
+                <a:lnSpc>
+                  <a:spcPct val="90000"/>
+                </a:lnSpc>
+                <a:spcBef>
+                  <a:spcPts val="500"/>
+                </a:spcBef>
+                <a:buFont typeface="Arial" panose="020B0604020202020204" pitchFamily="34" charset="0"/>
+                <a:buChar char="•"/>
+                <a:defRPr sz="2000"/>
+              </a:lvl3pPr>
+              <a:lvl4pPr marL="1600200" indent="-228600">
+                <a:lnSpc>
+                  <a:spcPct val="90000"/>
+                </a:lnSpc>
+                <a:spcBef>
+                  <a:spcPts val="500"/>
+                </a:spcBef>
+                <a:buFont typeface="Arial" panose="020B0604020202020204" pitchFamily="34" charset="0"/>
+                <a:buChar char="•"/>
+              </a:lvl4pPr>
+              <a:lvl5pPr marL="2057400" indent="-228600">
+                <a:lnSpc>
+                  <a:spcPct val="90000"/>
+                </a:lnSpc>
+                <a:spcBef>
+                  <a:spcPts val="500"/>
+                </a:spcBef>
+                <a:buFont typeface="Arial" panose="020B0604020202020204" pitchFamily="34" charset="0"/>
+                <a:buChar char="•"/>
+              </a:lvl5pPr>
+              <a:lvl6pPr marL="2514600" indent="-228600">
+                <a:lnSpc>
+                  <a:spcPct val="90000"/>
+                </a:lnSpc>
+                <a:spcBef>
+                  <a:spcPts val="500"/>
+                </a:spcBef>
+                <a:buFont typeface="Arial" panose="020B0604020202020204" pitchFamily="34" charset="0"/>
+                <a:buChar char="•"/>
+              </a:lvl6pPr>
+              <a:lvl7pPr marL="2971800" indent="-228600">
+                <a:lnSpc>
+                  <a:spcPct val="90000"/>
+                </a:lnSpc>
+                <a:spcBef>
+                  <a:spcPts val="500"/>
+                </a:spcBef>
+                <a:buFont typeface="Arial" panose="020B0604020202020204" pitchFamily="34" charset="0"/>
+                <a:buChar char="•"/>
+              </a:lvl7pPr>
+              <a:lvl8pPr marL="3429000" indent="-228600">
+                <a:lnSpc>
+                  <a:spcPct val="90000"/>
+                </a:lnSpc>
+                <a:spcBef>
+                  <a:spcPts val="500"/>
+                </a:spcBef>
+                <a:buFont typeface="Arial" panose="020B0604020202020204" pitchFamily="34" charset="0"/>
+                <a:buChar char="•"/>
+              </a:lvl8pPr>
+              <a:lvl9pPr marL="3886200" indent="-228600">
+                <a:lnSpc>
+                  <a:spcPct val="90000"/>
+                </a:lnSpc>
+                <a:spcBef>
+                  <a:spcPts val="500"/>
+                </a:spcBef>
+                <a:buFont typeface="Arial" panose="020B0604020202020204" pitchFamily="34" charset="0"/>
+                <a:buChar char="•"/>
+              </a:lvl9pPr>
+            </a:lstStyle>
+            <a:p>
+              <a:r>
+                <a:rPr lang="pt-BR" sz="1200" dirty="0"/>
+                <a:t>Tabela 1. Quantidade de palavras em cada fonte de dados, com a aplicação da etapa de pré-processamento, e percentual de redução na frequência de palavras dos filmes se comparado com os livros.</a:t>
+              </a:r>
+              <a:br>
+                <a:rPr lang="pt-BR" sz="1200" dirty="0"/>
+              </a:br>
+              <a:r>
+                <a:rPr lang="pt-BR" sz="1200" b="1" dirty="0"/>
+                <a:t>Fonte: Resultados originais da pesquisa </a:t>
+              </a:r>
+            </a:p>
+            <a:p>
+              <a:endParaRPr lang="pt-BR" sz="1200" dirty="0"/>
+            </a:p>
+          </p:txBody>
+        </p:sp>
+        <p:graphicFrame>
+          <p:nvGraphicFramePr>
+            <p:cNvPr id="17" name="Objeto 16">
+              <a:extLst>
+                <a:ext uri="{FF2B5EF4-FFF2-40B4-BE49-F238E27FC236}">
+                  <a16:creationId xmlns:a16="http://schemas.microsoft.com/office/drawing/2014/main" id="{24BA0D43-DD6B-DBD3-2911-1F4F70D4BAF5}"/>
+                </a:ext>
+              </a:extLst>
+            </p:cNvPr>
+            <p:cNvGraphicFramePr>
+              <a:graphicFrameLocks noChangeAspect="1"/>
+            </p:cNvGraphicFramePr>
+            <p:nvPr>
+              <p:extLst>
+                <p:ext uri="{D42A27DB-BD31-4B8C-83A1-F6EECF244321}">
+                  <p14:modId xmlns:p14="http://schemas.microsoft.com/office/powerpoint/2010/main" val="1114569281"/>
+                </p:ext>
+              </p:extLst>
+            </p:nvPr>
+          </p:nvGraphicFramePr>
+          <p:xfrm>
+            <a:off x="2847057" y="1563967"/>
+            <a:ext cx="6230405" cy="1683535"/>
+          </p:xfrm>
+          <a:graphic>
+            <a:graphicData uri="http://schemas.openxmlformats.org/presentationml/2006/ole">
+              <mc:AlternateContent xmlns:mc="http://schemas.openxmlformats.org/markup-compatibility/2006">
+                <mc:Choice xmlns:v="urn:schemas-microsoft-com:vml" Requires="v">
+                  <p:oleObj name="Documento" r:id="rId2" imgW="5765800" imgH="1612900" progId="Word.Document.12">
+                    <p:embed/>
+                  </p:oleObj>
+                </mc:Choice>
+                <mc:Fallback>
+                  <p:oleObj name="Documento" r:id="rId2" imgW="5765800" imgH="1612900" progId="Word.Document.12">
+                    <p:embed/>
+                    <p:pic>
+                      <p:nvPicPr>
+                        <p:cNvPr id="0" name=""/>
+                        <p:cNvPicPr/>
+                        <p:nvPr/>
+                      </p:nvPicPr>
+                      <p:blipFill>
+                        <a:blip r:embed="rId3"/>
+                        <a:stretch>
+                          <a:fillRect/>
+                        </a:stretch>
+                      </p:blipFill>
+                      <p:spPr>
+                        <a:xfrm>
+                          <a:off x="2847057" y="1563967"/>
+                          <a:ext cx="6230405" cy="1683535"/>
+                        </a:xfrm>
+                        <a:prstGeom prst="rect">
+                          <a:avLst/>
+                        </a:prstGeom>
+                      </p:spPr>
+                    </p:pic>
+                  </p:oleObj>
+                </mc:Fallback>
+              </mc:AlternateContent>
+            </a:graphicData>
+          </a:graphic>
+        </p:graphicFrame>
+      </p:grpSp>
+      <p:grpSp>
+        <p:nvGrpSpPr>
+          <p:cNvPr id="4" name="Group 3">
             <a:extLst>
               <a:ext uri="{FF2B5EF4-FFF2-40B4-BE49-F238E27FC236}">
-                <a16:creationId xmlns:a16="http://schemas.microsoft.com/office/drawing/2014/main" id="{24BA0D43-DD6B-DBD3-2911-1F4F70D4BAF5}"/>
+                <a16:creationId xmlns:a16="http://schemas.microsoft.com/office/drawing/2014/main" id="{FD95B02D-F9AD-F87D-C0CB-2A1998BBCA51}"/>
               </a:ext>
             </a:extLst>
           </p:cNvPr>
-          <p:cNvGraphicFramePr>
-            <a:graphicFrameLocks noChangeAspect="1"/>
-          </p:cNvGraphicFramePr>
-          <p:nvPr>
-            <p:extLst>
-              <p:ext uri="{D42A27DB-BD31-4B8C-83A1-F6EECF244321}">
-                <p14:modId xmlns:p14="http://schemas.microsoft.com/office/powerpoint/2010/main" val="659122155"/>
-              </p:ext>
-            </p:extLst>
-          </p:nvPr>
-        </p:nvGraphicFramePr>
-        <p:xfrm>
-          <a:off x="2847057" y="1563967"/>
-          <a:ext cx="6230405" cy="1683535"/>
-        </p:xfrm>
-        <a:graphic>
-          <a:graphicData uri="http://schemas.openxmlformats.org/presentationml/2006/ole">
-            <mc:AlternateContent xmlns:mc="http://schemas.openxmlformats.org/markup-compatibility/2006">
-              <mc:Choice xmlns:v="urn:schemas-microsoft-com:vml" Requires="v">
-                <p:oleObj name="Documento" r:id="rId2" imgW="5765800" imgH="1612900" progId="Word.Document.12">
-                  <p:embed/>
-                </p:oleObj>
-              </mc:Choice>
-              <mc:Fallback>
-                <p:oleObj name="Documento" r:id="rId2" imgW="5765800" imgH="1612900" progId="Word.Document.12">
-                  <p:embed/>
-                  <p:pic>
-                    <p:nvPicPr>
-                      <p:cNvPr id="0" name=""/>
-                      <p:cNvPicPr/>
-                      <p:nvPr/>
-                    </p:nvPicPr>
-                    <p:blipFill>
-                      <a:blip r:embed="rId3"/>
-                      <a:stretch>
-                        <a:fillRect/>
-                      </a:stretch>
-                    </p:blipFill>
-                    <p:spPr>
-                      <a:xfrm>
-                        <a:off x="2847057" y="1563967"/>
-                        <a:ext cx="6230405" cy="1683535"/>
-                      </a:xfrm>
-                      <a:prstGeom prst="rect">
-                        <a:avLst/>
-                      </a:prstGeom>
-                    </p:spPr>
-                  </p:pic>
-                </p:oleObj>
-              </mc:Fallback>
-            </mc:AlternateContent>
-          </a:graphicData>
-        </a:graphic>
-      </p:graphicFrame>
-      <p:graphicFrame>
-        <p:nvGraphicFramePr>
-          <p:cNvPr id="19" name="Objeto 18">
+          <p:cNvGrpSpPr/>
+          <p:nvPr/>
+        </p:nvGrpSpPr>
+        <p:grpSpPr>
+          <a:xfrm>
+            <a:off x="2847057" y="4240804"/>
+            <a:ext cx="6230404" cy="2233805"/>
+            <a:chOff x="2847057" y="4240804"/>
+            <a:chExt cx="6230404" cy="2233805"/>
+          </a:xfrm>
+        </p:grpSpPr>
+        <p:graphicFrame>
+          <p:nvGraphicFramePr>
+            <p:cNvPr id="19" name="Objeto 18">
+              <a:extLst>
+                <a:ext uri="{FF2B5EF4-FFF2-40B4-BE49-F238E27FC236}">
+                  <a16:creationId xmlns:a16="http://schemas.microsoft.com/office/drawing/2014/main" id="{02FA5394-FF48-4035-949F-3CF77BCAE9E6}"/>
+                </a:ext>
+              </a:extLst>
+            </p:cNvPr>
+            <p:cNvGraphicFramePr>
+              <a:graphicFrameLocks noChangeAspect="1"/>
+            </p:cNvGraphicFramePr>
+            <p:nvPr>
+              <p:extLst>
+                <p:ext uri="{D42A27DB-BD31-4B8C-83A1-F6EECF244321}">
+                  <p14:modId xmlns:p14="http://schemas.microsoft.com/office/powerpoint/2010/main" val="116304755"/>
+                </p:ext>
+              </p:extLst>
+            </p:nvPr>
+          </p:nvGraphicFramePr>
+          <p:xfrm>
+            <a:off x="2847057" y="4240804"/>
+            <a:ext cx="6230404" cy="1743462"/>
+          </p:xfrm>
+          <a:graphic>
+            <a:graphicData uri="http://schemas.openxmlformats.org/presentationml/2006/ole">
+              <mc:AlternateContent xmlns:mc="http://schemas.openxmlformats.org/markup-compatibility/2006">
+                <mc:Choice xmlns:v="urn:schemas-microsoft-com:vml" Requires="v">
+                  <p:oleObj name="Documento" r:id="rId4" imgW="5765800" imgH="1612900" progId="Word.Document.12">
+                    <p:embed/>
+                  </p:oleObj>
+                </mc:Choice>
+                <mc:Fallback>
+                  <p:oleObj name="Documento" r:id="rId4" imgW="5765800" imgH="1612900" progId="Word.Document.12">
+                    <p:embed/>
+                    <p:pic>
+                      <p:nvPicPr>
+                        <p:cNvPr id="0" name=""/>
+                        <p:cNvPicPr/>
+                        <p:nvPr/>
+                      </p:nvPicPr>
+                      <p:blipFill>
+                        <a:blip r:embed="rId5"/>
+                        <a:stretch>
+                          <a:fillRect/>
+                        </a:stretch>
+                      </p:blipFill>
+                      <p:spPr>
+                        <a:xfrm>
+                          <a:off x="2847057" y="4240804"/>
+                          <a:ext cx="6230404" cy="1743462"/>
+                        </a:xfrm>
+                        <a:prstGeom prst="rect">
+                          <a:avLst/>
+                        </a:prstGeom>
+                      </p:spPr>
+                    </p:pic>
+                  </p:oleObj>
+                </mc:Fallback>
+              </mc:AlternateContent>
+            </a:graphicData>
+          </a:graphic>
+        </p:graphicFrame>
+        <p:sp>
+          <p:nvSpPr>
+            <p:cNvPr id="21" name="Espaço Reservado para Conteúdo 2">
+              <a:extLst>
+                <a:ext uri="{FF2B5EF4-FFF2-40B4-BE49-F238E27FC236}">
+                  <a16:creationId xmlns:a16="http://schemas.microsoft.com/office/drawing/2014/main" id="{6803FC95-161C-CAB4-BA69-7452E48EBEBD}"/>
+                </a:ext>
+              </a:extLst>
+            </p:cNvPr>
+            <p:cNvSpPr txBox="1">
+              <a:spLocks/>
+            </p:cNvSpPr>
+            <p:nvPr/>
+          </p:nvSpPr>
+          <p:spPr>
+            <a:xfrm>
+              <a:off x="2847057" y="5787689"/>
+              <a:ext cx="6230404" cy="686920"/>
+            </a:xfrm>
+            <a:prstGeom prst="rect">
+              <a:avLst/>
+            </a:prstGeom>
+          </p:spPr>
+          <p:txBody>
+            <a:bodyPr vert="horz" lIns="91440" tIns="45720" rIns="91440" bIns="45720" rtlCol="0">
+              <a:noAutofit/>
+            </a:bodyPr>
+            <a:lstStyle>
+              <a:defPPr>
+                <a:defRPr lang="pt-BR"/>
+              </a:defPPr>
+              <a:lvl1pPr indent="0">
+                <a:lnSpc>
+                  <a:spcPct val="90000"/>
+                </a:lnSpc>
+                <a:spcBef>
+                  <a:spcPts val="1000"/>
+                </a:spcBef>
+                <a:buFont typeface="Arial" panose="020B0604020202020204" pitchFamily="34" charset="0"/>
+                <a:buNone/>
+                <a:defRPr sz="1600">
+                  <a:solidFill>
+                    <a:schemeClr val="bg2">
+                      <a:lumMod val="25000"/>
+                    </a:schemeClr>
+                  </a:solidFill>
+                  <a:cs typeface="Arial" panose="020B0604020202020204" pitchFamily="34" charset="0"/>
+                </a:defRPr>
+              </a:lvl1pPr>
+              <a:lvl2pPr marL="685800" indent="-228600">
+                <a:lnSpc>
+                  <a:spcPct val="90000"/>
+                </a:lnSpc>
+                <a:spcBef>
+                  <a:spcPts val="500"/>
+                </a:spcBef>
+                <a:buFont typeface="Arial" panose="020B0604020202020204" pitchFamily="34" charset="0"/>
+                <a:buChar char="•"/>
+                <a:defRPr sz="2400"/>
+              </a:lvl2pPr>
+              <a:lvl3pPr marL="1143000" indent="-228600">
+                <a:lnSpc>
+                  <a:spcPct val="90000"/>
+                </a:lnSpc>
+                <a:spcBef>
+                  <a:spcPts val="500"/>
+                </a:spcBef>
+                <a:buFont typeface="Arial" panose="020B0604020202020204" pitchFamily="34" charset="0"/>
+                <a:buChar char="•"/>
+                <a:defRPr sz="2000"/>
+              </a:lvl3pPr>
+              <a:lvl4pPr marL="1600200" indent="-228600">
+                <a:lnSpc>
+                  <a:spcPct val="90000"/>
+                </a:lnSpc>
+                <a:spcBef>
+                  <a:spcPts val="500"/>
+                </a:spcBef>
+                <a:buFont typeface="Arial" panose="020B0604020202020204" pitchFamily="34" charset="0"/>
+                <a:buChar char="•"/>
+              </a:lvl4pPr>
+              <a:lvl5pPr marL="2057400" indent="-228600">
+                <a:lnSpc>
+                  <a:spcPct val="90000"/>
+                </a:lnSpc>
+                <a:spcBef>
+                  <a:spcPts val="500"/>
+                </a:spcBef>
+                <a:buFont typeface="Arial" panose="020B0604020202020204" pitchFamily="34" charset="0"/>
+                <a:buChar char="•"/>
+              </a:lvl5pPr>
+              <a:lvl6pPr marL="2514600" indent="-228600">
+                <a:lnSpc>
+                  <a:spcPct val="90000"/>
+                </a:lnSpc>
+                <a:spcBef>
+                  <a:spcPts val="500"/>
+                </a:spcBef>
+                <a:buFont typeface="Arial" panose="020B0604020202020204" pitchFamily="34" charset="0"/>
+                <a:buChar char="•"/>
+              </a:lvl6pPr>
+              <a:lvl7pPr marL="2971800" indent="-228600">
+                <a:lnSpc>
+                  <a:spcPct val="90000"/>
+                </a:lnSpc>
+                <a:spcBef>
+                  <a:spcPts val="500"/>
+                </a:spcBef>
+                <a:buFont typeface="Arial" panose="020B0604020202020204" pitchFamily="34" charset="0"/>
+                <a:buChar char="•"/>
+              </a:lvl7pPr>
+              <a:lvl8pPr marL="3429000" indent="-228600">
+                <a:lnSpc>
+                  <a:spcPct val="90000"/>
+                </a:lnSpc>
+                <a:spcBef>
+                  <a:spcPts val="500"/>
+                </a:spcBef>
+                <a:buFont typeface="Arial" panose="020B0604020202020204" pitchFamily="34" charset="0"/>
+                <a:buChar char="•"/>
+              </a:lvl8pPr>
+              <a:lvl9pPr marL="3886200" indent="-228600">
+                <a:lnSpc>
+                  <a:spcPct val="90000"/>
+                </a:lnSpc>
+                <a:spcBef>
+                  <a:spcPts val="500"/>
+                </a:spcBef>
+                <a:buFont typeface="Arial" panose="020B0604020202020204" pitchFamily="34" charset="0"/>
+                <a:buChar char="•"/>
+              </a:lvl9pPr>
+            </a:lstStyle>
+            <a:p>
+              <a:r>
+                <a:rPr lang="pt-BR" sz="1200" dirty="0"/>
+                <a:t>Tabela 2. Quantidade de palavras em cada fonte de dados, sem a aplicação da etapa de pré-processamento, e percentual de redução na frequência de palavras dos filmes se comparado com os livros.</a:t>
+              </a:r>
+              <a:br>
+                <a:rPr lang="pt-BR" sz="1200" dirty="0"/>
+              </a:br>
+              <a:r>
+                <a:rPr lang="pt-BR" sz="1200" b="1" dirty="0"/>
+                <a:t>Fonte: Resultados originais da pesquisa </a:t>
+              </a:r>
+            </a:p>
+          </p:txBody>
+        </p:sp>
+      </p:grpSp>
+      <p:sp>
+        <p:nvSpPr>
+          <p:cNvPr id="2" name="Arrow: Pentagon 3">
             <a:extLst>
               <a:ext uri="{FF2B5EF4-FFF2-40B4-BE49-F238E27FC236}">
-                <a16:creationId xmlns:a16="http://schemas.microsoft.com/office/drawing/2014/main" id="{02FA5394-FF48-4035-949F-3CF77BCAE9E6}"/>
-              </a:ext>
-            </a:extLst>
-          </p:cNvPr>
-          <p:cNvGraphicFramePr>
-            <a:graphicFrameLocks noChangeAspect="1"/>
-          </p:cNvGraphicFramePr>
-          <p:nvPr>
-            <p:extLst>
-              <p:ext uri="{D42A27DB-BD31-4B8C-83A1-F6EECF244321}">
-                <p14:modId xmlns:p14="http://schemas.microsoft.com/office/powerpoint/2010/main" val="2671002107"/>
-              </p:ext>
-            </p:extLst>
-          </p:nvPr>
-        </p:nvGraphicFramePr>
-        <p:xfrm>
-          <a:off x="2847057" y="4240804"/>
-          <a:ext cx="6230404" cy="1743462"/>
-        </p:xfrm>
-        <a:graphic>
-          <a:graphicData uri="http://schemas.openxmlformats.org/presentationml/2006/ole">
-            <mc:AlternateContent xmlns:mc="http://schemas.openxmlformats.org/markup-compatibility/2006">
-              <mc:Choice xmlns:v="urn:schemas-microsoft-com:vml" Requires="v">
-                <p:oleObj name="Documento" r:id="rId4" imgW="5765800" imgH="1612900" progId="Word.Document.12">
-                  <p:embed/>
-                </p:oleObj>
-              </mc:Choice>
-              <mc:Fallback>
-                <p:oleObj name="Documento" r:id="rId4" imgW="5765800" imgH="1612900" progId="Word.Document.12">
-                  <p:embed/>
-                  <p:pic>
-                    <p:nvPicPr>
-                      <p:cNvPr id="0" name=""/>
-                      <p:cNvPicPr/>
-                      <p:nvPr/>
-                    </p:nvPicPr>
-                    <p:blipFill>
-                      <a:blip r:embed="rId5"/>
-                      <a:stretch>
-                        <a:fillRect/>
-                      </a:stretch>
-                    </p:blipFill>
-                    <p:spPr>
-                      <a:xfrm>
-                        <a:off x="2847057" y="4240804"/>
-                        <a:ext cx="6230404" cy="1743462"/>
-                      </a:xfrm>
-                      <a:prstGeom prst="rect">
-                        <a:avLst/>
-                      </a:prstGeom>
-                    </p:spPr>
-                  </p:pic>
-                </p:oleObj>
-              </mc:Fallback>
-            </mc:AlternateContent>
-          </a:graphicData>
-        </a:graphic>
-      </p:graphicFrame>
-      <p:sp>
-        <p:nvSpPr>
-          <p:cNvPr id="21" name="Espaço Reservado para Conteúdo 2">
-            <a:extLst>
-              <a:ext uri="{FF2B5EF4-FFF2-40B4-BE49-F238E27FC236}">
-                <a16:creationId xmlns:a16="http://schemas.microsoft.com/office/drawing/2014/main" id="{6803FC95-161C-CAB4-BA69-7452E48EBEBD}"/>
-              </a:ext>
-            </a:extLst>
-          </p:cNvPr>
-          <p:cNvSpPr txBox="1">
-            <a:spLocks/>
-          </p:cNvSpPr>
-          <p:nvPr/>
-        </p:nvSpPr>
-        <p:spPr>
-          <a:xfrm>
-            <a:off x="2762653" y="5787689"/>
-            <a:ext cx="6399212" cy="686920"/>
-          </a:xfrm>
-          <a:prstGeom prst="rect">
-            <a:avLst/>
-          </a:prstGeom>
-        </p:spPr>
-        <p:txBody>
-          <a:bodyPr vert="horz" lIns="91440" tIns="45720" rIns="91440" bIns="45720" rtlCol="0">
-            <a:noAutofit/>
-          </a:bodyPr>
-          <a:lstStyle>
-            <a:defPPr>
-              <a:defRPr lang="pt-BR"/>
-            </a:defPPr>
-            <a:lvl1pPr indent="0">
-              <a:lnSpc>
-                <a:spcPct val="90000"/>
-              </a:lnSpc>
-              <a:spcBef>
-                <a:spcPts val="1000"/>
-              </a:spcBef>
-              <a:buFont typeface="Arial" panose="020B0604020202020204" pitchFamily="34" charset="0"/>
-              <a:buNone/>
-              <a:defRPr sz="1600">
-                <a:solidFill>
-                  <a:schemeClr val="bg2">
-                    <a:lumMod val="25000"/>
-                  </a:schemeClr>
-                </a:solidFill>
-                <a:cs typeface="Arial" panose="020B0604020202020204" pitchFamily="34" charset="0"/>
-              </a:defRPr>
-            </a:lvl1pPr>
-            <a:lvl2pPr marL="685800" indent="-228600">
-              <a:lnSpc>
-                <a:spcPct val="90000"/>
-              </a:lnSpc>
-              <a:spcBef>
-                <a:spcPts val="500"/>
-              </a:spcBef>
-              <a:buFont typeface="Arial" panose="020B0604020202020204" pitchFamily="34" charset="0"/>
-              <a:buChar char="•"/>
-              <a:defRPr sz="2400"/>
-            </a:lvl2pPr>
-            <a:lvl3pPr marL="1143000" indent="-228600">
-              <a:lnSpc>
-                <a:spcPct val="90000"/>
-              </a:lnSpc>
-              <a:spcBef>
-                <a:spcPts val="500"/>
-              </a:spcBef>
-              <a:buFont typeface="Arial" panose="020B0604020202020204" pitchFamily="34" charset="0"/>
-              <a:buChar char="•"/>
-              <a:defRPr sz="2000"/>
-            </a:lvl3pPr>
-            <a:lvl4pPr marL="1600200" indent="-228600">
-              <a:lnSpc>
-                <a:spcPct val="90000"/>
-              </a:lnSpc>
-              <a:spcBef>
-                <a:spcPts val="500"/>
-              </a:spcBef>
-              <a:buFont typeface="Arial" panose="020B0604020202020204" pitchFamily="34" charset="0"/>
-              <a:buChar char="•"/>
-            </a:lvl4pPr>
-            <a:lvl5pPr marL="2057400" indent="-228600">
-              <a:lnSpc>
-                <a:spcPct val="90000"/>
-              </a:lnSpc>
-              <a:spcBef>
-                <a:spcPts val="500"/>
-              </a:spcBef>
-              <a:buFont typeface="Arial" panose="020B0604020202020204" pitchFamily="34" charset="0"/>
-              <a:buChar char="•"/>
-            </a:lvl5pPr>
-            <a:lvl6pPr marL="2514600" indent="-228600">
-              <a:lnSpc>
-                <a:spcPct val="90000"/>
-              </a:lnSpc>
-              <a:spcBef>
-                <a:spcPts val="500"/>
-              </a:spcBef>
-              <a:buFont typeface="Arial" panose="020B0604020202020204" pitchFamily="34" charset="0"/>
-              <a:buChar char="•"/>
-            </a:lvl6pPr>
-            <a:lvl7pPr marL="2971800" indent="-228600">
-              <a:lnSpc>
-                <a:spcPct val="90000"/>
-              </a:lnSpc>
-              <a:spcBef>
-                <a:spcPts val="500"/>
-              </a:spcBef>
-              <a:buFont typeface="Arial" panose="020B0604020202020204" pitchFamily="34" charset="0"/>
-              <a:buChar char="•"/>
-            </a:lvl7pPr>
-            <a:lvl8pPr marL="3429000" indent="-228600">
-              <a:lnSpc>
-                <a:spcPct val="90000"/>
-              </a:lnSpc>
-              <a:spcBef>
-                <a:spcPts val="500"/>
-              </a:spcBef>
-              <a:buFont typeface="Arial" panose="020B0604020202020204" pitchFamily="34" charset="0"/>
-              <a:buChar char="•"/>
-            </a:lvl8pPr>
-            <a:lvl9pPr marL="3886200" indent="-228600">
-              <a:lnSpc>
-                <a:spcPct val="90000"/>
-              </a:lnSpc>
-              <a:spcBef>
-                <a:spcPts val="500"/>
-              </a:spcBef>
-              <a:buFont typeface="Arial" panose="020B0604020202020204" pitchFamily="34" charset="0"/>
-              <a:buChar char="•"/>
-            </a:lvl9pPr>
-          </a:lstStyle>
-          <a:p>
-            <a:r>
-              <a:rPr lang="pt-BR" sz="1200" dirty="0"/>
-              <a:t>Tabela 2. Quantidade de palavras em cada fonte de dados, sem a aplicação da etapa de pré-processamento, e percentual de redução na frequência de palavras dos filmes se comparado com os livros.</a:t>
-            </a:r>
-            <a:br>
-              <a:rPr lang="pt-BR" sz="1200" dirty="0"/>
-            </a:br>
-            <a:r>
-              <a:rPr lang="pt-BR" sz="1200" b="1" dirty="0"/>
-              <a:t>Fonte: Resultados originais da pesquisa </a:t>
-            </a:r>
-          </a:p>
-        </p:txBody>
-      </p:sp>
-      <p:sp>
-        <p:nvSpPr>
-          <p:cNvPr id="23" name="Arrow: Pentagon 3">
-            <a:extLst>
-              <a:ext uri="{FF2B5EF4-FFF2-40B4-BE49-F238E27FC236}">
-                <a16:creationId xmlns:a16="http://schemas.microsoft.com/office/drawing/2014/main" id="{E9F98B70-513D-44F0-6160-546CB2810864}"/>
+                <a16:creationId xmlns:a16="http://schemas.microsoft.com/office/drawing/2014/main" id="{2BFDA563-13C3-0016-C808-CF9EDF8B4C5C}"/>
               </a:ext>
             </a:extLst>
           </p:cNvPr>
@@ -4603,7 +4638,7 @@
         </p:nvSpPr>
         <p:spPr>
           <a:xfrm>
-            <a:off x="-1" y="383391"/>
+            <a:off x="0" y="178295"/>
             <a:ext cx="4975200" cy="630000"/>
           </a:xfrm>
           <a:prstGeom prst="homePlate">
@@ -4660,7 +4695,7 @@
         </p:nvSpPr>
         <p:spPr>
           <a:xfrm>
-            <a:off x="0" y="933967"/>
+            <a:off x="0" y="711645"/>
             <a:ext cx="3205538" cy="370852"/>
           </a:xfrm>
           <a:prstGeom prst="homePlate">
@@ -4669,7 +4704,6 @@
           <a:solidFill>
             <a:schemeClr val="bg2">
               <a:lumMod val="75000"/>
-              <a:alpha val="90000"/>
             </a:schemeClr>
           </a:solidFill>
         </p:spPr>
@@ -4735,170 +4769,496 @@
           <a:chExt cx="0" cy="0"/>
         </a:xfrm>
       </p:grpSpPr>
-      <p:sp>
-        <p:nvSpPr>
-          <p:cNvPr id="13" name="Espaço Reservado para Conteúdo 2">
+      <p:grpSp>
+        <p:nvGrpSpPr>
+          <p:cNvPr id="4" name="Group 3">
             <a:extLst>
               <a:ext uri="{FF2B5EF4-FFF2-40B4-BE49-F238E27FC236}">
-                <a16:creationId xmlns:a16="http://schemas.microsoft.com/office/drawing/2014/main" id="{4B084FA3-DAFC-B003-E2B8-4409FBF798E8}"/>
+                <a16:creationId xmlns:a16="http://schemas.microsoft.com/office/drawing/2014/main" id="{ADFDB9BC-E472-2BFA-7AB4-55BE55A0F7C2}"/>
               </a:ext>
             </a:extLst>
           </p:cNvPr>
-          <p:cNvSpPr txBox="1">
-            <a:spLocks/>
-          </p:cNvSpPr>
+          <p:cNvGrpSpPr/>
           <p:nvPr/>
-        </p:nvSpPr>
-        <p:spPr>
+        </p:nvGrpSpPr>
+        <p:grpSpPr>
           <a:xfrm>
-            <a:off x="2674936" y="3233045"/>
-            <a:ext cx="6573834" cy="613411"/>
+            <a:off x="2672945" y="1244063"/>
+            <a:ext cx="6573834" cy="2482907"/>
+            <a:chOff x="2674936" y="1363549"/>
+            <a:chExt cx="6573834" cy="2482907"/>
           </a:xfrm>
-          <a:prstGeom prst="rect">
-            <a:avLst/>
-          </a:prstGeom>
-        </p:spPr>
-        <p:txBody>
-          <a:bodyPr vert="horz" lIns="91440" tIns="45720" rIns="91440" bIns="45720" rtlCol="0">
-            <a:noAutofit/>
-          </a:bodyPr>
-          <a:lstStyle>
-            <a:defPPr>
-              <a:defRPr lang="pt-BR"/>
-            </a:defPPr>
-            <a:lvl1pPr indent="0">
-              <a:lnSpc>
-                <a:spcPct val="90000"/>
-              </a:lnSpc>
-              <a:spcBef>
-                <a:spcPts val="1000"/>
-              </a:spcBef>
-              <a:buFont typeface="Arial" panose="020B0604020202020204" pitchFamily="34" charset="0"/>
-              <a:buNone/>
-              <a:defRPr sz="1600">
-                <a:solidFill>
-                  <a:schemeClr val="bg2">
-                    <a:lumMod val="25000"/>
-                  </a:schemeClr>
-                </a:solidFill>
-                <a:cs typeface="Arial" panose="020B0604020202020204" pitchFamily="34" charset="0"/>
-              </a:defRPr>
-            </a:lvl1pPr>
-            <a:lvl2pPr marL="685800" indent="-228600">
-              <a:lnSpc>
-                <a:spcPct val="90000"/>
-              </a:lnSpc>
-              <a:spcBef>
-                <a:spcPts val="500"/>
-              </a:spcBef>
-              <a:buFont typeface="Arial" panose="020B0604020202020204" pitchFamily="34" charset="0"/>
-              <a:buChar char="•"/>
-              <a:defRPr sz="2400"/>
-            </a:lvl2pPr>
-            <a:lvl3pPr marL="1143000" indent="-228600">
-              <a:lnSpc>
-                <a:spcPct val="90000"/>
-              </a:lnSpc>
-              <a:spcBef>
-                <a:spcPts val="500"/>
-              </a:spcBef>
-              <a:buFont typeface="Arial" panose="020B0604020202020204" pitchFamily="34" charset="0"/>
-              <a:buChar char="•"/>
-              <a:defRPr sz="2000"/>
-            </a:lvl3pPr>
-            <a:lvl4pPr marL="1600200" indent="-228600">
-              <a:lnSpc>
-                <a:spcPct val="90000"/>
-              </a:lnSpc>
-              <a:spcBef>
-                <a:spcPts val="500"/>
-              </a:spcBef>
-              <a:buFont typeface="Arial" panose="020B0604020202020204" pitchFamily="34" charset="0"/>
-              <a:buChar char="•"/>
-            </a:lvl4pPr>
-            <a:lvl5pPr marL="2057400" indent="-228600">
-              <a:lnSpc>
-                <a:spcPct val="90000"/>
-              </a:lnSpc>
-              <a:spcBef>
-                <a:spcPts val="500"/>
-              </a:spcBef>
-              <a:buFont typeface="Arial" panose="020B0604020202020204" pitchFamily="34" charset="0"/>
-              <a:buChar char="•"/>
-            </a:lvl5pPr>
-            <a:lvl6pPr marL="2514600" indent="-228600">
-              <a:lnSpc>
-                <a:spcPct val="90000"/>
-              </a:lnSpc>
-              <a:spcBef>
-                <a:spcPts val="500"/>
-              </a:spcBef>
-              <a:buFont typeface="Arial" panose="020B0604020202020204" pitchFamily="34" charset="0"/>
-              <a:buChar char="•"/>
-            </a:lvl6pPr>
-            <a:lvl7pPr marL="2971800" indent="-228600">
-              <a:lnSpc>
-                <a:spcPct val="90000"/>
-              </a:lnSpc>
-              <a:spcBef>
-                <a:spcPts val="500"/>
-              </a:spcBef>
-              <a:buFont typeface="Arial" panose="020B0604020202020204" pitchFamily="34" charset="0"/>
-              <a:buChar char="•"/>
-            </a:lvl7pPr>
-            <a:lvl8pPr marL="3429000" indent="-228600">
-              <a:lnSpc>
-                <a:spcPct val="90000"/>
-              </a:lnSpc>
-              <a:spcBef>
-                <a:spcPts val="500"/>
-              </a:spcBef>
-              <a:buFont typeface="Arial" panose="020B0604020202020204" pitchFamily="34" charset="0"/>
-              <a:buChar char="•"/>
-            </a:lvl8pPr>
-            <a:lvl9pPr marL="3886200" indent="-228600">
-              <a:lnSpc>
-                <a:spcPct val="90000"/>
-              </a:lnSpc>
-              <a:spcBef>
-                <a:spcPts val="500"/>
-              </a:spcBef>
-              <a:buFont typeface="Arial" panose="020B0604020202020204" pitchFamily="34" charset="0"/>
-              <a:buChar char="•"/>
-            </a:lvl9pPr>
-          </a:lstStyle>
-          <a:p>
-            <a:r>
-              <a:rPr lang="pt-BR" sz="1200" dirty="0"/>
-              <a:t>Tabela 3. Percentual de “</a:t>
-            </a:r>
-            <a:r>
-              <a:rPr lang="pt-BR" sz="1200" dirty="0" err="1"/>
-              <a:t>stopwords</a:t>
-            </a:r>
-            <a:r>
-              <a:rPr lang="pt-BR" sz="1200" dirty="0"/>
-              <a:t>” e caracteres especiais removidos na base de dados relacionadas aos filmes, após a etapa de pré-processamento dos dados.</a:t>
-            </a:r>
-            <a:br>
-              <a:rPr lang="pt-BR" sz="1200" dirty="0"/>
-            </a:br>
-            <a:r>
-              <a:rPr lang="pt-BR" sz="1200" b="1" dirty="0"/>
-              <a:t>Fonte: Resultados originais da pesquisa </a:t>
-            </a:r>
-          </a:p>
-          <a:p>
-            <a:endParaRPr lang="pt-BR" sz="1200" dirty="0"/>
-          </a:p>
-        </p:txBody>
-      </p:sp>
+        </p:grpSpPr>
+        <p:sp>
+          <p:nvSpPr>
+            <p:cNvPr id="13" name="Espaço Reservado para Conteúdo 2">
+              <a:extLst>
+                <a:ext uri="{FF2B5EF4-FFF2-40B4-BE49-F238E27FC236}">
+                  <a16:creationId xmlns:a16="http://schemas.microsoft.com/office/drawing/2014/main" id="{4B084FA3-DAFC-B003-E2B8-4409FBF798E8}"/>
+                </a:ext>
+              </a:extLst>
+            </p:cNvPr>
+            <p:cNvSpPr txBox="1">
+              <a:spLocks/>
+            </p:cNvSpPr>
+            <p:nvPr/>
+          </p:nvSpPr>
+          <p:spPr>
+            <a:xfrm>
+              <a:off x="2674936" y="3233045"/>
+              <a:ext cx="6573834" cy="613411"/>
+            </a:xfrm>
+            <a:prstGeom prst="rect">
+              <a:avLst/>
+            </a:prstGeom>
+          </p:spPr>
+          <p:txBody>
+            <a:bodyPr vert="horz" lIns="91440" tIns="45720" rIns="91440" bIns="45720" rtlCol="0">
+              <a:noAutofit/>
+            </a:bodyPr>
+            <a:lstStyle>
+              <a:defPPr>
+                <a:defRPr lang="pt-BR"/>
+              </a:defPPr>
+              <a:lvl1pPr indent="0">
+                <a:lnSpc>
+                  <a:spcPct val="90000"/>
+                </a:lnSpc>
+                <a:spcBef>
+                  <a:spcPts val="1000"/>
+                </a:spcBef>
+                <a:buFont typeface="Arial" panose="020B0604020202020204" pitchFamily="34" charset="0"/>
+                <a:buNone/>
+                <a:defRPr sz="1600">
+                  <a:solidFill>
+                    <a:schemeClr val="bg2">
+                      <a:lumMod val="25000"/>
+                    </a:schemeClr>
+                  </a:solidFill>
+                  <a:cs typeface="Arial" panose="020B0604020202020204" pitchFamily="34" charset="0"/>
+                </a:defRPr>
+              </a:lvl1pPr>
+              <a:lvl2pPr marL="685800" indent="-228600">
+                <a:lnSpc>
+                  <a:spcPct val="90000"/>
+                </a:lnSpc>
+                <a:spcBef>
+                  <a:spcPts val="500"/>
+                </a:spcBef>
+                <a:buFont typeface="Arial" panose="020B0604020202020204" pitchFamily="34" charset="0"/>
+                <a:buChar char="•"/>
+                <a:defRPr sz="2400"/>
+              </a:lvl2pPr>
+              <a:lvl3pPr marL="1143000" indent="-228600">
+                <a:lnSpc>
+                  <a:spcPct val="90000"/>
+                </a:lnSpc>
+                <a:spcBef>
+                  <a:spcPts val="500"/>
+                </a:spcBef>
+                <a:buFont typeface="Arial" panose="020B0604020202020204" pitchFamily="34" charset="0"/>
+                <a:buChar char="•"/>
+                <a:defRPr sz="2000"/>
+              </a:lvl3pPr>
+              <a:lvl4pPr marL="1600200" indent="-228600">
+                <a:lnSpc>
+                  <a:spcPct val="90000"/>
+                </a:lnSpc>
+                <a:spcBef>
+                  <a:spcPts val="500"/>
+                </a:spcBef>
+                <a:buFont typeface="Arial" panose="020B0604020202020204" pitchFamily="34" charset="0"/>
+                <a:buChar char="•"/>
+              </a:lvl4pPr>
+              <a:lvl5pPr marL="2057400" indent="-228600">
+                <a:lnSpc>
+                  <a:spcPct val="90000"/>
+                </a:lnSpc>
+                <a:spcBef>
+                  <a:spcPts val="500"/>
+                </a:spcBef>
+                <a:buFont typeface="Arial" panose="020B0604020202020204" pitchFamily="34" charset="0"/>
+                <a:buChar char="•"/>
+              </a:lvl5pPr>
+              <a:lvl6pPr marL="2514600" indent="-228600">
+                <a:lnSpc>
+                  <a:spcPct val="90000"/>
+                </a:lnSpc>
+                <a:spcBef>
+                  <a:spcPts val="500"/>
+                </a:spcBef>
+                <a:buFont typeface="Arial" panose="020B0604020202020204" pitchFamily="34" charset="0"/>
+                <a:buChar char="•"/>
+              </a:lvl6pPr>
+              <a:lvl7pPr marL="2971800" indent="-228600">
+                <a:lnSpc>
+                  <a:spcPct val="90000"/>
+                </a:lnSpc>
+                <a:spcBef>
+                  <a:spcPts val="500"/>
+                </a:spcBef>
+                <a:buFont typeface="Arial" panose="020B0604020202020204" pitchFamily="34" charset="0"/>
+                <a:buChar char="•"/>
+              </a:lvl7pPr>
+              <a:lvl8pPr marL="3429000" indent="-228600">
+                <a:lnSpc>
+                  <a:spcPct val="90000"/>
+                </a:lnSpc>
+                <a:spcBef>
+                  <a:spcPts val="500"/>
+                </a:spcBef>
+                <a:buFont typeface="Arial" panose="020B0604020202020204" pitchFamily="34" charset="0"/>
+                <a:buChar char="•"/>
+              </a:lvl8pPr>
+              <a:lvl9pPr marL="3886200" indent="-228600">
+                <a:lnSpc>
+                  <a:spcPct val="90000"/>
+                </a:lnSpc>
+                <a:spcBef>
+                  <a:spcPts val="500"/>
+                </a:spcBef>
+                <a:buFont typeface="Arial" panose="020B0604020202020204" pitchFamily="34" charset="0"/>
+                <a:buChar char="•"/>
+              </a:lvl9pPr>
+            </a:lstStyle>
+            <a:p>
+              <a:r>
+                <a:rPr lang="pt-BR" sz="1200" dirty="0"/>
+                <a:t>Tabela 3. Percentual de “</a:t>
+              </a:r>
+              <a:r>
+                <a:rPr lang="pt-BR" sz="1200" dirty="0" err="1"/>
+                <a:t>stopwords</a:t>
+              </a:r>
+              <a:r>
+                <a:rPr lang="pt-BR" sz="1200" dirty="0"/>
+                <a:t>” e caracteres especiais removidos na base de dados relacionadas aos filmes, após a etapa de pré-processamento dos dados.</a:t>
+              </a:r>
+              <a:br>
+                <a:rPr lang="pt-BR" sz="1200" dirty="0"/>
+              </a:br>
+              <a:r>
+                <a:rPr lang="pt-BR" sz="1200" b="1" dirty="0"/>
+                <a:t>Fonte: Resultados originais da pesquisa </a:t>
+              </a:r>
+            </a:p>
+            <a:p>
+              <a:endParaRPr lang="pt-BR" sz="1200" dirty="0"/>
+            </a:p>
+          </p:txBody>
+        </p:sp>
+        <p:graphicFrame>
+          <p:nvGraphicFramePr>
+            <p:cNvPr id="7" name="Objeto 6">
+              <a:extLst>
+                <a:ext uri="{FF2B5EF4-FFF2-40B4-BE49-F238E27FC236}">
+                  <a16:creationId xmlns:a16="http://schemas.microsoft.com/office/drawing/2014/main" id="{4812CFF6-40A0-5E2F-64C5-9CCF43CAD358}"/>
+                </a:ext>
+              </a:extLst>
+            </p:cNvPr>
+            <p:cNvGraphicFramePr>
+              <a:graphicFrameLocks noChangeAspect="1"/>
+            </p:cNvGraphicFramePr>
+            <p:nvPr>
+              <p:extLst>
+                <p:ext uri="{D42A27DB-BD31-4B8C-83A1-F6EECF244321}">
+                  <p14:modId xmlns:p14="http://schemas.microsoft.com/office/powerpoint/2010/main" val="2844436984"/>
+                </p:ext>
+              </p:extLst>
+            </p:nvPr>
+          </p:nvGraphicFramePr>
+          <p:xfrm>
+            <a:off x="2674936" y="1363549"/>
+            <a:ext cx="6573834" cy="2042478"/>
+          </p:xfrm>
+          <a:graphic>
+            <a:graphicData uri="http://schemas.openxmlformats.org/presentationml/2006/ole">
+              <mc:AlternateContent xmlns:mc="http://schemas.openxmlformats.org/markup-compatibility/2006">
+                <mc:Choice xmlns:v="urn:schemas-microsoft-com:vml" Requires="v">
+                  <p:oleObj name="Documento" r:id="rId2" imgW="5765800" imgH="1790700" progId="Word.Document.12">
+                    <p:embed/>
+                  </p:oleObj>
+                </mc:Choice>
+                <mc:Fallback>
+                  <p:oleObj name="Documento" r:id="rId2" imgW="5765800" imgH="1790700" progId="Word.Document.12">
+                    <p:embed/>
+                    <p:pic>
+                      <p:nvPicPr>
+                        <p:cNvPr id="0" name=""/>
+                        <p:cNvPicPr/>
+                        <p:nvPr/>
+                      </p:nvPicPr>
+                      <p:blipFill>
+                        <a:blip r:embed="rId3"/>
+                        <a:stretch>
+                          <a:fillRect/>
+                        </a:stretch>
+                      </p:blipFill>
+                      <p:spPr>
+                        <a:xfrm>
+                          <a:off x="2674936" y="1363549"/>
+                          <a:ext cx="6573834" cy="2042478"/>
+                        </a:xfrm>
+                        <a:prstGeom prst="rect">
+                          <a:avLst/>
+                        </a:prstGeom>
+                      </p:spPr>
+                    </p:pic>
+                  </p:oleObj>
+                </mc:Fallback>
+              </mc:AlternateContent>
+            </a:graphicData>
+          </a:graphic>
+        </p:graphicFrame>
+      </p:grpSp>
+      <p:grpSp>
+        <p:nvGrpSpPr>
+          <p:cNvPr id="6" name="Group 5">
+            <a:extLst>
+              <a:ext uri="{FF2B5EF4-FFF2-40B4-BE49-F238E27FC236}">
+                <a16:creationId xmlns:a16="http://schemas.microsoft.com/office/drawing/2014/main" id="{28505CDE-DE1B-1E2B-2228-F1629D678644}"/>
+              </a:ext>
+            </a:extLst>
+          </p:cNvPr>
+          <p:cNvGrpSpPr/>
+          <p:nvPr/>
+        </p:nvGrpSpPr>
+        <p:grpSpPr>
+          <a:xfrm>
+            <a:off x="2672945" y="4057018"/>
+            <a:ext cx="6575825" cy="2472115"/>
+            <a:chOff x="2672945" y="4156606"/>
+            <a:chExt cx="6575825" cy="2472115"/>
+          </a:xfrm>
+        </p:grpSpPr>
+        <p:sp>
+          <p:nvSpPr>
+            <p:cNvPr id="5" name="Espaço Reservado para Conteúdo 2">
+              <a:extLst>
+                <a:ext uri="{FF2B5EF4-FFF2-40B4-BE49-F238E27FC236}">
+                  <a16:creationId xmlns:a16="http://schemas.microsoft.com/office/drawing/2014/main" id="{5B25CF76-5B36-0732-938A-521C11FCBFC1}"/>
+                </a:ext>
+              </a:extLst>
+            </p:cNvPr>
+            <p:cNvSpPr txBox="1">
+              <a:spLocks/>
+            </p:cNvSpPr>
+            <p:nvPr/>
+          </p:nvSpPr>
+          <p:spPr>
+            <a:xfrm>
+              <a:off x="2672945" y="6015310"/>
+              <a:ext cx="6573834" cy="613411"/>
+            </a:xfrm>
+            <a:prstGeom prst="rect">
+              <a:avLst/>
+            </a:prstGeom>
+          </p:spPr>
+          <p:txBody>
+            <a:bodyPr vert="horz" lIns="91440" tIns="45720" rIns="91440" bIns="45720" rtlCol="0">
+              <a:noAutofit/>
+            </a:bodyPr>
+            <a:lstStyle>
+              <a:defPPr>
+                <a:defRPr lang="pt-BR"/>
+              </a:defPPr>
+              <a:lvl1pPr indent="0">
+                <a:lnSpc>
+                  <a:spcPct val="90000"/>
+                </a:lnSpc>
+                <a:spcBef>
+                  <a:spcPts val="1000"/>
+                </a:spcBef>
+                <a:buFont typeface="Arial" panose="020B0604020202020204" pitchFamily="34" charset="0"/>
+                <a:buNone/>
+                <a:defRPr sz="1600">
+                  <a:solidFill>
+                    <a:schemeClr val="bg2">
+                      <a:lumMod val="25000"/>
+                    </a:schemeClr>
+                  </a:solidFill>
+                  <a:cs typeface="Arial" panose="020B0604020202020204" pitchFamily="34" charset="0"/>
+                </a:defRPr>
+              </a:lvl1pPr>
+              <a:lvl2pPr marL="685800" indent="-228600">
+                <a:lnSpc>
+                  <a:spcPct val="90000"/>
+                </a:lnSpc>
+                <a:spcBef>
+                  <a:spcPts val="500"/>
+                </a:spcBef>
+                <a:buFont typeface="Arial" panose="020B0604020202020204" pitchFamily="34" charset="0"/>
+                <a:buChar char="•"/>
+                <a:defRPr sz="2400"/>
+              </a:lvl2pPr>
+              <a:lvl3pPr marL="1143000" indent="-228600">
+                <a:lnSpc>
+                  <a:spcPct val="90000"/>
+                </a:lnSpc>
+                <a:spcBef>
+                  <a:spcPts val="500"/>
+                </a:spcBef>
+                <a:buFont typeface="Arial" panose="020B0604020202020204" pitchFamily="34" charset="0"/>
+                <a:buChar char="•"/>
+                <a:defRPr sz="2000"/>
+              </a:lvl3pPr>
+              <a:lvl4pPr marL="1600200" indent="-228600">
+                <a:lnSpc>
+                  <a:spcPct val="90000"/>
+                </a:lnSpc>
+                <a:spcBef>
+                  <a:spcPts val="500"/>
+                </a:spcBef>
+                <a:buFont typeface="Arial" panose="020B0604020202020204" pitchFamily="34" charset="0"/>
+                <a:buChar char="•"/>
+              </a:lvl4pPr>
+              <a:lvl5pPr marL="2057400" indent="-228600">
+                <a:lnSpc>
+                  <a:spcPct val="90000"/>
+                </a:lnSpc>
+                <a:spcBef>
+                  <a:spcPts val="500"/>
+                </a:spcBef>
+                <a:buFont typeface="Arial" panose="020B0604020202020204" pitchFamily="34" charset="0"/>
+                <a:buChar char="•"/>
+              </a:lvl5pPr>
+              <a:lvl6pPr marL="2514600" indent="-228600">
+                <a:lnSpc>
+                  <a:spcPct val="90000"/>
+                </a:lnSpc>
+                <a:spcBef>
+                  <a:spcPts val="500"/>
+                </a:spcBef>
+                <a:buFont typeface="Arial" panose="020B0604020202020204" pitchFamily="34" charset="0"/>
+                <a:buChar char="•"/>
+              </a:lvl6pPr>
+              <a:lvl7pPr marL="2971800" indent="-228600">
+                <a:lnSpc>
+                  <a:spcPct val="90000"/>
+                </a:lnSpc>
+                <a:spcBef>
+                  <a:spcPts val="500"/>
+                </a:spcBef>
+                <a:buFont typeface="Arial" panose="020B0604020202020204" pitchFamily="34" charset="0"/>
+                <a:buChar char="•"/>
+              </a:lvl7pPr>
+              <a:lvl8pPr marL="3429000" indent="-228600">
+                <a:lnSpc>
+                  <a:spcPct val="90000"/>
+                </a:lnSpc>
+                <a:spcBef>
+                  <a:spcPts val="500"/>
+                </a:spcBef>
+                <a:buFont typeface="Arial" panose="020B0604020202020204" pitchFamily="34" charset="0"/>
+                <a:buChar char="•"/>
+              </a:lvl8pPr>
+              <a:lvl9pPr marL="3886200" indent="-228600">
+                <a:lnSpc>
+                  <a:spcPct val="90000"/>
+                </a:lnSpc>
+                <a:spcBef>
+                  <a:spcPts val="500"/>
+                </a:spcBef>
+                <a:buFont typeface="Arial" panose="020B0604020202020204" pitchFamily="34" charset="0"/>
+                <a:buChar char="•"/>
+              </a:lvl9pPr>
+            </a:lstStyle>
+            <a:p>
+              <a:r>
+                <a:rPr lang="pt-BR" sz="1200" dirty="0"/>
+                <a:t>Tabela 4. Percentual de “</a:t>
+              </a:r>
+              <a:r>
+                <a:rPr lang="pt-BR" sz="1200" dirty="0" err="1"/>
+                <a:t>stopwords</a:t>
+              </a:r>
+              <a:r>
+                <a:rPr lang="pt-BR" sz="1200" dirty="0"/>
+                <a:t>” e caracteres especiais removidos na base de dados relacionadas aos livros, após a etapa de pré-processamento dos dados.</a:t>
+              </a:r>
+              <a:br>
+                <a:rPr lang="pt-BR" sz="1200" dirty="0"/>
+              </a:br>
+              <a:r>
+                <a:rPr lang="pt-BR" sz="1200" b="1" dirty="0"/>
+                <a:t>Fonte: Resultados originais da pesquisa </a:t>
+              </a:r>
+            </a:p>
+            <a:p>
+              <a:endParaRPr lang="pt-BR" sz="1200" dirty="0"/>
+            </a:p>
+          </p:txBody>
+        </p:sp>
+        <p:graphicFrame>
+          <p:nvGraphicFramePr>
+            <p:cNvPr id="8" name="Objeto 7">
+              <a:extLst>
+                <a:ext uri="{FF2B5EF4-FFF2-40B4-BE49-F238E27FC236}">
+                  <a16:creationId xmlns:a16="http://schemas.microsoft.com/office/drawing/2014/main" id="{76B9410B-F7A8-593F-C338-263FE71C5ACF}"/>
+                </a:ext>
+              </a:extLst>
+            </p:cNvPr>
+            <p:cNvGraphicFramePr>
+              <a:graphicFrameLocks noChangeAspect="1"/>
+            </p:cNvGraphicFramePr>
+            <p:nvPr>
+              <p:extLst>
+                <p:ext uri="{D42A27DB-BD31-4B8C-83A1-F6EECF244321}">
+                  <p14:modId xmlns:p14="http://schemas.microsoft.com/office/powerpoint/2010/main" val="1187765798"/>
+                </p:ext>
+              </p:extLst>
+            </p:nvPr>
+          </p:nvGraphicFramePr>
+          <p:xfrm>
+            <a:off x="2672945" y="4156606"/>
+            <a:ext cx="6575825" cy="2042479"/>
+          </p:xfrm>
+          <a:graphic>
+            <a:graphicData uri="http://schemas.openxmlformats.org/presentationml/2006/ole">
+              <mc:AlternateContent xmlns:mc="http://schemas.openxmlformats.org/markup-compatibility/2006">
+                <mc:Choice xmlns:v="urn:schemas-microsoft-com:vml" Requires="v">
+                  <p:oleObj name="Documento" r:id="rId4" imgW="5765800" imgH="1790700" progId="Word.Document.12">
+                    <p:embed/>
+                  </p:oleObj>
+                </mc:Choice>
+                <mc:Fallback>
+                  <p:oleObj name="Documento" r:id="rId4" imgW="5765800" imgH="1790700" progId="Word.Document.12">
+                    <p:embed/>
+                    <p:pic>
+                      <p:nvPicPr>
+                        <p:cNvPr id="0" name=""/>
+                        <p:cNvPicPr/>
+                        <p:nvPr/>
+                      </p:nvPicPr>
+                      <p:blipFill>
+                        <a:blip r:embed="rId5"/>
+                        <a:stretch>
+                          <a:fillRect/>
+                        </a:stretch>
+                      </p:blipFill>
+                      <p:spPr>
+                        <a:xfrm>
+                          <a:off x="2672945" y="4156606"/>
+                          <a:ext cx="6575825" cy="2042479"/>
+                        </a:xfrm>
+                        <a:prstGeom prst="rect">
+                          <a:avLst/>
+                        </a:prstGeom>
+                      </p:spPr>
+                    </p:pic>
+                  </p:oleObj>
+                </mc:Fallback>
+              </mc:AlternateContent>
+            </a:graphicData>
+          </a:graphic>
+        </p:graphicFrame>
+      </p:grpSp>
       <p:sp>
         <p:nvSpPr>
-          <p:cNvPr id="23" name="Arrow: Pentagon 3">
+          <p:cNvPr id="2" name="Arrow: Pentagon 3">
             <a:extLst>
               <a:ext uri="{FF2B5EF4-FFF2-40B4-BE49-F238E27FC236}">
-                <a16:creationId xmlns:a16="http://schemas.microsoft.com/office/drawing/2014/main" id="{E9F98B70-513D-44F0-6160-546CB2810864}"/>
+                <a16:creationId xmlns:a16="http://schemas.microsoft.com/office/drawing/2014/main" id="{9A4880F5-21A6-54BC-FC82-3BB671B0E173}"/>
               </a:ext>
             </a:extLst>
           </p:cNvPr>
@@ -4907,7 +5267,7 @@
         </p:nvSpPr>
         <p:spPr>
           <a:xfrm>
-            <a:off x="-1" y="383391"/>
+            <a:off x="0" y="178295"/>
             <a:ext cx="4975200" cy="630000"/>
           </a:xfrm>
           <a:prstGeom prst="homePlate">
@@ -4952,10 +5312,10 @@
       </p:sp>
       <p:sp>
         <p:nvSpPr>
-          <p:cNvPr id="24" name="Arrow: Pentagon 5">
+          <p:cNvPr id="3" name="Arrow: Pentagon 5">
             <a:extLst>
               <a:ext uri="{FF2B5EF4-FFF2-40B4-BE49-F238E27FC236}">
-                <a16:creationId xmlns:a16="http://schemas.microsoft.com/office/drawing/2014/main" id="{26CFECA4-16C7-9765-D1C8-BB1FFAC081E7}"/>
+                <a16:creationId xmlns:a16="http://schemas.microsoft.com/office/drawing/2014/main" id="{1862C6D7-A2EB-9011-80CD-111FA9CE3D46}"/>
               </a:ext>
             </a:extLst>
           </p:cNvPr>
@@ -4964,7 +5324,7 @@
         </p:nvSpPr>
         <p:spPr>
           <a:xfrm>
-            <a:off x="0" y="933967"/>
+            <a:off x="0" y="711645"/>
             <a:ext cx="3205538" cy="370852"/>
           </a:xfrm>
           <a:prstGeom prst="homePlate">
@@ -4973,7 +5333,6 @@
           <a:solidFill>
             <a:schemeClr val="bg2">
               <a:lumMod val="75000"/>
-              <a:alpha val="90000"/>
             </a:schemeClr>
           </a:solidFill>
         </p:spPr>
@@ -5009,290 +5368,6 @@
           </a:p>
         </p:txBody>
       </p:sp>
-      <p:sp>
-        <p:nvSpPr>
-          <p:cNvPr id="5" name="Espaço Reservado para Conteúdo 2">
-            <a:extLst>
-              <a:ext uri="{FF2B5EF4-FFF2-40B4-BE49-F238E27FC236}">
-                <a16:creationId xmlns:a16="http://schemas.microsoft.com/office/drawing/2014/main" id="{5B25CF76-5B36-0732-938A-521C11FCBFC1}"/>
-              </a:ext>
-            </a:extLst>
-          </p:cNvPr>
-          <p:cNvSpPr txBox="1">
-            <a:spLocks/>
-          </p:cNvSpPr>
-          <p:nvPr/>
-        </p:nvSpPr>
-        <p:spPr>
-          <a:xfrm>
-            <a:off x="2672945" y="6015310"/>
-            <a:ext cx="6573834" cy="613411"/>
-          </a:xfrm>
-          <a:prstGeom prst="rect">
-            <a:avLst/>
-          </a:prstGeom>
-        </p:spPr>
-        <p:txBody>
-          <a:bodyPr vert="horz" lIns="91440" tIns="45720" rIns="91440" bIns="45720" rtlCol="0">
-            <a:noAutofit/>
-          </a:bodyPr>
-          <a:lstStyle>
-            <a:defPPr>
-              <a:defRPr lang="pt-BR"/>
-            </a:defPPr>
-            <a:lvl1pPr indent="0">
-              <a:lnSpc>
-                <a:spcPct val="90000"/>
-              </a:lnSpc>
-              <a:spcBef>
-                <a:spcPts val="1000"/>
-              </a:spcBef>
-              <a:buFont typeface="Arial" panose="020B0604020202020204" pitchFamily="34" charset="0"/>
-              <a:buNone/>
-              <a:defRPr sz="1600">
-                <a:solidFill>
-                  <a:schemeClr val="bg2">
-                    <a:lumMod val="25000"/>
-                  </a:schemeClr>
-                </a:solidFill>
-                <a:cs typeface="Arial" panose="020B0604020202020204" pitchFamily="34" charset="0"/>
-              </a:defRPr>
-            </a:lvl1pPr>
-            <a:lvl2pPr marL="685800" indent="-228600">
-              <a:lnSpc>
-                <a:spcPct val="90000"/>
-              </a:lnSpc>
-              <a:spcBef>
-                <a:spcPts val="500"/>
-              </a:spcBef>
-              <a:buFont typeface="Arial" panose="020B0604020202020204" pitchFamily="34" charset="0"/>
-              <a:buChar char="•"/>
-              <a:defRPr sz="2400"/>
-            </a:lvl2pPr>
-            <a:lvl3pPr marL="1143000" indent="-228600">
-              <a:lnSpc>
-                <a:spcPct val="90000"/>
-              </a:lnSpc>
-              <a:spcBef>
-                <a:spcPts val="500"/>
-              </a:spcBef>
-              <a:buFont typeface="Arial" panose="020B0604020202020204" pitchFamily="34" charset="0"/>
-              <a:buChar char="•"/>
-              <a:defRPr sz="2000"/>
-            </a:lvl3pPr>
-            <a:lvl4pPr marL="1600200" indent="-228600">
-              <a:lnSpc>
-                <a:spcPct val="90000"/>
-              </a:lnSpc>
-              <a:spcBef>
-                <a:spcPts val="500"/>
-              </a:spcBef>
-              <a:buFont typeface="Arial" panose="020B0604020202020204" pitchFamily="34" charset="0"/>
-              <a:buChar char="•"/>
-            </a:lvl4pPr>
-            <a:lvl5pPr marL="2057400" indent="-228600">
-              <a:lnSpc>
-                <a:spcPct val="90000"/>
-              </a:lnSpc>
-              <a:spcBef>
-                <a:spcPts val="500"/>
-              </a:spcBef>
-              <a:buFont typeface="Arial" panose="020B0604020202020204" pitchFamily="34" charset="0"/>
-              <a:buChar char="•"/>
-            </a:lvl5pPr>
-            <a:lvl6pPr marL="2514600" indent="-228600">
-              <a:lnSpc>
-                <a:spcPct val="90000"/>
-              </a:lnSpc>
-              <a:spcBef>
-                <a:spcPts val="500"/>
-              </a:spcBef>
-              <a:buFont typeface="Arial" panose="020B0604020202020204" pitchFamily="34" charset="0"/>
-              <a:buChar char="•"/>
-            </a:lvl6pPr>
-            <a:lvl7pPr marL="2971800" indent="-228600">
-              <a:lnSpc>
-                <a:spcPct val="90000"/>
-              </a:lnSpc>
-              <a:spcBef>
-                <a:spcPts val="500"/>
-              </a:spcBef>
-              <a:buFont typeface="Arial" panose="020B0604020202020204" pitchFamily="34" charset="0"/>
-              <a:buChar char="•"/>
-            </a:lvl7pPr>
-            <a:lvl8pPr marL="3429000" indent="-228600">
-              <a:lnSpc>
-                <a:spcPct val="90000"/>
-              </a:lnSpc>
-              <a:spcBef>
-                <a:spcPts val="500"/>
-              </a:spcBef>
-              <a:buFont typeface="Arial" panose="020B0604020202020204" pitchFamily="34" charset="0"/>
-              <a:buChar char="•"/>
-            </a:lvl8pPr>
-            <a:lvl9pPr marL="3886200" indent="-228600">
-              <a:lnSpc>
-                <a:spcPct val="90000"/>
-              </a:lnSpc>
-              <a:spcBef>
-                <a:spcPts val="500"/>
-              </a:spcBef>
-              <a:buFont typeface="Arial" panose="020B0604020202020204" pitchFamily="34" charset="0"/>
-              <a:buChar char="•"/>
-            </a:lvl9pPr>
-          </a:lstStyle>
-          <a:p>
-            <a:r>
-              <a:rPr lang="pt-BR" sz="1200" dirty="0"/>
-              <a:t>Tabela 4. Percentual de “</a:t>
-            </a:r>
-            <a:r>
-              <a:rPr lang="pt-BR" sz="1200" dirty="0" err="1"/>
-              <a:t>stopwords</a:t>
-            </a:r>
-            <a:r>
-              <a:rPr lang="pt-BR" sz="1200" dirty="0"/>
-              <a:t>” e caracteres especiais removidos na base de dados relacionadas aos livros, após a etapa de pré-processamento dos dados.</a:t>
-            </a:r>
-            <a:br>
-              <a:rPr lang="pt-BR" sz="1200" dirty="0"/>
-            </a:br>
-            <a:r>
-              <a:rPr lang="pt-BR" sz="1200" b="1" dirty="0"/>
-              <a:t>Fonte: Resultados originais da pesquisa </a:t>
-            </a:r>
-          </a:p>
-          <a:p>
-            <a:endParaRPr lang="pt-BR" sz="1200" dirty="0"/>
-          </a:p>
-        </p:txBody>
-      </p:sp>
-      <p:graphicFrame>
-        <p:nvGraphicFramePr>
-          <p:cNvPr id="7" name="Objeto 6">
-            <a:extLst>
-              <a:ext uri="{FF2B5EF4-FFF2-40B4-BE49-F238E27FC236}">
-                <a16:creationId xmlns:a16="http://schemas.microsoft.com/office/drawing/2014/main" id="{4812CFF6-40A0-5E2F-64C5-9CCF43CAD358}"/>
-              </a:ext>
-            </a:extLst>
-          </p:cNvPr>
-          <p:cNvGraphicFramePr>
-            <a:graphicFrameLocks noChangeAspect="1"/>
-          </p:cNvGraphicFramePr>
-          <p:nvPr>
-            <p:extLst>
-              <p:ext uri="{D42A27DB-BD31-4B8C-83A1-F6EECF244321}">
-                <p14:modId xmlns:p14="http://schemas.microsoft.com/office/powerpoint/2010/main" val="685863674"/>
-              </p:ext>
-            </p:extLst>
-          </p:nvPr>
-        </p:nvGraphicFramePr>
-        <p:xfrm>
-          <a:off x="2674936" y="1363549"/>
-          <a:ext cx="6573834" cy="2042478"/>
-        </p:xfrm>
-        <a:graphic>
-          <a:graphicData uri="http://schemas.openxmlformats.org/presentationml/2006/ole">
-            <mc:AlternateContent xmlns:mc="http://schemas.openxmlformats.org/markup-compatibility/2006">
-              <mc:Choice xmlns:v="urn:schemas-microsoft-com:vml" Requires="v">
-                <p:oleObj name="Documento" r:id="rId2" imgW="5765800" imgH="1790700" progId="Word.Document.12">
-                  <p:embed/>
-                </p:oleObj>
-              </mc:Choice>
-              <mc:Fallback>
-                <p:oleObj name="Documento" r:id="rId2" imgW="5765800" imgH="1790700" progId="Word.Document.12">
-                  <p:embed/>
-                  <p:pic>
-                    <p:nvPicPr>
-                      <p:cNvPr id="0" name=""/>
-                      <p:cNvPicPr/>
-                      <p:nvPr/>
-                    </p:nvPicPr>
-                    <p:blipFill>
-                      <a:blip r:embed="rId3"/>
-                      <a:stretch>
-                        <a:fillRect/>
-                      </a:stretch>
-                    </p:blipFill>
-                    <p:spPr>
-                      <a:xfrm>
-                        <a:off x="2674936" y="1363549"/>
-                        <a:ext cx="6573834" cy="2042478"/>
-                      </a:xfrm>
-                      <a:prstGeom prst="rect">
-                        <a:avLst/>
-                      </a:prstGeom>
-                    </p:spPr>
-                  </p:pic>
-                </p:oleObj>
-              </mc:Fallback>
-            </mc:AlternateContent>
-          </a:graphicData>
-        </a:graphic>
-      </p:graphicFrame>
-      <p:graphicFrame>
-        <p:nvGraphicFramePr>
-          <p:cNvPr id="8" name="Objeto 7">
-            <a:extLst>
-              <a:ext uri="{FF2B5EF4-FFF2-40B4-BE49-F238E27FC236}">
-                <a16:creationId xmlns:a16="http://schemas.microsoft.com/office/drawing/2014/main" id="{76B9410B-F7A8-593F-C338-263FE71C5ACF}"/>
-              </a:ext>
-            </a:extLst>
-          </p:cNvPr>
-          <p:cNvGraphicFramePr>
-            <a:graphicFrameLocks noChangeAspect="1"/>
-          </p:cNvGraphicFramePr>
-          <p:nvPr>
-            <p:extLst>
-              <p:ext uri="{D42A27DB-BD31-4B8C-83A1-F6EECF244321}">
-                <p14:modId xmlns:p14="http://schemas.microsoft.com/office/powerpoint/2010/main" val="4254918467"/>
-              </p:ext>
-            </p:extLst>
-          </p:nvPr>
-        </p:nvGraphicFramePr>
-        <p:xfrm>
-          <a:off x="2672945" y="4156606"/>
-          <a:ext cx="6575825" cy="2042479"/>
-        </p:xfrm>
-        <a:graphic>
-          <a:graphicData uri="http://schemas.openxmlformats.org/presentationml/2006/ole">
-            <mc:AlternateContent xmlns:mc="http://schemas.openxmlformats.org/markup-compatibility/2006">
-              <mc:Choice xmlns:v="urn:schemas-microsoft-com:vml" Requires="v">
-                <p:oleObj name="Documento" r:id="rId4" imgW="5765800" imgH="1790700" progId="Word.Document.12">
-                  <p:embed/>
-                </p:oleObj>
-              </mc:Choice>
-              <mc:Fallback>
-                <p:oleObj name="Documento" r:id="rId4" imgW="5765800" imgH="1790700" progId="Word.Document.12">
-                  <p:embed/>
-                  <p:pic>
-                    <p:nvPicPr>
-                      <p:cNvPr id="0" name=""/>
-                      <p:cNvPicPr/>
-                      <p:nvPr/>
-                    </p:nvPicPr>
-                    <p:blipFill>
-                      <a:blip r:embed="rId5"/>
-                      <a:stretch>
-                        <a:fillRect/>
-                      </a:stretch>
-                    </p:blipFill>
-                    <p:spPr>
-                      <a:xfrm>
-                        <a:off x="2672945" y="4156606"/>
-                        <a:ext cx="6575825" cy="2042479"/>
-                      </a:xfrm>
-                      <a:prstGeom prst="rect">
-                        <a:avLst/>
-                      </a:prstGeom>
-                    </p:spPr>
-                  </p:pic>
-                </p:oleObj>
-              </mc:Fallback>
-            </mc:AlternateContent>
-          </a:graphicData>
-        </a:graphic>
-      </p:graphicFrame>
     </p:spTree>
     <p:extLst>
       <p:ext uri="{BB962C8B-B14F-4D97-AF65-F5344CB8AC3E}">
@@ -5341,7 +5416,7 @@
         </p:nvSpPr>
         <p:spPr>
           <a:xfrm>
-            <a:off x="530857" y="2058323"/>
+            <a:off x="539483" y="2051214"/>
             <a:ext cx="4974204" cy="3204143"/>
           </a:xfrm>
         </p:spPr>
@@ -5365,19 +5440,6 @@
             </a:r>
           </a:p>
           <a:p>
-            <a:pPr marL="0" indent="0" algn="just">
-              <a:buNone/>
-            </a:pPr>
-            <a:endParaRPr lang="pt-BR" sz="1600" dirty="0">
-              <a:solidFill>
-                <a:schemeClr val="bg2">
-                  <a:lumMod val="25000"/>
-                </a:schemeClr>
-              </a:solidFill>
-              <a:cs typeface="Arial" panose="020B0604020202020204" pitchFamily="34" charset="0"/>
-            </a:endParaRPr>
-          </a:p>
-          <a:p>
             <a:pPr algn="just"/>
             <a:r>
               <a:rPr lang="pt-BR" sz="1600" dirty="0">
@@ -5460,17 +5522,6 @@
             </a:r>
           </a:p>
           <a:p>
-            <a:pPr lvl="1" algn="just"/>
-            <a:endParaRPr lang="pt-BR" sz="1600" dirty="0">
-              <a:solidFill>
-                <a:schemeClr val="bg2">
-                  <a:lumMod val="25000"/>
-                </a:schemeClr>
-              </a:solidFill>
-              <a:cs typeface="Arial" panose="020B0604020202020204" pitchFamily="34" charset="0"/>
-            </a:endParaRPr>
-          </a:p>
-          <a:p>
             <a:pPr algn="just"/>
             <a:r>
               <a:rPr lang="pt-BR" sz="1600" dirty="0">
@@ -5481,138 +5532,36 @@
                 </a:solidFill>
                 <a:cs typeface="Arial" panose="020B0604020202020204" pitchFamily="34" charset="0"/>
               </a:rPr>
-              <a:t>Filtrar informações úteis.</a:t>
-            </a:r>
-          </a:p>
-        </p:txBody>
-      </p:sp>
-      <p:sp>
-        <p:nvSpPr>
-          <p:cNvPr id="6" name="Content Placeholder 5">
-            <a:extLst>
-              <a:ext uri="{FF2B5EF4-FFF2-40B4-BE49-F238E27FC236}">
-                <a16:creationId xmlns:a16="http://schemas.microsoft.com/office/drawing/2014/main" id="{F561DE5C-4FE3-9085-1C6B-67DC73B119DD}"/>
-              </a:ext>
-            </a:extLst>
-          </p:cNvPr>
-          <p:cNvSpPr>
-            <a:spLocks noGrp="1"/>
-          </p:cNvSpPr>
-          <p:nvPr>
-            <p:ph sz="quarter" idx="4"/>
-          </p:nvPr>
-        </p:nvSpPr>
-        <p:spPr>
-          <a:xfrm>
-            <a:off x="5850294" y="2058323"/>
-            <a:ext cx="5810849" cy="2788225"/>
-          </a:xfrm>
-          <a:solidFill>
-            <a:schemeClr val="tx2">
-              <a:lumMod val="60000"/>
-              <a:lumOff val="40000"/>
-              <a:alpha val="70000"/>
-            </a:schemeClr>
-          </a:solidFill>
-          <a:ln w="12700">
-            <a:solidFill>
-              <a:schemeClr val="bg2">
-                <a:lumMod val="25000"/>
-              </a:schemeClr>
-            </a:solidFill>
-          </a:ln>
-        </p:spPr>
-        <p:style>
-          <a:lnRef idx="1">
-            <a:schemeClr val="accent3"/>
-          </a:lnRef>
-          <a:fillRef idx="2">
-            <a:schemeClr val="accent3"/>
-          </a:fillRef>
-          <a:effectRef idx="1">
-            <a:schemeClr val="accent3"/>
-          </a:effectRef>
-          <a:fontRef idx="minor">
-            <a:schemeClr val="dk1"/>
-          </a:fontRef>
-        </p:style>
-        <p:txBody>
-          <a:bodyPr anchor="ctr" anchorCtr="0">
-            <a:noAutofit/>
-          </a:bodyPr>
-          <a:lstStyle/>
-          <a:p>
+              <a:t>Informações significantes.</a:t>
+            </a:r>
+          </a:p>
+          <a:p>
+            <a:pPr algn="just"/>
             <a:r>
               <a:rPr lang="pt-BR" sz="1600" dirty="0">
                 <a:solidFill>
                   <a:schemeClr val="bg2">
-                    <a:lumMod val="10000"/>
-                  </a:schemeClr>
-                </a:solidFill>
-                <a:ea typeface="Calibri" panose="020F0502020204030204" pitchFamily="34" charset="0"/>
+                    <a:lumMod val="25000"/>
+                  </a:schemeClr>
+                </a:solidFill>
                 <a:cs typeface="Arial" panose="020B0604020202020204" pitchFamily="34" charset="0"/>
               </a:rPr>
-              <a:t>N</a:t>
-            </a:r>
+              <a:t>Entendimento da regra de negócio.</a:t>
+            </a:r>
+          </a:p>
+          <a:p>
+            <a:pPr algn="just"/>
             <a:r>
               <a:rPr lang="pt-BR" sz="1600" dirty="0">
                 <a:solidFill>
                   <a:schemeClr val="bg2">
-                    <a:lumMod val="10000"/>
-                  </a:schemeClr>
-                </a:solidFill>
-                <a:effectLst/>
-                <a:ea typeface="Calibri" panose="020F0502020204030204" pitchFamily="34" charset="0"/>
+                    <a:lumMod val="25000"/>
+                  </a:schemeClr>
+                </a:solidFill>
                 <a:cs typeface="Arial" panose="020B0604020202020204" pitchFamily="34" charset="0"/>
               </a:rPr>
-              <a:t>ão basta somente ter acesso a grandes volumes de dados. O ponto chave a ser realmente considerado, é como encontrar uma informação útil dentro de um arcabouço de dados diversificados (Yang et al., 2020).</a:t>
-            </a:r>
-            <a:endParaRPr lang="pt-BR" sz="1600" dirty="0">
-              <a:solidFill>
-                <a:schemeClr val="bg2">
-                  <a:lumMod val="10000"/>
-                </a:schemeClr>
-              </a:solidFill>
-              <a:ea typeface="Calibri" panose="020F0502020204030204" pitchFamily="34" charset="0"/>
-              <a:cs typeface="Arial" panose="020B0604020202020204" pitchFamily="34" charset="0"/>
-            </a:endParaRPr>
-          </a:p>
-          <a:p>
-            <a:pPr marL="0" indent="0">
-              <a:buNone/>
-            </a:pPr>
-            <a:endParaRPr lang="pt-BR" sz="1600" dirty="0">
-              <a:solidFill>
-                <a:schemeClr val="bg2">
-                  <a:lumMod val="10000"/>
-                </a:schemeClr>
-              </a:solidFill>
-              <a:ea typeface="Calibri" panose="020F0502020204030204" pitchFamily="34" charset="0"/>
-              <a:cs typeface="Arial" panose="020B0604020202020204" pitchFamily="34" charset="0"/>
-            </a:endParaRPr>
-          </a:p>
-          <a:p>
-            <a:r>
-              <a:rPr lang="pt-BR" sz="1600" dirty="0">
-                <a:solidFill>
-                  <a:schemeClr val="bg2">
-                    <a:lumMod val="10000"/>
-                  </a:schemeClr>
-                </a:solidFill>
-                <a:effectLst/>
-                <a:ea typeface="Calibri" panose="020F0502020204030204" pitchFamily="34" charset="0"/>
-                <a:cs typeface="Arial" panose="020B0604020202020204" pitchFamily="34" charset="0"/>
-              </a:rPr>
-              <a:t>Desenvolver uma base de dados estruturada, sem erros de formatação e com os devidos parâmetros definidos, facilita a objetividade da visualização e análise das informações (Wickham, 2016).</a:t>
-            </a:r>
-            <a:endParaRPr lang="pt-BR" sz="1600" dirty="0">
-              <a:solidFill>
-                <a:schemeClr val="bg2">
-                  <a:lumMod val="10000"/>
-                </a:schemeClr>
-              </a:solidFill>
-              <a:cs typeface="Arial" panose="020B0604020202020204" pitchFamily="34" charset="0"/>
-            </a:endParaRPr>
+              <a:t>Diversidade de dados.</a:t>
+            </a:r>
           </a:p>
         </p:txBody>
       </p:sp>
@@ -5630,7 +5579,7 @@
         </p:nvSpPr>
         <p:spPr>
           <a:xfrm>
-            <a:off x="0" y="359450"/>
+            <a:off x="0" y="178295"/>
             <a:ext cx="4975200" cy="626869"/>
           </a:xfrm>
           <a:prstGeom prst="homePlate">
@@ -5670,6 +5619,254 @@
               </a:rPr>
               <a:t>INTRODUÇÃO</a:t>
             </a:r>
+          </a:p>
+        </p:txBody>
+      </p:sp>
+      <p:sp>
+        <p:nvSpPr>
+          <p:cNvPr id="2" name="Content Placeholder 5">
+            <a:extLst>
+              <a:ext uri="{FF2B5EF4-FFF2-40B4-BE49-F238E27FC236}">
+                <a16:creationId xmlns:a16="http://schemas.microsoft.com/office/drawing/2014/main" id="{ACF65078-5BFA-1990-3737-8546C36327D5}"/>
+              </a:ext>
+            </a:extLst>
+          </p:cNvPr>
+          <p:cNvSpPr txBox="1">
+            <a:spLocks/>
+          </p:cNvSpPr>
+          <p:nvPr/>
+        </p:nvSpPr>
+        <p:spPr>
+          <a:xfrm>
+            <a:off x="5841668" y="2540181"/>
+            <a:ext cx="5810849" cy="1777638"/>
+          </a:xfrm>
+          <a:prstGeom prst="rect">
+            <a:avLst/>
+          </a:prstGeom>
+          <a:solidFill>
+            <a:schemeClr val="tx2">
+              <a:lumMod val="60000"/>
+              <a:lumOff val="40000"/>
+              <a:alpha val="70000"/>
+            </a:schemeClr>
+          </a:solidFill>
+          <a:ln w="12700" cap="flat" cmpd="sng" algn="ctr">
+            <a:solidFill>
+              <a:schemeClr val="bg2">
+                <a:lumMod val="25000"/>
+              </a:schemeClr>
+            </a:solidFill>
+            <a:prstDash val="solid"/>
+            <a:miter lim="800000"/>
+          </a:ln>
+        </p:spPr>
+        <p:style>
+          <a:lnRef idx="1">
+            <a:schemeClr val="accent3"/>
+          </a:lnRef>
+          <a:fillRef idx="2">
+            <a:schemeClr val="accent3"/>
+          </a:fillRef>
+          <a:effectRef idx="1">
+            <a:schemeClr val="accent3"/>
+          </a:effectRef>
+          <a:fontRef idx="minor">
+            <a:schemeClr val="dk1"/>
+          </a:fontRef>
+        </p:style>
+        <p:txBody>
+          <a:bodyPr vert="horz" lIns="91440" tIns="45720" rIns="91440" bIns="45720" rtlCol="0" anchor="ctr" anchorCtr="0">
+            <a:noAutofit/>
+          </a:bodyPr>
+          <a:lstStyle>
+            <a:lvl1pPr marL="228600" indent="-228600" algn="l" defTabSz="914400" rtl="0" eaLnBrk="1" latinLnBrk="0" hangingPunct="1">
+              <a:lnSpc>
+                <a:spcPct val="90000"/>
+              </a:lnSpc>
+              <a:spcBef>
+                <a:spcPts val="1000"/>
+              </a:spcBef>
+              <a:buFont typeface="Arial" panose="020B0604020202020204" pitchFamily="34" charset="0"/>
+              <a:buChar char="•"/>
+              <a:defRPr sz="2800" kern="1200">
+                <a:solidFill>
+                  <a:schemeClr val="dk1"/>
+                </a:solidFill>
+                <a:latin typeface="+mn-lt"/>
+                <a:ea typeface="+mn-ea"/>
+                <a:cs typeface="+mn-cs"/>
+              </a:defRPr>
+            </a:lvl1pPr>
+            <a:lvl2pPr marL="685800" indent="-228600" algn="l" defTabSz="914400" rtl="0" eaLnBrk="1" latinLnBrk="0" hangingPunct="1">
+              <a:lnSpc>
+                <a:spcPct val="90000"/>
+              </a:lnSpc>
+              <a:spcBef>
+                <a:spcPts val="500"/>
+              </a:spcBef>
+              <a:buFont typeface="Arial" panose="020B0604020202020204" pitchFamily="34" charset="0"/>
+              <a:buChar char="•"/>
+              <a:defRPr sz="2400" kern="1200">
+                <a:solidFill>
+                  <a:schemeClr val="dk1"/>
+                </a:solidFill>
+                <a:latin typeface="+mn-lt"/>
+                <a:ea typeface="+mn-ea"/>
+                <a:cs typeface="+mn-cs"/>
+              </a:defRPr>
+            </a:lvl2pPr>
+            <a:lvl3pPr marL="1143000" indent="-228600" algn="l" defTabSz="914400" rtl="0" eaLnBrk="1" latinLnBrk="0" hangingPunct="1">
+              <a:lnSpc>
+                <a:spcPct val="90000"/>
+              </a:lnSpc>
+              <a:spcBef>
+                <a:spcPts val="500"/>
+              </a:spcBef>
+              <a:buFont typeface="Arial" panose="020B0604020202020204" pitchFamily="34" charset="0"/>
+              <a:buChar char="•"/>
+              <a:defRPr sz="2000" kern="1200">
+                <a:solidFill>
+                  <a:schemeClr val="dk1"/>
+                </a:solidFill>
+                <a:latin typeface="+mn-lt"/>
+                <a:ea typeface="+mn-ea"/>
+                <a:cs typeface="+mn-cs"/>
+              </a:defRPr>
+            </a:lvl3pPr>
+            <a:lvl4pPr marL="1600200" indent="-228600" algn="l" defTabSz="914400" rtl="0" eaLnBrk="1" latinLnBrk="0" hangingPunct="1">
+              <a:lnSpc>
+                <a:spcPct val="90000"/>
+              </a:lnSpc>
+              <a:spcBef>
+                <a:spcPts val="500"/>
+              </a:spcBef>
+              <a:buFont typeface="Arial" panose="020B0604020202020204" pitchFamily="34" charset="0"/>
+              <a:buChar char="•"/>
+              <a:defRPr sz="1800" kern="1200">
+                <a:solidFill>
+                  <a:schemeClr val="dk1"/>
+                </a:solidFill>
+                <a:latin typeface="+mn-lt"/>
+                <a:ea typeface="+mn-ea"/>
+                <a:cs typeface="+mn-cs"/>
+              </a:defRPr>
+            </a:lvl4pPr>
+            <a:lvl5pPr marL="2057400" indent="-228600" algn="l" defTabSz="914400" rtl="0" eaLnBrk="1" latinLnBrk="0" hangingPunct="1">
+              <a:lnSpc>
+                <a:spcPct val="90000"/>
+              </a:lnSpc>
+              <a:spcBef>
+                <a:spcPts val="500"/>
+              </a:spcBef>
+              <a:buFont typeface="Arial" panose="020B0604020202020204" pitchFamily="34" charset="0"/>
+              <a:buChar char="•"/>
+              <a:defRPr sz="1800" kern="1200">
+                <a:solidFill>
+                  <a:schemeClr val="dk1"/>
+                </a:solidFill>
+                <a:latin typeface="+mn-lt"/>
+                <a:ea typeface="+mn-ea"/>
+                <a:cs typeface="+mn-cs"/>
+              </a:defRPr>
+            </a:lvl5pPr>
+            <a:lvl6pPr marL="2514600" indent="-228600" algn="l" defTabSz="914400" rtl="0" eaLnBrk="1" latinLnBrk="0" hangingPunct="1">
+              <a:lnSpc>
+                <a:spcPct val="90000"/>
+              </a:lnSpc>
+              <a:spcBef>
+                <a:spcPts val="500"/>
+              </a:spcBef>
+              <a:buFont typeface="Arial" panose="020B0604020202020204" pitchFamily="34" charset="0"/>
+              <a:buChar char="•"/>
+              <a:defRPr sz="1800" kern="1200">
+                <a:solidFill>
+                  <a:schemeClr val="dk1"/>
+                </a:solidFill>
+                <a:latin typeface="+mn-lt"/>
+                <a:ea typeface="+mn-ea"/>
+                <a:cs typeface="+mn-cs"/>
+              </a:defRPr>
+            </a:lvl6pPr>
+            <a:lvl7pPr marL="2971800" indent="-228600" algn="l" defTabSz="914400" rtl="0" eaLnBrk="1" latinLnBrk="0" hangingPunct="1">
+              <a:lnSpc>
+                <a:spcPct val="90000"/>
+              </a:lnSpc>
+              <a:spcBef>
+                <a:spcPts val="500"/>
+              </a:spcBef>
+              <a:buFont typeface="Arial" panose="020B0604020202020204" pitchFamily="34" charset="0"/>
+              <a:buChar char="•"/>
+              <a:defRPr sz="1800" kern="1200">
+                <a:solidFill>
+                  <a:schemeClr val="dk1"/>
+                </a:solidFill>
+                <a:latin typeface="+mn-lt"/>
+                <a:ea typeface="+mn-ea"/>
+                <a:cs typeface="+mn-cs"/>
+              </a:defRPr>
+            </a:lvl7pPr>
+            <a:lvl8pPr marL="3429000" indent="-228600" algn="l" defTabSz="914400" rtl="0" eaLnBrk="1" latinLnBrk="0" hangingPunct="1">
+              <a:lnSpc>
+                <a:spcPct val="90000"/>
+              </a:lnSpc>
+              <a:spcBef>
+                <a:spcPts val="500"/>
+              </a:spcBef>
+              <a:buFont typeface="Arial" panose="020B0604020202020204" pitchFamily="34" charset="0"/>
+              <a:buChar char="•"/>
+              <a:defRPr sz="1800" kern="1200">
+                <a:solidFill>
+                  <a:schemeClr val="dk1"/>
+                </a:solidFill>
+                <a:latin typeface="+mn-lt"/>
+                <a:ea typeface="+mn-ea"/>
+                <a:cs typeface="+mn-cs"/>
+              </a:defRPr>
+            </a:lvl8pPr>
+            <a:lvl9pPr marL="3886200" indent="-228600" algn="l" defTabSz="914400" rtl="0" eaLnBrk="1" latinLnBrk="0" hangingPunct="1">
+              <a:lnSpc>
+                <a:spcPct val="90000"/>
+              </a:lnSpc>
+              <a:spcBef>
+                <a:spcPts val="500"/>
+              </a:spcBef>
+              <a:buFont typeface="Arial" panose="020B0604020202020204" pitchFamily="34" charset="0"/>
+              <a:buChar char="•"/>
+              <a:defRPr sz="1800" kern="1200">
+                <a:solidFill>
+                  <a:schemeClr val="dk1"/>
+                </a:solidFill>
+                <a:latin typeface="+mn-lt"/>
+                <a:ea typeface="+mn-ea"/>
+                <a:cs typeface="+mn-cs"/>
+              </a:defRPr>
+            </a:lvl9pPr>
+          </a:lstStyle>
+          <a:p>
+            <a:pPr marL="0" indent="0">
+              <a:buNone/>
+            </a:pPr>
+            <a:r>
+              <a:rPr lang="pt-BR" sz="1600" dirty="0">
+                <a:solidFill>
+                  <a:schemeClr val="bg2">
+                    <a:lumMod val="10000"/>
+                  </a:schemeClr>
+                </a:solidFill>
+                <a:ea typeface="Calibri" panose="020F0502020204030204" pitchFamily="34" charset="0"/>
+                <a:cs typeface="Arial" panose="020B0604020202020204" pitchFamily="34" charset="0"/>
+              </a:rPr>
+              <a:t>Desenvolver uma base de dados estruturada, sem erros de formatação e com os devidos parâmetros definidos, facilita a objetividade da visualização e análise das informações (Wickham, 2016).</a:t>
+            </a:r>
+            <a:endParaRPr lang="pt-BR" sz="1600" dirty="0">
+              <a:solidFill>
+                <a:schemeClr val="bg2">
+                  <a:lumMod val="10000"/>
+                </a:schemeClr>
+              </a:solidFill>
+              <a:cs typeface="Arial" panose="020B0604020202020204" pitchFamily="34" charset="0"/>
+            </a:endParaRPr>
           </a:p>
         </p:txBody>
       </p:sp>
@@ -5755,77 +5952,7 @@
               </a:rPr>
               <a:t>Processamento de Linguagem Natural – PLN.</a:t>
             </a:r>
-          </a:p>
-          <a:p>
-            <a:pPr marL="666750" lvl="1" algn="just"/>
-            <a:r>
-              <a:rPr lang="pt-BR" sz="1600" dirty="0">
-                <a:solidFill>
-                  <a:schemeClr val="bg2">
-                    <a:lumMod val="25000"/>
-                  </a:schemeClr>
-                </a:solidFill>
-              </a:rPr>
-              <a:t>Substantivos;</a:t>
-            </a:r>
-          </a:p>
-          <a:p>
-            <a:pPr marL="666750" lvl="1" algn="just"/>
-            <a:r>
-              <a:rPr lang="pt-BR" sz="1600" dirty="0">
-                <a:solidFill>
-                  <a:schemeClr val="bg2">
-                    <a:lumMod val="25000"/>
-                  </a:schemeClr>
-                </a:solidFill>
-              </a:rPr>
-              <a:t>Verbos;</a:t>
-            </a:r>
-          </a:p>
-          <a:p>
-            <a:pPr marL="666750" lvl="1" algn="just"/>
-            <a:r>
-              <a:rPr lang="pt-BR" sz="1600" dirty="0">
-                <a:solidFill>
-                  <a:schemeClr val="bg2">
-                    <a:lumMod val="25000"/>
-                  </a:schemeClr>
-                </a:solidFill>
-              </a:rPr>
-              <a:t>Adjetivos;</a:t>
-            </a:r>
-          </a:p>
-          <a:p>
-            <a:pPr marL="666750" lvl="1" algn="just"/>
-            <a:r>
-              <a:rPr lang="pt-BR" sz="1600" dirty="0">
-                <a:solidFill>
-                  <a:schemeClr val="bg2">
-                    <a:lumMod val="25000"/>
-                  </a:schemeClr>
-                </a:solidFill>
-              </a:rPr>
-              <a:t>Pronomes;</a:t>
-            </a:r>
-          </a:p>
-          <a:p>
-            <a:pPr marL="666750" lvl="1" algn="just"/>
-            <a:r>
-              <a:rPr lang="pt-BR" sz="1600" dirty="0">
-                <a:solidFill>
-                  <a:schemeClr val="bg2">
-                    <a:lumMod val="25000"/>
-                  </a:schemeClr>
-                </a:solidFill>
-              </a:rPr>
-              <a:t>Estruturas gramaticas.</a:t>
-            </a:r>
-          </a:p>
-          <a:p>
-            <a:pPr marL="457200" lvl="1" indent="0" algn="just">
-              <a:buNone/>
-            </a:pPr>
-            <a:endParaRPr lang="pt-BR" sz="1600" dirty="0">
+            <a:endParaRPr lang="pt-BR" sz="1200" dirty="0">
               <a:solidFill>
                 <a:schemeClr val="bg2">
                   <a:lumMod val="25000"/>
@@ -5834,49 +5961,134 @@
             </a:endParaRPr>
           </a:p>
           <a:p>
-            <a:pPr algn="just">
-              <a:buFont typeface="Wingdings" panose="05000000000000000000" pitchFamily="2" charset="2"/>
-              <a:buChar char="Ø"/>
+            <a:pPr marL="666750" lvl="1" algn="just">
+              <a:lnSpc>
+                <a:spcPct val="100000"/>
+              </a:lnSpc>
             </a:pPr>
             <a:r>
-              <a:rPr lang="pt-BR" sz="1600" b="1" dirty="0">
+              <a:rPr lang="pt-BR" sz="1600" dirty="0">
                 <a:solidFill>
                   <a:schemeClr val="bg2">
                     <a:lumMod val="25000"/>
                   </a:schemeClr>
                 </a:solidFill>
               </a:rPr>
-              <a:t>O objetivo deste trabalho é utilizar técnicas de processamento de linguagem natural nos “</a:t>
-            </a:r>
-            <a:r>
-              <a:rPr lang="pt-BR" sz="1600" b="1" dirty="0" err="1">
+              <a:t>Utiliza preceitos linguísticos como classe de palavras para realizar as análises;</a:t>
+            </a:r>
+          </a:p>
+          <a:p>
+            <a:pPr marL="666750" lvl="1" algn="just"/>
+            <a:r>
+              <a:rPr lang="pt-BR" sz="1600" dirty="0">
                 <a:solidFill>
                   <a:schemeClr val="bg2">
                     <a:lumMod val="25000"/>
                   </a:schemeClr>
                 </a:solidFill>
               </a:rPr>
-              <a:t>datasets</a:t>
-            </a:r>
-            <a:r>
-              <a:rPr lang="pt-BR" sz="1600" b="1" dirty="0">
+              <a:t>Substantivos;</a:t>
+            </a:r>
+          </a:p>
+          <a:p>
+            <a:pPr marL="666750" lvl="1" algn="just"/>
+            <a:r>
+              <a:rPr lang="pt-BR" sz="1600" dirty="0">
                 <a:solidFill>
                   <a:schemeClr val="bg2">
                     <a:lumMod val="25000"/>
                   </a:schemeClr>
                 </a:solidFill>
               </a:rPr>
-              <a:t>” dos livros e filmes da saga Harry Potter com a finalidade de extrair informações relevantes, como frequência de palavras e padrões de linguagem, que possam auxiliar na análise comparativa entre as versões literárias e cinematográficas.</a:t>
+              <a:t>Verbos;</a:t>
+            </a:r>
+          </a:p>
+          <a:p>
+            <a:pPr marL="666750" lvl="1" algn="just"/>
+            <a:r>
+              <a:rPr lang="pt-BR" sz="1600" dirty="0">
+                <a:solidFill>
+                  <a:schemeClr val="bg2">
+                    <a:lumMod val="25000"/>
+                  </a:schemeClr>
+                </a:solidFill>
+              </a:rPr>
+              <a:t>Adjetivos;</a:t>
+            </a:r>
+          </a:p>
+          <a:p>
+            <a:pPr marL="666750" lvl="1" algn="just"/>
+            <a:r>
+              <a:rPr lang="pt-BR" sz="1600" dirty="0">
+                <a:solidFill>
+                  <a:schemeClr val="bg2">
+                    <a:lumMod val="25000"/>
+                  </a:schemeClr>
+                </a:solidFill>
+              </a:rPr>
+              <a:t>Pronomes;</a:t>
+            </a:r>
+          </a:p>
+          <a:p>
+            <a:pPr marL="666750" lvl="1" algn="just"/>
+            <a:r>
+              <a:rPr lang="pt-BR" sz="1600" dirty="0">
+                <a:solidFill>
+                  <a:schemeClr val="bg2">
+                    <a:lumMod val="25000"/>
+                  </a:schemeClr>
+                </a:solidFill>
+              </a:rPr>
+              <a:t>Estruturas gramaticas.</a:t>
+            </a:r>
+          </a:p>
+          <a:p>
+            <a:pPr algn="just"/>
+            <a:r>
+              <a:rPr lang="pt-BR" sz="1600" dirty="0">
+                <a:solidFill>
+                  <a:schemeClr val="bg2">
+                    <a:lumMod val="25000"/>
+                  </a:schemeClr>
+                </a:solidFill>
+              </a:rPr>
+              <a:t>Desenvolvimento computacional de linguagens naturais.</a:t>
+            </a:r>
+          </a:p>
+          <a:p>
+            <a:pPr algn="just"/>
+            <a:r>
+              <a:rPr lang="pt-BR" sz="1600" dirty="0">
+                <a:solidFill>
+                  <a:schemeClr val="bg2">
+                    <a:lumMod val="25000"/>
+                  </a:schemeClr>
+                </a:solidFill>
+              </a:rPr>
+              <a:t>Compreender conteúdos descritos por humanos.</a:t>
+            </a:r>
+          </a:p>
+          <a:p>
+            <a:pPr algn="just"/>
+            <a:r>
+              <a:rPr lang="pt-BR" sz="1600" dirty="0">
+                <a:solidFill>
+                  <a:schemeClr val="bg2">
+                    <a:lumMod val="25000"/>
+                  </a:schemeClr>
+                </a:solidFill>
+              </a:rPr>
+              <a:t>Informações válidas.</a:t>
             </a:r>
           </a:p>
         </p:txBody>
       </p:sp>
       <p:sp>
         <p:nvSpPr>
-          <p:cNvPr id="4" name="Arrow: Pentagon 3">
+          <p:cNvPr id="9" name="Rectangle 8">
             <a:extLst>
               <a:ext uri="{FF2B5EF4-FFF2-40B4-BE49-F238E27FC236}">
-                <a16:creationId xmlns:a16="http://schemas.microsoft.com/office/drawing/2014/main" id="{0E1C5205-F74D-8360-EDEE-B204D8633772}"/>
+                <a16:creationId xmlns:a16="http://schemas.microsoft.com/office/drawing/2014/main" id="{35079627-98BB-6517-CBF6-C01091F57DDD}"/>
               </a:ext>
             </a:extLst>
           </p:cNvPr>
@@ -5885,8 +6097,129 @@
         </p:nvSpPr>
         <p:spPr>
           <a:xfrm>
-            <a:off x="0" y="383391"/>
-            <a:ext cx="4975200" cy="630000"/>
+            <a:off x="6316610" y="2815629"/>
+            <a:ext cx="5643012" cy="1783690"/>
+          </a:xfrm>
+          <a:prstGeom prst="rect">
+            <a:avLst/>
+          </a:prstGeom>
+          <a:solidFill>
+            <a:schemeClr val="tx2">
+              <a:lumMod val="60000"/>
+              <a:lumOff val="40000"/>
+              <a:alpha val="70000"/>
+            </a:schemeClr>
+          </a:solidFill>
+          <a:ln w="12700">
+            <a:solidFill>
+              <a:schemeClr val="bg2">
+                <a:lumMod val="25000"/>
+              </a:schemeClr>
+            </a:solidFill>
+          </a:ln>
+        </p:spPr>
+        <p:style>
+          <a:lnRef idx="1">
+            <a:schemeClr val="accent3"/>
+          </a:lnRef>
+          <a:fillRef idx="2">
+            <a:schemeClr val="accent3"/>
+          </a:fillRef>
+          <a:effectRef idx="1">
+            <a:schemeClr val="accent3"/>
+          </a:effectRef>
+          <a:fontRef idx="minor">
+            <a:schemeClr val="dk1"/>
+          </a:fontRef>
+        </p:style>
+        <p:txBody>
+          <a:bodyPr vert="horz" lIns="91440" tIns="360000" rIns="91440" bIns="45720" rtlCol="0" anchor="ctr" anchorCtr="0">
+            <a:noAutofit/>
+          </a:bodyPr>
+          <a:lstStyle/>
+          <a:p>
+            <a:pPr>
+              <a:lnSpc>
+                <a:spcPct val="90000"/>
+              </a:lnSpc>
+              <a:spcBef>
+                <a:spcPts val="1000"/>
+              </a:spcBef>
+            </a:pPr>
+            <a:r>
+              <a:rPr lang="pt-BR" sz="1600" dirty="0">
+                <a:solidFill>
+                  <a:schemeClr val="bg2">
+                    <a:lumMod val="10000"/>
+                  </a:schemeClr>
+                </a:solidFill>
+                <a:ea typeface="Calibri" panose="020F0502020204030204" pitchFamily="34" charset="0"/>
+                <a:cs typeface="Arial" panose="020B0604020202020204" pitchFamily="34" charset="0"/>
+              </a:rPr>
+              <a:t>O objetivo deste trabalho é utilizar técnicas de processamento de linguagem natural nos “</a:t>
+            </a:r>
+            <a:r>
+              <a:rPr lang="pt-BR" sz="1600" dirty="0" err="1">
+                <a:solidFill>
+                  <a:schemeClr val="bg2">
+                    <a:lumMod val="10000"/>
+                  </a:schemeClr>
+                </a:solidFill>
+                <a:ea typeface="Calibri" panose="020F0502020204030204" pitchFamily="34" charset="0"/>
+                <a:cs typeface="Arial" panose="020B0604020202020204" pitchFamily="34" charset="0"/>
+              </a:rPr>
+              <a:t>datasets</a:t>
+            </a:r>
+            <a:r>
+              <a:rPr lang="pt-BR" sz="1600" dirty="0">
+                <a:solidFill>
+                  <a:schemeClr val="bg2">
+                    <a:lumMod val="10000"/>
+                  </a:schemeClr>
+                </a:solidFill>
+                <a:ea typeface="Calibri" panose="020F0502020204030204" pitchFamily="34" charset="0"/>
+                <a:cs typeface="Arial" panose="020B0604020202020204" pitchFamily="34" charset="0"/>
+              </a:rPr>
+              <a:t>” dos livros e filmes da saga Harry Potter com a finalidade de extrair informações relevantes, como frequência de palavras e padrões de linguagem, que possam auxiliar na análise comparativa entre as versões literárias e cinematográficas.</a:t>
+            </a:r>
+          </a:p>
+          <a:p>
+            <a:pPr>
+              <a:lnSpc>
+                <a:spcPct val="90000"/>
+              </a:lnSpc>
+              <a:spcBef>
+                <a:spcPts val="1000"/>
+              </a:spcBef>
+            </a:pPr>
+            <a:endParaRPr lang="pt-BR" sz="1600" dirty="0">
+              <a:solidFill>
+                <a:schemeClr val="bg2">
+                  <a:lumMod val="10000"/>
+                </a:schemeClr>
+              </a:solidFill>
+              <a:ea typeface="Calibri" panose="020F0502020204030204" pitchFamily="34" charset="0"/>
+              <a:cs typeface="Arial" panose="020B0604020202020204" pitchFamily="34" charset="0"/>
+            </a:endParaRPr>
+          </a:p>
+        </p:txBody>
+      </p:sp>
+      <p:sp>
+        <p:nvSpPr>
+          <p:cNvPr id="2" name="Arrow: Pentagon 1">
+            <a:extLst>
+              <a:ext uri="{FF2B5EF4-FFF2-40B4-BE49-F238E27FC236}">
+                <a16:creationId xmlns:a16="http://schemas.microsoft.com/office/drawing/2014/main" id="{3FA176FE-FB72-2A29-9C5D-11F3A4A7A39A}"/>
+              </a:ext>
+            </a:extLst>
+          </p:cNvPr>
+          <p:cNvSpPr/>
+          <p:nvPr/>
+        </p:nvSpPr>
+        <p:spPr>
+          <a:xfrm>
+            <a:off x="0" y="178295"/>
+            <a:ext cx="4975200" cy="626869"/>
           </a:xfrm>
           <a:prstGeom prst="homePlate">
             <a:avLst/>
@@ -5925,162 +6258,6 @@
               </a:rPr>
               <a:t>INTRODUÇÃO</a:t>
             </a:r>
-          </a:p>
-        </p:txBody>
-      </p:sp>
-      <p:sp>
-        <p:nvSpPr>
-          <p:cNvPr id="9" name="Rectangle 8">
-            <a:extLst>
-              <a:ext uri="{FF2B5EF4-FFF2-40B4-BE49-F238E27FC236}">
-                <a16:creationId xmlns:a16="http://schemas.microsoft.com/office/drawing/2014/main" id="{35079627-98BB-6517-CBF6-C01091F57DDD}"/>
-              </a:ext>
-            </a:extLst>
-          </p:cNvPr>
-          <p:cNvSpPr/>
-          <p:nvPr/>
-        </p:nvSpPr>
-        <p:spPr>
-          <a:xfrm>
-            <a:off x="6552000" y="1152001"/>
-            <a:ext cx="5643012" cy="4225927"/>
-          </a:xfrm>
-          <a:prstGeom prst="rect">
-            <a:avLst/>
-          </a:prstGeom>
-          <a:solidFill>
-            <a:schemeClr val="tx2">
-              <a:lumMod val="60000"/>
-              <a:lumOff val="40000"/>
-              <a:alpha val="70000"/>
-            </a:schemeClr>
-          </a:solidFill>
-          <a:ln>
-            <a:noFill/>
-          </a:ln>
-        </p:spPr>
-        <p:style>
-          <a:lnRef idx="0">
-            <a:scrgbClr r="0" g="0" b="0"/>
-          </a:lnRef>
-          <a:fillRef idx="0">
-            <a:scrgbClr r="0" g="0" b="0"/>
-          </a:fillRef>
-          <a:effectRef idx="0">
-            <a:scrgbClr r="0" g="0" b="0"/>
-          </a:effectRef>
-          <a:fontRef idx="minor">
-            <a:schemeClr val="lt1"/>
-          </a:fontRef>
-        </p:style>
-        <p:txBody>
-          <a:bodyPr tIns="540000" rtlCol="0" anchor="ctr" anchorCtr="0"/>
-          <a:lstStyle/>
-          <a:p>
-            <a:pPr marL="228600" indent="-228600">
-              <a:lnSpc>
-                <a:spcPct val="90000"/>
-              </a:lnSpc>
-              <a:spcBef>
-                <a:spcPts val="1000"/>
-              </a:spcBef>
-              <a:buFont typeface="Arial" panose="020B0604020202020204" pitchFamily="34" charset="0"/>
-              <a:buChar char="•"/>
-            </a:pPr>
-            <a:r>
-              <a:rPr lang="pt-BR" sz="1600" dirty="0">
-                <a:solidFill>
-                  <a:schemeClr val="bg2">
-                    <a:lumMod val="10000"/>
-                  </a:schemeClr>
-                </a:solidFill>
-                <a:ea typeface="Calibri" panose="020F0502020204030204" pitchFamily="34" charset="0"/>
-                <a:cs typeface="Arial" panose="020B0604020202020204" pitchFamily="34" charset="0"/>
-              </a:rPr>
-              <a:t>PLN utiliza preceitos linguísticos como classe de palavras para realizar as análises, como por exemplo substantivos, verbos, adjetivos, pronomes, dentre outros, além de diversas estruturas gramaticais que têm por objetivo dar sentido às sentenças analisadas (</a:t>
-            </a:r>
-            <a:r>
-              <a:rPr lang="pt-BR" sz="1600" dirty="0" err="1">
-                <a:solidFill>
-                  <a:schemeClr val="bg2">
-                    <a:lumMod val="10000"/>
-                  </a:schemeClr>
-                </a:solidFill>
-                <a:ea typeface="Calibri" panose="020F0502020204030204" pitchFamily="34" charset="0"/>
-                <a:cs typeface="Arial" panose="020B0604020202020204" pitchFamily="34" charset="0"/>
-              </a:rPr>
-              <a:t>Indurkhya</a:t>
-            </a:r>
-            <a:r>
-              <a:rPr lang="pt-BR" sz="1600" dirty="0">
-                <a:solidFill>
-                  <a:schemeClr val="bg2">
-                    <a:lumMod val="10000"/>
-                  </a:schemeClr>
-                </a:solidFill>
-                <a:ea typeface="Calibri" panose="020F0502020204030204" pitchFamily="34" charset="0"/>
-                <a:cs typeface="Arial" panose="020B0604020202020204" pitchFamily="34" charset="0"/>
-              </a:rPr>
-              <a:t>, 2010).</a:t>
-            </a:r>
-          </a:p>
-          <a:p>
-            <a:pPr>
-              <a:lnSpc>
-                <a:spcPct val="90000"/>
-              </a:lnSpc>
-              <a:spcBef>
-                <a:spcPts val="1000"/>
-              </a:spcBef>
-            </a:pPr>
-            <a:endParaRPr lang="pt-BR" sz="1600" dirty="0">
-              <a:solidFill>
-                <a:schemeClr val="bg2">
-                  <a:lumMod val="10000"/>
-                </a:schemeClr>
-              </a:solidFill>
-              <a:ea typeface="Calibri" panose="020F0502020204030204" pitchFamily="34" charset="0"/>
-              <a:cs typeface="Calibri" panose="020F0502020204030204" pitchFamily="34" charset="0"/>
-            </a:endParaRPr>
-          </a:p>
-          <a:p>
-            <a:pPr marL="228600" indent="-228600">
-              <a:lnSpc>
-                <a:spcPct val="90000"/>
-              </a:lnSpc>
-              <a:spcBef>
-                <a:spcPts val="1000"/>
-              </a:spcBef>
-              <a:buFont typeface="Arial" panose="020B0604020202020204" pitchFamily="34" charset="0"/>
-              <a:buChar char="•"/>
-            </a:pPr>
-            <a:r>
-              <a:rPr lang="pt-BR" sz="1600" dirty="0">
-                <a:solidFill>
-                  <a:schemeClr val="bg2">
-                    <a:lumMod val="10000"/>
-                  </a:schemeClr>
-                </a:solidFill>
-                <a:ea typeface="Calibri" panose="020F0502020204030204" pitchFamily="34" charset="0"/>
-                <a:cs typeface="Arial" panose="020B0604020202020204" pitchFamily="34" charset="0"/>
-              </a:rPr>
-              <a:t>O processamento de linguagem natural abrange qualquer tipo de desenvolvimento computacional de linguagens naturais, e consiste em compreender conteúdos descritos por humanos até o ponto de fornecer uma resposta válida sobre a informação analisada (Bird et al., 2009).</a:t>
-            </a:r>
-          </a:p>
-          <a:p>
-            <a:endParaRPr lang="pt-BR" dirty="0">
-              <a:solidFill>
-                <a:srgbClr val="000000"/>
-              </a:solidFill>
-              <a:effectLst/>
-              <a:latin typeface="Calibri" panose="020F0502020204030204" pitchFamily="34" charset="0"/>
-              <a:ea typeface="Calibri" panose="020F0502020204030204" pitchFamily="34" charset="0"/>
-              <a:cs typeface="Calibri" panose="020F0502020204030204" pitchFamily="34" charset="0"/>
-            </a:endParaRPr>
-          </a:p>
-          <a:p>
-            <a:pPr algn="ctr"/>
-            <a:endParaRPr lang="pt-BR" dirty="0"/>
           </a:p>
         </p:txBody>
       </p:sp>
@@ -6116,227 +6293,6 @@
       </p:grpSpPr>
       <p:sp>
         <p:nvSpPr>
-          <p:cNvPr id="3" name="Espaço Reservado para Conteúdo 2">
-            <a:extLst>
-              <a:ext uri="{FF2B5EF4-FFF2-40B4-BE49-F238E27FC236}">
-                <a16:creationId xmlns:a16="http://schemas.microsoft.com/office/drawing/2014/main" id="{621030C7-AC50-461D-A40A-5DAB9C476480}"/>
-              </a:ext>
-            </a:extLst>
-          </p:cNvPr>
-          <p:cNvSpPr>
-            <a:spLocks noGrp="1"/>
-          </p:cNvSpPr>
-          <p:nvPr>
-            <p:ph sz="half" idx="2"/>
-          </p:nvPr>
-        </p:nvSpPr>
-        <p:spPr>
-          <a:xfrm>
-            <a:off x="6531429" y="2006079"/>
-            <a:ext cx="5207583" cy="2810299"/>
-          </a:xfrm>
-        </p:spPr>
-        <p:txBody>
-          <a:bodyPr>
-            <a:noAutofit/>
-          </a:bodyPr>
-          <a:lstStyle/>
-          <a:p>
-            <a:pPr marL="0" indent="0" algn="just">
-              <a:buNone/>
-            </a:pPr>
-            <a:r>
-              <a:rPr lang="pt-BR" sz="1400" dirty="0">
-                <a:solidFill>
-                  <a:schemeClr val="bg2">
-                    <a:lumMod val="25000"/>
-                  </a:schemeClr>
-                </a:solidFill>
-                <a:ea typeface="Calibri" panose="020F0502020204030204" pitchFamily="34" charset="0"/>
-                <a:cs typeface="Arial" panose="020B0604020202020204" pitchFamily="34" charset="0"/>
-              </a:rPr>
-              <a:t>NLTK é uma plataforma que trabalha com as diversas técnicas de processamento estatístico de linguagem natural, facilitando a implementação dessas ferramentas em diversos “softwares”. A plataforma possui recursos léxicos e disponibiliza bibliotecas de processamento de textos para </a:t>
-            </a:r>
-            <a:r>
-              <a:rPr lang="pt-BR" sz="1400" dirty="0" err="1">
-                <a:solidFill>
-                  <a:schemeClr val="bg2">
-                    <a:lumMod val="25000"/>
-                  </a:schemeClr>
-                </a:solidFill>
-                <a:ea typeface="Calibri" panose="020F0502020204030204" pitchFamily="34" charset="0"/>
-                <a:cs typeface="Arial" panose="020B0604020202020204" pitchFamily="34" charset="0"/>
-              </a:rPr>
-              <a:t>tokenização</a:t>
-            </a:r>
-            <a:r>
-              <a:rPr lang="pt-BR" sz="1400" dirty="0">
-                <a:solidFill>
-                  <a:schemeClr val="bg2">
-                    <a:lumMod val="25000"/>
-                  </a:schemeClr>
-                </a:solidFill>
-                <a:ea typeface="Calibri" panose="020F0502020204030204" pitchFamily="34" charset="0"/>
-                <a:cs typeface="Arial" panose="020B0604020202020204" pitchFamily="34" charset="0"/>
-              </a:rPr>
-              <a:t>, classificação, “</a:t>
-            </a:r>
-            <a:r>
-              <a:rPr lang="pt-BR" sz="1400" dirty="0" err="1">
-                <a:solidFill>
-                  <a:schemeClr val="bg2">
-                    <a:lumMod val="25000"/>
-                  </a:schemeClr>
-                </a:solidFill>
-                <a:ea typeface="Calibri" panose="020F0502020204030204" pitchFamily="34" charset="0"/>
-                <a:cs typeface="Arial" panose="020B0604020202020204" pitchFamily="34" charset="0"/>
-              </a:rPr>
-              <a:t>stemming</a:t>
-            </a:r>
-            <a:r>
-              <a:rPr lang="pt-BR" sz="1400" dirty="0">
-                <a:solidFill>
-                  <a:schemeClr val="bg2">
-                    <a:lumMod val="25000"/>
-                  </a:schemeClr>
-                </a:solidFill>
-                <a:ea typeface="Calibri" panose="020F0502020204030204" pitchFamily="34" charset="0"/>
-                <a:cs typeface="Arial" panose="020B0604020202020204" pitchFamily="34" charset="0"/>
-              </a:rPr>
-              <a:t>”, análise de raciocínio semântico, e um fórum ativo de discussão (Bird et al., 2009). Para acessar todos os recursos da biblioteca, foi utilizado a linguagem de programação </a:t>
-            </a:r>
-            <a:r>
-              <a:rPr lang="pt-BR" sz="1400" dirty="0" err="1">
-                <a:solidFill>
-                  <a:schemeClr val="bg2">
-                    <a:lumMod val="25000"/>
-                  </a:schemeClr>
-                </a:solidFill>
-                <a:ea typeface="Calibri" panose="020F0502020204030204" pitchFamily="34" charset="0"/>
-                <a:cs typeface="Arial" panose="020B0604020202020204" pitchFamily="34" charset="0"/>
-              </a:rPr>
-              <a:t>python</a:t>
-            </a:r>
-            <a:r>
-              <a:rPr lang="pt-BR" sz="1400" dirty="0">
-                <a:solidFill>
-                  <a:schemeClr val="bg2">
-                    <a:lumMod val="25000"/>
-                  </a:schemeClr>
-                </a:solidFill>
-                <a:ea typeface="Calibri" panose="020F0502020204030204" pitchFamily="34" charset="0"/>
-                <a:cs typeface="Arial" panose="020B0604020202020204" pitchFamily="34" charset="0"/>
-              </a:rPr>
-              <a:t>.</a:t>
-            </a:r>
-          </a:p>
-          <a:p>
-            <a:pPr marL="0" indent="0" algn="just">
-              <a:buNone/>
-            </a:pPr>
-            <a:endParaRPr lang="pt-BR" sz="1400" b="1" dirty="0">
-              <a:solidFill>
-                <a:schemeClr val="bg2">
-                  <a:lumMod val="25000"/>
-                </a:schemeClr>
-              </a:solidFill>
-              <a:ea typeface="Calibri" panose="020F0502020204030204" pitchFamily="34" charset="0"/>
-              <a:cs typeface="Arial" panose="020B0604020202020204" pitchFamily="34" charset="0"/>
-            </a:endParaRPr>
-          </a:p>
-          <a:p>
-            <a:pPr marL="0" indent="0" algn="just">
-              <a:buNone/>
-            </a:pPr>
-            <a:r>
-              <a:rPr lang="pt-BR" sz="1400" dirty="0">
-                <a:solidFill>
-                  <a:schemeClr val="bg2">
-                    <a:lumMod val="25000"/>
-                  </a:schemeClr>
-                </a:solidFill>
-                <a:ea typeface="Calibri" panose="020F0502020204030204" pitchFamily="34" charset="0"/>
-                <a:cs typeface="Arial" panose="020B0604020202020204" pitchFamily="34" charset="0"/>
-              </a:rPr>
-              <a:t>O desenvolvimento dos scripts foram realizados utilizando a plataforma Google </a:t>
-            </a:r>
-            <a:r>
-              <a:rPr lang="pt-BR" sz="1400" dirty="0" err="1">
-                <a:solidFill>
-                  <a:schemeClr val="bg2">
-                    <a:lumMod val="25000"/>
-                  </a:schemeClr>
-                </a:solidFill>
-                <a:ea typeface="Calibri" panose="020F0502020204030204" pitchFamily="34" charset="0"/>
-                <a:cs typeface="Arial" panose="020B0604020202020204" pitchFamily="34" charset="0"/>
-              </a:rPr>
-              <a:t>Colab</a:t>
-            </a:r>
-            <a:r>
-              <a:rPr lang="pt-BR" sz="1400" dirty="0">
-                <a:solidFill>
-                  <a:schemeClr val="bg2">
-                    <a:lumMod val="25000"/>
-                  </a:schemeClr>
-                </a:solidFill>
-                <a:ea typeface="Calibri" panose="020F0502020204030204" pitchFamily="34" charset="0"/>
-                <a:cs typeface="Arial" panose="020B0604020202020204" pitchFamily="34" charset="0"/>
-              </a:rPr>
-              <a:t>, onde é possível criar </a:t>
-            </a:r>
-            <a:r>
-              <a:rPr lang="pt-BR" sz="1400" dirty="0" err="1">
-                <a:solidFill>
-                  <a:schemeClr val="bg2">
-                    <a:lumMod val="25000"/>
-                  </a:schemeClr>
-                </a:solidFill>
-                <a:ea typeface="Calibri" panose="020F0502020204030204" pitchFamily="34" charset="0"/>
-                <a:cs typeface="Arial" panose="020B0604020202020204" pitchFamily="34" charset="0"/>
-              </a:rPr>
-              <a:t>Jupyter</a:t>
-            </a:r>
-            <a:r>
-              <a:rPr lang="pt-BR" sz="1400" dirty="0">
-                <a:solidFill>
-                  <a:schemeClr val="bg2">
-                    <a:lumMod val="25000"/>
-                  </a:schemeClr>
-                </a:solidFill>
-                <a:ea typeface="Calibri" panose="020F0502020204030204" pitchFamily="34" charset="0"/>
-                <a:cs typeface="Arial" panose="020B0604020202020204" pitchFamily="34" charset="0"/>
-              </a:rPr>
-              <a:t> Notebooks em </a:t>
-            </a:r>
-            <a:r>
-              <a:rPr lang="pt-BR" sz="1400" dirty="0" err="1">
-                <a:solidFill>
-                  <a:schemeClr val="bg2">
-                    <a:lumMod val="25000"/>
-                  </a:schemeClr>
-                </a:solidFill>
-                <a:ea typeface="Calibri" panose="020F0502020204030204" pitchFamily="34" charset="0"/>
-                <a:cs typeface="Arial" panose="020B0604020202020204" pitchFamily="34" charset="0"/>
-              </a:rPr>
-              <a:t>python</a:t>
-            </a:r>
-            <a:r>
-              <a:rPr lang="pt-BR" sz="1400" dirty="0">
-                <a:solidFill>
-                  <a:schemeClr val="bg2">
-                    <a:lumMod val="25000"/>
-                  </a:schemeClr>
-                </a:solidFill>
-                <a:ea typeface="Calibri" panose="020F0502020204030204" pitchFamily="34" charset="0"/>
-                <a:cs typeface="Arial" panose="020B0604020202020204" pitchFamily="34" charset="0"/>
-              </a:rPr>
-              <a:t> utilizando processamento computacional em nuvem.</a:t>
-            </a:r>
-          </a:p>
-        </p:txBody>
-      </p:sp>
-      <p:sp>
-        <p:nvSpPr>
           <p:cNvPr id="4" name="Arrow: Pentagon 3">
             <a:extLst>
               <a:ext uri="{FF2B5EF4-FFF2-40B4-BE49-F238E27FC236}">
@@ -6349,7 +6305,7 @@
         </p:nvSpPr>
         <p:spPr>
           <a:xfrm>
-            <a:off x="-1" y="383391"/>
+            <a:off x="0" y="178295"/>
             <a:ext cx="4975200" cy="630000"/>
           </a:xfrm>
           <a:prstGeom prst="homePlate">
@@ -6406,7 +6362,7 @@
         </p:nvSpPr>
         <p:spPr>
           <a:xfrm>
-            <a:off x="452988" y="2006080"/>
+            <a:off x="452988" y="2490224"/>
             <a:ext cx="5643012" cy="1877551"/>
           </a:xfrm>
           <a:prstGeom prst="rect">
@@ -6447,6 +6403,52 @@
           </a:bodyPr>
           <a:lstStyle/>
           <a:p>
+            <a:pPr>
+              <a:lnSpc>
+                <a:spcPct val="90000"/>
+              </a:lnSpc>
+              <a:spcBef>
+                <a:spcPts val="1000"/>
+              </a:spcBef>
+            </a:pPr>
+            <a:r>
+              <a:rPr lang="pt-BR" sz="1600" dirty="0">
+                <a:solidFill>
+                  <a:schemeClr val="bg2">
+                    <a:lumMod val="10000"/>
+                  </a:schemeClr>
+                </a:solidFill>
+                <a:ea typeface="Calibri" panose="020F0502020204030204" pitchFamily="34" charset="0"/>
+                <a:cs typeface="Arial" panose="020B0604020202020204" pitchFamily="34" charset="0"/>
+              </a:rPr>
+              <a:t>A estratégia de pesquisa utilizada no desenvolvimento deste projeto será exploratória, visando apresentar de forma clara e concisa, didática e prática, a implementação das técnicas de processamento de linguagem natural disponibilizadas pela biblioteca “Natural </a:t>
+            </a:r>
+            <a:r>
+              <a:rPr lang="pt-BR" sz="1600" dirty="0" err="1">
+                <a:solidFill>
+                  <a:schemeClr val="bg2">
+                    <a:lumMod val="10000"/>
+                  </a:schemeClr>
+                </a:solidFill>
+                <a:ea typeface="Calibri" panose="020F0502020204030204" pitchFamily="34" charset="0"/>
+                <a:cs typeface="Arial" panose="020B0604020202020204" pitchFamily="34" charset="0"/>
+              </a:rPr>
+              <a:t>Language</a:t>
+            </a:r>
+            <a:r>
+              <a:rPr lang="pt-BR" sz="1600" dirty="0">
+                <a:solidFill>
+                  <a:schemeClr val="bg2">
+                    <a:lumMod val="10000"/>
+                  </a:schemeClr>
+                </a:solidFill>
+                <a:ea typeface="Calibri" panose="020F0502020204030204" pitchFamily="34" charset="0"/>
+                <a:cs typeface="Arial" panose="020B0604020202020204" pitchFamily="34" charset="0"/>
+              </a:rPr>
+              <a:t> Toolkit” [NLTK].</a:t>
+            </a:r>
+          </a:p>
+          <a:p>
             <a:pPr marL="228600" indent="-228600">
               <a:lnSpc>
                 <a:spcPct val="90000"/>
@@ -6457,45 +6459,47 @@
               <a:buFont typeface="Arial" panose="020B0604020202020204" pitchFamily="34" charset="0"/>
               <a:buChar char="•"/>
             </a:pPr>
-            <a:r>
-              <a:rPr lang="pt-BR" sz="1400" dirty="0">
-                <a:solidFill>
-                  <a:schemeClr val="bg2">
-                    <a:lumMod val="10000"/>
-                  </a:schemeClr>
-                </a:solidFill>
-                <a:ea typeface="Calibri" panose="020F0502020204030204" pitchFamily="34" charset="0"/>
-                <a:cs typeface="Arial" panose="020B0604020202020204" pitchFamily="34" charset="0"/>
-              </a:rPr>
-              <a:t>A estratégia de pesquisa utilizada no desenvolvimento deste projeto será exploratória, visando apresentar de forma clara e concisa, didática e prática, a implementação das técnicas de processamento de linguagem natural disponibilizadas pela biblioteca “Natural </a:t>
-            </a:r>
-            <a:r>
-              <a:rPr lang="pt-BR" sz="1400" dirty="0" err="1">
-                <a:solidFill>
-                  <a:schemeClr val="bg2">
-                    <a:lumMod val="10000"/>
-                  </a:schemeClr>
-                </a:solidFill>
-                <a:ea typeface="Calibri" panose="020F0502020204030204" pitchFamily="34" charset="0"/>
-                <a:cs typeface="Arial" panose="020B0604020202020204" pitchFamily="34" charset="0"/>
-              </a:rPr>
-              <a:t>Language</a:t>
-            </a:r>
-            <a:r>
-              <a:rPr lang="pt-BR" sz="1400" dirty="0">
-                <a:solidFill>
-                  <a:schemeClr val="bg2">
-                    <a:lumMod val="10000"/>
-                  </a:schemeClr>
-                </a:solidFill>
-                <a:ea typeface="Calibri" panose="020F0502020204030204" pitchFamily="34" charset="0"/>
-                <a:cs typeface="Arial" panose="020B0604020202020204" pitchFamily="34" charset="0"/>
-              </a:rPr>
-              <a:t> Toolkit” [NLTK].</a:t>
-            </a:r>
-          </a:p>
-          <a:p>
-            <a:pPr marL="228600" indent="-228600">
+            <a:endParaRPr lang="pt-BR" sz="1600" b="1" dirty="0">
+              <a:solidFill>
+                <a:schemeClr val="bg2">
+                  <a:lumMod val="10000"/>
+                </a:schemeClr>
+              </a:solidFill>
+              <a:ea typeface="Calibri" panose="020F0502020204030204" pitchFamily="34" charset="0"/>
+              <a:cs typeface="Arial" panose="020B0604020202020204" pitchFamily="34" charset="0"/>
+            </a:endParaRPr>
+          </a:p>
+        </p:txBody>
+      </p:sp>
+      <p:sp>
+        <p:nvSpPr>
+          <p:cNvPr id="7" name="Espaço Reservado para Conteúdo 2">
+            <a:extLst>
+              <a:ext uri="{FF2B5EF4-FFF2-40B4-BE49-F238E27FC236}">
+                <a16:creationId xmlns:a16="http://schemas.microsoft.com/office/drawing/2014/main" id="{21AB85C6-E27A-D4E9-4C25-9B47A136B086}"/>
+              </a:ext>
+            </a:extLst>
+          </p:cNvPr>
+          <p:cNvSpPr txBox="1">
+            <a:spLocks/>
+          </p:cNvSpPr>
+          <p:nvPr/>
+        </p:nvSpPr>
+        <p:spPr>
+          <a:xfrm>
+            <a:off x="6283193" y="2069826"/>
+            <a:ext cx="5643012" cy="3171022"/>
+          </a:xfrm>
+          <a:prstGeom prst="rect">
+            <a:avLst/>
+          </a:prstGeom>
+        </p:spPr>
+        <p:txBody>
+          <a:bodyPr vert="horz" lIns="91440" tIns="45720" rIns="91440" bIns="45720" rtlCol="0">
+            <a:normAutofit/>
+          </a:bodyPr>
+          <a:lstStyle>
+            <a:lvl1pPr marL="228600" indent="-228600" algn="l" defTabSz="914400" rtl="0" eaLnBrk="1" latinLnBrk="0" hangingPunct="1">
               <a:lnSpc>
                 <a:spcPct val="90000"/>
               </a:lnSpc>
@@ -6504,16 +6508,298 @@
               </a:spcBef>
               <a:buFont typeface="Arial" panose="020B0604020202020204" pitchFamily="34" charset="0"/>
               <a:buChar char="•"/>
-            </a:pPr>
-            <a:endParaRPr lang="pt-BR" sz="1400" b="1" dirty="0">
+              <a:defRPr sz="2800" kern="1200">
+                <a:solidFill>
+                  <a:schemeClr val="tx1"/>
+                </a:solidFill>
+                <a:latin typeface="+mn-lt"/>
+                <a:ea typeface="+mn-ea"/>
+                <a:cs typeface="+mn-cs"/>
+              </a:defRPr>
+            </a:lvl1pPr>
+            <a:lvl2pPr marL="685800" indent="-228600" algn="l" defTabSz="914400" rtl="0" eaLnBrk="1" latinLnBrk="0" hangingPunct="1">
+              <a:lnSpc>
+                <a:spcPct val="90000"/>
+              </a:lnSpc>
+              <a:spcBef>
+                <a:spcPts val="500"/>
+              </a:spcBef>
+              <a:buFont typeface="Arial" panose="020B0604020202020204" pitchFamily="34" charset="0"/>
+              <a:buChar char="•"/>
+              <a:defRPr sz="2400" kern="1200">
+                <a:solidFill>
+                  <a:schemeClr val="tx1"/>
+                </a:solidFill>
+                <a:latin typeface="+mn-lt"/>
+                <a:ea typeface="+mn-ea"/>
+                <a:cs typeface="+mn-cs"/>
+              </a:defRPr>
+            </a:lvl2pPr>
+            <a:lvl3pPr marL="1143000" indent="-228600" algn="l" defTabSz="914400" rtl="0" eaLnBrk="1" latinLnBrk="0" hangingPunct="1">
+              <a:lnSpc>
+                <a:spcPct val="90000"/>
+              </a:lnSpc>
+              <a:spcBef>
+                <a:spcPts val="500"/>
+              </a:spcBef>
+              <a:buFont typeface="Arial" panose="020B0604020202020204" pitchFamily="34" charset="0"/>
+              <a:buChar char="•"/>
+              <a:defRPr sz="2000" kern="1200">
+                <a:solidFill>
+                  <a:schemeClr val="tx1"/>
+                </a:solidFill>
+                <a:latin typeface="+mn-lt"/>
+                <a:ea typeface="+mn-ea"/>
+                <a:cs typeface="+mn-cs"/>
+              </a:defRPr>
+            </a:lvl3pPr>
+            <a:lvl4pPr marL="1600200" indent="-228600" algn="l" defTabSz="914400" rtl="0" eaLnBrk="1" latinLnBrk="0" hangingPunct="1">
+              <a:lnSpc>
+                <a:spcPct val="90000"/>
+              </a:lnSpc>
+              <a:spcBef>
+                <a:spcPts val="500"/>
+              </a:spcBef>
+              <a:buFont typeface="Arial" panose="020B0604020202020204" pitchFamily="34" charset="0"/>
+              <a:buChar char="•"/>
+              <a:defRPr sz="1800" kern="1200">
+                <a:solidFill>
+                  <a:schemeClr val="tx1"/>
+                </a:solidFill>
+                <a:latin typeface="+mn-lt"/>
+                <a:ea typeface="+mn-ea"/>
+                <a:cs typeface="+mn-cs"/>
+              </a:defRPr>
+            </a:lvl4pPr>
+            <a:lvl5pPr marL="2057400" indent="-228600" algn="l" defTabSz="914400" rtl="0" eaLnBrk="1" latinLnBrk="0" hangingPunct="1">
+              <a:lnSpc>
+                <a:spcPct val="90000"/>
+              </a:lnSpc>
+              <a:spcBef>
+                <a:spcPts val="500"/>
+              </a:spcBef>
+              <a:buFont typeface="Arial" panose="020B0604020202020204" pitchFamily="34" charset="0"/>
+              <a:buChar char="•"/>
+              <a:defRPr sz="1800" kern="1200">
+                <a:solidFill>
+                  <a:schemeClr val="tx1"/>
+                </a:solidFill>
+                <a:latin typeface="+mn-lt"/>
+                <a:ea typeface="+mn-ea"/>
+                <a:cs typeface="+mn-cs"/>
+              </a:defRPr>
+            </a:lvl5pPr>
+            <a:lvl6pPr marL="2514600" indent="-228600" algn="l" defTabSz="914400" rtl="0" eaLnBrk="1" latinLnBrk="0" hangingPunct="1">
+              <a:lnSpc>
+                <a:spcPct val="90000"/>
+              </a:lnSpc>
+              <a:spcBef>
+                <a:spcPts val="500"/>
+              </a:spcBef>
+              <a:buFont typeface="Arial" panose="020B0604020202020204" pitchFamily="34" charset="0"/>
+              <a:buChar char="•"/>
+              <a:defRPr sz="1800" kern="1200">
+                <a:solidFill>
+                  <a:schemeClr val="tx1"/>
+                </a:solidFill>
+                <a:latin typeface="+mn-lt"/>
+                <a:ea typeface="+mn-ea"/>
+                <a:cs typeface="+mn-cs"/>
+              </a:defRPr>
+            </a:lvl6pPr>
+            <a:lvl7pPr marL="2971800" indent="-228600" algn="l" defTabSz="914400" rtl="0" eaLnBrk="1" latinLnBrk="0" hangingPunct="1">
+              <a:lnSpc>
+                <a:spcPct val="90000"/>
+              </a:lnSpc>
+              <a:spcBef>
+                <a:spcPts val="500"/>
+              </a:spcBef>
+              <a:buFont typeface="Arial" panose="020B0604020202020204" pitchFamily="34" charset="0"/>
+              <a:buChar char="•"/>
+              <a:defRPr sz="1800" kern="1200">
+                <a:solidFill>
+                  <a:schemeClr val="tx1"/>
+                </a:solidFill>
+                <a:latin typeface="+mn-lt"/>
+                <a:ea typeface="+mn-ea"/>
+                <a:cs typeface="+mn-cs"/>
+              </a:defRPr>
+            </a:lvl7pPr>
+            <a:lvl8pPr marL="3429000" indent="-228600" algn="l" defTabSz="914400" rtl="0" eaLnBrk="1" latinLnBrk="0" hangingPunct="1">
+              <a:lnSpc>
+                <a:spcPct val="90000"/>
+              </a:lnSpc>
+              <a:spcBef>
+                <a:spcPts val="500"/>
+              </a:spcBef>
+              <a:buFont typeface="Arial" panose="020B0604020202020204" pitchFamily="34" charset="0"/>
+              <a:buChar char="•"/>
+              <a:defRPr sz="1800" kern="1200">
+                <a:solidFill>
+                  <a:schemeClr val="tx1"/>
+                </a:solidFill>
+                <a:latin typeface="+mn-lt"/>
+                <a:ea typeface="+mn-ea"/>
+                <a:cs typeface="+mn-cs"/>
+              </a:defRPr>
+            </a:lvl8pPr>
+            <a:lvl9pPr marL="3886200" indent="-228600" algn="l" defTabSz="914400" rtl="0" eaLnBrk="1" latinLnBrk="0" hangingPunct="1">
+              <a:lnSpc>
+                <a:spcPct val="90000"/>
+              </a:lnSpc>
+              <a:spcBef>
+                <a:spcPts val="500"/>
+              </a:spcBef>
+              <a:buFont typeface="Arial" panose="020B0604020202020204" pitchFamily="34" charset="0"/>
+              <a:buChar char="•"/>
+              <a:defRPr sz="1800" kern="1200">
+                <a:solidFill>
+                  <a:schemeClr val="tx1"/>
+                </a:solidFill>
+                <a:latin typeface="+mn-lt"/>
+                <a:ea typeface="+mn-ea"/>
+                <a:cs typeface="+mn-cs"/>
+              </a:defRPr>
+            </a:lvl9pPr>
+          </a:lstStyle>
+          <a:p>
+            <a:pPr algn="just"/>
+            <a:r>
+              <a:rPr lang="pt-BR" sz="1600" dirty="0">
+                <a:solidFill>
+                  <a:schemeClr val="bg2">
+                    <a:lumMod val="25000"/>
+                  </a:schemeClr>
+                </a:solidFill>
+              </a:rPr>
+              <a:t>NLTK – Natural </a:t>
+            </a:r>
+            <a:r>
+              <a:rPr lang="pt-BR" sz="1600" dirty="0" err="1">
+                <a:solidFill>
+                  <a:schemeClr val="bg2">
+                    <a:lumMod val="25000"/>
+                  </a:schemeClr>
+                </a:solidFill>
+              </a:rPr>
+              <a:t>Language</a:t>
+            </a:r>
+            <a:r>
+              <a:rPr lang="pt-BR" sz="1600" dirty="0">
+                <a:solidFill>
+                  <a:schemeClr val="bg2">
+                    <a:lumMod val="25000"/>
+                  </a:schemeClr>
+                </a:solidFill>
+              </a:rPr>
+              <a:t> Toolkit.</a:t>
+            </a:r>
+            <a:endParaRPr lang="pt-BR" sz="1200" dirty="0">
               <a:solidFill>
                 <a:schemeClr val="bg2">
-                  <a:lumMod val="10000"/>
+                  <a:lumMod val="25000"/>
                 </a:schemeClr>
               </a:solidFill>
-              <a:ea typeface="Calibri" panose="020F0502020204030204" pitchFamily="34" charset="0"/>
-              <a:cs typeface="Arial" panose="020B0604020202020204" pitchFamily="34" charset="0"/>
             </a:endParaRPr>
+          </a:p>
+          <a:p>
+            <a:pPr marL="666750" lvl="1" algn="just">
+              <a:lnSpc>
+                <a:spcPct val="100000"/>
+              </a:lnSpc>
+            </a:pPr>
+            <a:r>
+              <a:rPr lang="pt-BR" sz="1600" dirty="0">
+                <a:solidFill>
+                  <a:schemeClr val="bg2">
+                    <a:lumMod val="25000"/>
+                  </a:schemeClr>
+                </a:solidFill>
+              </a:rPr>
+              <a:t>Biblioteca;</a:t>
+            </a:r>
+          </a:p>
+          <a:p>
+            <a:pPr marL="666750" lvl="1" algn="just">
+              <a:lnSpc>
+                <a:spcPct val="100000"/>
+              </a:lnSpc>
+            </a:pPr>
+            <a:r>
+              <a:rPr lang="pt-BR" sz="1600" dirty="0">
+                <a:solidFill>
+                  <a:schemeClr val="bg2">
+                    <a:lumMod val="25000"/>
+                  </a:schemeClr>
+                </a:solidFill>
+              </a:rPr>
+              <a:t>Técnicas e recursos de processamento estatístico de linguagem natural;</a:t>
+            </a:r>
+          </a:p>
+          <a:p>
+            <a:pPr marL="666750" lvl="1" algn="just"/>
+            <a:r>
+              <a:rPr lang="pt-BR" sz="1600" dirty="0">
+                <a:solidFill>
+                  <a:schemeClr val="bg2">
+                    <a:lumMod val="25000"/>
+                  </a:schemeClr>
+                </a:solidFill>
+              </a:rPr>
+              <a:t>Implementada em diversos softwares;</a:t>
+            </a:r>
+          </a:p>
+          <a:p>
+            <a:pPr marL="666750" lvl="1" algn="just"/>
+            <a:r>
+              <a:rPr lang="pt-BR" sz="1600" dirty="0">
+                <a:solidFill>
+                  <a:schemeClr val="bg2">
+                    <a:lumMod val="25000"/>
+                  </a:schemeClr>
+                </a:solidFill>
+              </a:rPr>
+              <a:t>Recursos léxicos;</a:t>
+            </a:r>
+          </a:p>
+          <a:p>
+            <a:pPr marL="666750" lvl="1" algn="just"/>
+            <a:r>
+              <a:rPr lang="pt-BR" sz="1600" dirty="0">
+                <a:solidFill>
+                  <a:schemeClr val="bg2">
+                    <a:lumMod val="25000"/>
+                  </a:schemeClr>
+                </a:solidFill>
+              </a:rPr>
+              <a:t>Análise de raciocínio semântico.</a:t>
+            </a:r>
+          </a:p>
+          <a:p>
+            <a:pPr algn="just"/>
+            <a:r>
+              <a:rPr lang="pt-BR" sz="1600" dirty="0">
+                <a:solidFill>
+                  <a:schemeClr val="bg2">
+                    <a:lumMod val="25000"/>
+                  </a:schemeClr>
+                </a:solidFill>
+              </a:rPr>
+              <a:t>Desenvolvimento computacional de linguagens naturais.</a:t>
+            </a:r>
+          </a:p>
+          <a:p>
+            <a:pPr algn="just"/>
+            <a:r>
+              <a:rPr lang="pt-BR" sz="1600" dirty="0">
+                <a:solidFill>
+                  <a:schemeClr val="bg2">
+                    <a:lumMod val="25000"/>
+                  </a:schemeClr>
+                </a:solidFill>
+              </a:rPr>
+              <a:t>Compreender conteúdos descritos por humanos.</a:t>
+            </a:r>
           </a:p>
         </p:txBody>
       </p:sp>
@@ -6561,7 +6847,7 @@
         </p:nvSpPr>
         <p:spPr>
           <a:xfrm>
-            <a:off x="-1" y="383391"/>
+            <a:off x="0" y="175164"/>
             <a:ext cx="4975200" cy="630000"/>
           </a:xfrm>
           <a:prstGeom prst="homePlate">
@@ -6618,7 +6904,7 @@
         </p:nvSpPr>
         <p:spPr>
           <a:xfrm>
-            <a:off x="0" y="933967"/>
+            <a:off x="0" y="674060"/>
             <a:ext cx="3205538" cy="370852"/>
           </a:xfrm>
           <a:prstGeom prst="homePlate">
@@ -6627,7 +6913,6 @@
           <a:solidFill>
             <a:schemeClr val="bg2">
               <a:lumMod val="75000"/>
-              <a:alpha val="90000"/>
             </a:schemeClr>
           </a:solidFill>
         </p:spPr>
@@ -6677,8 +6962,8 @@
         </p:nvSpPr>
         <p:spPr>
           <a:xfrm>
-            <a:off x="319248" y="3254055"/>
-            <a:ext cx="5643012" cy="2614955"/>
+            <a:off x="319248" y="3254056"/>
+            <a:ext cx="5643012" cy="2214238"/>
           </a:xfrm>
           <a:prstGeom prst="rect">
             <a:avLst/>
@@ -6762,27 +7047,6 @@
               </a:rPr>
               <a:t>.</a:t>
             </a:r>
-          </a:p>
-          <a:p>
-            <a:pPr marL="228600" indent="-228600">
-              <a:lnSpc>
-                <a:spcPct val="90000"/>
-              </a:lnSpc>
-              <a:spcBef>
-                <a:spcPts val="1000"/>
-              </a:spcBef>
-              <a:buFont typeface="Arial" panose="020B0604020202020204" pitchFamily="34" charset="0"/>
-              <a:buChar char="•"/>
-            </a:pPr>
-            <a:endParaRPr lang="pt-BR" sz="1600" dirty="0">
-              <a:solidFill>
-                <a:schemeClr val="bg2">
-                  <a:lumMod val="10000"/>
-                </a:schemeClr>
-              </a:solidFill>
-              <a:ea typeface="Calibri" panose="020F0502020204030204" pitchFamily="34" charset="0"/>
-              <a:cs typeface="Arial" panose="020B0604020202020204" pitchFamily="34" charset="0"/>
-            </a:endParaRPr>
           </a:p>
           <a:p>
             <a:pPr marL="228600" indent="-228600">
@@ -7311,18 +7575,6 @@
               </a:rPr>
               <a:t>Nomes dos livros/filmes da saga:</a:t>
             </a:r>
-          </a:p>
-          <a:p>
-            <a:pPr algn="just"/>
-            <a:endParaRPr lang="pt-BR" sz="1600" b="1" dirty="0">
-              <a:solidFill>
-                <a:schemeClr val="bg2">
-                  <a:lumMod val="25000"/>
-                </a:schemeClr>
-              </a:solidFill>
-              <a:ea typeface="Calibri" panose="020F0502020204030204" pitchFamily="34" charset="0"/>
-              <a:cs typeface="Arial" panose="020B0604020202020204" pitchFamily="34" charset="0"/>
-            </a:endParaRPr>
           </a:p>
           <a:p>
             <a:pPr marL="177800" indent="-177800" algn="just">
@@ -9066,7 +9318,7 @@
         </p:nvSpPr>
         <p:spPr>
           <a:xfrm>
-            <a:off x="-1" y="383391"/>
+            <a:off x="0" y="164368"/>
             <a:ext cx="4975200" cy="630000"/>
           </a:xfrm>
           <a:prstGeom prst="homePlate">
@@ -9123,7 +9375,7 @@
         </p:nvSpPr>
         <p:spPr>
           <a:xfrm>
-            <a:off x="0" y="933967"/>
+            <a:off x="0" y="650851"/>
             <a:ext cx="3205538" cy="370852"/>
           </a:xfrm>
           <a:prstGeom prst="homePlate">
@@ -9132,7 +9384,6 @@
           <a:solidFill>
             <a:schemeClr val="bg2">
               <a:lumMod val="75000"/>
-              <a:alpha val="90000"/>
             </a:schemeClr>
           </a:solidFill>
         </p:spPr>
@@ -9198,12 +9449,524 @@
           <a:chExt cx="0" cy="0"/>
         </a:xfrm>
       </p:grpSpPr>
+      <p:grpSp>
+        <p:nvGrpSpPr>
+          <p:cNvPr id="5" name="Group 4">
+            <a:extLst>
+              <a:ext uri="{FF2B5EF4-FFF2-40B4-BE49-F238E27FC236}">
+                <a16:creationId xmlns:a16="http://schemas.microsoft.com/office/drawing/2014/main" id="{9AD07F27-DC68-50BE-4DB3-2349E6E9A1F4}"/>
+              </a:ext>
+            </a:extLst>
+          </p:cNvPr>
+          <p:cNvGrpSpPr/>
+          <p:nvPr/>
+        </p:nvGrpSpPr>
+        <p:grpSpPr>
+          <a:xfrm>
+            <a:off x="5995614" y="493295"/>
+            <a:ext cx="5603622" cy="3337286"/>
+            <a:chOff x="220710" y="2587392"/>
+            <a:chExt cx="5603622" cy="3337286"/>
+          </a:xfrm>
+        </p:grpSpPr>
+        <p:sp>
+          <p:nvSpPr>
+            <p:cNvPr id="36" name="Espaço Reservado para Conteúdo 2">
+              <a:extLst>
+                <a:ext uri="{FF2B5EF4-FFF2-40B4-BE49-F238E27FC236}">
+                  <a16:creationId xmlns:a16="http://schemas.microsoft.com/office/drawing/2014/main" id="{C8C1E745-6D3D-E75E-B325-B9F158B99BA3}"/>
+                </a:ext>
+              </a:extLst>
+            </p:cNvPr>
+            <p:cNvSpPr txBox="1">
+              <a:spLocks/>
+            </p:cNvSpPr>
+            <p:nvPr/>
+          </p:nvSpPr>
+          <p:spPr>
+            <a:xfrm>
+              <a:off x="220710" y="5338502"/>
+              <a:ext cx="5603622" cy="586176"/>
+            </a:xfrm>
+            <a:prstGeom prst="rect">
+              <a:avLst/>
+            </a:prstGeom>
+          </p:spPr>
+          <p:txBody>
+            <a:bodyPr vert="horz" lIns="91440" tIns="45720" rIns="91440" bIns="45720" rtlCol="0">
+              <a:normAutofit/>
+            </a:bodyPr>
+            <a:lstStyle>
+              <a:lvl1pPr marL="228600" indent="-228600" algn="l" defTabSz="914400" rtl="0" eaLnBrk="1" latinLnBrk="0" hangingPunct="1">
+                <a:lnSpc>
+                  <a:spcPct val="90000"/>
+                </a:lnSpc>
+                <a:spcBef>
+                  <a:spcPts val="1000"/>
+                </a:spcBef>
+                <a:buFont typeface="Arial" panose="020B0604020202020204" pitchFamily="34" charset="0"/>
+                <a:buChar char="•"/>
+                <a:defRPr sz="2800" kern="1200">
+                  <a:solidFill>
+                    <a:schemeClr val="tx1"/>
+                  </a:solidFill>
+                  <a:latin typeface="+mn-lt"/>
+                  <a:ea typeface="+mn-ea"/>
+                  <a:cs typeface="+mn-cs"/>
+                </a:defRPr>
+              </a:lvl1pPr>
+              <a:lvl2pPr marL="685800" indent="-228600" algn="l" defTabSz="914400" rtl="0" eaLnBrk="1" latinLnBrk="0" hangingPunct="1">
+                <a:lnSpc>
+                  <a:spcPct val="90000"/>
+                </a:lnSpc>
+                <a:spcBef>
+                  <a:spcPts val="500"/>
+                </a:spcBef>
+                <a:buFont typeface="Arial" panose="020B0604020202020204" pitchFamily="34" charset="0"/>
+                <a:buChar char="•"/>
+                <a:defRPr sz="2400" kern="1200">
+                  <a:solidFill>
+                    <a:schemeClr val="tx1"/>
+                  </a:solidFill>
+                  <a:latin typeface="+mn-lt"/>
+                  <a:ea typeface="+mn-ea"/>
+                  <a:cs typeface="+mn-cs"/>
+                </a:defRPr>
+              </a:lvl2pPr>
+              <a:lvl3pPr marL="1143000" indent="-228600" algn="l" defTabSz="914400" rtl="0" eaLnBrk="1" latinLnBrk="0" hangingPunct="1">
+                <a:lnSpc>
+                  <a:spcPct val="90000"/>
+                </a:lnSpc>
+                <a:spcBef>
+                  <a:spcPts val="500"/>
+                </a:spcBef>
+                <a:buFont typeface="Arial" panose="020B0604020202020204" pitchFamily="34" charset="0"/>
+                <a:buChar char="•"/>
+                <a:defRPr sz="2000" kern="1200">
+                  <a:solidFill>
+                    <a:schemeClr val="tx1"/>
+                  </a:solidFill>
+                  <a:latin typeface="+mn-lt"/>
+                  <a:ea typeface="+mn-ea"/>
+                  <a:cs typeface="+mn-cs"/>
+                </a:defRPr>
+              </a:lvl3pPr>
+              <a:lvl4pPr marL="1600200" indent="-228600" algn="l" defTabSz="914400" rtl="0" eaLnBrk="1" latinLnBrk="0" hangingPunct="1">
+                <a:lnSpc>
+                  <a:spcPct val="90000"/>
+                </a:lnSpc>
+                <a:spcBef>
+                  <a:spcPts val="500"/>
+                </a:spcBef>
+                <a:buFont typeface="Arial" panose="020B0604020202020204" pitchFamily="34" charset="0"/>
+                <a:buChar char="•"/>
+                <a:defRPr sz="1800" kern="1200">
+                  <a:solidFill>
+                    <a:schemeClr val="tx1"/>
+                  </a:solidFill>
+                  <a:latin typeface="+mn-lt"/>
+                  <a:ea typeface="+mn-ea"/>
+                  <a:cs typeface="+mn-cs"/>
+                </a:defRPr>
+              </a:lvl4pPr>
+              <a:lvl5pPr marL="2057400" indent="-228600" algn="l" defTabSz="914400" rtl="0" eaLnBrk="1" latinLnBrk="0" hangingPunct="1">
+                <a:lnSpc>
+                  <a:spcPct val="90000"/>
+                </a:lnSpc>
+                <a:spcBef>
+                  <a:spcPts val="500"/>
+                </a:spcBef>
+                <a:buFont typeface="Arial" panose="020B0604020202020204" pitchFamily="34" charset="0"/>
+                <a:buChar char="•"/>
+                <a:defRPr sz="1800" kern="1200">
+                  <a:solidFill>
+                    <a:schemeClr val="tx1"/>
+                  </a:solidFill>
+                  <a:latin typeface="+mn-lt"/>
+                  <a:ea typeface="+mn-ea"/>
+                  <a:cs typeface="+mn-cs"/>
+                </a:defRPr>
+              </a:lvl5pPr>
+              <a:lvl6pPr marL="2514600" indent="-228600" algn="l" defTabSz="914400" rtl="0" eaLnBrk="1" latinLnBrk="0" hangingPunct="1">
+                <a:lnSpc>
+                  <a:spcPct val="90000"/>
+                </a:lnSpc>
+                <a:spcBef>
+                  <a:spcPts val="500"/>
+                </a:spcBef>
+                <a:buFont typeface="Arial" panose="020B0604020202020204" pitchFamily="34" charset="0"/>
+                <a:buChar char="•"/>
+                <a:defRPr sz="1800" kern="1200">
+                  <a:solidFill>
+                    <a:schemeClr val="tx1"/>
+                  </a:solidFill>
+                  <a:latin typeface="+mn-lt"/>
+                  <a:ea typeface="+mn-ea"/>
+                  <a:cs typeface="+mn-cs"/>
+                </a:defRPr>
+              </a:lvl6pPr>
+              <a:lvl7pPr marL="2971800" indent="-228600" algn="l" defTabSz="914400" rtl="0" eaLnBrk="1" latinLnBrk="0" hangingPunct="1">
+                <a:lnSpc>
+                  <a:spcPct val="90000"/>
+                </a:lnSpc>
+                <a:spcBef>
+                  <a:spcPts val="500"/>
+                </a:spcBef>
+                <a:buFont typeface="Arial" panose="020B0604020202020204" pitchFamily="34" charset="0"/>
+                <a:buChar char="•"/>
+                <a:defRPr sz="1800" kern="1200">
+                  <a:solidFill>
+                    <a:schemeClr val="tx1"/>
+                  </a:solidFill>
+                  <a:latin typeface="+mn-lt"/>
+                  <a:ea typeface="+mn-ea"/>
+                  <a:cs typeface="+mn-cs"/>
+                </a:defRPr>
+              </a:lvl7pPr>
+              <a:lvl8pPr marL="3429000" indent="-228600" algn="l" defTabSz="914400" rtl="0" eaLnBrk="1" latinLnBrk="0" hangingPunct="1">
+                <a:lnSpc>
+                  <a:spcPct val="90000"/>
+                </a:lnSpc>
+                <a:spcBef>
+                  <a:spcPts val="500"/>
+                </a:spcBef>
+                <a:buFont typeface="Arial" panose="020B0604020202020204" pitchFamily="34" charset="0"/>
+                <a:buChar char="•"/>
+                <a:defRPr sz="1800" kern="1200">
+                  <a:solidFill>
+                    <a:schemeClr val="tx1"/>
+                  </a:solidFill>
+                  <a:latin typeface="+mn-lt"/>
+                  <a:ea typeface="+mn-ea"/>
+                  <a:cs typeface="+mn-cs"/>
+                </a:defRPr>
+              </a:lvl8pPr>
+              <a:lvl9pPr marL="3886200" indent="-228600" algn="l" defTabSz="914400" rtl="0" eaLnBrk="1" latinLnBrk="0" hangingPunct="1">
+                <a:lnSpc>
+                  <a:spcPct val="90000"/>
+                </a:lnSpc>
+                <a:spcBef>
+                  <a:spcPts val="500"/>
+                </a:spcBef>
+                <a:buFont typeface="Arial" panose="020B0604020202020204" pitchFamily="34" charset="0"/>
+                <a:buChar char="•"/>
+                <a:defRPr sz="1800" kern="1200">
+                  <a:solidFill>
+                    <a:schemeClr val="tx1"/>
+                  </a:solidFill>
+                  <a:latin typeface="+mn-lt"/>
+                  <a:ea typeface="+mn-ea"/>
+                  <a:cs typeface="+mn-cs"/>
+                </a:defRPr>
+              </a:lvl9pPr>
+            </a:lstStyle>
+            <a:p>
+              <a:pPr marL="0" indent="0">
+                <a:buNone/>
+              </a:pPr>
+              <a:r>
+                <a:rPr lang="pt-BR" sz="1200" dirty="0">
+                  <a:solidFill>
+                    <a:schemeClr val="bg2">
+                      <a:lumMod val="25000"/>
+                    </a:schemeClr>
+                  </a:solidFill>
+                  <a:cs typeface="Arial" panose="020B0604020202020204" pitchFamily="34" charset="0"/>
+                </a:rPr>
+                <a:t>Leitura de arquivos .</a:t>
+              </a:r>
+              <a:r>
+                <a:rPr lang="pt-BR" sz="1200" dirty="0" err="1">
+                  <a:solidFill>
+                    <a:schemeClr val="bg2">
+                      <a:lumMod val="25000"/>
+                    </a:schemeClr>
+                  </a:solidFill>
+                  <a:cs typeface="Arial" panose="020B0604020202020204" pitchFamily="34" charset="0"/>
+                </a:rPr>
+                <a:t>txt</a:t>
+              </a:r>
+              <a:r>
+                <a:rPr lang="pt-BR" sz="1200" dirty="0">
+                  <a:solidFill>
+                    <a:schemeClr val="bg2">
+                      <a:lumMod val="25000"/>
+                    </a:schemeClr>
+                  </a:solidFill>
+                  <a:cs typeface="Arial" panose="020B0604020202020204" pitchFamily="34" charset="0"/>
+                </a:rPr>
+                <a:t> armazenados no Google Drive</a:t>
+              </a:r>
+              <a:br>
+                <a:rPr lang="pt-BR" sz="1200" dirty="0">
+                  <a:solidFill>
+                    <a:schemeClr val="bg2">
+                      <a:lumMod val="25000"/>
+                    </a:schemeClr>
+                  </a:solidFill>
+                  <a:cs typeface="Arial" panose="020B0604020202020204" pitchFamily="34" charset="0"/>
+                </a:rPr>
+              </a:br>
+              <a:r>
+                <a:rPr lang="pt-BR" sz="1200" b="1" dirty="0">
+                  <a:solidFill>
+                    <a:schemeClr val="bg2">
+                      <a:lumMod val="25000"/>
+                    </a:schemeClr>
+                  </a:solidFill>
+                  <a:cs typeface="Arial" panose="020B0604020202020204" pitchFamily="34" charset="0"/>
+                </a:rPr>
+                <a:t>Fonte: Resultados originais da pesquisa </a:t>
+              </a:r>
+            </a:p>
+          </p:txBody>
+        </p:sp>
+        <p:pic>
+          <p:nvPicPr>
+            <p:cNvPr id="19" name="Espaço Reservado para Conteúdo 18" descr="Interface gráfica do usuário, Texto, Aplicativo&#10;&#10;Descrição gerada automaticamente">
+              <a:extLst>
+                <a:ext uri="{FF2B5EF4-FFF2-40B4-BE49-F238E27FC236}">
+                  <a16:creationId xmlns:a16="http://schemas.microsoft.com/office/drawing/2014/main" id="{D96DFF99-8B78-7F65-EDFA-331910C21FB4}"/>
+                </a:ext>
+              </a:extLst>
+            </p:cNvPr>
+            <p:cNvPicPr>
+              <a:picLocks noGrp="1" noChangeAspect="1"/>
+            </p:cNvPicPr>
+            <p:nvPr>
+              <p:ph sz="half" idx="2"/>
+            </p:nvPr>
+          </p:nvPicPr>
+          <p:blipFill>
+            <a:blip r:embed="rId2">
+              <a:extLst>
+                <a:ext uri="{28A0092B-C50C-407E-A947-70E740481C1C}">
+                  <a14:useLocalDpi xmlns:a14="http://schemas.microsoft.com/office/drawing/2010/main" val="0"/>
+                </a:ext>
+              </a:extLst>
+            </a:blip>
+            <a:stretch>
+              <a:fillRect/>
+            </a:stretch>
+          </p:blipFill>
+          <p:spPr>
+            <a:xfrm>
+              <a:off x="220710" y="2587392"/>
+              <a:ext cx="5603622" cy="2751110"/>
+            </a:xfrm>
+          </p:spPr>
+        </p:pic>
+      </p:grpSp>
+      <p:grpSp>
+        <p:nvGrpSpPr>
+          <p:cNvPr id="6" name="Group 5">
+            <a:extLst>
+              <a:ext uri="{FF2B5EF4-FFF2-40B4-BE49-F238E27FC236}">
+                <a16:creationId xmlns:a16="http://schemas.microsoft.com/office/drawing/2014/main" id="{4BC7B053-3FBF-B5CF-632E-FBD7F5913BA1}"/>
+              </a:ext>
+            </a:extLst>
+          </p:cNvPr>
+          <p:cNvGrpSpPr/>
+          <p:nvPr/>
+        </p:nvGrpSpPr>
+        <p:grpSpPr>
+          <a:xfrm>
+            <a:off x="5806575" y="4298497"/>
+            <a:ext cx="5981700" cy="1802363"/>
+            <a:chOff x="6096000" y="2587392"/>
+            <a:chExt cx="5981700" cy="1802363"/>
+          </a:xfrm>
+        </p:grpSpPr>
+        <p:pic>
+          <p:nvPicPr>
+            <p:cNvPr id="26" name="Imagem 25" descr="Texto&#10;&#10;Descrição gerada automaticamente com confiança média">
+              <a:extLst>
+                <a:ext uri="{FF2B5EF4-FFF2-40B4-BE49-F238E27FC236}">
+                  <a16:creationId xmlns:a16="http://schemas.microsoft.com/office/drawing/2014/main" id="{2663AA25-7416-4E6E-E7F7-E29933F158A5}"/>
+                </a:ext>
+              </a:extLst>
+            </p:cNvPr>
+            <p:cNvPicPr>
+              <a:picLocks noChangeAspect="1"/>
+            </p:cNvPicPr>
+            <p:nvPr/>
+          </p:nvPicPr>
+          <p:blipFill>
+            <a:blip r:embed="rId3">
+              <a:extLst>
+                <a:ext uri="{28A0092B-C50C-407E-A947-70E740481C1C}">
+                  <a14:useLocalDpi xmlns:a14="http://schemas.microsoft.com/office/drawing/2010/main" val="0"/>
+                </a:ext>
+              </a:extLst>
+            </a:blip>
+            <a:stretch>
+              <a:fillRect/>
+            </a:stretch>
+          </p:blipFill>
+          <p:spPr>
+            <a:xfrm>
+              <a:off x="6096000" y="2587392"/>
+              <a:ext cx="5981700" cy="1054100"/>
+            </a:xfrm>
+            <a:prstGeom prst="rect">
+              <a:avLst/>
+            </a:prstGeom>
+          </p:spPr>
+        </p:pic>
+        <p:sp>
+          <p:nvSpPr>
+            <p:cNvPr id="27" name="Espaço Reservado para Conteúdo 2">
+              <a:extLst>
+                <a:ext uri="{FF2B5EF4-FFF2-40B4-BE49-F238E27FC236}">
+                  <a16:creationId xmlns:a16="http://schemas.microsoft.com/office/drawing/2014/main" id="{9DE381F3-DF21-E88C-6E9D-29A81845FC7C}"/>
+                </a:ext>
+              </a:extLst>
+            </p:cNvPr>
+            <p:cNvSpPr txBox="1">
+              <a:spLocks/>
+            </p:cNvSpPr>
+            <p:nvPr/>
+          </p:nvSpPr>
+          <p:spPr>
+            <a:xfrm>
+              <a:off x="6096000" y="3669858"/>
+              <a:ext cx="5603622" cy="719897"/>
+            </a:xfrm>
+            <a:prstGeom prst="rect">
+              <a:avLst/>
+            </a:prstGeom>
+          </p:spPr>
+          <p:txBody>
+            <a:bodyPr vert="horz" lIns="91440" tIns="45720" rIns="91440" bIns="45720" rtlCol="0">
+              <a:noAutofit/>
+            </a:bodyPr>
+            <a:lstStyle>
+              <a:defPPr>
+                <a:defRPr lang="pt-BR"/>
+              </a:defPPr>
+              <a:lvl1pPr indent="0">
+                <a:lnSpc>
+                  <a:spcPct val="90000"/>
+                </a:lnSpc>
+                <a:spcBef>
+                  <a:spcPts val="1000"/>
+                </a:spcBef>
+                <a:buFont typeface="Arial" panose="020B0604020202020204" pitchFamily="34" charset="0"/>
+                <a:buNone/>
+                <a:defRPr sz="1600">
+                  <a:solidFill>
+                    <a:schemeClr val="bg2">
+                      <a:lumMod val="25000"/>
+                    </a:schemeClr>
+                  </a:solidFill>
+                  <a:cs typeface="Arial" panose="020B0604020202020204" pitchFamily="34" charset="0"/>
+                </a:defRPr>
+              </a:lvl1pPr>
+              <a:lvl2pPr marL="685800" indent="-228600">
+                <a:lnSpc>
+                  <a:spcPct val="90000"/>
+                </a:lnSpc>
+                <a:spcBef>
+                  <a:spcPts val="500"/>
+                </a:spcBef>
+                <a:buFont typeface="Arial" panose="020B0604020202020204" pitchFamily="34" charset="0"/>
+                <a:buChar char="•"/>
+                <a:defRPr sz="2400"/>
+              </a:lvl2pPr>
+              <a:lvl3pPr marL="1143000" indent="-228600">
+                <a:lnSpc>
+                  <a:spcPct val="90000"/>
+                </a:lnSpc>
+                <a:spcBef>
+                  <a:spcPts val="500"/>
+                </a:spcBef>
+                <a:buFont typeface="Arial" panose="020B0604020202020204" pitchFamily="34" charset="0"/>
+                <a:buChar char="•"/>
+                <a:defRPr sz="2000"/>
+              </a:lvl3pPr>
+              <a:lvl4pPr marL="1600200" indent="-228600">
+                <a:lnSpc>
+                  <a:spcPct val="90000"/>
+                </a:lnSpc>
+                <a:spcBef>
+                  <a:spcPts val="500"/>
+                </a:spcBef>
+                <a:buFont typeface="Arial" panose="020B0604020202020204" pitchFamily="34" charset="0"/>
+                <a:buChar char="•"/>
+              </a:lvl4pPr>
+              <a:lvl5pPr marL="2057400" indent="-228600">
+                <a:lnSpc>
+                  <a:spcPct val="90000"/>
+                </a:lnSpc>
+                <a:spcBef>
+                  <a:spcPts val="500"/>
+                </a:spcBef>
+                <a:buFont typeface="Arial" panose="020B0604020202020204" pitchFamily="34" charset="0"/>
+                <a:buChar char="•"/>
+              </a:lvl5pPr>
+              <a:lvl6pPr marL="2514600" indent="-228600">
+                <a:lnSpc>
+                  <a:spcPct val="90000"/>
+                </a:lnSpc>
+                <a:spcBef>
+                  <a:spcPts val="500"/>
+                </a:spcBef>
+                <a:buFont typeface="Arial" panose="020B0604020202020204" pitchFamily="34" charset="0"/>
+                <a:buChar char="•"/>
+              </a:lvl6pPr>
+              <a:lvl7pPr marL="2971800" indent="-228600">
+                <a:lnSpc>
+                  <a:spcPct val="90000"/>
+                </a:lnSpc>
+                <a:spcBef>
+                  <a:spcPts val="500"/>
+                </a:spcBef>
+                <a:buFont typeface="Arial" panose="020B0604020202020204" pitchFamily="34" charset="0"/>
+                <a:buChar char="•"/>
+              </a:lvl7pPr>
+              <a:lvl8pPr marL="3429000" indent="-228600">
+                <a:lnSpc>
+                  <a:spcPct val="90000"/>
+                </a:lnSpc>
+                <a:spcBef>
+                  <a:spcPts val="500"/>
+                </a:spcBef>
+                <a:buFont typeface="Arial" panose="020B0604020202020204" pitchFamily="34" charset="0"/>
+                <a:buChar char="•"/>
+              </a:lvl8pPr>
+              <a:lvl9pPr marL="3886200" indent="-228600">
+                <a:lnSpc>
+                  <a:spcPct val="90000"/>
+                </a:lnSpc>
+                <a:spcBef>
+                  <a:spcPts val="500"/>
+                </a:spcBef>
+                <a:buFont typeface="Arial" panose="020B0604020202020204" pitchFamily="34" charset="0"/>
+                <a:buChar char="•"/>
+              </a:lvl9pPr>
+            </a:lstStyle>
+            <a:p>
+              <a:r>
+                <a:rPr lang="pt-BR" sz="1200" dirty="0"/>
+                <a:t>“Print” de uma parte do livro Harry Potter e a Pedra Filosofal sem nenhuma aplicação de pré-processamento </a:t>
+              </a:r>
+              <a:br>
+                <a:rPr lang="pt-BR" sz="1200" dirty="0"/>
+              </a:br>
+              <a:r>
+                <a:rPr lang="pt-BR" sz="1200" b="1" dirty="0"/>
+                <a:t>Fonte: Resultados originais da pesquisa </a:t>
+              </a:r>
+            </a:p>
+          </p:txBody>
+        </p:sp>
+      </p:grpSp>
       <p:sp>
         <p:nvSpPr>
-          <p:cNvPr id="7" name="Rectangle 6">
+          <p:cNvPr id="2" name="Arrow: Pentagon 3">
             <a:extLst>
               <a:ext uri="{FF2B5EF4-FFF2-40B4-BE49-F238E27FC236}">
-                <a16:creationId xmlns:a16="http://schemas.microsoft.com/office/drawing/2014/main" id="{04FABB05-6C2E-CEFC-8C95-F5EA054DAF7D}"/>
+                <a16:creationId xmlns:a16="http://schemas.microsoft.com/office/drawing/2014/main" id="{5EE99520-5449-9635-A24B-BA96A7433DD3}"/>
               </a:ext>
             </a:extLst>
           </p:cNvPr>
@@ -9212,8 +9975,123 @@
         </p:nvSpPr>
         <p:spPr>
           <a:xfrm>
-            <a:off x="8588828" y="383391"/>
-            <a:ext cx="3603171" cy="1560750"/>
+            <a:off x="0" y="178295"/>
+            <a:ext cx="4975200" cy="630000"/>
+          </a:xfrm>
+          <a:prstGeom prst="homePlate">
+            <a:avLst/>
+          </a:prstGeom>
+          <a:solidFill>
+            <a:schemeClr val="bg2">
+              <a:lumMod val="25000"/>
+              <a:alpha val="85000"/>
+            </a:schemeClr>
+          </a:solidFill>
+        </p:spPr>
+        <p:style>
+          <a:lnRef idx="1">
+            <a:schemeClr val="accent3"/>
+          </a:lnRef>
+          <a:fillRef idx="3">
+            <a:schemeClr val="accent3"/>
+          </a:fillRef>
+          <a:effectRef idx="2">
+            <a:schemeClr val="accent3"/>
+          </a:effectRef>
+          <a:fontRef idx="minor">
+            <a:schemeClr val="lt1"/>
+          </a:fontRef>
+        </p:style>
+        <p:txBody>
+          <a:bodyPr rtlCol="0" anchor="ctr"/>
+          <a:lstStyle/>
+          <a:p>
+            <a:pPr algn="ctr"/>
+            <a:r>
+              <a:rPr lang="pt-BR" sz="3200" dirty="0">
+                <a:solidFill>
+                  <a:schemeClr val="bg1"/>
+                </a:solidFill>
+              </a:rPr>
+              <a:t>RESULTADOS E DISCUSSÕES</a:t>
+            </a:r>
+          </a:p>
+        </p:txBody>
+      </p:sp>
+      <p:sp>
+        <p:nvSpPr>
+          <p:cNvPr id="3" name="Arrow: Pentagon 5">
+            <a:extLst>
+              <a:ext uri="{FF2B5EF4-FFF2-40B4-BE49-F238E27FC236}">
+                <a16:creationId xmlns:a16="http://schemas.microsoft.com/office/drawing/2014/main" id="{D605CB99-1709-8F54-33D7-368BA5040023}"/>
+              </a:ext>
+            </a:extLst>
+          </p:cNvPr>
+          <p:cNvSpPr/>
+          <p:nvPr/>
+        </p:nvSpPr>
+        <p:spPr>
+          <a:xfrm>
+            <a:off x="0" y="705749"/>
+            <a:ext cx="3205538" cy="370852"/>
+          </a:xfrm>
+          <a:prstGeom prst="homePlate">
+            <a:avLst/>
+          </a:prstGeom>
+          <a:solidFill>
+            <a:schemeClr val="bg2">
+              <a:lumMod val="75000"/>
+            </a:schemeClr>
+          </a:solidFill>
+        </p:spPr>
+        <p:style>
+          <a:lnRef idx="1">
+            <a:schemeClr val="accent3"/>
+          </a:lnRef>
+          <a:fillRef idx="3">
+            <a:schemeClr val="accent3"/>
+          </a:fillRef>
+          <a:effectRef idx="2">
+            <a:schemeClr val="accent3"/>
+          </a:effectRef>
+          <a:fontRef idx="minor">
+            <a:schemeClr val="lt1"/>
+          </a:fontRef>
+        </p:style>
+        <p:txBody>
+          <a:bodyPr rtlCol="0" anchor="ctr"/>
+          <a:lstStyle/>
+          <a:p>
+            <a:pPr algn="ctr"/>
+            <a:r>
+              <a:rPr lang="pt-BR" sz="2400" dirty="0">
+                <a:solidFill>
+                  <a:schemeClr val="bg2">
+                    <a:lumMod val="25000"/>
+                  </a:schemeClr>
+                </a:solidFill>
+              </a:rPr>
+              <a:t>COLETA DE DADOS</a:t>
+            </a:r>
+          </a:p>
+        </p:txBody>
+      </p:sp>
+      <p:sp>
+        <p:nvSpPr>
+          <p:cNvPr id="8" name="Rectangle 7">
+            <a:extLst>
+              <a:ext uri="{FF2B5EF4-FFF2-40B4-BE49-F238E27FC236}">
+                <a16:creationId xmlns:a16="http://schemas.microsoft.com/office/drawing/2014/main" id="{6727C2FF-737E-2D32-DF19-15DF0192CF33}"/>
+              </a:ext>
+            </a:extLst>
+          </p:cNvPr>
+          <p:cNvSpPr/>
+          <p:nvPr/>
+        </p:nvSpPr>
+        <p:spPr>
+          <a:xfrm>
+            <a:off x="225664" y="2091972"/>
+            <a:ext cx="5188817" cy="4288280"/>
           </a:xfrm>
           <a:prstGeom prst="rect">
             <a:avLst/>
@@ -9226,7 +10104,11 @@
             </a:schemeClr>
           </a:solidFill>
           <a:ln w="12700">
-            <a:noFill/>
+            <a:solidFill>
+              <a:schemeClr val="bg2">
+                <a:lumMod val="25000"/>
+              </a:schemeClr>
+            </a:solidFill>
           </a:ln>
         </p:spPr>
         <p:style>
@@ -9244,7 +10126,7 @@
           </a:fontRef>
         </p:style>
         <p:txBody>
-          <a:bodyPr rtlCol="0" anchor="ctr"/>
+          <a:bodyPr tIns="144000" rtlCol="0" anchor="ctr"/>
           <a:lstStyle/>
           <a:p>
             <a:pPr marL="228600" indent="-228600">
@@ -9344,35 +10226,90 @@
           </a:p>
         </p:txBody>
       </p:sp>
+    </p:spTree>
+    <p:extLst>
+      <p:ext uri="{BB962C8B-B14F-4D97-AF65-F5344CB8AC3E}">
+        <p14:creationId xmlns:p14="http://schemas.microsoft.com/office/powerpoint/2010/main" val="799120742"/>
+      </p:ext>
+    </p:extLst>
+  </p:cSld>
+  <p:clrMapOvr>
+    <a:masterClrMapping/>
+  </p:clrMapOvr>
+</p:sld>
+</file>
+
+<file path=ppt/slides/slide8.xml><?xml version="1.0" encoding="utf-8"?>
+<p:sld xmlns:a="http://schemas.openxmlformats.org/drawingml/2006/main" xmlns:r="http://schemas.openxmlformats.org/officeDocument/2006/relationships" xmlns:p="http://schemas.openxmlformats.org/presentationml/2006/main">
+  <p:cSld>
+    <p:spTree>
+      <p:nvGrpSpPr>
+        <p:cNvPr id="1" name=""/>
+        <p:cNvGrpSpPr/>
+        <p:nvPr/>
+      </p:nvGrpSpPr>
+      <p:grpSpPr>
+        <a:xfrm>
+          <a:off x="0" y="0"/>
+          <a:ext cx="0" cy="0"/>
+          <a:chOff x="0" y="0"/>
+          <a:chExt cx="0" cy="0"/>
+        </a:xfrm>
+      </p:grpSpPr>
       <p:sp>
         <p:nvSpPr>
-          <p:cNvPr id="36" name="Espaço Reservado para Conteúdo 2">
+          <p:cNvPr id="7" name="Rectangle 6">
             <a:extLst>
               <a:ext uri="{FF2B5EF4-FFF2-40B4-BE49-F238E27FC236}">
-                <a16:creationId xmlns:a16="http://schemas.microsoft.com/office/drawing/2014/main" id="{C8C1E745-6D3D-E75E-B325-B9F158B99BA3}"/>
+                <a16:creationId xmlns:a16="http://schemas.microsoft.com/office/drawing/2014/main" id="{04FABB05-6C2E-CEFC-8C95-F5EA054DAF7D}"/>
               </a:ext>
             </a:extLst>
           </p:cNvPr>
-          <p:cNvSpPr txBox="1">
-            <a:spLocks/>
-          </p:cNvSpPr>
+          <p:cNvSpPr/>
           <p:nvPr/>
         </p:nvSpPr>
         <p:spPr>
           <a:xfrm>
-            <a:off x="220710" y="5338502"/>
-            <a:ext cx="5603622" cy="586176"/>
+            <a:off x="225664" y="2091972"/>
+            <a:ext cx="5188817" cy="4288280"/>
           </a:xfrm>
           <a:prstGeom prst="rect">
             <a:avLst/>
           </a:prstGeom>
+          <a:solidFill>
+            <a:schemeClr val="tx2">
+              <a:lumMod val="60000"/>
+              <a:lumOff val="40000"/>
+              <a:alpha val="70000"/>
+            </a:schemeClr>
+          </a:solidFill>
+          <a:ln w="12700">
+            <a:solidFill>
+              <a:schemeClr val="bg2">
+                <a:lumMod val="25000"/>
+              </a:schemeClr>
+            </a:solidFill>
+          </a:ln>
         </p:spPr>
+        <p:style>
+          <a:lnRef idx="0">
+            <a:scrgbClr r="0" g="0" b="0"/>
+          </a:lnRef>
+          <a:fillRef idx="0">
+            <a:scrgbClr r="0" g="0" b="0"/>
+          </a:fillRef>
+          <a:effectRef idx="0">
+            <a:scrgbClr r="0" g="0" b="0"/>
+          </a:effectRef>
+          <a:fontRef idx="minor">
+            <a:schemeClr val="lt1"/>
+          </a:fontRef>
+        </p:style>
         <p:txBody>
-          <a:bodyPr vert="horz" lIns="91440" tIns="45720" rIns="91440" bIns="45720" rtlCol="0">
-            <a:normAutofit/>
-          </a:bodyPr>
-          <a:lstStyle>
-            <a:lvl1pPr marL="228600" indent="-228600" algn="l" defTabSz="914400" rtl="0" eaLnBrk="1" latinLnBrk="0" hangingPunct="1">
+          <a:bodyPr tIns="144000" rtlCol="0" anchor="ctr"/>
+          <a:lstStyle/>
+          <a:p>
+            <a:pPr marL="228600" indent="-228600">
               <a:lnSpc>
                 <a:spcPct val="90000"/>
               </a:lnSpc>
@@ -9381,239 +10318,1332 @@
               </a:spcBef>
               <a:buFont typeface="Arial" panose="020B0604020202020204" pitchFamily="34" charset="0"/>
               <a:buChar char="•"/>
-              <a:defRPr sz="2800" kern="1200">
-                <a:solidFill>
-                  <a:schemeClr val="tx1"/>
-                </a:solidFill>
-                <a:latin typeface="+mn-lt"/>
-                <a:ea typeface="+mn-ea"/>
-                <a:cs typeface="+mn-cs"/>
-              </a:defRPr>
-            </a:lvl1pPr>
-            <a:lvl2pPr marL="685800" indent="-228600" algn="l" defTabSz="914400" rtl="0" eaLnBrk="1" latinLnBrk="0" hangingPunct="1">
+            </a:pPr>
+            <a:r>
+              <a:rPr lang="pt-BR" sz="1600" dirty="0">
+                <a:solidFill>
+                  <a:schemeClr val="bg2">
+                    <a:lumMod val="10000"/>
+                  </a:schemeClr>
+                </a:solidFill>
+                <a:ea typeface="Calibri" panose="020F0502020204030204" pitchFamily="34" charset="0"/>
+                <a:cs typeface="Arial" panose="020B0604020202020204" pitchFamily="34" charset="0"/>
+              </a:rPr>
+              <a:t>Implementação de expressões regulares (</a:t>
+            </a:r>
+            <a:r>
+              <a:rPr lang="pt-BR" sz="1600" dirty="0" err="1">
+                <a:solidFill>
+                  <a:schemeClr val="bg2">
+                    <a:lumMod val="10000"/>
+                  </a:schemeClr>
+                </a:solidFill>
+                <a:ea typeface="Calibri" panose="020F0502020204030204" pitchFamily="34" charset="0"/>
+                <a:cs typeface="Arial" panose="020B0604020202020204" pitchFamily="34" charset="0"/>
+              </a:rPr>
+              <a:t>ReGex</a:t>
+            </a:r>
+            <a:r>
+              <a:rPr lang="pt-BR" sz="1600" dirty="0">
+                <a:solidFill>
+                  <a:schemeClr val="bg2">
+                    <a:lumMod val="10000"/>
+                  </a:schemeClr>
+                </a:solidFill>
+                <a:ea typeface="Calibri" panose="020F0502020204030204" pitchFamily="34" charset="0"/>
+                <a:cs typeface="Arial" panose="020B0604020202020204" pitchFamily="34" charset="0"/>
+              </a:rPr>
+              <a:t>).</a:t>
+            </a:r>
+          </a:p>
+          <a:p>
+            <a:pPr marL="228600" indent="-228600">
               <a:lnSpc>
                 <a:spcPct val="90000"/>
               </a:lnSpc>
               <a:spcBef>
-                <a:spcPts val="500"/>
+                <a:spcPts val="1000"/>
               </a:spcBef>
               <a:buFont typeface="Arial" panose="020B0604020202020204" pitchFamily="34" charset="0"/>
               <a:buChar char="•"/>
-              <a:defRPr sz="2400" kern="1200">
-                <a:solidFill>
-                  <a:schemeClr val="tx1"/>
-                </a:solidFill>
-                <a:latin typeface="+mn-lt"/>
-                <a:ea typeface="+mn-ea"/>
-                <a:cs typeface="+mn-cs"/>
-              </a:defRPr>
-            </a:lvl2pPr>
-            <a:lvl3pPr marL="1143000" indent="-228600" algn="l" defTabSz="914400" rtl="0" eaLnBrk="1" latinLnBrk="0" hangingPunct="1">
+            </a:pPr>
+            <a:r>
+              <a:rPr lang="pt-BR" sz="1600" dirty="0">
+                <a:solidFill>
+                  <a:schemeClr val="bg2">
+                    <a:lumMod val="10000"/>
+                  </a:schemeClr>
+                </a:solidFill>
+                <a:ea typeface="Calibri" panose="020F0502020204030204" pitchFamily="34" charset="0"/>
+                <a:cs typeface="Arial" panose="020B0604020202020204" pitchFamily="34" charset="0"/>
+              </a:rPr>
+              <a:t>Limpeza dos dados.</a:t>
+            </a:r>
+          </a:p>
+          <a:p>
+            <a:pPr marL="800100" lvl="1" indent="-342900">
               <a:lnSpc>
                 <a:spcPct val="90000"/>
               </a:lnSpc>
               <a:spcBef>
-                <a:spcPts val="500"/>
+                <a:spcPts val="1000"/>
               </a:spcBef>
-              <a:buFont typeface="Arial" panose="020B0604020202020204" pitchFamily="34" charset="0"/>
-              <a:buChar char="•"/>
-              <a:defRPr sz="2000" kern="1200">
-                <a:solidFill>
-                  <a:schemeClr val="tx1"/>
-                </a:solidFill>
-                <a:latin typeface="+mn-lt"/>
-                <a:ea typeface="+mn-ea"/>
-                <a:cs typeface="+mn-cs"/>
-              </a:defRPr>
-            </a:lvl3pPr>
-            <a:lvl4pPr marL="1600200" indent="-228600" algn="l" defTabSz="914400" rtl="0" eaLnBrk="1" latinLnBrk="0" hangingPunct="1">
+              <a:buFont typeface="+mj-lt"/>
+              <a:buAutoNum type="alphaLcParenR"/>
+            </a:pPr>
+            <a:r>
+              <a:rPr lang="pt-BR" sz="1600" dirty="0" err="1">
+                <a:solidFill>
+                  <a:schemeClr val="bg2">
+                    <a:lumMod val="10000"/>
+                  </a:schemeClr>
+                </a:solidFill>
+                <a:ea typeface="Calibri" panose="020F0502020204030204" pitchFamily="34" charset="0"/>
+                <a:cs typeface="Arial" panose="020B0604020202020204" pitchFamily="34" charset="0"/>
+              </a:rPr>
+              <a:t>Stopwords</a:t>
+            </a:r>
+            <a:r>
+              <a:rPr lang="pt-BR" sz="1600" dirty="0">
+                <a:solidFill>
+                  <a:schemeClr val="bg2">
+                    <a:lumMod val="10000"/>
+                  </a:schemeClr>
+                </a:solidFill>
+                <a:ea typeface="Calibri" panose="020F0502020204030204" pitchFamily="34" charset="0"/>
+                <a:cs typeface="Arial" panose="020B0604020202020204" pitchFamily="34" charset="0"/>
+              </a:rPr>
+              <a:t>.</a:t>
+            </a:r>
+          </a:p>
+          <a:p>
+            <a:pPr marL="228600" indent="-228600">
               <a:lnSpc>
                 <a:spcPct val="90000"/>
               </a:lnSpc>
               <a:spcBef>
-                <a:spcPts val="500"/>
+                <a:spcPts val="1000"/>
               </a:spcBef>
               <a:buFont typeface="Arial" panose="020B0604020202020204" pitchFamily="34" charset="0"/>
               <a:buChar char="•"/>
-              <a:defRPr sz="1800" kern="1200">
-                <a:solidFill>
-                  <a:schemeClr val="tx1"/>
-                </a:solidFill>
-                <a:latin typeface="+mn-lt"/>
-                <a:ea typeface="+mn-ea"/>
-                <a:cs typeface="+mn-cs"/>
-              </a:defRPr>
-            </a:lvl4pPr>
-            <a:lvl5pPr marL="2057400" indent="-228600" algn="l" defTabSz="914400" rtl="0" eaLnBrk="1" latinLnBrk="0" hangingPunct="1">
+            </a:pPr>
+            <a:r>
+              <a:rPr lang="pt-BR" sz="1600" dirty="0">
+                <a:solidFill>
+                  <a:schemeClr val="bg2">
+                    <a:lumMod val="10000"/>
+                  </a:schemeClr>
+                </a:solidFill>
+                <a:ea typeface="Calibri" panose="020F0502020204030204" pitchFamily="34" charset="0"/>
+                <a:cs typeface="Arial" panose="020B0604020202020204" pitchFamily="34" charset="0"/>
+              </a:rPr>
+              <a:t>Padronização dos dados.</a:t>
+            </a:r>
+          </a:p>
+          <a:p>
+            <a:pPr marL="228600" indent="-228600">
               <a:lnSpc>
                 <a:spcPct val="90000"/>
               </a:lnSpc>
               <a:spcBef>
-                <a:spcPts val="500"/>
+                <a:spcPts val="1000"/>
               </a:spcBef>
               <a:buFont typeface="Arial" panose="020B0604020202020204" pitchFamily="34" charset="0"/>
               <a:buChar char="•"/>
-              <a:defRPr sz="1800" kern="1200">
-                <a:solidFill>
-                  <a:schemeClr val="tx1"/>
-                </a:solidFill>
-                <a:latin typeface="+mn-lt"/>
-                <a:ea typeface="+mn-ea"/>
-                <a:cs typeface="+mn-cs"/>
-              </a:defRPr>
-            </a:lvl5pPr>
-            <a:lvl6pPr marL="2514600" indent="-228600" algn="l" defTabSz="914400" rtl="0" eaLnBrk="1" latinLnBrk="0" hangingPunct="1">
+            </a:pPr>
+            <a:r>
+              <a:rPr lang="pt-BR" sz="1600" dirty="0">
+                <a:solidFill>
+                  <a:schemeClr val="bg2">
+                    <a:lumMod val="10000"/>
+                  </a:schemeClr>
+                </a:solidFill>
+                <a:ea typeface="Calibri" panose="020F0502020204030204" pitchFamily="34" charset="0"/>
+                <a:cs typeface="Arial" panose="020B0604020202020204" pitchFamily="34" charset="0"/>
+              </a:rPr>
+              <a:t>Processamento de dados.</a:t>
+            </a:r>
+          </a:p>
+          <a:p>
+            <a:pPr marL="228600" indent="-228600">
               <a:lnSpc>
                 <a:spcPct val="90000"/>
               </a:lnSpc>
               <a:spcBef>
-                <a:spcPts val="500"/>
+                <a:spcPts val="1000"/>
               </a:spcBef>
               <a:buFont typeface="Arial" panose="020B0604020202020204" pitchFamily="34" charset="0"/>
               <a:buChar char="•"/>
-              <a:defRPr sz="1800" kern="1200">
-                <a:solidFill>
-                  <a:schemeClr val="tx1"/>
-                </a:solidFill>
-                <a:latin typeface="+mn-lt"/>
-                <a:ea typeface="+mn-ea"/>
-                <a:cs typeface="+mn-cs"/>
-              </a:defRPr>
-            </a:lvl6pPr>
-            <a:lvl7pPr marL="2971800" indent="-228600" algn="l" defTabSz="914400" rtl="0" eaLnBrk="1" latinLnBrk="0" hangingPunct="1">
+            </a:pPr>
+            <a:r>
+              <a:rPr lang="pt-BR" sz="1600" dirty="0" err="1">
+                <a:solidFill>
+                  <a:schemeClr val="bg2">
+                    <a:lumMod val="10000"/>
+                  </a:schemeClr>
+                </a:solidFill>
+                <a:ea typeface="Calibri" panose="020F0502020204030204" pitchFamily="34" charset="0"/>
+                <a:cs typeface="Arial" panose="020B0604020202020204" pitchFamily="34" charset="0"/>
+              </a:rPr>
+              <a:t>FreqDist</a:t>
+            </a:r>
+            <a:r>
+              <a:rPr lang="pt-BR" sz="1600" dirty="0">
+                <a:solidFill>
+                  <a:schemeClr val="bg2">
+                    <a:lumMod val="10000"/>
+                  </a:schemeClr>
+                </a:solidFill>
+                <a:ea typeface="Calibri" panose="020F0502020204030204" pitchFamily="34" charset="0"/>
+                <a:cs typeface="Arial" panose="020B0604020202020204" pitchFamily="34" charset="0"/>
+              </a:rPr>
+              <a:t>: Mensura a frequência que cada palavra aparece dentro de um contexto.</a:t>
+            </a:r>
+          </a:p>
+          <a:p>
+            <a:pPr marL="228600" indent="-228600">
               <a:lnSpc>
                 <a:spcPct val="90000"/>
               </a:lnSpc>
               <a:spcBef>
-                <a:spcPts val="500"/>
+                <a:spcPts val="1000"/>
               </a:spcBef>
               <a:buFont typeface="Arial" panose="020B0604020202020204" pitchFamily="34" charset="0"/>
               <a:buChar char="•"/>
-              <a:defRPr sz="1800" kern="1200">
-                <a:solidFill>
-                  <a:schemeClr val="tx1"/>
-                </a:solidFill>
-                <a:latin typeface="+mn-lt"/>
-                <a:ea typeface="+mn-ea"/>
-                <a:cs typeface="+mn-cs"/>
-              </a:defRPr>
-            </a:lvl7pPr>
-            <a:lvl8pPr marL="3429000" indent="-228600" algn="l" defTabSz="914400" rtl="0" eaLnBrk="1" latinLnBrk="0" hangingPunct="1">
-              <a:lnSpc>
-                <a:spcPct val="90000"/>
-              </a:lnSpc>
-              <a:spcBef>
-                <a:spcPts val="500"/>
-              </a:spcBef>
-              <a:buFont typeface="Arial" panose="020B0604020202020204" pitchFamily="34" charset="0"/>
-              <a:buChar char="•"/>
-              <a:defRPr sz="1800" kern="1200">
-                <a:solidFill>
-                  <a:schemeClr val="tx1"/>
-                </a:solidFill>
-                <a:latin typeface="+mn-lt"/>
-                <a:ea typeface="+mn-ea"/>
-                <a:cs typeface="+mn-cs"/>
-              </a:defRPr>
-            </a:lvl8pPr>
-            <a:lvl9pPr marL="3886200" indent="-228600" algn="l" defTabSz="914400" rtl="0" eaLnBrk="1" latinLnBrk="0" hangingPunct="1">
-              <a:lnSpc>
-                <a:spcPct val="90000"/>
-              </a:lnSpc>
-              <a:spcBef>
-                <a:spcPts val="500"/>
-              </a:spcBef>
-              <a:buFont typeface="Arial" panose="020B0604020202020204" pitchFamily="34" charset="0"/>
-              <a:buChar char="•"/>
-              <a:defRPr sz="1800" kern="1200">
-                <a:solidFill>
-                  <a:schemeClr val="tx1"/>
-                </a:solidFill>
-                <a:latin typeface="+mn-lt"/>
-                <a:ea typeface="+mn-ea"/>
-                <a:cs typeface="+mn-cs"/>
-              </a:defRPr>
-            </a:lvl9pPr>
-          </a:lstStyle>
-          <a:p>
-            <a:pPr marL="0" indent="0">
-              <a:buNone/>
             </a:pPr>
-            <a:r>
-              <a:rPr lang="pt-BR" sz="1200" dirty="0">
+            <a:endParaRPr lang="pt-BR" sz="1600" dirty="0">
+              <a:solidFill>
+                <a:schemeClr val="bg2">
+                  <a:lumMod val="10000"/>
+                </a:schemeClr>
+              </a:solidFill>
+              <a:ea typeface="Calibri" panose="020F0502020204030204" pitchFamily="34" charset="0"/>
+              <a:cs typeface="Arial" panose="020B0604020202020204" pitchFamily="34" charset="0"/>
+            </a:endParaRPr>
+          </a:p>
+        </p:txBody>
+      </p:sp>
+      <p:grpSp>
+        <p:nvGrpSpPr>
+          <p:cNvPr id="6" name="Group 5">
+            <a:extLst>
+              <a:ext uri="{FF2B5EF4-FFF2-40B4-BE49-F238E27FC236}">
+                <a16:creationId xmlns:a16="http://schemas.microsoft.com/office/drawing/2014/main" id="{20DF4EC1-A4D7-984F-00FD-868500F361C2}"/>
+              </a:ext>
+            </a:extLst>
+          </p:cNvPr>
+          <p:cNvGrpSpPr/>
+          <p:nvPr/>
+        </p:nvGrpSpPr>
+        <p:grpSpPr>
+          <a:xfrm>
+            <a:off x="5940434" y="4784055"/>
+            <a:ext cx="5981701" cy="1596197"/>
+            <a:chOff x="5962259" y="1369611"/>
+            <a:chExt cx="5981701" cy="1596197"/>
+          </a:xfrm>
+        </p:grpSpPr>
+        <p:sp>
+          <p:nvSpPr>
+            <p:cNvPr id="27" name="Espaço Reservado para Conteúdo 2">
+              <a:extLst>
+                <a:ext uri="{FF2B5EF4-FFF2-40B4-BE49-F238E27FC236}">
+                  <a16:creationId xmlns:a16="http://schemas.microsoft.com/office/drawing/2014/main" id="{9DE381F3-DF21-E88C-6E9D-29A81845FC7C}"/>
+                </a:ext>
+              </a:extLst>
+            </p:cNvPr>
+            <p:cNvSpPr txBox="1">
+              <a:spLocks/>
+            </p:cNvSpPr>
+            <p:nvPr/>
+          </p:nvSpPr>
+          <p:spPr>
+            <a:xfrm>
+              <a:off x="5962259" y="2245911"/>
+              <a:ext cx="5981700" cy="719897"/>
+            </a:xfrm>
+            <a:prstGeom prst="rect">
+              <a:avLst/>
+            </a:prstGeom>
+          </p:spPr>
+          <p:txBody>
+            <a:bodyPr vert="horz" lIns="91440" tIns="45720" rIns="91440" bIns="45720" rtlCol="0">
+              <a:noAutofit/>
+            </a:bodyPr>
+            <a:lstStyle>
+              <a:defPPr>
+                <a:defRPr lang="pt-BR"/>
+              </a:defPPr>
+              <a:lvl1pPr indent="0">
+                <a:lnSpc>
+                  <a:spcPct val="90000"/>
+                </a:lnSpc>
+                <a:spcBef>
+                  <a:spcPts val="1000"/>
+                </a:spcBef>
+                <a:buFont typeface="Arial" panose="020B0604020202020204" pitchFamily="34" charset="0"/>
+                <a:buNone/>
+                <a:defRPr sz="1600">
+                  <a:solidFill>
+                    <a:schemeClr val="bg2">
+                      <a:lumMod val="25000"/>
+                    </a:schemeClr>
+                  </a:solidFill>
+                  <a:cs typeface="Arial" panose="020B0604020202020204" pitchFamily="34" charset="0"/>
+                </a:defRPr>
+              </a:lvl1pPr>
+              <a:lvl2pPr marL="685800" indent="-228600">
+                <a:lnSpc>
+                  <a:spcPct val="90000"/>
+                </a:lnSpc>
+                <a:spcBef>
+                  <a:spcPts val="500"/>
+                </a:spcBef>
+                <a:buFont typeface="Arial" panose="020B0604020202020204" pitchFamily="34" charset="0"/>
+                <a:buChar char="•"/>
+                <a:defRPr sz="2400"/>
+              </a:lvl2pPr>
+              <a:lvl3pPr marL="1143000" indent="-228600">
+                <a:lnSpc>
+                  <a:spcPct val="90000"/>
+                </a:lnSpc>
+                <a:spcBef>
+                  <a:spcPts val="500"/>
+                </a:spcBef>
+                <a:buFont typeface="Arial" panose="020B0604020202020204" pitchFamily="34" charset="0"/>
+                <a:buChar char="•"/>
+                <a:defRPr sz="2000"/>
+              </a:lvl3pPr>
+              <a:lvl4pPr marL="1600200" indent="-228600">
+                <a:lnSpc>
+                  <a:spcPct val="90000"/>
+                </a:lnSpc>
+                <a:spcBef>
+                  <a:spcPts val="500"/>
+                </a:spcBef>
+                <a:buFont typeface="Arial" panose="020B0604020202020204" pitchFamily="34" charset="0"/>
+                <a:buChar char="•"/>
+              </a:lvl4pPr>
+              <a:lvl5pPr marL="2057400" indent="-228600">
+                <a:lnSpc>
+                  <a:spcPct val="90000"/>
+                </a:lnSpc>
+                <a:spcBef>
+                  <a:spcPts val="500"/>
+                </a:spcBef>
+                <a:buFont typeface="Arial" panose="020B0604020202020204" pitchFamily="34" charset="0"/>
+                <a:buChar char="•"/>
+              </a:lvl5pPr>
+              <a:lvl6pPr marL="2514600" indent="-228600">
+                <a:lnSpc>
+                  <a:spcPct val="90000"/>
+                </a:lnSpc>
+                <a:spcBef>
+                  <a:spcPts val="500"/>
+                </a:spcBef>
+                <a:buFont typeface="Arial" panose="020B0604020202020204" pitchFamily="34" charset="0"/>
+                <a:buChar char="•"/>
+              </a:lvl6pPr>
+              <a:lvl7pPr marL="2971800" indent="-228600">
+                <a:lnSpc>
+                  <a:spcPct val="90000"/>
+                </a:lnSpc>
+                <a:spcBef>
+                  <a:spcPts val="500"/>
+                </a:spcBef>
+                <a:buFont typeface="Arial" panose="020B0604020202020204" pitchFamily="34" charset="0"/>
+                <a:buChar char="•"/>
+              </a:lvl7pPr>
+              <a:lvl8pPr marL="3429000" indent="-228600">
+                <a:lnSpc>
+                  <a:spcPct val="90000"/>
+                </a:lnSpc>
+                <a:spcBef>
+                  <a:spcPts val="500"/>
+                </a:spcBef>
+                <a:buFont typeface="Arial" panose="020B0604020202020204" pitchFamily="34" charset="0"/>
+                <a:buChar char="•"/>
+              </a:lvl8pPr>
+              <a:lvl9pPr marL="3886200" indent="-228600">
+                <a:lnSpc>
+                  <a:spcPct val="90000"/>
+                </a:lnSpc>
+                <a:spcBef>
+                  <a:spcPts val="500"/>
+                </a:spcBef>
+                <a:buFont typeface="Arial" panose="020B0604020202020204" pitchFamily="34" charset="0"/>
+                <a:buChar char="•"/>
+              </a:lvl9pPr>
+            </a:lstStyle>
+            <a:p>
+              <a:r>
+                <a:rPr lang="pt-BR" sz="1200" dirty="0"/>
+                <a:t>“Print” de uma parte do livro Harry Potter e a Pedra Filosofal com a aplicação do pré-processamento </a:t>
+              </a:r>
+              <a:br>
+                <a:rPr lang="pt-BR" sz="1200" dirty="0"/>
+              </a:br>
+              <a:r>
+                <a:rPr lang="pt-BR" sz="1200" b="1" dirty="0"/>
+                <a:t>Fonte: Resultados originais da pesquisa </a:t>
+              </a:r>
+            </a:p>
+          </p:txBody>
+        </p:sp>
+        <p:pic>
+          <p:nvPicPr>
+            <p:cNvPr id="3" name="Imagem 2" descr="Uma imagem contendo Interface gráfica do usuário&#10;&#10;Descrição gerada automaticamente">
+              <a:extLst>
+                <a:ext uri="{FF2B5EF4-FFF2-40B4-BE49-F238E27FC236}">
+                  <a16:creationId xmlns:a16="http://schemas.microsoft.com/office/drawing/2014/main" id="{B041E96C-974C-7FEE-F428-301C2EAE9368}"/>
+                </a:ext>
+              </a:extLst>
+            </p:cNvPr>
+            <p:cNvPicPr>
+              <a:picLocks noChangeAspect="1"/>
+            </p:cNvPicPr>
+            <p:nvPr/>
+          </p:nvPicPr>
+          <p:blipFill>
+            <a:blip r:embed="rId2">
+              <a:extLst>
+                <a:ext uri="{28A0092B-C50C-407E-A947-70E740481C1C}">
+                  <a14:useLocalDpi xmlns:a14="http://schemas.microsoft.com/office/drawing/2010/main" val="0"/>
+                </a:ext>
+              </a:extLst>
+            </a:blip>
+            <a:stretch>
+              <a:fillRect/>
+            </a:stretch>
+          </p:blipFill>
+          <p:spPr>
+            <a:xfrm>
+              <a:off x="5962260" y="1369611"/>
+              <a:ext cx="5981700" cy="876300"/>
+            </a:xfrm>
+            <a:prstGeom prst="rect">
+              <a:avLst/>
+            </a:prstGeom>
+          </p:spPr>
+        </p:pic>
+      </p:grpSp>
+      <p:sp>
+        <p:nvSpPr>
+          <p:cNvPr id="2" name="Arrow: Pentagon 3">
+            <a:extLst>
+              <a:ext uri="{FF2B5EF4-FFF2-40B4-BE49-F238E27FC236}">
+                <a16:creationId xmlns:a16="http://schemas.microsoft.com/office/drawing/2014/main" id="{477436CE-616A-D9FE-66B6-97E83AF785E6}"/>
+              </a:ext>
+            </a:extLst>
+          </p:cNvPr>
+          <p:cNvSpPr/>
+          <p:nvPr/>
+        </p:nvSpPr>
+        <p:spPr>
+          <a:xfrm>
+            <a:off x="0" y="178295"/>
+            <a:ext cx="4975200" cy="630000"/>
+          </a:xfrm>
+          <a:prstGeom prst="homePlate">
+            <a:avLst/>
+          </a:prstGeom>
+          <a:solidFill>
+            <a:schemeClr val="bg2">
+              <a:lumMod val="25000"/>
+              <a:alpha val="85000"/>
+            </a:schemeClr>
+          </a:solidFill>
+        </p:spPr>
+        <p:style>
+          <a:lnRef idx="1">
+            <a:schemeClr val="accent3"/>
+          </a:lnRef>
+          <a:fillRef idx="3">
+            <a:schemeClr val="accent3"/>
+          </a:fillRef>
+          <a:effectRef idx="2">
+            <a:schemeClr val="accent3"/>
+          </a:effectRef>
+          <a:fontRef idx="minor">
+            <a:schemeClr val="lt1"/>
+          </a:fontRef>
+        </p:style>
+        <p:txBody>
+          <a:bodyPr rtlCol="0" anchor="ctr"/>
+          <a:lstStyle/>
+          <a:p>
+            <a:pPr algn="ctr"/>
+            <a:r>
+              <a:rPr lang="pt-BR" sz="3200" dirty="0">
+                <a:solidFill>
+                  <a:schemeClr val="bg1"/>
+                </a:solidFill>
+              </a:rPr>
+              <a:t>RESULTADOS E DISCUSSÕES</a:t>
+            </a:r>
+          </a:p>
+        </p:txBody>
+      </p:sp>
+      <p:sp>
+        <p:nvSpPr>
+          <p:cNvPr id="5" name="Arrow: Pentagon 5">
+            <a:extLst>
+              <a:ext uri="{FF2B5EF4-FFF2-40B4-BE49-F238E27FC236}">
+                <a16:creationId xmlns:a16="http://schemas.microsoft.com/office/drawing/2014/main" id="{F8B71FEA-E49E-14C7-BEB4-AF76A18D4605}"/>
+              </a:ext>
+            </a:extLst>
+          </p:cNvPr>
+          <p:cNvSpPr/>
+          <p:nvPr/>
+        </p:nvSpPr>
+        <p:spPr>
+          <a:xfrm>
+            <a:off x="0" y="698577"/>
+            <a:ext cx="3205538" cy="370852"/>
+          </a:xfrm>
+          <a:prstGeom prst="homePlate">
+            <a:avLst/>
+          </a:prstGeom>
+          <a:solidFill>
+            <a:schemeClr val="bg2">
+              <a:lumMod val="75000"/>
+            </a:schemeClr>
+          </a:solidFill>
+        </p:spPr>
+        <p:style>
+          <a:lnRef idx="1">
+            <a:schemeClr val="accent3"/>
+          </a:lnRef>
+          <a:fillRef idx="3">
+            <a:schemeClr val="accent3"/>
+          </a:fillRef>
+          <a:effectRef idx="2">
+            <a:schemeClr val="accent3"/>
+          </a:effectRef>
+          <a:fontRef idx="minor">
+            <a:schemeClr val="lt1"/>
+          </a:fontRef>
+        </p:style>
+        <p:txBody>
+          <a:bodyPr rtlCol="0" anchor="ctr"/>
+          <a:lstStyle/>
+          <a:p>
+            <a:pPr algn="ctr"/>
+            <a:r>
+              <a:rPr lang="pt-BR" sz="2400" dirty="0">
                 <a:solidFill>
                   <a:schemeClr val="bg2">
                     <a:lumMod val="25000"/>
                   </a:schemeClr>
                 </a:solidFill>
-                <a:cs typeface="Arial" panose="020B0604020202020204" pitchFamily="34" charset="0"/>
-              </a:rPr>
-              <a:t>Leitura de arquivos .</a:t>
-            </a:r>
-            <a:r>
-              <a:rPr lang="pt-BR" sz="1200" dirty="0" err="1">
+              </a:rPr>
+              <a:t>TRATATIVA DE DADOS</a:t>
+            </a:r>
+          </a:p>
+        </p:txBody>
+      </p:sp>
+      <p:grpSp>
+        <p:nvGrpSpPr>
+          <p:cNvPr id="18" name="Group 17">
+            <a:extLst>
+              <a:ext uri="{FF2B5EF4-FFF2-40B4-BE49-F238E27FC236}">
+                <a16:creationId xmlns:a16="http://schemas.microsoft.com/office/drawing/2014/main" id="{7BB858CC-44B9-74DF-FFB7-73AC19A82557}"/>
+              </a:ext>
+            </a:extLst>
+          </p:cNvPr>
+          <p:cNvGrpSpPr/>
+          <p:nvPr/>
+        </p:nvGrpSpPr>
+        <p:grpSpPr>
+          <a:xfrm>
+            <a:off x="5940434" y="178295"/>
+            <a:ext cx="6158054" cy="4386477"/>
+            <a:chOff x="5940434" y="178295"/>
+            <a:chExt cx="6158054" cy="4386477"/>
+          </a:xfrm>
+        </p:grpSpPr>
+        <p:sp>
+          <p:nvSpPr>
+            <p:cNvPr id="17" name="Rectangle 16">
+              <a:extLst>
+                <a:ext uri="{FF2B5EF4-FFF2-40B4-BE49-F238E27FC236}">
+                  <a16:creationId xmlns:a16="http://schemas.microsoft.com/office/drawing/2014/main" id="{007150D2-B936-FD7E-326C-68FCBF9E47A8}"/>
+                </a:ext>
+              </a:extLst>
+            </p:cNvPr>
+            <p:cNvSpPr/>
+            <p:nvPr/>
+          </p:nvSpPr>
+          <p:spPr>
+            <a:xfrm>
+              <a:off x="5940434" y="178295"/>
+              <a:ext cx="6158054" cy="4386477"/>
+            </a:xfrm>
+            <a:prstGeom prst="rect">
+              <a:avLst/>
+            </a:prstGeom>
+            <a:solidFill>
+              <a:srgbClr val="2C313A"/>
+            </a:solidFill>
+          </p:spPr>
+          <p:style>
+            <a:lnRef idx="2">
+              <a:schemeClr val="accent1">
+                <a:shade val="50000"/>
+              </a:schemeClr>
+            </a:lnRef>
+            <a:fillRef idx="1">
+              <a:schemeClr val="accent1"/>
+            </a:fillRef>
+            <a:effectRef idx="0">
+              <a:schemeClr val="accent1"/>
+            </a:effectRef>
+            <a:fontRef idx="minor">
+              <a:schemeClr val="lt1"/>
+            </a:fontRef>
+          </p:style>
+          <p:txBody>
+            <a:bodyPr rtlCol="0" anchor="ctr"/>
+            <a:lstStyle/>
+            <a:p>
+              <a:pPr algn="ctr"/>
+              <a:endParaRPr lang="pt-BR"/>
+            </a:p>
+          </p:txBody>
+        </p:sp>
+        <p:pic>
+          <p:nvPicPr>
+            <p:cNvPr id="11" name="Picture 10">
+              <a:extLst>
+                <a:ext uri="{FF2B5EF4-FFF2-40B4-BE49-F238E27FC236}">
+                  <a16:creationId xmlns:a16="http://schemas.microsoft.com/office/drawing/2014/main" id="{C3E96C58-D0CB-F02F-B28D-FDD3857DDDD4}"/>
+                </a:ext>
+              </a:extLst>
+            </p:cNvPr>
+            <p:cNvPicPr>
+              <a:picLocks noChangeAspect="1"/>
+            </p:cNvPicPr>
+            <p:nvPr/>
+          </p:nvPicPr>
+          <p:blipFill>
+            <a:blip r:embed="rId3"/>
+            <a:stretch>
+              <a:fillRect/>
+            </a:stretch>
+          </p:blipFill>
+          <p:spPr>
+            <a:xfrm>
+              <a:off x="5940434" y="180831"/>
+              <a:ext cx="6158054" cy="1530273"/>
+            </a:xfrm>
+            <a:prstGeom prst="rect">
+              <a:avLst/>
+            </a:prstGeom>
+          </p:spPr>
+        </p:pic>
+        <p:pic>
+          <p:nvPicPr>
+            <p:cNvPr id="16" name="Picture 15">
+              <a:extLst>
+                <a:ext uri="{FF2B5EF4-FFF2-40B4-BE49-F238E27FC236}">
+                  <a16:creationId xmlns:a16="http://schemas.microsoft.com/office/drawing/2014/main" id="{1F17886E-6BBE-C4D2-A91F-FF7603DCD5FA}"/>
+                </a:ext>
+              </a:extLst>
+            </p:cNvPr>
+            <p:cNvPicPr>
+              <a:picLocks noChangeAspect="1"/>
+            </p:cNvPicPr>
+            <p:nvPr/>
+          </p:nvPicPr>
+          <p:blipFill>
+            <a:blip r:embed="rId4"/>
+            <a:stretch>
+              <a:fillRect/>
+            </a:stretch>
+          </p:blipFill>
+          <p:spPr>
+            <a:xfrm>
+              <a:off x="5940435" y="1711104"/>
+              <a:ext cx="5032366" cy="2853668"/>
+            </a:xfrm>
+            <a:prstGeom prst="rect">
+              <a:avLst/>
+            </a:prstGeom>
+          </p:spPr>
+        </p:pic>
+      </p:grpSp>
+    </p:spTree>
+    <p:extLst>
+      <p:ext uri="{BB962C8B-B14F-4D97-AF65-F5344CB8AC3E}">
+        <p14:creationId xmlns:p14="http://schemas.microsoft.com/office/powerpoint/2010/main" val="3703064575"/>
+      </p:ext>
+    </p:extLst>
+  </p:cSld>
+  <p:clrMapOvr>
+    <a:masterClrMapping/>
+  </p:clrMapOvr>
+</p:sld>
+</file>
+
+<file path=ppt/slides/slide9.xml><?xml version="1.0" encoding="utf-8"?>
+<p:sld xmlns:a="http://schemas.openxmlformats.org/drawingml/2006/main" xmlns:r="http://schemas.openxmlformats.org/officeDocument/2006/relationships" xmlns:p="http://schemas.openxmlformats.org/presentationml/2006/main">
+  <p:cSld>
+    <p:spTree>
+      <p:nvGrpSpPr>
+        <p:cNvPr id="1" name=""/>
+        <p:cNvGrpSpPr/>
+        <p:nvPr/>
+      </p:nvGrpSpPr>
+      <p:grpSpPr>
+        <a:xfrm>
+          <a:off x="0" y="0"/>
+          <a:ext cx="0" cy="0"/>
+          <a:chOff x="0" y="0"/>
+          <a:chExt cx="0" cy="0"/>
+        </a:xfrm>
+      </p:grpSpPr>
+      <p:grpSp>
+        <p:nvGrpSpPr>
+          <p:cNvPr id="7" name="Group 6">
+            <a:extLst>
+              <a:ext uri="{FF2B5EF4-FFF2-40B4-BE49-F238E27FC236}">
+                <a16:creationId xmlns:a16="http://schemas.microsoft.com/office/drawing/2014/main" id="{4ACDFF65-0EBC-8475-8C18-DFEA1E72E42C}"/>
+              </a:ext>
+            </a:extLst>
+          </p:cNvPr>
+          <p:cNvGrpSpPr/>
+          <p:nvPr/>
+        </p:nvGrpSpPr>
+        <p:grpSpPr>
+          <a:xfrm>
+            <a:off x="197052" y="2513710"/>
+            <a:ext cx="11797896" cy="3420946"/>
+            <a:chOff x="197052" y="2374858"/>
+            <a:chExt cx="11797896" cy="3420946"/>
+          </a:xfrm>
+        </p:grpSpPr>
+        <p:pic>
+          <p:nvPicPr>
+            <p:cNvPr id="9" name="Imagem 8" descr="Gráfico, Gráfico de barras&#10;&#10;Descrição gerada automaticamente">
+              <a:extLst>
+                <a:ext uri="{FF2B5EF4-FFF2-40B4-BE49-F238E27FC236}">
+                  <a16:creationId xmlns:a16="http://schemas.microsoft.com/office/drawing/2014/main" id="{0444EBEB-4912-C295-A549-4F7E3FAA591D}"/>
+                </a:ext>
+              </a:extLst>
+            </p:cNvPr>
+            <p:cNvPicPr>
+              <a:picLocks noChangeAspect="1"/>
+            </p:cNvPicPr>
+            <p:nvPr/>
+          </p:nvPicPr>
+          <p:blipFill>
+            <a:blip r:embed="rId2">
+              <a:extLst>
+                <a:ext uri="{28A0092B-C50C-407E-A947-70E740481C1C}">
+                  <a14:useLocalDpi xmlns:a14="http://schemas.microsoft.com/office/drawing/2010/main" val="0"/>
+                </a:ext>
+              </a:extLst>
+            </a:blip>
+            <a:stretch>
+              <a:fillRect/>
+            </a:stretch>
+          </p:blipFill>
+          <p:spPr>
+            <a:xfrm>
+              <a:off x="197052" y="2685721"/>
+              <a:ext cx="5671986" cy="3110083"/>
+            </a:xfrm>
+            <a:prstGeom prst="rect">
+              <a:avLst/>
+            </a:prstGeom>
+          </p:spPr>
+        </p:pic>
+        <p:pic>
+          <p:nvPicPr>
+            <p:cNvPr id="11" name="Imagem 10" descr="Gráfico, Gráfico de barras&#10;&#10;Descrição gerada automaticamente">
+              <a:extLst>
+                <a:ext uri="{FF2B5EF4-FFF2-40B4-BE49-F238E27FC236}">
+                  <a16:creationId xmlns:a16="http://schemas.microsoft.com/office/drawing/2014/main" id="{ED3C1984-94CC-9985-27F9-04D6B2BEE1DC}"/>
+                </a:ext>
+              </a:extLst>
+            </p:cNvPr>
+            <p:cNvPicPr>
+              <a:picLocks noChangeAspect="1"/>
+            </p:cNvPicPr>
+            <p:nvPr/>
+          </p:nvPicPr>
+          <p:blipFill>
+            <a:blip r:embed="rId3">
+              <a:extLst>
+                <a:ext uri="{28A0092B-C50C-407E-A947-70E740481C1C}">
+                  <a14:useLocalDpi xmlns:a14="http://schemas.microsoft.com/office/drawing/2010/main" val="0"/>
+                </a:ext>
+              </a:extLst>
+            </a:blip>
+            <a:stretch>
+              <a:fillRect/>
+            </a:stretch>
+          </p:blipFill>
+          <p:spPr>
+            <a:xfrm>
+              <a:off x="6334150" y="2685721"/>
+              <a:ext cx="5660798" cy="3110083"/>
+            </a:xfrm>
+            <a:prstGeom prst="rect">
+              <a:avLst/>
+            </a:prstGeom>
+          </p:spPr>
+        </p:pic>
+        <p:sp>
+          <p:nvSpPr>
+            <p:cNvPr id="12" name="Espaço Reservado para Conteúdo 2">
+              <a:extLst>
+                <a:ext uri="{FF2B5EF4-FFF2-40B4-BE49-F238E27FC236}">
+                  <a16:creationId xmlns:a16="http://schemas.microsoft.com/office/drawing/2014/main" id="{607A63FA-6DE4-6B2E-65B7-120513DDBAA2}"/>
+                </a:ext>
+              </a:extLst>
+            </p:cNvPr>
+            <p:cNvSpPr txBox="1">
+              <a:spLocks/>
+            </p:cNvSpPr>
+            <p:nvPr/>
+          </p:nvSpPr>
+          <p:spPr>
+            <a:xfrm>
+              <a:off x="1262836" y="2374858"/>
+              <a:ext cx="4053025" cy="310863"/>
+            </a:xfrm>
+            <a:prstGeom prst="rect">
+              <a:avLst/>
+            </a:prstGeom>
+          </p:spPr>
+          <p:txBody>
+            <a:bodyPr vert="horz" lIns="91440" tIns="45720" rIns="91440" bIns="45720" rtlCol="0">
+              <a:normAutofit lnSpcReduction="10000"/>
+            </a:bodyPr>
+            <a:lstStyle>
+              <a:lvl1pPr marL="228600" indent="-228600" algn="l" defTabSz="914400" rtl="0" eaLnBrk="1" latinLnBrk="0" hangingPunct="1">
+                <a:lnSpc>
+                  <a:spcPct val="90000"/>
+                </a:lnSpc>
+                <a:spcBef>
+                  <a:spcPts val="1000"/>
+                </a:spcBef>
+                <a:buFont typeface="Arial" panose="020B0604020202020204" pitchFamily="34" charset="0"/>
+                <a:buChar char="•"/>
+                <a:defRPr sz="2800" kern="1200">
+                  <a:solidFill>
+                    <a:schemeClr val="tx1"/>
+                  </a:solidFill>
+                  <a:latin typeface="+mn-lt"/>
+                  <a:ea typeface="+mn-ea"/>
+                  <a:cs typeface="+mn-cs"/>
+                </a:defRPr>
+              </a:lvl1pPr>
+              <a:lvl2pPr marL="685800" indent="-228600" algn="l" defTabSz="914400" rtl="0" eaLnBrk="1" latinLnBrk="0" hangingPunct="1">
+                <a:lnSpc>
+                  <a:spcPct val="90000"/>
+                </a:lnSpc>
+                <a:spcBef>
+                  <a:spcPts val="500"/>
+                </a:spcBef>
+                <a:buFont typeface="Arial" panose="020B0604020202020204" pitchFamily="34" charset="0"/>
+                <a:buChar char="•"/>
+                <a:defRPr sz="2400" kern="1200">
+                  <a:solidFill>
+                    <a:schemeClr val="tx1"/>
+                  </a:solidFill>
+                  <a:latin typeface="+mn-lt"/>
+                  <a:ea typeface="+mn-ea"/>
+                  <a:cs typeface="+mn-cs"/>
+                </a:defRPr>
+              </a:lvl2pPr>
+              <a:lvl3pPr marL="1143000" indent="-228600" algn="l" defTabSz="914400" rtl="0" eaLnBrk="1" latinLnBrk="0" hangingPunct="1">
+                <a:lnSpc>
+                  <a:spcPct val="90000"/>
+                </a:lnSpc>
+                <a:spcBef>
+                  <a:spcPts val="500"/>
+                </a:spcBef>
+                <a:buFont typeface="Arial" panose="020B0604020202020204" pitchFamily="34" charset="0"/>
+                <a:buChar char="•"/>
+                <a:defRPr sz="2000" kern="1200">
+                  <a:solidFill>
+                    <a:schemeClr val="tx1"/>
+                  </a:solidFill>
+                  <a:latin typeface="+mn-lt"/>
+                  <a:ea typeface="+mn-ea"/>
+                  <a:cs typeface="+mn-cs"/>
+                </a:defRPr>
+              </a:lvl3pPr>
+              <a:lvl4pPr marL="1600200" indent="-228600" algn="l" defTabSz="914400" rtl="0" eaLnBrk="1" latinLnBrk="0" hangingPunct="1">
+                <a:lnSpc>
+                  <a:spcPct val="90000"/>
+                </a:lnSpc>
+                <a:spcBef>
+                  <a:spcPts val="500"/>
+                </a:spcBef>
+                <a:buFont typeface="Arial" panose="020B0604020202020204" pitchFamily="34" charset="0"/>
+                <a:buChar char="•"/>
+                <a:defRPr sz="1800" kern="1200">
+                  <a:solidFill>
+                    <a:schemeClr val="tx1"/>
+                  </a:solidFill>
+                  <a:latin typeface="+mn-lt"/>
+                  <a:ea typeface="+mn-ea"/>
+                  <a:cs typeface="+mn-cs"/>
+                </a:defRPr>
+              </a:lvl4pPr>
+              <a:lvl5pPr marL="2057400" indent="-228600" algn="l" defTabSz="914400" rtl="0" eaLnBrk="1" latinLnBrk="0" hangingPunct="1">
+                <a:lnSpc>
+                  <a:spcPct val="90000"/>
+                </a:lnSpc>
+                <a:spcBef>
+                  <a:spcPts val="500"/>
+                </a:spcBef>
+                <a:buFont typeface="Arial" panose="020B0604020202020204" pitchFamily="34" charset="0"/>
+                <a:buChar char="•"/>
+                <a:defRPr sz="1800" kern="1200">
+                  <a:solidFill>
+                    <a:schemeClr val="tx1"/>
+                  </a:solidFill>
+                  <a:latin typeface="+mn-lt"/>
+                  <a:ea typeface="+mn-ea"/>
+                  <a:cs typeface="+mn-cs"/>
+                </a:defRPr>
+              </a:lvl5pPr>
+              <a:lvl6pPr marL="2514600" indent="-228600" algn="l" defTabSz="914400" rtl="0" eaLnBrk="1" latinLnBrk="0" hangingPunct="1">
+                <a:lnSpc>
+                  <a:spcPct val="90000"/>
+                </a:lnSpc>
+                <a:spcBef>
+                  <a:spcPts val="500"/>
+                </a:spcBef>
+                <a:buFont typeface="Arial" panose="020B0604020202020204" pitchFamily="34" charset="0"/>
+                <a:buChar char="•"/>
+                <a:defRPr sz="1800" kern="1200">
+                  <a:solidFill>
+                    <a:schemeClr val="tx1"/>
+                  </a:solidFill>
+                  <a:latin typeface="+mn-lt"/>
+                  <a:ea typeface="+mn-ea"/>
+                  <a:cs typeface="+mn-cs"/>
+                </a:defRPr>
+              </a:lvl6pPr>
+              <a:lvl7pPr marL="2971800" indent="-228600" algn="l" defTabSz="914400" rtl="0" eaLnBrk="1" latinLnBrk="0" hangingPunct="1">
+                <a:lnSpc>
+                  <a:spcPct val="90000"/>
+                </a:lnSpc>
+                <a:spcBef>
+                  <a:spcPts val="500"/>
+                </a:spcBef>
+                <a:buFont typeface="Arial" panose="020B0604020202020204" pitchFamily="34" charset="0"/>
+                <a:buChar char="•"/>
+                <a:defRPr sz="1800" kern="1200">
+                  <a:solidFill>
+                    <a:schemeClr val="tx1"/>
+                  </a:solidFill>
+                  <a:latin typeface="+mn-lt"/>
+                  <a:ea typeface="+mn-ea"/>
+                  <a:cs typeface="+mn-cs"/>
+                </a:defRPr>
+              </a:lvl7pPr>
+              <a:lvl8pPr marL="3429000" indent="-228600" algn="l" defTabSz="914400" rtl="0" eaLnBrk="1" latinLnBrk="0" hangingPunct="1">
+                <a:lnSpc>
+                  <a:spcPct val="90000"/>
+                </a:lnSpc>
+                <a:spcBef>
+                  <a:spcPts val="500"/>
+                </a:spcBef>
+                <a:buFont typeface="Arial" panose="020B0604020202020204" pitchFamily="34" charset="0"/>
+                <a:buChar char="•"/>
+                <a:defRPr sz="1800" kern="1200">
+                  <a:solidFill>
+                    <a:schemeClr val="tx1"/>
+                  </a:solidFill>
+                  <a:latin typeface="+mn-lt"/>
+                  <a:ea typeface="+mn-ea"/>
+                  <a:cs typeface="+mn-cs"/>
+                </a:defRPr>
+              </a:lvl8pPr>
+              <a:lvl9pPr marL="3886200" indent="-228600" algn="l" defTabSz="914400" rtl="0" eaLnBrk="1" latinLnBrk="0" hangingPunct="1">
+                <a:lnSpc>
+                  <a:spcPct val="90000"/>
+                </a:lnSpc>
+                <a:spcBef>
+                  <a:spcPts val="500"/>
+                </a:spcBef>
+                <a:buFont typeface="Arial" panose="020B0604020202020204" pitchFamily="34" charset="0"/>
+                <a:buChar char="•"/>
+                <a:defRPr sz="1800" kern="1200">
+                  <a:solidFill>
+                    <a:schemeClr val="tx1"/>
+                  </a:solidFill>
+                  <a:latin typeface="+mn-lt"/>
+                  <a:ea typeface="+mn-ea"/>
+                  <a:cs typeface="+mn-cs"/>
+                </a:defRPr>
+              </a:lvl9pPr>
+            </a:lstStyle>
+            <a:p>
+              <a:pPr marL="0" indent="0" algn="ctr">
+                <a:buNone/>
+              </a:pPr>
+              <a:r>
+                <a:rPr lang="pt-BR" sz="1600" b="1" dirty="0">
+                  <a:solidFill>
+                    <a:schemeClr val="bg2">
+                      <a:lumMod val="25000"/>
+                    </a:schemeClr>
+                  </a:solidFill>
+                  <a:cs typeface="Arial" panose="020B0604020202020204" pitchFamily="34" charset="0"/>
+                </a:rPr>
+                <a:t>COM A APLICAÇÃO DE PRÉ-PROCESSAMENTO</a:t>
+              </a:r>
+            </a:p>
+          </p:txBody>
+        </p:sp>
+        <p:sp>
+          <p:nvSpPr>
+            <p:cNvPr id="13" name="Espaço Reservado para Conteúdo 2">
+              <a:extLst>
+                <a:ext uri="{FF2B5EF4-FFF2-40B4-BE49-F238E27FC236}">
+                  <a16:creationId xmlns:a16="http://schemas.microsoft.com/office/drawing/2014/main" id="{344D3FBE-9B4D-FD81-4FD9-442F8C1867AA}"/>
+                </a:ext>
+              </a:extLst>
+            </p:cNvPr>
+            <p:cNvSpPr txBox="1">
+              <a:spLocks/>
+            </p:cNvSpPr>
+            <p:nvPr/>
+          </p:nvSpPr>
+          <p:spPr>
+            <a:xfrm>
+              <a:off x="7438492" y="2374858"/>
+              <a:ext cx="4053025" cy="310863"/>
+            </a:xfrm>
+            <a:prstGeom prst="rect">
+              <a:avLst/>
+            </a:prstGeom>
+          </p:spPr>
+          <p:txBody>
+            <a:bodyPr vert="horz" lIns="91440" tIns="45720" rIns="91440" bIns="45720" rtlCol="0">
+              <a:normAutofit lnSpcReduction="10000"/>
+            </a:bodyPr>
+            <a:lstStyle>
+              <a:lvl1pPr marL="228600" indent="-228600" algn="l" defTabSz="914400" rtl="0" eaLnBrk="1" latinLnBrk="0" hangingPunct="1">
+                <a:lnSpc>
+                  <a:spcPct val="90000"/>
+                </a:lnSpc>
+                <a:spcBef>
+                  <a:spcPts val="1000"/>
+                </a:spcBef>
+                <a:buFont typeface="Arial" panose="020B0604020202020204" pitchFamily="34" charset="0"/>
+                <a:buChar char="•"/>
+                <a:defRPr sz="2800" kern="1200">
+                  <a:solidFill>
+                    <a:schemeClr val="tx1"/>
+                  </a:solidFill>
+                  <a:latin typeface="+mn-lt"/>
+                  <a:ea typeface="+mn-ea"/>
+                  <a:cs typeface="+mn-cs"/>
+                </a:defRPr>
+              </a:lvl1pPr>
+              <a:lvl2pPr marL="685800" indent="-228600" algn="l" defTabSz="914400" rtl="0" eaLnBrk="1" latinLnBrk="0" hangingPunct="1">
+                <a:lnSpc>
+                  <a:spcPct val="90000"/>
+                </a:lnSpc>
+                <a:spcBef>
+                  <a:spcPts val="500"/>
+                </a:spcBef>
+                <a:buFont typeface="Arial" panose="020B0604020202020204" pitchFamily="34" charset="0"/>
+                <a:buChar char="•"/>
+                <a:defRPr sz="2400" kern="1200">
+                  <a:solidFill>
+                    <a:schemeClr val="tx1"/>
+                  </a:solidFill>
+                  <a:latin typeface="+mn-lt"/>
+                  <a:ea typeface="+mn-ea"/>
+                  <a:cs typeface="+mn-cs"/>
+                </a:defRPr>
+              </a:lvl2pPr>
+              <a:lvl3pPr marL="1143000" indent="-228600" algn="l" defTabSz="914400" rtl="0" eaLnBrk="1" latinLnBrk="0" hangingPunct="1">
+                <a:lnSpc>
+                  <a:spcPct val="90000"/>
+                </a:lnSpc>
+                <a:spcBef>
+                  <a:spcPts val="500"/>
+                </a:spcBef>
+                <a:buFont typeface="Arial" panose="020B0604020202020204" pitchFamily="34" charset="0"/>
+                <a:buChar char="•"/>
+                <a:defRPr sz="2000" kern="1200">
+                  <a:solidFill>
+                    <a:schemeClr val="tx1"/>
+                  </a:solidFill>
+                  <a:latin typeface="+mn-lt"/>
+                  <a:ea typeface="+mn-ea"/>
+                  <a:cs typeface="+mn-cs"/>
+                </a:defRPr>
+              </a:lvl3pPr>
+              <a:lvl4pPr marL="1600200" indent="-228600" algn="l" defTabSz="914400" rtl="0" eaLnBrk="1" latinLnBrk="0" hangingPunct="1">
+                <a:lnSpc>
+                  <a:spcPct val="90000"/>
+                </a:lnSpc>
+                <a:spcBef>
+                  <a:spcPts val="500"/>
+                </a:spcBef>
+                <a:buFont typeface="Arial" panose="020B0604020202020204" pitchFamily="34" charset="0"/>
+                <a:buChar char="•"/>
+                <a:defRPr sz="1800" kern="1200">
+                  <a:solidFill>
+                    <a:schemeClr val="tx1"/>
+                  </a:solidFill>
+                  <a:latin typeface="+mn-lt"/>
+                  <a:ea typeface="+mn-ea"/>
+                  <a:cs typeface="+mn-cs"/>
+                </a:defRPr>
+              </a:lvl4pPr>
+              <a:lvl5pPr marL="2057400" indent="-228600" algn="l" defTabSz="914400" rtl="0" eaLnBrk="1" latinLnBrk="0" hangingPunct="1">
+                <a:lnSpc>
+                  <a:spcPct val="90000"/>
+                </a:lnSpc>
+                <a:spcBef>
+                  <a:spcPts val="500"/>
+                </a:spcBef>
+                <a:buFont typeface="Arial" panose="020B0604020202020204" pitchFamily="34" charset="0"/>
+                <a:buChar char="•"/>
+                <a:defRPr sz="1800" kern="1200">
+                  <a:solidFill>
+                    <a:schemeClr val="tx1"/>
+                  </a:solidFill>
+                  <a:latin typeface="+mn-lt"/>
+                  <a:ea typeface="+mn-ea"/>
+                  <a:cs typeface="+mn-cs"/>
+                </a:defRPr>
+              </a:lvl5pPr>
+              <a:lvl6pPr marL="2514600" indent="-228600" algn="l" defTabSz="914400" rtl="0" eaLnBrk="1" latinLnBrk="0" hangingPunct="1">
+                <a:lnSpc>
+                  <a:spcPct val="90000"/>
+                </a:lnSpc>
+                <a:spcBef>
+                  <a:spcPts val="500"/>
+                </a:spcBef>
+                <a:buFont typeface="Arial" panose="020B0604020202020204" pitchFamily="34" charset="0"/>
+                <a:buChar char="•"/>
+                <a:defRPr sz="1800" kern="1200">
+                  <a:solidFill>
+                    <a:schemeClr val="tx1"/>
+                  </a:solidFill>
+                  <a:latin typeface="+mn-lt"/>
+                  <a:ea typeface="+mn-ea"/>
+                  <a:cs typeface="+mn-cs"/>
+                </a:defRPr>
+              </a:lvl6pPr>
+              <a:lvl7pPr marL="2971800" indent="-228600" algn="l" defTabSz="914400" rtl="0" eaLnBrk="1" latinLnBrk="0" hangingPunct="1">
+                <a:lnSpc>
+                  <a:spcPct val="90000"/>
+                </a:lnSpc>
+                <a:spcBef>
+                  <a:spcPts val="500"/>
+                </a:spcBef>
+                <a:buFont typeface="Arial" panose="020B0604020202020204" pitchFamily="34" charset="0"/>
+                <a:buChar char="•"/>
+                <a:defRPr sz="1800" kern="1200">
+                  <a:solidFill>
+                    <a:schemeClr val="tx1"/>
+                  </a:solidFill>
+                  <a:latin typeface="+mn-lt"/>
+                  <a:ea typeface="+mn-ea"/>
+                  <a:cs typeface="+mn-cs"/>
+                </a:defRPr>
+              </a:lvl7pPr>
+              <a:lvl8pPr marL="3429000" indent="-228600" algn="l" defTabSz="914400" rtl="0" eaLnBrk="1" latinLnBrk="0" hangingPunct="1">
+                <a:lnSpc>
+                  <a:spcPct val="90000"/>
+                </a:lnSpc>
+                <a:spcBef>
+                  <a:spcPts val="500"/>
+                </a:spcBef>
+                <a:buFont typeface="Arial" panose="020B0604020202020204" pitchFamily="34" charset="0"/>
+                <a:buChar char="•"/>
+                <a:defRPr sz="1800" kern="1200">
+                  <a:solidFill>
+                    <a:schemeClr val="tx1"/>
+                  </a:solidFill>
+                  <a:latin typeface="+mn-lt"/>
+                  <a:ea typeface="+mn-ea"/>
+                  <a:cs typeface="+mn-cs"/>
+                </a:defRPr>
+              </a:lvl8pPr>
+              <a:lvl9pPr marL="3886200" indent="-228600" algn="l" defTabSz="914400" rtl="0" eaLnBrk="1" latinLnBrk="0" hangingPunct="1">
+                <a:lnSpc>
+                  <a:spcPct val="90000"/>
+                </a:lnSpc>
+                <a:spcBef>
+                  <a:spcPts val="500"/>
+                </a:spcBef>
+                <a:buFont typeface="Arial" panose="020B0604020202020204" pitchFamily="34" charset="0"/>
+                <a:buChar char="•"/>
+                <a:defRPr sz="1800" kern="1200">
+                  <a:solidFill>
+                    <a:schemeClr val="tx1"/>
+                  </a:solidFill>
+                  <a:latin typeface="+mn-lt"/>
+                  <a:ea typeface="+mn-ea"/>
+                  <a:cs typeface="+mn-cs"/>
+                </a:defRPr>
+              </a:lvl9pPr>
+            </a:lstStyle>
+            <a:p>
+              <a:pPr marL="0" indent="0" algn="ctr">
+                <a:buNone/>
+              </a:pPr>
+              <a:r>
+                <a:rPr lang="pt-BR" sz="1600" b="1" dirty="0">
+                  <a:solidFill>
+                    <a:schemeClr val="bg2">
+                      <a:lumMod val="25000"/>
+                    </a:schemeClr>
+                  </a:solidFill>
+                  <a:cs typeface="Arial" panose="020B0604020202020204" pitchFamily="34" charset="0"/>
+                </a:rPr>
+                <a:t>SEM A APLICAÇÃO DE PRÉ-PROCESSAMENTO</a:t>
+              </a:r>
+            </a:p>
+          </p:txBody>
+        </p:sp>
+      </p:grpSp>
+      <p:sp>
+        <p:nvSpPr>
+          <p:cNvPr id="2" name="Arrow: Pentagon 3">
+            <a:extLst>
+              <a:ext uri="{FF2B5EF4-FFF2-40B4-BE49-F238E27FC236}">
+                <a16:creationId xmlns:a16="http://schemas.microsoft.com/office/drawing/2014/main" id="{C4EBEC0F-F874-B8A7-95B1-D8CA536072C8}"/>
+              </a:ext>
+            </a:extLst>
+          </p:cNvPr>
+          <p:cNvSpPr/>
+          <p:nvPr/>
+        </p:nvSpPr>
+        <p:spPr>
+          <a:xfrm>
+            <a:off x="0" y="178295"/>
+            <a:ext cx="4975200" cy="630000"/>
+          </a:xfrm>
+          <a:prstGeom prst="homePlate">
+            <a:avLst/>
+          </a:prstGeom>
+          <a:solidFill>
+            <a:schemeClr val="bg2">
+              <a:lumMod val="25000"/>
+              <a:alpha val="85000"/>
+            </a:schemeClr>
+          </a:solidFill>
+        </p:spPr>
+        <p:style>
+          <a:lnRef idx="1">
+            <a:schemeClr val="accent3"/>
+          </a:lnRef>
+          <a:fillRef idx="3">
+            <a:schemeClr val="accent3"/>
+          </a:fillRef>
+          <a:effectRef idx="2">
+            <a:schemeClr val="accent3"/>
+          </a:effectRef>
+          <a:fontRef idx="minor">
+            <a:schemeClr val="lt1"/>
+          </a:fontRef>
+        </p:style>
+        <p:txBody>
+          <a:bodyPr rtlCol="0" anchor="ctr"/>
+          <a:lstStyle/>
+          <a:p>
+            <a:pPr algn="ctr"/>
+            <a:r>
+              <a:rPr lang="pt-BR" sz="3200" dirty="0">
+                <a:solidFill>
+                  <a:schemeClr val="bg1"/>
+                </a:solidFill>
+              </a:rPr>
+              <a:t>RESULTADOS E DISCUSSÕES</a:t>
+            </a:r>
+          </a:p>
+        </p:txBody>
+      </p:sp>
+      <p:sp>
+        <p:nvSpPr>
+          <p:cNvPr id="3" name="Arrow: Pentagon 5">
+            <a:extLst>
+              <a:ext uri="{FF2B5EF4-FFF2-40B4-BE49-F238E27FC236}">
+                <a16:creationId xmlns:a16="http://schemas.microsoft.com/office/drawing/2014/main" id="{7A7CC052-5685-5F75-9C9F-D732484B1FFC}"/>
+              </a:ext>
+            </a:extLst>
+          </p:cNvPr>
+          <p:cNvSpPr/>
+          <p:nvPr/>
+        </p:nvSpPr>
+        <p:spPr>
+          <a:xfrm>
+            <a:off x="0" y="691344"/>
+            <a:ext cx="3205538" cy="370852"/>
+          </a:xfrm>
+          <a:prstGeom prst="homePlate">
+            <a:avLst/>
+          </a:prstGeom>
+          <a:solidFill>
+            <a:schemeClr val="bg2">
+              <a:lumMod val="75000"/>
+            </a:schemeClr>
+          </a:solidFill>
+        </p:spPr>
+        <p:style>
+          <a:lnRef idx="1">
+            <a:schemeClr val="accent3"/>
+          </a:lnRef>
+          <a:fillRef idx="3">
+            <a:schemeClr val="accent3"/>
+          </a:fillRef>
+          <a:effectRef idx="2">
+            <a:schemeClr val="accent3"/>
+          </a:effectRef>
+          <a:fontRef idx="minor">
+            <a:schemeClr val="lt1"/>
+          </a:fontRef>
+        </p:style>
+        <p:txBody>
+          <a:bodyPr rtlCol="0" anchor="ctr"/>
+          <a:lstStyle/>
+          <a:p>
+            <a:pPr algn="ctr"/>
+            <a:r>
+              <a:rPr lang="pt-BR" sz="2000" dirty="0">
                 <a:solidFill>
                   <a:schemeClr val="bg2">
                     <a:lumMod val="25000"/>
                   </a:schemeClr>
                 </a:solidFill>
-                <a:cs typeface="Arial" panose="020B0604020202020204" pitchFamily="34" charset="0"/>
-              </a:rPr>
-              <a:t>txt</a:t>
-            </a:r>
-            <a:r>
-              <a:rPr lang="pt-BR" sz="1200" dirty="0">
-                <a:solidFill>
-                  <a:schemeClr val="bg2">
-                    <a:lumMod val="25000"/>
-                  </a:schemeClr>
-                </a:solidFill>
-                <a:cs typeface="Arial" panose="020B0604020202020204" pitchFamily="34" charset="0"/>
-              </a:rPr>
-              <a:t> armazenados no Google Drive</a:t>
-            </a:r>
-            <a:br>
-              <a:rPr lang="pt-BR" sz="1200" dirty="0">
-                <a:solidFill>
-                  <a:schemeClr val="bg2">
-                    <a:lumMod val="25000"/>
-                  </a:schemeClr>
-                </a:solidFill>
-                <a:cs typeface="Arial" panose="020B0604020202020204" pitchFamily="34" charset="0"/>
-              </a:rPr>
-            </a:br>
-            <a:r>
-              <a:rPr lang="pt-BR" sz="1200" b="1" dirty="0">
-                <a:solidFill>
-                  <a:schemeClr val="bg2">
-                    <a:lumMod val="25000"/>
-                  </a:schemeClr>
-                </a:solidFill>
-                <a:cs typeface="Arial" panose="020B0604020202020204" pitchFamily="34" charset="0"/>
-              </a:rPr>
-              <a:t>Fonte: Resultados originais da pesquisa </a:t>
+              </a:rPr>
+              <a:t>VISUALIZAÇÃO DE DADOS</a:t>
             </a:r>
           </a:p>
         </p:txBody>
       </p:sp>
       <p:pic>
         <p:nvPicPr>
-          <p:cNvPr id="19" name="Espaço Reservado para Conteúdo 18" descr="Interface gráfica do usuário, Texto, Aplicativo&#10;&#10;Descrição gerada automaticamente">
+          <p:cNvPr id="5" name="Imagem 8" descr="Tabela&#10;&#10;Descrição gerada automaticamente com confiança média">
             <a:extLst>
               <a:ext uri="{FF2B5EF4-FFF2-40B4-BE49-F238E27FC236}">
-                <a16:creationId xmlns:a16="http://schemas.microsoft.com/office/drawing/2014/main" id="{D96DFF99-8B78-7F65-EDFA-331910C21FB4}"/>
+                <a16:creationId xmlns:a16="http://schemas.microsoft.com/office/drawing/2014/main" id="{5CC061DC-1CB2-FDEA-1F1C-A182AC56CAF6}"/>
               </a:ext>
             </a:extLst>
           </p:cNvPr>
           <p:cNvPicPr>
-            <a:picLocks noGrp="1" noChangeAspect="1"/>
+            <a:picLocks noChangeAspect="1"/>
           </p:cNvPicPr>
-          <p:nvPr>
-            <p:ph sz="half" idx="2"/>
-          </p:nvPr>
+          <p:nvPr/>
         </p:nvPicPr>
         <p:blipFill>
-          <a:blip r:embed="rId2">
+          <a:blip r:embed="rId4">
             <a:extLst>
               <a:ext uri="{28A0092B-C50C-407E-A947-70E740481C1C}">
                 <a14:useLocalDpi xmlns:a14="http://schemas.microsoft.com/office/drawing/2010/main" val="0"/>
@@ -9626,41 +11656,8 @@
         </p:blipFill>
         <p:spPr>
           <a:xfrm>
-            <a:off x="220710" y="2587392"/>
-            <a:ext cx="5603622" cy="2751110"/>
-          </a:xfrm>
-        </p:spPr>
-      </p:pic>
-      <p:pic>
-        <p:nvPicPr>
-          <p:cNvPr id="26" name="Imagem 25" descr="Texto&#10;&#10;Descrição gerada automaticamente com confiança média">
-            <a:extLst>
-              <a:ext uri="{FF2B5EF4-FFF2-40B4-BE49-F238E27FC236}">
-                <a16:creationId xmlns:a16="http://schemas.microsoft.com/office/drawing/2014/main" id="{2663AA25-7416-4E6E-E7F7-E29933F158A5}"/>
-              </a:ext>
-            </a:extLst>
-          </p:cNvPr>
-          <p:cNvPicPr>
-            <a:picLocks noChangeAspect="1"/>
-          </p:cNvPicPr>
-          <p:nvPr/>
-        </p:nvPicPr>
-        <p:blipFill>
-          <a:blip r:embed="rId3">
-            <a:extLst>
-              <a:ext uri="{28A0092B-C50C-407E-A947-70E740481C1C}">
-                <a14:useLocalDpi xmlns:a14="http://schemas.microsoft.com/office/drawing/2010/main" val="0"/>
-              </a:ext>
-            </a:extLst>
-          </a:blip>
-          <a:stretch>
-            <a:fillRect/>
-          </a:stretch>
-        </p:blipFill>
-        <p:spPr>
-          <a:xfrm>
-            <a:off x="6096000" y="2587392"/>
-            <a:ext cx="5981700" cy="1054100"/>
+            <a:off x="6334150" y="127325"/>
+            <a:ext cx="5743551" cy="1390159"/>
           </a:xfrm>
           <a:prstGeom prst="rect">
             <a:avLst/>
@@ -9669,10 +11666,10 @@
       </p:pic>
       <p:sp>
         <p:nvSpPr>
-          <p:cNvPr id="27" name="Espaço Reservado para Conteúdo 2">
+          <p:cNvPr id="6" name="Espaço Reservado para Conteúdo 2">
             <a:extLst>
               <a:ext uri="{FF2B5EF4-FFF2-40B4-BE49-F238E27FC236}">
-                <a16:creationId xmlns:a16="http://schemas.microsoft.com/office/drawing/2014/main" id="{9DE381F3-DF21-E88C-6E9D-29A81845FC7C}"/>
+                <a16:creationId xmlns:a16="http://schemas.microsoft.com/office/drawing/2014/main" id="{37BB73EE-CA78-6CFE-3D71-BD104E04F60F}"/>
               </a:ext>
             </a:extLst>
           </p:cNvPr>
@@ -9683,8 +11680,8 @@
         </p:nvSpPr>
         <p:spPr>
           <a:xfrm>
-            <a:off x="6096000" y="3669858"/>
-            <a:ext cx="5603622" cy="719897"/>
+            <a:off x="6334149" y="1517484"/>
+            <a:ext cx="5743551" cy="783154"/>
           </a:xfrm>
           <a:prstGeom prst="rect">
             <a:avLst/>
@@ -9802,7 +11799,7 @@
           <a:p>
             <a:r>
               <a:rPr lang="pt-BR" sz="1200" dirty="0"/>
-              <a:t>“Print” de uma parte do livro Harry Potter e a Pedra Filosofal sem nenhuma aplicação de pré-processamento </a:t>
+              <a:t>Output gerado após o processamento textual do livro Harry Potter e a Pedra Filosofal, limitado a cinco palavras que mais se repete, onde é possível representar a diferença das informações não tratadas e a aplicação do pré-processamento. </a:t>
             </a:r>
             <a:br>
               <a:rPr lang="pt-BR" sz="1200" dirty="0"/>
@@ -9810,1551 +11807,6 @@
             <a:r>
               <a:rPr lang="pt-BR" sz="1200" b="1" dirty="0"/>
               <a:t>Fonte: Resultados originais da pesquisa </a:t>
-            </a:r>
-          </a:p>
-        </p:txBody>
-      </p:sp>
-      <p:sp>
-        <p:nvSpPr>
-          <p:cNvPr id="2" name="Arrow: Pentagon 3">
-            <a:extLst>
-              <a:ext uri="{FF2B5EF4-FFF2-40B4-BE49-F238E27FC236}">
-                <a16:creationId xmlns:a16="http://schemas.microsoft.com/office/drawing/2014/main" id="{5EE99520-5449-9635-A24B-BA96A7433DD3}"/>
-              </a:ext>
-            </a:extLst>
-          </p:cNvPr>
-          <p:cNvSpPr/>
-          <p:nvPr/>
-        </p:nvSpPr>
-        <p:spPr>
-          <a:xfrm>
-            <a:off x="-1" y="383391"/>
-            <a:ext cx="4975200" cy="630000"/>
-          </a:xfrm>
-          <a:prstGeom prst="homePlate">
-            <a:avLst/>
-          </a:prstGeom>
-          <a:solidFill>
-            <a:schemeClr val="bg2">
-              <a:lumMod val="25000"/>
-              <a:alpha val="85000"/>
-            </a:schemeClr>
-          </a:solidFill>
-        </p:spPr>
-        <p:style>
-          <a:lnRef idx="1">
-            <a:schemeClr val="accent3"/>
-          </a:lnRef>
-          <a:fillRef idx="3">
-            <a:schemeClr val="accent3"/>
-          </a:fillRef>
-          <a:effectRef idx="2">
-            <a:schemeClr val="accent3"/>
-          </a:effectRef>
-          <a:fontRef idx="minor">
-            <a:schemeClr val="lt1"/>
-          </a:fontRef>
-        </p:style>
-        <p:txBody>
-          <a:bodyPr rtlCol="0" anchor="ctr"/>
-          <a:lstStyle/>
-          <a:p>
-            <a:pPr algn="ctr"/>
-            <a:r>
-              <a:rPr lang="pt-BR" sz="3200" dirty="0">
-                <a:solidFill>
-                  <a:schemeClr val="bg1"/>
-                </a:solidFill>
-              </a:rPr>
-              <a:t>RESULTADOS E DISCUSSÕES</a:t>
-            </a:r>
-          </a:p>
-        </p:txBody>
-      </p:sp>
-      <p:sp>
-        <p:nvSpPr>
-          <p:cNvPr id="3" name="Arrow: Pentagon 5">
-            <a:extLst>
-              <a:ext uri="{FF2B5EF4-FFF2-40B4-BE49-F238E27FC236}">
-                <a16:creationId xmlns:a16="http://schemas.microsoft.com/office/drawing/2014/main" id="{D605CB99-1709-8F54-33D7-368BA5040023}"/>
-              </a:ext>
-            </a:extLst>
-          </p:cNvPr>
-          <p:cNvSpPr/>
-          <p:nvPr/>
-        </p:nvSpPr>
-        <p:spPr>
-          <a:xfrm>
-            <a:off x="0" y="933967"/>
-            <a:ext cx="3205538" cy="370852"/>
-          </a:xfrm>
-          <a:prstGeom prst="homePlate">
-            <a:avLst/>
-          </a:prstGeom>
-          <a:solidFill>
-            <a:schemeClr val="bg2">
-              <a:lumMod val="75000"/>
-              <a:alpha val="90000"/>
-            </a:schemeClr>
-          </a:solidFill>
-        </p:spPr>
-        <p:style>
-          <a:lnRef idx="1">
-            <a:schemeClr val="accent3"/>
-          </a:lnRef>
-          <a:fillRef idx="3">
-            <a:schemeClr val="accent3"/>
-          </a:fillRef>
-          <a:effectRef idx="2">
-            <a:schemeClr val="accent3"/>
-          </a:effectRef>
-          <a:fontRef idx="minor">
-            <a:schemeClr val="lt1"/>
-          </a:fontRef>
-        </p:style>
-        <p:txBody>
-          <a:bodyPr rtlCol="0" anchor="ctr"/>
-          <a:lstStyle/>
-          <a:p>
-            <a:pPr algn="ctr"/>
-            <a:r>
-              <a:rPr lang="pt-BR" sz="2400" dirty="0">
-                <a:solidFill>
-                  <a:schemeClr val="bg2">
-                    <a:lumMod val="25000"/>
-                  </a:schemeClr>
-                </a:solidFill>
-              </a:rPr>
-              <a:t>COLETA DE DADOS</a:t>
-            </a:r>
-          </a:p>
-        </p:txBody>
-      </p:sp>
-    </p:spTree>
-    <p:extLst>
-      <p:ext uri="{BB962C8B-B14F-4D97-AF65-F5344CB8AC3E}">
-        <p14:creationId xmlns:p14="http://schemas.microsoft.com/office/powerpoint/2010/main" val="799120742"/>
-      </p:ext>
-    </p:extLst>
-  </p:cSld>
-  <p:clrMapOvr>
-    <a:masterClrMapping/>
-  </p:clrMapOvr>
-</p:sld>
-</file>
-
-<file path=ppt/slides/slide8.xml><?xml version="1.0" encoding="utf-8"?>
-<p:sld xmlns:a="http://schemas.openxmlformats.org/drawingml/2006/main" xmlns:r="http://schemas.openxmlformats.org/officeDocument/2006/relationships" xmlns:p="http://schemas.openxmlformats.org/presentationml/2006/main">
-  <p:cSld>
-    <p:spTree>
-      <p:nvGrpSpPr>
-        <p:cNvPr id="1" name=""/>
-        <p:cNvGrpSpPr/>
-        <p:nvPr/>
-      </p:nvGrpSpPr>
-      <p:grpSpPr>
-        <a:xfrm>
-          <a:off x="0" y="0"/>
-          <a:ext cx="0" cy="0"/>
-          <a:chOff x="0" y="0"/>
-          <a:chExt cx="0" cy="0"/>
-        </a:xfrm>
-      </p:grpSpPr>
-      <p:sp>
-        <p:nvSpPr>
-          <p:cNvPr id="7" name="Rectangle 6">
-            <a:extLst>
-              <a:ext uri="{FF2B5EF4-FFF2-40B4-BE49-F238E27FC236}">
-                <a16:creationId xmlns:a16="http://schemas.microsoft.com/office/drawing/2014/main" id="{04FABB05-6C2E-CEFC-8C95-F5EA054DAF7D}"/>
-              </a:ext>
-            </a:extLst>
-          </p:cNvPr>
-          <p:cNvSpPr/>
-          <p:nvPr/>
-        </p:nvSpPr>
-        <p:spPr>
-          <a:xfrm>
-            <a:off x="225664" y="2091972"/>
-            <a:ext cx="5188817" cy="4288280"/>
-          </a:xfrm>
-          <a:prstGeom prst="rect">
-            <a:avLst/>
-          </a:prstGeom>
-          <a:solidFill>
-            <a:schemeClr val="tx2">
-              <a:lumMod val="60000"/>
-              <a:lumOff val="40000"/>
-              <a:alpha val="70000"/>
-            </a:schemeClr>
-          </a:solidFill>
-          <a:ln w="12700">
-            <a:noFill/>
-          </a:ln>
-        </p:spPr>
-        <p:style>
-          <a:lnRef idx="0">
-            <a:scrgbClr r="0" g="0" b="0"/>
-          </a:lnRef>
-          <a:fillRef idx="0">
-            <a:scrgbClr r="0" g="0" b="0"/>
-          </a:fillRef>
-          <a:effectRef idx="0">
-            <a:scrgbClr r="0" g="0" b="0"/>
-          </a:effectRef>
-          <a:fontRef idx="minor">
-            <a:schemeClr val="lt1"/>
-          </a:fontRef>
-        </p:style>
-        <p:txBody>
-          <a:bodyPr rtlCol="0" anchor="ctr"/>
-          <a:lstStyle/>
-          <a:p>
-            <a:pPr marL="228600" indent="-228600">
-              <a:lnSpc>
-                <a:spcPct val="90000"/>
-              </a:lnSpc>
-              <a:spcBef>
-                <a:spcPts val="1000"/>
-              </a:spcBef>
-              <a:buFont typeface="Arial" panose="020B0604020202020204" pitchFamily="34" charset="0"/>
-              <a:buChar char="•"/>
-            </a:pPr>
-            <a:r>
-              <a:rPr lang="pt-BR" sz="1600" dirty="0">
-                <a:solidFill>
-                  <a:schemeClr val="bg2">
-                    <a:lumMod val="10000"/>
-                  </a:schemeClr>
-                </a:solidFill>
-                <a:ea typeface="Calibri" panose="020F0502020204030204" pitchFamily="34" charset="0"/>
-                <a:cs typeface="Arial" panose="020B0604020202020204" pitchFamily="34" charset="0"/>
-              </a:rPr>
-              <a:t>Implementação de expressões regulares (</a:t>
-            </a:r>
-            <a:r>
-              <a:rPr lang="pt-BR" sz="1600" dirty="0" err="1">
-                <a:solidFill>
-                  <a:schemeClr val="bg2">
-                    <a:lumMod val="10000"/>
-                  </a:schemeClr>
-                </a:solidFill>
-                <a:ea typeface="Calibri" panose="020F0502020204030204" pitchFamily="34" charset="0"/>
-                <a:cs typeface="Arial" panose="020B0604020202020204" pitchFamily="34" charset="0"/>
-              </a:rPr>
-              <a:t>ReGex</a:t>
-            </a:r>
-            <a:r>
-              <a:rPr lang="pt-BR" sz="1600" dirty="0">
-                <a:solidFill>
-                  <a:schemeClr val="bg2">
-                    <a:lumMod val="10000"/>
-                  </a:schemeClr>
-                </a:solidFill>
-                <a:ea typeface="Calibri" panose="020F0502020204030204" pitchFamily="34" charset="0"/>
-                <a:cs typeface="Arial" panose="020B0604020202020204" pitchFamily="34" charset="0"/>
-              </a:rPr>
-              <a:t>).</a:t>
-            </a:r>
-          </a:p>
-          <a:p>
-            <a:pPr marL="228600" indent="-228600">
-              <a:lnSpc>
-                <a:spcPct val="90000"/>
-              </a:lnSpc>
-              <a:spcBef>
-                <a:spcPts val="1000"/>
-              </a:spcBef>
-              <a:buFont typeface="Arial" panose="020B0604020202020204" pitchFamily="34" charset="0"/>
-              <a:buChar char="•"/>
-            </a:pPr>
-            <a:r>
-              <a:rPr lang="pt-BR" sz="1600" dirty="0">
-                <a:solidFill>
-                  <a:schemeClr val="bg2">
-                    <a:lumMod val="10000"/>
-                  </a:schemeClr>
-                </a:solidFill>
-                <a:ea typeface="Calibri" panose="020F0502020204030204" pitchFamily="34" charset="0"/>
-                <a:cs typeface="Arial" panose="020B0604020202020204" pitchFamily="34" charset="0"/>
-              </a:rPr>
-              <a:t>Limpeza dos dados.</a:t>
-            </a:r>
-          </a:p>
-          <a:p>
-            <a:pPr marL="228600" indent="-228600">
-              <a:lnSpc>
-                <a:spcPct val="90000"/>
-              </a:lnSpc>
-              <a:spcBef>
-                <a:spcPts val="1000"/>
-              </a:spcBef>
-              <a:buFont typeface="Arial" panose="020B0604020202020204" pitchFamily="34" charset="0"/>
-              <a:buChar char="•"/>
-            </a:pPr>
-            <a:r>
-              <a:rPr lang="pt-BR" sz="1600" dirty="0">
-                <a:solidFill>
-                  <a:schemeClr val="bg2">
-                    <a:lumMod val="10000"/>
-                  </a:schemeClr>
-                </a:solidFill>
-                <a:ea typeface="Calibri" panose="020F0502020204030204" pitchFamily="34" charset="0"/>
-                <a:cs typeface="Arial" panose="020B0604020202020204" pitchFamily="34" charset="0"/>
-              </a:rPr>
-              <a:t>Padronização dos dados.</a:t>
-            </a:r>
-          </a:p>
-          <a:p>
-            <a:pPr marL="228600" indent="-228600">
-              <a:lnSpc>
-                <a:spcPct val="90000"/>
-              </a:lnSpc>
-              <a:spcBef>
-                <a:spcPts val="1000"/>
-              </a:spcBef>
-              <a:buFont typeface="Arial" panose="020B0604020202020204" pitchFamily="34" charset="0"/>
-              <a:buChar char="•"/>
-            </a:pPr>
-            <a:r>
-              <a:rPr lang="pt-BR" sz="1600" dirty="0">
-                <a:solidFill>
-                  <a:schemeClr val="bg2">
-                    <a:lumMod val="10000"/>
-                  </a:schemeClr>
-                </a:solidFill>
-                <a:ea typeface="Calibri" panose="020F0502020204030204" pitchFamily="34" charset="0"/>
-                <a:cs typeface="Arial" panose="020B0604020202020204" pitchFamily="34" charset="0"/>
-              </a:rPr>
-              <a:t>Processamento de dados.</a:t>
-            </a:r>
-          </a:p>
-          <a:p>
-            <a:pPr marL="228600" indent="-228600">
-              <a:lnSpc>
-                <a:spcPct val="90000"/>
-              </a:lnSpc>
-              <a:spcBef>
-                <a:spcPts val="1000"/>
-              </a:spcBef>
-              <a:buFont typeface="Arial" panose="020B0604020202020204" pitchFamily="34" charset="0"/>
-              <a:buChar char="•"/>
-            </a:pPr>
-            <a:endParaRPr lang="pt-BR" sz="1600" dirty="0">
-              <a:solidFill>
-                <a:schemeClr val="bg2">
-                  <a:lumMod val="10000"/>
-                </a:schemeClr>
-              </a:solidFill>
-              <a:ea typeface="Calibri" panose="020F0502020204030204" pitchFamily="34" charset="0"/>
-              <a:cs typeface="Arial" panose="020B0604020202020204" pitchFamily="34" charset="0"/>
-            </a:endParaRPr>
-          </a:p>
-        </p:txBody>
-      </p:sp>
-      <p:sp>
-        <p:nvSpPr>
-          <p:cNvPr id="27" name="Espaço Reservado para Conteúdo 2">
-            <a:extLst>
-              <a:ext uri="{FF2B5EF4-FFF2-40B4-BE49-F238E27FC236}">
-                <a16:creationId xmlns:a16="http://schemas.microsoft.com/office/drawing/2014/main" id="{9DE381F3-DF21-E88C-6E9D-29A81845FC7C}"/>
-              </a:ext>
-            </a:extLst>
-          </p:cNvPr>
-          <p:cNvSpPr txBox="1">
-            <a:spLocks/>
-          </p:cNvSpPr>
-          <p:nvPr/>
-        </p:nvSpPr>
-        <p:spPr>
-          <a:xfrm>
-            <a:off x="5962259" y="2245911"/>
-            <a:ext cx="5981700" cy="719897"/>
-          </a:xfrm>
-          <a:prstGeom prst="rect">
-            <a:avLst/>
-          </a:prstGeom>
-        </p:spPr>
-        <p:txBody>
-          <a:bodyPr vert="horz" lIns="91440" tIns="45720" rIns="91440" bIns="45720" rtlCol="0">
-            <a:noAutofit/>
-          </a:bodyPr>
-          <a:lstStyle>
-            <a:defPPr>
-              <a:defRPr lang="pt-BR"/>
-            </a:defPPr>
-            <a:lvl1pPr indent="0">
-              <a:lnSpc>
-                <a:spcPct val="90000"/>
-              </a:lnSpc>
-              <a:spcBef>
-                <a:spcPts val="1000"/>
-              </a:spcBef>
-              <a:buFont typeface="Arial" panose="020B0604020202020204" pitchFamily="34" charset="0"/>
-              <a:buNone/>
-              <a:defRPr sz="1600">
-                <a:solidFill>
-                  <a:schemeClr val="bg2">
-                    <a:lumMod val="25000"/>
-                  </a:schemeClr>
-                </a:solidFill>
-                <a:cs typeface="Arial" panose="020B0604020202020204" pitchFamily="34" charset="0"/>
-              </a:defRPr>
-            </a:lvl1pPr>
-            <a:lvl2pPr marL="685800" indent="-228600">
-              <a:lnSpc>
-                <a:spcPct val="90000"/>
-              </a:lnSpc>
-              <a:spcBef>
-                <a:spcPts val="500"/>
-              </a:spcBef>
-              <a:buFont typeface="Arial" panose="020B0604020202020204" pitchFamily="34" charset="0"/>
-              <a:buChar char="•"/>
-              <a:defRPr sz="2400"/>
-            </a:lvl2pPr>
-            <a:lvl3pPr marL="1143000" indent="-228600">
-              <a:lnSpc>
-                <a:spcPct val="90000"/>
-              </a:lnSpc>
-              <a:spcBef>
-                <a:spcPts val="500"/>
-              </a:spcBef>
-              <a:buFont typeface="Arial" panose="020B0604020202020204" pitchFamily="34" charset="0"/>
-              <a:buChar char="•"/>
-              <a:defRPr sz="2000"/>
-            </a:lvl3pPr>
-            <a:lvl4pPr marL="1600200" indent="-228600">
-              <a:lnSpc>
-                <a:spcPct val="90000"/>
-              </a:lnSpc>
-              <a:spcBef>
-                <a:spcPts val="500"/>
-              </a:spcBef>
-              <a:buFont typeface="Arial" panose="020B0604020202020204" pitchFamily="34" charset="0"/>
-              <a:buChar char="•"/>
-            </a:lvl4pPr>
-            <a:lvl5pPr marL="2057400" indent="-228600">
-              <a:lnSpc>
-                <a:spcPct val="90000"/>
-              </a:lnSpc>
-              <a:spcBef>
-                <a:spcPts val="500"/>
-              </a:spcBef>
-              <a:buFont typeface="Arial" panose="020B0604020202020204" pitchFamily="34" charset="0"/>
-              <a:buChar char="•"/>
-            </a:lvl5pPr>
-            <a:lvl6pPr marL="2514600" indent="-228600">
-              <a:lnSpc>
-                <a:spcPct val="90000"/>
-              </a:lnSpc>
-              <a:spcBef>
-                <a:spcPts val="500"/>
-              </a:spcBef>
-              <a:buFont typeface="Arial" panose="020B0604020202020204" pitchFamily="34" charset="0"/>
-              <a:buChar char="•"/>
-            </a:lvl6pPr>
-            <a:lvl7pPr marL="2971800" indent="-228600">
-              <a:lnSpc>
-                <a:spcPct val="90000"/>
-              </a:lnSpc>
-              <a:spcBef>
-                <a:spcPts val="500"/>
-              </a:spcBef>
-              <a:buFont typeface="Arial" panose="020B0604020202020204" pitchFamily="34" charset="0"/>
-              <a:buChar char="•"/>
-            </a:lvl7pPr>
-            <a:lvl8pPr marL="3429000" indent="-228600">
-              <a:lnSpc>
-                <a:spcPct val="90000"/>
-              </a:lnSpc>
-              <a:spcBef>
-                <a:spcPts val="500"/>
-              </a:spcBef>
-              <a:buFont typeface="Arial" panose="020B0604020202020204" pitchFamily="34" charset="0"/>
-              <a:buChar char="•"/>
-            </a:lvl8pPr>
-            <a:lvl9pPr marL="3886200" indent="-228600">
-              <a:lnSpc>
-                <a:spcPct val="90000"/>
-              </a:lnSpc>
-              <a:spcBef>
-                <a:spcPts val="500"/>
-              </a:spcBef>
-              <a:buFont typeface="Arial" panose="020B0604020202020204" pitchFamily="34" charset="0"/>
-              <a:buChar char="•"/>
-            </a:lvl9pPr>
-          </a:lstStyle>
-          <a:p>
-            <a:r>
-              <a:rPr lang="pt-BR" sz="1200" dirty="0"/>
-              <a:t>“Print” de uma parte do livro Harry Potter e a Pedra Filosofal com a aplicação do pré-processamento </a:t>
-            </a:r>
-            <a:br>
-              <a:rPr lang="pt-BR" sz="1200" dirty="0"/>
-            </a:br>
-            <a:r>
-              <a:rPr lang="pt-BR" sz="1200" b="1" dirty="0"/>
-              <a:t>Fonte: Resultados originais da pesquisa </a:t>
-            </a:r>
-          </a:p>
-        </p:txBody>
-      </p:sp>
-      <p:pic>
-        <p:nvPicPr>
-          <p:cNvPr id="3" name="Imagem 2" descr="Uma imagem contendo Interface gráfica do usuário&#10;&#10;Descrição gerada automaticamente">
-            <a:extLst>
-              <a:ext uri="{FF2B5EF4-FFF2-40B4-BE49-F238E27FC236}">
-                <a16:creationId xmlns:a16="http://schemas.microsoft.com/office/drawing/2014/main" id="{B041E96C-974C-7FEE-F428-301C2EAE9368}"/>
-              </a:ext>
-            </a:extLst>
-          </p:cNvPr>
-          <p:cNvPicPr>
-            <a:picLocks noChangeAspect="1"/>
-          </p:cNvPicPr>
-          <p:nvPr/>
-        </p:nvPicPr>
-        <p:blipFill>
-          <a:blip r:embed="rId2">
-            <a:extLst>
-              <a:ext uri="{28A0092B-C50C-407E-A947-70E740481C1C}">
-                <a14:useLocalDpi xmlns:a14="http://schemas.microsoft.com/office/drawing/2010/main" val="0"/>
-              </a:ext>
-            </a:extLst>
-          </a:blip>
-          <a:stretch>
-            <a:fillRect/>
-          </a:stretch>
-        </p:blipFill>
-        <p:spPr>
-          <a:xfrm>
-            <a:off x="5962260" y="1369611"/>
-            <a:ext cx="5981700" cy="876300"/>
-          </a:xfrm>
-          <a:prstGeom prst="rect">
-            <a:avLst/>
-          </a:prstGeom>
-        </p:spPr>
-      </p:pic>
-      <p:pic>
-        <p:nvPicPr>
-          <p:cNvPr id="9" name="Imagem 8" descr="Tabela&#10;&#10;Descrição gerada automaticamente com confiança média">
-            <a:extLst>
-              <a:ext uri="{FF2B5EF4-FFF2-40B4-BE49-F238E27FC236}">
-                <a16:creationId xmlns:a16="http://schemas.microsoft.com/office/drawing/2014/main" id="{A970A6BB-725C-686A-7631-F7751D5F7FA4}"/>
-              </a:ext>
-            </a:extLst>
-          </p:cNvPr>
-          <p:cNvPicPr>
-            <a:picLocks noChangeAspect="1"/>
-          </p:cNvPicPr>
-          <p:nvPr/>
-        </p:nvPicPr>
-        <p:blipFill>
-          <a:blip r:embed="rId3">
-            <a:extLst>
-              <a:ext uri="{28A0092B-C50C-407E-A947-70E740481C1C}">
-                <a14:useLocalDpi xmlns:a14="http://schemas.microsoft.com/office/drawing/2010/main" val="0"/>
-              </a:ext>
-            </a:extLst>
-          </a:blip>
-          <a:stretch>
-            <a:fillRect/>
-          </a:stretch>
-        </p:blipFill>
-        <p:spPr>
-          <a:xfrm>
-            <a:off x="5962259" y="3429000"/>
-            <a:ext cx="5981701" cy="1447800"/>
-          </a:xfrm>
-          <a:prstGeom prst="rect">
-            <a:avLst/>
-          </a:prstGeom>
-        </p:spPr>
-      </p:pic>
-      <p:sp>
-        <p:nvSpPr>
-          <p:cNvPr id="10" name="Espaço Reservado para Conteúdo 2">
-            <a:extLst>
-              <a:ext uri="{FF2B5EF4-FFF2-40B4-BE49-F238E27FC236}">
-                <a16:creationId xmlns:a16="http://schemas.microsoft.com/office/drawing/2014/main" id="{25BCA366-A7A8-28F9-F6C3-27406198351F}"/>
-              </a:ext>
-            </a:extLst>
-          </p:cNvPr>
-          <p:cNvSpPr txBox="1">
-            <a:spLocks/>
-          </p:cNvSpPr>
-          <p:nvPr/>
-        </p:nvSpPr>
-        <p:spPr>
-          <a:xfrm>
-            <a:off x="5962259" y="4876800"/>
-            <a:ext cx="5981701" cy="1144314"/>
-          </a:xfrm>
-          <a:prstGeom prst="rect">
-            <a:avLst/>
-          </a:prstGeom>
-        </p:spPr>
-        <p:txBody>
-          <a:bodyPr vert="horz" lIns="91440" tIns="45720" rIns="91440" bIns="45720" rtlCol="0">
-            <a:noAutofit/>
-          </a:bodyPr>
-          <a:lstStyle>
-            <a:defPPr>
-              <a:defRPr lang="pt-BR"/>
-            </a:defPPr>
-            <a:lvl1pPr indent="0">
-              <a:lnSpc>
-                <a:spcPct val="90000"/>
-              </a:lnSpc>
-              <a:spcBef>
-                <a:spcPts val="1000"/>
-              </a:spcBef>
-              <a:buFont typeface="Arial" panose="020B0604020202020204" pitchFamily="34" charset="0"/>
-              <a:buNone/>
-              <a:defRPr sz="1600">
-                <a:solidFill>
-                  <a:schemeClr val="bg2">
-                    <a:lumMod val="25000"/>
-                  </a:schemeClr>
-                </a:solidFill>
-                <a:cs typeface="Arial" panose="020B0604020202020204" pitchFamily="34" charset="0"/>
-              </a:defRPr>
-            </a:lvl1pPr>
-            <a:lvl2pPr marL="685800" indent="-228600">
-              <a:lnSpc>
-                <a:spcPct val="90000"/>
-              </a:lnSpc>
-              <a:spcBef>
-                <a:spcPts val="500"/>
-              </a:spcBef>
-              <a:buFont typeface="Arial" panose="020B0604020202020204" pitchFamily="34" charset="0"/>
-              <a:buChar char="•"/>
-              <a:defRPr sz="2400"/>
-            </a:lvl2pPr>
-            <a:lvl3pPr marL="1143000" indent="-228600">
-              <a:lnSpc>
-                <a:spcPct val="90000"/>
-              </a:lnSpc>
-              <a:spcBef>
-                <a:spcPts val="500"/>
-              </a:spcBef>
-              <a:buFont typeface="Arial" panose="020B0604020202020204" pitchFamily="34" charset="0"/>
-              <a:buChar char="•"/>
-              <a:defRPr sz="2000"/>
-            </a:lvl3pPr>
-            <a:lvl4pPr marL="1600200" indent="-228600">
-              <a:lnSpc>
-                <a:spcPct val="90000"/>
-              </a:lnSpc>
-              <a:spcBef>
-                <a:spcPts val="500"/>
-              </a:spcBef>
-              <a:buFont typeface="Arial" panose="020B0604020202020204" pitchFamily="34" charset="0"/>
-              <a:buChar char="•"/>
-            </a:lvl4pPr>
-            <a:lvl5pPr marL="2057400" indent="-228600">
-              <a:lnSpc>
-                <a:spcPct val="90000"/>
-              </a:lnSpc>
-              <a:spcBef>
-                <a:spcPts val="500"/>
-              </a:spcBef>
-              <a:buFont typeface="Arial" panose="020B0604020202020204" pitchFamily="34" charset="0"/>
-              <a:buChar char="•"/>
-            </a:lvl5pPr>
-            <a:lvl6pPr marL="2514600" indent="-228600">
-              <a:lnSpc>
-                <a:spcPct val="90000"/>
-              </a:lnSpc>
-              <a:spcBef>
-                <a:spcPts val="500"/>
-              </a:spcBef>
-              <a:buFont typeface="Arial" panose="020B0604020202020204" pitchFamily="34" charset="0"/>
-              <a:buChar char="•"/>
-            </a:lvl6pPr>
-            <a:lvl7pPr marL="2971800" indent="-228600">
-              <a:lnSpc>
-                <a:spcPct val="90000"/>
-              </a:lnSpc>
-              <a:spcBef>
-                <a:spcPts val="500"/>
-              </a:spcBef>
-              <a:buFont typeface="Arial" panose="020B0604020202020204" pitchFamily="34" charset="0"/>
-              <a:buChar char="•"/>
-            </a:lvl7pPr>
-            <a:lvl8pPr marL="3429000" indent="-228600">
-              <a:lnSpc>
-                <a:spcPct val="90000"/>
-              </a:lnSpc>
-              <a:spcBef>
-                <a:spcPts val="500"/>
-              </a:spcBef>
-              <a:buFont typeface="Arial" panose="020B0604020202020204" pitchFamily="34" charset="0"/>
-              <a:buChar char="•"/>
-            </a:lvl8pPr>
-            <a:lvl9pPr marL="3886200" indent="-228600">
-              <a:lnSpc>
-                <a:spcPct val="90000"/>
-              </a:lnSpc>
-              <a:spcBef>
-                <a:spcPts val="500"/>
-              </a:spcBef>
-              <a:buFont typeface="Arial" panose="020B0604020202020204" pitchFamily="34" charset="0"/>
-              <a:buChar char="•"/>
-            </a:lvl9pPr>
-          </a:lstStyle>
-          <a:p>
-            <a:r>
-              <a:rPr lang="pt-BR" sz="1200" dirty="0"/>
-              <a:t>Output gerado após o processamento textual do livro Harry Potter e a Pedra Filosofal, limitado a cinco palavras que mais se repete, onde é possível representar a diferença das informações não tratadas e a aplicação do pré-processamento. </a:t>
-            </a:r>
-            <a:br>
-              <a:rPr lang="pt-BR" sz="1200" dirty="0"/>
-            </a:br>
-            <a:r>
-              <a:rPr lang="pt-BR" sz="1200" b="1" dirty="0"/>
-              <a:t>Fonte: Resultados originais da pesquisa </a:t>
-            </a:r>
-          </a:p>
-        </p:txBody>
-      </p:sp>
-      <p:sp>
-        <p:nvSpPr>
-          <p:cNvPr id="2" name="Arrow: Pentagon 3">
-            <a:extLst>
-              <a:ext uri="{FF2B5EF4-FFF2-40B4-BE49-F238E27FC236}">
-                <a16:creationId xmlns:a16="http://schemas.microsoft.com/office/drawing/2014/main" id="{477436CE-616A-D9FE-66B6-97E83AF785E6}"/>
-              </a:ext>
-            </a:extLst>
-          </p:cNvPr>
-          <p:cNvSpPr/>
-          <p:nvPr/>
-        </p:nvSpPr>
-        <p:spPr>
-          <a:xfrm>
-            <a:off x="-1" y="383391"/>
-            <a:ext cx="4975200" cy="630000"/>
-          </a:xfrm>
-          <a:prstGeom prst="homePlate">
-            <a:avLst/>
-          </a:prstGeom>
-          <a:solidFill>
-            <a:schemeClr val="bg2">
-              <a:lumMod val="25000"/>
-              <a:alpha val="85000"/>
-            </a:schemeClr>
-          </a:solidFill>
-        </p:spPr>
-        <p:style>
-          <a:lnRef idx="1">
-            <a:schemeClr val="accent3"/>
-          </a:lnRef>
-          <a:fillRef idx="3">
-            <a:schemeClr val="accent3"/>
-          </a:fillRef>
-          <a:effectRef idx="2">
-            <a:schemeClr val="accent3"/>
-          </a:effectRef>
-          <a:fontRef idx="minor">
-            <a:schemeClr val="lt1"/>
-          </a:fontRef>
-        </p:style>
-        <p:txBody>
-          <a:bodyPr rtlCol="0" anchor="ctr"/>
-          <a:lstStyle/>
-          <a:p>
-            <a:pPr algn="ctr"/>
-            <a:r>
-              <a:rPr lang="pt-BR" sz="3200" dirty="0">
-                <a:solidFill>
-                  <a:schemeClr val="bg1"/>
-                </a:solidFill>
-              </a:rPr>
-              <a:t>RESULTADOS E DISCUSSÕES</a:t>
-            </a:r>
-          </a:p>
-        </p:txBody>
-      </p:sp>
-      <p:sp>
-        <p:nvSpPr>
-          <p:cNvPr id="5" name="Arrow: Pentagon 5">
-            <a:extLst>
-              <a:ext uri="{FF2B5EF4-FFF2-40B4-BE49-F238E27FC236}">
-                <a16:creationId xmlns:a16="http://schemas.microsoft.com/office/drawing/2014/main" id="{F8B71FEA-E49E-14C7-BEB4-AF76A18D4605}"/>
-              </a:ext>
-            </a:extLst>
-          </p:cNvPr>
-          <p:cNvSpPr/>
-          <p:nvPr/>
-        </p:nvSpPr>
-        <p:spPr>
-          <a:xfrm>
-            <a:off x="0" y="933967"/>
-            <a:ext cx="3205538" cy="370852"/>
-          </a:xfrm>
-          <a:prstGeom prst="homePlate">
-            <a:avLst/>
-          </a:prstGeom>
-          <a:solidFill>
-            <a:schemeClr val="bg2">
-              <a:lumMod val="75000"/>
-              <a:alpha val="90000"/>
-            </a:schemeClr>
-          </a:solidFill>
-        </p:spPr>
-        <p:style>
-          <a:lnRef idx="1">
-            <a:schemeClr val="accent3"/>
-          </a:lnRef>
-          <a:fillRef idx="3">
-            <a:schemeClr val="accent3"/>
-          </a:fillRef>
-          <a:effectRef idx="2">
-            <a:schemeClr val="accent3"/>
-          </a:effectRef>
-          <a:fontRef idx="minor">
-            <a:schemeClr val="lt1"/>
-          </a:fontRef>
-        </p:style>
-        <p:txBody>
-          <a:bodyPr rtlCol="0" anchor="ctr"/>
-          <a:lstStyle/>
-          <a:p>
-            <a:pPr algn="ctr"/>
-            <a:r>
-              <a:rPr lang="pt-BR" sz="2400" dirty="0">
-                <a:solidFill>
-                  <a:schemeClr val="bg2">
-                    <a:lumMod val="25000"/>
-                  </a:schemeClr>
-                </a:solidFill>
-              </a:rPr>
-              <a:t>TRATATIVA DE DADOS</a:t>
-            </a:r>
-          </a:p>
-        </p:txBody>
-      </p:sp>
-    </p:spTree>
-    <p:extLst>
-      <p:ext uri="{BB962C8B-B14F-4D97-AF65-F5344CB8AC3E}">
-        <p14:creationId xmlns:p14="http://schemas.microsoft.com/office/powerpoint/2010/main" val="3703064575"/>
-      </p:ext>
-    </p:extLst>
-  </p:cSld>
-  <p:clrMapOvr>
-    <a:masterClrMapping/>
-  </p:clrMapOvr>
-</p:sld>
-</file>
-
-<file path=ppt/slides/slide9.xml><?xml version="1.0" encoding="utf-8"?>
-<p:sld xmlns:a="http://schemas.openxmlformats.org/drawingml/2006/main" xmlns:r="http://schemas.openxmlformats.org/officeDocument/2006/relationships" xmlns:p="http://schemas.openxmlformats.org/presentationml/2006/main">
-  <p:cSld>
-    <p:spTree>
-      <p:nvGrpSpPr>
-        <p:cNvPr id="1" name=""/>
-        <p:cNvGrpSpPr/>
-        <p:nvPr/>
-      </p:nvGrpSpPr>
-      <p:grpSpPr>
-        <a:xfrm>
-          <a:off x="0" y="0"/>
-          <a:ext cx="0" cy="0"/>
-          <a:chOff x="0" y="0"/>
-          <a:chExt cx="0" cy="0"/>
-        </a:xfrm>
-      </p:grpSpPr>
-      <p:pic>
-        <p:nvPicPr>
-          <p:cNvPr id="9" name="Imagem 8" descr="Gráfico, Gráfico de barras&#10;&#10;Descrição gerada automaticamente">
-            <a:extLst>
-              <a:ext uri="{FF2B5EF4-FFF2-40B4-BE49-F238E27FC236}">
-                <a16:creationId xmlns:a16="http://schemas.microsoft.com/office/drawing/2014/main" id="{0444EBEB-4912-C295-A549-4F7E3FAA591D}"/>
-              </a:ext>
-            </a:extLst>
-          </p:cNvPr>
-          <p:cNvPicPr>
-            <a:picLocks noChangeAspect="1"/>
-          </p:cNvPicPr>
-          <p:nvPr/>
-        </p:nvPicPr>
-        <p:blipFill>
-          <a:blip r:embed="rId2">
-            <a:extLst>
-              <a:ext uri="{28A0092B-C50C-407E-A947-70E740481C1C}">
-                <a14:useLocalDpi xmlns:a14="http://schemas.microsoft.com/office/drawing/2010/main" val="0"/>
-              </a:ext>
-            </a:extLst>
-          </a:blip>
-          <a:stretch>
-            <a:fillRect/>
-          </a:stretch>
-        </p:blipFill>
-        <p:spPr>
-          <a:xfrm>
-            <a:off x="197052" y="2685721"/>
-            <a:ext cx="5671986" cy="3110083"/>
-          </a:xfrm>
-          <a:prstGeom prst="rect">
-            <a:avLst/>
-          </a:prstGeom>
-        </p:spPr>
-      </p:pic>
-      <p:pic>
-        <p:nvPicPr>
-          <p:cNvPr id="11" name="Imagem 10" descr="Gráfico, Gráfico de barras&#10;&#10;Descrição gerada automaticamente">
-            <a:extLst>
-              <a:ext uri="{FF2B5EF4-FFF2-40B4-BE49-F238E27FC236}">
-                <a16:creationId xmlns:a16="http://schemas.microsoft.com/office/drawing/2014/main" id="{ED3C1984-94CC-9985-27F9-04D6B2BEE1DC}"/>
-              </a:ext>
-            </a:extLst>
-          </p:cNvPr>
-          <p:cNvPicPr>
-            <a:picLocks noChangeAspect="1"/>
-          </p:cNvPicPr>
-          <p:nvPr/>
-        </p:nvPicPr>
-        <p:blipFill>
-          <a:blip r:embed="rId3">
-            <a:extLst>
-              <a:ext uri="{28A0092B-C50C-407E-A947-70E740481C1C}">
-                <a14:useLocalDpi xmlns:a14="http://schemas.microsoft.com/office/drawing/2010/main" val="0"/>
-              </a:ext>
-            </a:extLst>
-          </a:blip>
-          <a:stretch>
-            <a:fillRect/>
-          </a:stretch>
-        </p:blipFill>
-        <p:spPr>
-          <a:xfrm>
-            <a:off x="6334150" y="2685721"/>
-            <a:ext cx="5660798" cy="3110083"/>
-          </a:xfrm>
-          <a:prstGeom prst="rect">
-            <a:avLst/>
-          </a:prstGeom>
-        </p:spPr>
-      </p:pic>
-      <p:sp>
-        <p:nvSpPr>
-          <p:cNvPr id="12" name="Espaço Reservado para Conteúdo 2">
-            <a:extLst>
-              <a:ext uri="{FF2B5EF4-FFF2-40B4-BE49-F238E27FC236}">
-                <a16:creationId xmlns:a16="http://schemas.microsoft.com/office/drawing/2014/main" id="{607A63FA-6DE4-6B2E-65B7-120513DDBAA2}"/>
-              </a:ext>
-            </a:extLst>
-          </p:cNvPr>
-          <p:cNvSpPr txBox="1">
-            <a:spLocks/>
-          </p:cNvSpPr>
-          <p:nvPr/>
-        </p:nvSpPr>
-        <p:spPr>
-          <a:xfrm>
-            <a:off x="1262836" y="2374858"/>
-            <a:ext cx="4053025" cy="310863"/>
-          </a:xfrm>
-          <a:prstGeom prst="rect">
-            <a:avLst/>
-          </a:prstGeom>
-        </p:spPr>
-        <p:txBody>
-          <a:bodyPr vert="horz" lIns="91440" tIns="45720" rIns="91440" bIns="45720" rtlCol="0">
-            <a:normAutofit lnSpcReduction="10000"/>
-          </a:bodyPr>
-          <a:lstStyle>
-            <a:lvl1pPr marL="228600" indent="-228600" algn="l" defTabSz="914400" rtl="0" eaLnBrk="1" latinLnBrk="0" hangingPunct="1">
-              <a:lnSpc>
-                <a:spcPct val="90000"/>
-              </a:lnSpc>
-              <a:spcBef>
-                <a:spcPts val="1000"/>
-              </a:spcBef>
-              <a:buFont typeface="Arial" panose="020B0604020202020204" pitchFamily="34" charset="0"/>
-              <a:buChar char="•"/>
-              <a:defRPr sz="2800" kern="1200">
-                <a:solidFill>
-                  <a:schemeClr val="tx1"/>
-                </a:solidFill>
-                <a:latin typeface="+mn-lt"/>
-                <a:ea typeface="+mn-ea"/>
-                <a:cs typeface="+mn-cs"/>
-              </a:defRPr>
-            </a:lvl1pPr>
-            <a:lvl2pPr marL="685800" indent="-228600" algn="l" defTabSz="914400" rtl="0" eaLnBrk="1" latinLnBrk="0" hangingPunct="1">
-              <a:lnSpc>
-                <a:spcPct val="90000"/>
-              </a:lnSpc>
-              <a:spcBef>
-                <a:spcPts val="500"/>
-              </a:spcBef>
-              <a:buFont typeface="Arial" panose="020B0604020202020204" pitchFamily="34" charset="0"/>
-              <a:buChar char="•"/>
-              <a:defRPr sz="2400" kern="1200">
-                <a:solidFill>
-                  <a:schemeClr val="tx1"/>
-                </a:solidFill>
-                <a:latin typeface="+mn-lt"/>
-                <a:ea typeface="+mn-ea"/>
-                <a:cs typeface="+mn-cs"/>
-              </a:defRPr>
-            </a:lvl2pPr>
-            <a:lvl3pPr marL="1143000" indent="-228600" algn="l" defTabSz="914400" rtl="0" eaLnBrk="1" latinLnBrk="0" hangingPunct="1">
-              <a:lnSpc>
-                <a:spcPct val="90000"/>
-              </a:lnSpc>
-              <a:spcBef>
-                <a:spcPts val="500"/>
-              </a:spcBef>
-              <a:buFont typeface="Arial" panose="020B0604020202020204" pitchFamily="34" charset="0"/>
-              <a:buChar char="•"/>
-              <a:defRPr sz="2000" kern="1200">
-                <a:solidFill>
-                  <a:schemeClr val="tx1"/>
-                </a:solidFill>
-                <a:latin typeface="+mn-lt"/>
-                <a:ea typeface="+mn-ea"/>
-                <a:cs typeface="+mn-cs"/>
-              </a:defRPr>
-            </a:lvl3pPr>
-            <a:lvl4pPr marL="1600200" indent="-228600" algn="l" defTabSz="914400" rtl="0" eaLnBrk="1" latinLnBrk="0" hangingPunct="1">
-              <a:lnSpc>
-                <a:spcPct val="90000"/>
-              </a:lnSpc>
-              <a:spcBef>
-                <a:spcPts val="500"/>
-              </a:spcBef>
-              <a:buFont typeface="Arial" panose="020B0604020202020204" pitchFamily="34" charset="0"/>
-              <a:buChar char="•"/>
-              <a:defRPr sz="1800" kern="1200">
-                <a:solidFill>
-                  <a:schemeClr val="tx1"/>
-                </a:solidFill>
-                <a:latin typeface="+mn-lt"/>
-                <a:ea typeface="+mn-ea"/>
-                <a:cs typeface="+mn-cs"/>
-              </a:defRPr>
-            </a:lvl4pPr>
-            <a:lvl5pPr marL="2057400" indent="-228600" algn="l" defTabSz="914400" rtl="0" eaLnBrk="1" latinLnBrk="0" hangingPunct="1">
-              <a:lnSpc>
-                <a:spcPct val="90000"/>
-              </a:lnSpc>
-              <a:spcBef>
-                <a:spcPts val="500"/>
-              </a:spcBef>
-              <a:buFont typeface="Arial" panose="020B0604020202020204" pitchFamily="34" charset="0"/>
-              <a:buChar char="•"/>
-              <a:defRPr sz="1800" kern="1200">
-                <a:solidFill>
-                  <a:schemeClr val="tx1"/>
-                </a:solidFill>
-                <a:latin typeface="+mn-lt"/>
-                <a:ea typeface="+mn-ea"/>
-                <a:cs typeface="+mn-cs"/>
-              </a:defRPr>
-            </a:lvl5pPr>
-            <a:lvl6pPr marL="2514600" indent="-228600" algn="l" defTabSz="914400" rtl="0" eaLnBrk="1" latinLnBrk="0" hangingPunct="1">
-              <a:lnSpc>
-                <a:spcPct val="90000"/>
-              </a:lnSpc>
-              <a:spcBef>
-                <a:spcPts val="500"/>
-              </a:spcBef>
-              <a:buFont typeface="Arial" panose="020B0604020202020204" pitchFamily="34" charset="0"/>
-              <a:buChar char="•"/>
-              <a:defRPr sz="1800" kern="1200">
-                <a:solidFill>
-                  <a:schemeClr val="tx1"/>
-                </a:solidFill>
-                <a:latin typeface="+mn-lt"/>
-                <a:ea typeface="+mn-ea"/>
-                <a:cs typeface="+mn-cs"/>
-              </a:defRPr>
-            </a:lvl6pPr>
-            <a:lvl7pPr marL="2971800" indent="-228600" algn="l" defTabSz="914400" rtl="0" eaLnBrk="1" latinLnBrk="0" hangingPunct="1">
-              <a:lnSpc>
-                <a:spcPct val="90000"/>
-              </a:lnSpc>
-              <a:spcBef>
-                <a:spcPts val="500"/>
-              </a:spcBef>
-              <a:buFont typeface="Arial" panose="020B0604020202020204" pitchFamily="34" charset="0"/>
-              <a:buChar char="•"/>
-              <a:defRPr sz="1800" kern="1200">
-                <a:solidFill>
-                  <a:schemeClr val="tx1"/>
-                </a:solidFill>
-                <a:latin typeface="+mn-lt"/>
-                <a:ea typeface="+mn-ea"/>
-                <a:cs typeface="+mn-cs"/>
-              </a:defRPr>
-            </a:lvl7pPr>
-            <a:lvl8pPr marL="3429000" indent="-228600" algn="l" defTabSz="914400" rtl="0" eaLnBrk="1" latinLnBrk="0" hangingPunct="1">
-              <a:lnSpc>
-                <a:spcPct val="90000"/>
-              </a:lnSpc>
-              <a:spcBef>
-                <a:spcPts val="500"/>
-              </a:spcBef>
-              <a:buFont typeface="Arial" panose="020B0604020202020204" pitchFamily="34" charset="0"/>
-              <a:buChar char="•"/>
-              <a:defRPr sz="1800" kern="1200">
-                <a:solidFill>
-                  <a:schemeClr val="tx1"/>
-                </a:solidFill>
-                <a:latin typeface="+mn-lt"/>
-                <a:ea typeface="+mn-ea"/>
-                <a:cs typeface="+mn-cs"/>
-              </a:defRPr>
-            </a:lvl8pPr>
-            <a:lvl9pPr marL="3886200" indent="-228600" algn="l" defTabSz="914400" rtl="0" eaLnBrk="1" latinLnBrk="0" hangingPunct="1">
-              <a:lnSpc>
-                <a:spcPct val="90000"/>
-              </a:lnSpc>
-              <a:spcBef>
-                <a:spcPts val="500"/>
-              </a:spcBef>
-              <a:buFont typeface="Arial" panose="020B0604020202020204" pitchFamily="34" charset="0"/>
-              <a:buChar char="•"/>
-              <a:defRPr sz="1800" kern="1200">
-                <a:solidFill>
-                  <a:schemeClr val="tx1"/>
-                </a:solidFill>
-                <a:latin typeface="+mn-lt"/>
-                <a:ea typeface="+mn-ea"/>
-                <a:cs typeface="+mn-cs"/>
-              </a:defRPr>
-            </a:lvl9pPr>
-          </a:lstStyle>
-          <a:p>
-            <a:pPr marL="0" indent="0" algn="ctr">
-              <a:buNone/>
-            </a:pPr>
-            <a:r>
-              <a:rPr lang="pt-BR" sz="1600" b="1" dirty="0">
-                <a:solidFill>
-                  <a:schemeClr val="bg2">
-                    <a:lumMod val="25000"/>
-                  </a:schemeClr>
-                </a:solidFill>
-                <a:cs typeface="Arial" panose="020B0604020202020204" pitchFamily="34" charset="0"/>
-              </a:rPr>
-              <a:t>COM A APLICAÇÃO DE PRÉ-PROCESSAMENTO</a:t>
-            </a:r>
-          </a:p>
-        </p:txBody>
-      </p:sp>
-      <p:sp>
-        <p:nvSpPr>
-          <p:cNvPr id="13" name="Espaço Reservado para Conteúdo 2">
-            <a:extLst>
-              <a:ext uri="{FF2B5EF4-FFF2-40B4-BE49-F238E27FC236}">
-                <a16:creationId xmlns:a16="http://schemas.microsoft.com/office/drawing/2014/main" id="{344D3FBE-9B4D-FD81-4FD9-442F8C1867AA}"/>
-              </a:ext>
-            </a:extLst>
-          </p:cNvPr>
-          <p:cNvSpPr txBox="1">
-            <a:spLocks/>
-          </p:cNvSpPr>
-          <p:nvPr/>
-        </p:nvSpPr>
-        <p:spPr>
-          <a:xfrm>
-            <a:off x="7438492" y="2374858"/>
-            <a:ext cx="4053025" cy="310863"/>
-          </a:xfrm>
-          <a:prstGeom prst="rect">
-            <a:avLst/>
-          </a:prstGeom>
-        </p:spPr>
-        <p:txBody>
-          <a:bodyPr vert="horz" lIns="91440" tIns="45720" rIns="91440" bIns="45720" rtlCol="0">
-            <a:normAutofit lnSpcReduction="10000"/>
-          </a:bodyPr>
-          <a:lstStyle>
-            <a:lvl1pPr marL="228600" indent="-228600" algn="l" defTabSz="914400" rtl="0" eaLnBrk="1" latinLnBrk="0" hangingPunct="1">
-              <a:lnSpc>
-                <a:spcPct val="90000"/>
-              </a:lnSpc>
-              <a:spcBef>
-                <a:spcPts val="1000"/>
-              </a:spcBef>
-              <a:buFont typeface="Arial" panose="020B0604020202020204" pitchFamily="34" charset="0"/>
-              <a:buChar char="•"/>
-              <a:defRPr sz="2800" kern="1200">
-                <a:solidFill>
-                  <a:schemeClr val="tx1"/>
-                </a:solidFill>
-                <a:latin typeface="+mn-lt"/>
-                <a:ea typeface="+mn-ea"/>
-                <a:cs typeface="+mn-cs"/>
-              </a:defRPr>
-            </a:lvl1pPr>
-            <a:lvl2pPr marL="685800" indent="-228600" algn="l" defTabSz="914400" rtl="0" eaLnBrk="1" latinLnBrk="0" hangingPunct="1">
-              <a:lnSpc>
-                <a:spcPct val="90000"/>
-              </a:lnSpc>
-              <a:spcBef>
-                <a:spcPts val="500"/>
-              </a:spcBef>
-              <a:buFont typeface="Arial" panose="020B0604020202020204" pitchFamily="34" charset="0"/>
-              <a:buChar char="•"/>
-              <a:defRPr sz="2400" kern="1200">
-                <a:solidFill>
-                  <a:schemeClr val="tx1"/>
-                </a:solidFill>
-                <a:latin typeface="+mn-lt"/>
-                <a:ea typeface="+mn-ea"/>
-                <a:cs typeface="+mn-cs"/>
-              </a:defRPr>
-            </a:lvl2pPr>
-            <a:lvl3pPr marL="1143000" indent="-228600" algn="l" defTabSz="914400" rtl="0" eaLnBrk="1" latinLnBrk="0" hangingPunct="1">
-              <a:lnSpc>
-                <a:spcPct val="90000"/>
-              </a:lnSpc>
-              <a:spcBef>
-                <a:spcPts val="500"/>
-              </a:spcBef>
-              <a:buFont typeface="Arial" panose="020B0604020202020204" pitchFamily="34" charset="0"/>
-              <a:buChar char="•"/>
-              <a:defRPr sz="2000" kern="1200">
-                <a:solidFill>
-                  <a:schemeClr val="tx1"/>
-                </a:solidFill>
-                <a:latin typeface="+mn-lt"/>
-                <a:ea typeface="+mn-ea"/>
-                <a:cs typeface="+mn-cs"/>
-              </a:defRPr>
-            </a:lvl3pPr>
-            <a:lvl4pPr marL="1600200" indent="-228600" algn="l" defTabSz="914400" rtl="0" eaLnBrk="1" latinLnBrk="0" hangingPunct="1">
-              <a:lnSpc>
-                <a:spcPct val="90000"/>
-              </a:lnSpc>
-              <a:spcBef>
-                <a:spcPts val="500"/>
-              </a:spcBef>
-              <a:buFont typeface="Arial" panose="020B0604020202020204" pitchFamily="34" charset="0"/>
-              <a:buChar char="•"/>
-              <a:defRPr sz="1800" kern="1200">
-                <a:solidFill>
-                  <a:schemeClr val="tx1"/>
-                </a:solidFill>
-                <a:latin typeface="+mn-lt"/>
-                <a:ea typeface="+mn-ea"/>
-                <a:cs typeface="+mn-cs"/>
-              </a:defRPr>
-            </a:lvl4pPr>
-            <a:lvl5pPr marL="2057400" indent="-228600" algn="l" defTabSz="914400" rtl="0" eaLnBrk="1" latinLnBrk="0" hangingPunct="1">
-              <a:lnSpc>
-                <a:spcPct val="90000"/>
-              </a:lnSpc>
-              <a:spcBef>
-                <a:spcPts val="500"/>
-              </a:spcBef>
-              <a:buFont typeface="Arial" panose="020B0604020202020204" pitchFamily="34" charset="0"/>
-              <a:buChar char="•"/>
-              <a:defRPr sz="1800" kern="1200">
-                <a:solidFill>
-                  <a:schemeClr val="tx1"/>
-                </a:solidFill>
-                <a:latin typeface="+mn-lt"/>
-                <a:ea typeface="+mn-ea"/>
-                <a:cs typeface="+mn-cs"/>
-              </a:defRPr>
-            </a:lvl5pPr>
-            <a:lvl6pPr marL="2514600" indent="-228600" algn="l" defTabSz="914400" rtl="0" eaLnBrk="1" latinLnBrk="0" hangingPunct="1">
-              <a:lnSpc>
-                <a:spcPct val="90000"/>
-              </a:lnSpc>
-              <a:spcBef>
-                <a:spcPts val="500"/>
-              </a:spcBef>
-              <a:buFont typeface="Arial" panose="020B0604020202020204" pitchFamily="34" charset="0"/>
-              <a:buChar char="•"/>
-              <a:defRPr sz="1800" kern="1200">
-                <a:solidFill>
-                  <a:schemeClr val="tx1"/>
-                </a:solidFill>
-                <a:latin typeface="+mn-lt"/>
-                <a:ea typeface="+mn-ea"/>
-                <a:cs typeface="+mn-cs"/>
-              </a:defRPr>
-            </a:lvl6pPr>
-            <a:lvl7pPr marL="2971800" indent="-228600" algn="l" defTabSz="914400" rtl="0" eaLnBrk="1" latinLnBrk="0" hangingPunct="1">
-              <a:lnSpc>
-                <a:spcPct val="90000"/>
-              </a:lnSpc>
-              <a:spcBef>
-                <a:spcPts val="500"/>
-              </a:spcBef>
-              <a:buFont typeface="Arial" panose="020B0604020202020204" pitchFamily="34" charset="0"/>
-              <a:buChar char="•"/>
-              <a:defRPr sz="1800" kern="1200">
-                <a:solidFill>
-                  <a:schemeClr val="tx1"/>
-                </a:solidFill>
-                <a:latin typeface="+mn-lt"/>
-                <a:ea typeface="+mn-ea"/>
-                <a:cs typeface="+mn-cs"/>
-              </a:defRPr>
-            </a:lvl7pPr>
-            <a:lvl8pPr marL="3429000" indent="-228600" algn="l" defTabSz="914400" rtl="0" eaLnBrk="1" latinLnBrk="0" hangingPunct="1">
-              <a:lnSpc>
-                <a:spcPct val="90000"/>
-              </a:lnSpc>
-              <a:spcBef>
-                <a:spcPts val="500"/>
-              </a:spcBef>
-              <a:buFont typeface="Arial" panose="020B0604020202020204" pitchFamily="34" charset="0"/>
-              <a:buChar char="•"/>
-              <a:defRPr sz="1800" kern="1200">
-                <a:solidFill>
-                  <a:schemeClr val="tx1"/>
-                </a:solidFill>
-                <a:latin typeface="+mn-lt"/>
-                <a:ea typeface="+mn-ea"/>
-                <a:cs typeface="+mn-cs"/>
-              </a:defRPr>
-            </a:lvl8pPr>
-            <a:lvl9pPr marL="3886200" indent="-228600" algn="l" defTabSz="914400" rtl="0" eaLnBrk="1" latinLnBrk="0" hangingPunct="1">
-              <a:lnSpc>
-                <a:spcPct val="90000"/>
-              </a:lnSpc>
-              <a:spcBef>
-                <a:spcPts val="500"/>
-              </a:spcBef>
-              <a:buFont typeface="Arial" panose="020B0604020202020204" pitchFamily="34" charset="0"/>
-              <a:buChar char="•"/>
-              <a:defRPr sz="1800" kern="1200">
-                <a:solidFill>
-                  <a:schemeClr val="tx1"/>
-                </a:solidFill>
-                <a:latin typeface="+mn-lt"/>
-                <a:ea typeface="+mn-ea"/>
-                <a:cs typeface="+mn-cs"/>
-              </a:defRPr>
-            </a:lvl9pPr>
-          </a:lstStyle>
-          <a:p>
-            <a:pPr marL="0" indent="0" algn="ctr">
-              <a:buNone/>
-            </a:pPr>
-            <a:r>
-              <a:rPr lang="pt-BR" sz="1600" b="1" dirty="0">
-                <a:solidFill>
-                  <a:schemeClr val="bg2">
-                    <a:lumMod val="25000"/>
-                  </a:schemeClr>
-                </a:solidFill>
-                <a:cs typeface="Arial" panose="020B0604020202020204" pitchFamily="34" charset="0"/>
-              </a:rPr>
-              <a:t>SEM A APLICAÇÃO DE PRÉ-PROCESSAMENTO</a:t>
-            </a:r>
-          </a:p>
-        </p:txBody>
-      </p:sp>
-      <p:sp>
-        <p:nvSpPr>
-          <p:cNvPr id="14" name="Rectangle 8">
-            <a:extLst>
-              <a:ext uri="{FF2B5EF4-FFF2-40B4-BE49-F238E27FC236}">
-                <a16:creationId xmlns:a16="http://schemas.microsoft.com/office/drawing/2014/main" id="{7F4C3459-6C82-4757-61D0-E6E215CA1867}"/>
-              </a:ext>
-            </a:extLst>
-          </p:cNvPr>
-          <p:cNvSpPr/>
-          <p:nvPr/>
-        </p:nvSpPr>
-        <p:spPr>
-          <a:xfrm>
-            <a:off x="8787566" y="352307"/>
-            <a:ext cx="3404433" cy="1065527"/>
-          </a:xfrm>
-          <a:prstGeom prst="rect">
-            <a:avLst/>
-          </a:prstGeom>
-          <a:solidFill>
-            <a:schemeClr val="tx2">
-              <a:lumMod val="60000"/>
-              <a:lumOff val="40000"/>
-              <a:alpha val="70000"/>
-            </a:schemeClr>
-          </a:solidFill>
-          <a:ln w="12700">
-            <a:solidFill>
-              <a:schemeClr val="bg2">
-                <a:lumMod val="25000"/>
-              </a:schemeClr>
-            </a:solidFill>
-          </a:ln>
-        </p:spPr>
-        <p:style>
-          <a:lnRef idx="1">
-            <a:schemeClr val="accent3"/>
-          </a:lnRef>
-          <a:fillRef idx="2">
-            <a:schemeClr val="accent3"/>
-          </a:fillRef>
-          <a:effectRef idx="1">
-            <a:schemeClr val="accent3"/>
-          </a:effectRef>
-          <a:fontRef idx="minor">
-            <a:schemeClr val="dk1"/>
-          </a:fontRef>
-        </p:style>
-        <p:txBody>
-          <a:bodyPr vert="horz" lIns="91440" tIns="45720" rIns="91440" bIns="45720" rtlCol="0" anchor="ctr" anchorCtr="0">
-            <a:noAutofit/>
-          </a:bodyPr>
-          <a:lstStyle/>
-          <a:p>
-            <a:pPr algn="ctr">
-              <a:lnSpc>
-                <a:spcPct val="90000"/>
-              </a:lnSpc>
-              <a:spcBef>
-                <a:spcPts val="1000"/>
-              </a:spcBef>
-            </a:pPr>
-            <a:r>
-              <a:rPr lang="pt-BR" sz="1400" dirty="0" err="1">
-                <a:solidFill>
-                  <a:schemeClr val="bg2">
-                    <a:lumMod val="10000"/>
-                  </a:schemeClr>
-                </a:solidFill>
-                <a:ea typeface="Calibri" panose="020F0502020204030204" pitchFamily="34" charset="0"/>
-                <a:cs typeface="Arial" panose="020B0604020202020204" pitchFamily="34" charset="0"/>
-              </a:rPr>
-              <a:t>FreqDist</a:t>
-            </a:r>
-            <a:r>
-              <a:rPr lang="pt-BR" sz="1400" dirty="0">
-                <a:solidFill>
-                  <a:schemeClr val="bg2">
-                    <a:lumMod val="10000"/>
-                  </a:schemeClr>
-                </a:solidFill>
-                <a:ea typeface="Calibri" panose="020F0502020204030204" pitchFamily="34" charset="0"/>
-                <a:cs typeface="Arial" panose="020B0604020202020204" pitchFamily="34" charset="0"/>
-              </a:rPr>
-              <a:t>: Mensura a frequência que cada palavra aparece dentro de um contexto.</a:t>
-            </a:r>
-          </a:p>
-        </p:txBody>
-      </p:sp>
-      <p:sp>
-        <p:nvSpPr>
-          <p:cNvPr id="2" name="Arrow: Pentagon 3">
-            <a:extLst>
-              <a:ext uri="{FF2B5EF4-FFF2-40B4-BE49-F238E27FC236}">
-                <a16:creationId xmlns:a16="http://schemas.microsoft.com/office/drawing/2014/main" id="{C4EBEC0F-F874-B8A7-95B1-D8CA536072C8}"/>
-              </a:ext>
-            </a:extLst>
-          </p:cNvPr>
-          <p:cNvSpPr/>
-          <p:nvPr/>
-        </p:nvSpPr>
-        <p:spPr>
-          <a:xfrm>
-            <a:off x="-1" y="383391"/>
-            <a:ext cx="4975200" cy="630000"/>
-          </a:xfrm>
-          <a:prstGeom prst="homePlate">
-            <a:avLst/>
-          </a:prstGeom>
-          <a:solidFill>
-            <a:schemeClr val="bg2">
-              <a:lumMod val="25000"/>
-              <a:alpha val="85000"/>
-            </a:schemeClr>
-          </a:solidFill>
-        </p:spPr>
-        <p:style>
-          <a:lnRef idx="1">
-            <a:schemeClr val="accent3"/>
-          </a:lnRef>
-          <a:fillRef idx="3">
-            <a:schemeClr val="accent3"/>
-          </a:fillRef>
-          <a:effectRef idx="2">
-            <a:schemeClr val="accent3"/>
-          </a:effectRef>
-          <a:fontRef idx="minor">
-            <a:schemeClr val="lt1"/>
-          </a:fontRef>
-        </p:style>
-        <p:txBody>
-          <a:bodyPr rtlCol="0" anchor="ctr"/>
-          <a:lstStyle/>
-          <a:p>
-            <a:pPr algn="ctr"/>
-            <a:r>
-              <a:rPr lang="pt-BR" sz="3200" dirty="0">
-                <a:solidFill>
-                  <a:schemeClr val="bg1"/>
-                </a:solidFill>
-              </a:rPr>
-              <a:t>RESULTADOS E DISCUSSÕES</a:t>
-            </a:r>
-          </a:p>
-        </p:txBody>
-      </p:sp>
-      <p:sp>
-        <p:nvSpPr>
-          <p:cNvPr id="3" name="Arrow: Pentagon 5">
-            <a:extLst>
-              <a:ext uri="{FF2B5EF4-FFF2-40B4-BE49-F238E27FC236}">
-                <a16:creationId xmlns:a16="http://schemas.microsoft.com/office/drawing/2014/main" id="{7A7CC052-5685-5F75-9C9F-D732484B1FFC}"/>
-              </a:ext>
-            </a:extLst>
-          </p:cNvPr>
-          <p:cNvSpPr/>
-          <p:nvPr/>
-        </p:nvSpPr>
-        <p:spPr>
-          <a:xfrm>
-            <a:off x="0" y="933967"/>
-            <a:ext cx="3205538" cy="370852"/>
-          </a:xfrm>
-          <a:prstGeom prst="homePlate">
-            <a:avLst/>
-          </a:prstGeom>
-          <a:solidFill>
-            <a:schemeClr val="bg2">
-              <a:lumMod val="75000"/>
-              <a:alpha val="90000"/>
-            </a:schemeClr>
-          </a:solidFill>
-        </p:spPr>
-        <p:style>
-          <a:lnRef idx="1">
-            <a:schemeClr val="accent3"/>
-          </a:lnRef>
-          <a:fillRef idx="3">
-            <a:schemeClr val="accent3"/>
-          </a:fillRef>
-          <a:effectRef idx="2">
-            <a:schemeClr val="accent3"/>
-          </a:effectRef>
-          <a:fontRef idx="minor">
-            <a:schemeClr val="lt1"/>
-          </a:fontRef>
-        </p:style>
-        <p:txBody>
-          <a:bodyPr rtlCol="0" anchor="ctr"/>
-          <a:lstStyle/>
-          <a:p>
-            <a:pPr algn="ctr"/>
-            <a:r>
-              <a:rPr lang="pt-BR" sz="2000" dirty="0">
-                <a:solidFill>
-                  <a:schemeClr val="bg2">
-                    <a:lumMod val="25000"/>
-                  </a:schemeClr>
-                </a:solidFill>
-              </a:rPr>
-              <a:t>VISUALIZAÇÃO DE DADOS</a:t>
             </a:r>
           </a:p>
         </p:txBody>

--- a/Apresentação/Apresentação TCC - Vinícius Andrade Lopes.pptx
+++ b/Apresentação/Apresentação TCC - Vinícius Andrade Lopes.pptx
@@ -17,6 +17,7 @@
     <p:sldId id="266" r:id="rId11"/>
     <p:sldId id="267" r:id="rId12"/>
     <p:sldId id="268" r:id="rId13"/>
+    <p:sldId id="269" r:id="rId14"/>
   </p:sldIdLst>
   <p:sldSz cx="12192000" cy="6858000"/>
   <p:notesSz cx="6858000" cy="9144000"/>
@@ -399,7 +400,7 @@
           <a:p>
             <a:fld id="{588D7303-1349-4B3B-906B-0AD17F7A84D3}" type="datetimeFigureOut">
               <a:rPr lang="pt-BR" smtClean="0"/>
-              <a:t>18/05/2023</a:t>
+              <a:t>19/05/2023</a:t>
             </a:fld>
             <a:endParaRPr lang="pt-BR"/>
           </a:p>
@@ -607,7 +608,7 @@
           <a:p>
             <a:fld id="{588D7303-1349-4B3B-906B-0AD17F7A84D3}" type="datetimeFigureOut">
               <a:rPr lang="pt-BR" smtClean="0"/>
-              <a:t>18/05/2023</a:t>
+              <a:t>19/05/2023</a:t>
             </a:fld>
             <a:endParaRPr lang="pt-BR"/>
           </a:p>
@@ -805,7 +806,7 @@
           <a:p>
             <a:fld id="{588D7303-1349-4B3B-906B-0AD17F7A84D3}" type="datetimeFigureOut">
               <a:rPr lang="pt-BR" smtClean="0"/>
-              <a:t>18/05/2023</a:t>
+              <a:t>19/05/2023</a:t>
             </a:fld>
             <a:endParaRPr lang="pt-BR"/>
           </a:p>
@@ -1080,7 +1081,7 @@
           <a:p>
             <a:fld id="{588D7303-1349-4B3B-906B-0AD17F7A84D3}" type="datetimeFigureOut">
               <a:rPr lang="pt-BR" smtClean="0"/>
-              <a:t>18/05/2023</a:t>
+              <a:t>19/05/2023</a:t>
             </a:fld>
             <a:endParaRPr lang="pt-BR"/>
           </a:p>
@@ -1345,7 +1346,7 @@
           <a:p>
             <a:fld id="{588D7303-1349-4B3B-906B-0AD17F7A84D3}" type="datetimeFigureOut">
               <a:rPr lang="pt-BR" smtClean="0"/>
-              <a:t>18/05/2023</a:t>
+              <a:t>19/05/2023</a:t>
             </a:fld>
             <a:endParaRPr lang="pt-BR"/>
           </a:p>
@@ -1757,7 +1758,7 @@
           <a:p>
             <a:fld id="{588D7303-1349-4B3B-906B-0AD17F7A84D3}" type="datetimeFigureOut">
               <a:rPr lang="pt-BR" smtClean="0"/>
-              <a:t>18/05/2023</a:t>
+              <a:t>19/05/2023</a:t>
             </a:fld>
             <a:endParaRPr lang="pt-BR"/>
           </a:p>
@@ -1898,7 +1899,7 @@
           <a:p>
             <a:fld id="{588D7303-1349-4B3B-906B-0AD17F7A84D3}" type="datetimeFigureOut">
               <a:rPr lang="pt-BR" smtClean="0"/>
-              <a:t>18/05/2023</a:t>
+              <a:t>19/05/2023</a:t>
             </a:fld>
             <a:endParaRPr lang="pt-BR"/>
           </a:p>
@@ -2011,7 +2012,7 @@
           <a:p>
             <a:fld id="{588D7303-1349-4B3B-906B-0AD17F7A84D3}" type="datetimeFigureOut">
               <a:rPr lang="pt-BR" smtClean="0"/>
-              <a:t>18/05/2023</a:t>
+              <a:t>19/05/2023</a:t>
             </a:fld>
             <a:endParaRPr lang="pt-BR"/>
           </a:p>
@@ -2322,7 +2323,7 @@
           <a:p>
             <a:fld id="{588D7303-1349-4B3B-906B-0AD17F7A84D3}" type="datetimeFigureOut">
               <a:rPr lang="pt-BR" smtClean="0"/>
-              <a:t>18/05/2023</a:t>
+              <a:t>19/05/2023</a:t>
             </a:fld>
             <a:endParaRPr lang="pt-BR"/>
           </a:p>
@@ -2610,7 +2611,7 @@
           <a:p>
             <a:fld id="{588D7303-1349-4B3B-906B-0AD17F7A84D3}" type="datetimeFigureOut">
               <a:rPr lang="pt-BR" smtClean="0"/>
-              <a:t>18/05/2023</a:t>
+              <a:t>19/05/2023</a:t>
             </a:fld>
             <a:endParaRPr lang="pt-BR"/>
           </a:p>
@@ -2860,7 +2861,7 @@
           <a:p>
             <a:fld id="{588D7303-1349-4B3B-906B-0AD17F7A84D3}" type="datetimeFigureOut">
               <a:rPr lang="pt-BR" smtClean="0"/>
-              <a:t>18/05/2023</a:t>
+              <a:t>19/05/2023</a:t>
             </a:fld>
             <a:endParaRPr lang="pt-BR"/>
           </a:p>
@@ -4129,6 +4130,342 @@
           </a:p>
         </p:txBody>
       </p:sp>
+      <p:sp>
+        <p:nvSpPr>
+          <p:cNvPr id="4" name="Espaço Reservado para Conteúdo 2">
+            <a:extLst>
+              <a:ext uri="{FF2B5EF4-FFF2-40B4-BE49-F238E27FC236}">
+                <a16:creationId xmlns:a16="http://schemas.microsoft.com/office/drawing/2014/main" id="{9C4DD9EF-870B-56AC-5689-25272D455F4A}"/>
+              </a:ext>
+            </a:extLst>
+          </p:cNvPr>
+          <p:cNvSpPr txBox="1">
+            <a:spLocks/>
+          </p:cNvSpPr>
+          <p:nvPr/>
+        </p:nvSpPr>
+        <p:spPr>
+          <a:xfrm>
+            <a:off x="317460" y="1802892"/>
+            <a:ext cx="5643012" cy="3986277"/>
+          </a:xfrm>
+          <a:prstGeom prst="rect">
+            <a:avLst/>
+          </a:prstGeom>
+        </p:spPr>
+        <p:txBody>
+          <a:bodyPr vert="horz" lIns="91440" tIns="45720" rIns="91440" bIns="45720" rtlCol="0">
+            <a:noAutofit/>
+          </a:bodyPr>
+          <a:lstStyle>
+            <a:lvl1pPr marL="228600" indent="-228600" algn="l" defTabSz="914400" rtl="0" eaLnBrk="1" latinLnBrk="0" hangingPunct="1">
+              <a:lnSpc>
+                <a:spcPct val="90000"/>
+              </a:lnSpc>
+              <a:spcBef>
+                <a:spcPts val="1000"/>
+              </a:spcBef>
+              <a:buFont typeface="Arial" panose="020B0604020202020204" pitchFamily="34" charset="0"/>
+              <a:buChar char="•"/>
+              <a:defRPr sz="2800" kern="1200">
+                <a:solidFill>
+                  <a:schemeClr val="tx1"/>
+                </a:solidFill>
+                <a:latin typeface="+mn-lt"/>
+                <a:ea typeface="+mn-ea"/>
+                <a:cs typeface="+mn-cs"/>
+              </a:defRPr>
+            </a:lvl1pPr>
+            <a:lvl2pPr marL="685800" indent="-228600" algn="l" defTabSz="914400" rtl="0" eaLnBrk="1" latinLnBrk="0" hangingPunct="1">
+              <a:lnSpc>
+                <a:spcPct val="90000"/>
+              </a:lnSpc>
+              <a:spcBef>
+                <a:spcPts val="500"/>
+              </a:spcBef>
+              <a:buFont typeface="Arial" panose="020B0604020202020204" pitchFamily="34" charset="0"/>
+              <a:buChar char="•"/>
+              <a:defRPr sz="2400" kern="1200">
+                <a:solidFill>
+                  <a:schemeClr val="tx1"/>
+                </a:solidFill>
+                <a:latin typeface="+mn-lt"/>
+                <a:ea typeface="+mn-ea"/>
+                <a:cs typeface="+mn-cs"/>
+              </a:defRPr>
+            </a:lvl2pPr>
+            <a:lvl3pPr marL="1143000" indent="-228600" algn="l" defTabSz="914400" rtl="0" eaLnBrk="1" latinLnBrk="0" hangingPunct="1">
+              <a:lnSpc>
+                <a:spcPct val="90000"/>
+              </a:lnSpc>
+              <a:spcBef>
+                <a:spcPts val="500"/>
+              </a:spcBef>
+              <a:buFont typeface="Arial" panose="020B0604020202020204" pitchFamily="34" charset="0"/>
+              <a:buChar char="•"/>
+              <a:defRPr sz="2000" kern="1200">
+                <a:solidFill>
+                  <a:schemeClr val="tx1"/>
+                </a:solidFill>
+                <a:latin typeface="+mn-lt"/>
+                <a:ea typeface="+mn-ea"/>
+                <a:cs typeface="+mn-cs"/>
+              </a:defRPr>
+            </a:lvl3pPr>
+            <a:lvl4pPr marL="1600200" indent="-228600" algn="l" defTabSz="914400" rtl="0" eaLnBrk="1" latinLnBrk="0" hangingPunct="1">
+              <a:lnSpc>
+                <a:spcPct val="90000"/>
+              </a:lnSpc>
+              <a:spcBef>
+                <a:spcPts val="500"/>
+              </a:spcBef>
+              <a:buFont typeface="Arial" panose="020B0604020202020204" pitchFamily="34" charset="0"/>
+              <a:buChar char="•"/>
+              <a:defRPr sz="1800" kern="1200">
+                <a:solidFill>
+                  <a:schemeClr val="tx1"/>
+                </a:solidFill>
+                <a:latin typeface="+mn-lt"/>
+                <a:ea typeface="+mn-ea"/>
+                <a:cs typeface="+mn-cs"/>
+              </a:defRPr>
+            </a:lvl4pPr>
+            <a:lvl5pPr marL="2057400" indent="-228600" algn="l" defTabSz="914400" rtl="0" eaLnBrk="1" latinLnBrk="0" hangingPunct="1">
+              <a:lnSpc>
+                <a:spcPct val="90000"/>
+              </a:lnSpc>
+              <a:spcBef>
+                <a:spcPts val="500"/>
+              </a:spcBef>
+              <a:buFont typeface="Arial" panose="020B0604020202020204" pitchFamily="34" charset="0"/>
+              <a:buChar char="•"/>
+              <a:defRPr sz="1800" kern="1200">
+                <a:solidFill>
+                  <a:schemeClr val="tx1"/>
+                </a:solidFill>
+                <a:latin typeface="+mn-lt"/>
+                <a:ea typeface="+mn-ea"/>
+                <a:cs typeface="+mn-cs"/>
+              </a:defRPr>
+            </a:lvl5pPr>
+            <a:lvl6pPr marL="2514600" indent="-228600" algn="l" defTabSz="914400" rtl="0" eaLnBrk="1" latinLnBrk="0" hangingPunct="1">
+              <a:lnSpc>
+                <a:spcPct val="90000"/>
+              </a:lnSpc>
+              <a:spcBef>
+                <a:spcPts val="500"/>
+              </a:spcBef>
+              <a:buFont typeface="Arial" panose="020B0604020202020204" pitchFamily="34" charset="0"/>
+              <a:buChar char="•"/>
+              <a:defRPr sz="1800" kern="1200">
+                <a:solidFill>
+                  <a:schemeClr val="tx1"/>
+                </a:solidFill>
+                <a:latin typeface="+mn-lt"/>
+                <a:ea typeface="+mn-ea"/>
+                <a:cs typeface="+mn-cs"/>
+              </a:defRPr>
+            </a:lvl6pPr>
+            <a:lvl7pPr marL="2971800" indent="-228600" algn="l" defTabSz="914400" rtl="0" eaLnBrk="1" latinLnBrk="0" hangingPunct="1">
+              <a:lnSpc>
+                <a:spcPct val="90000"/>
+              </a:lnSpc>
+              <a:spcBef>
+                <a:spcPts val="500"/>
+              </a:spcBef>
+              <a:buFont typeface="Arial" panose="020B0604020202020204" pitchFamily="34" charset="0"/>
+              <a:buChar char="•"/>
+              <a:defRPr sz="1800" kern="1200">
+                <a:solidFill>
+                  <a:schemeClr val="tx1"/>
+                </a:solidFill>
+                <a:latin typeface="+mn-lt"/>
+                <a:ea typeface="+mn-ea"/>
+                <a:cs typeface="+mn-cs"/>
+              </a:defRPr>
+            </a:lvl7pPr>
+            <a:lvl8pPr marL="3429000" indent="-228600" algn="l" defTabSz="914400" rtl="0" eaLnBrk="1" latinLnBrk="0" hangingPunct="1">
+              <a:lnSpc>
+                <a:spcPct val="90000"/>
+              </a:lnSpc>
+              <a:spcBef>
+                <a:spcPts val="500"/>
+              </a:spcBef>
+              <a:buFont typeface="Arial" panose="020B0604020202020204" pitchFamily="34" charset="0"/>
+              <a:buChar char="•"/>
+              <a:defRPr sz="1800" kern="1200">
+                <a:solidFill>
+                  <a:schemeClr val="tx1"/>
+                </a:solidFill>
+                <a:latin typeface="+mn-lt"/>
+                <a:ea typeface="+mn-ea"/>
+                <a:cs typeface="+mn-cs"/>
+              </a:defRPr>
+            </a:lvl8pPr>
+            <a:lvl9pPr marL="3886200" indent="-228600" algn="l" defTabSz="914400" rtl="0" eaLnBrk="1" latinLnBrk="0" hangingPunct="1">
+              <a:lnSpc>
+                <a:spcPct val="90000"/>
+              </a:lnSpc>
+              <a:spcBef>
+                <a:spcPts val="500"/>
+              </a:spcBef>
+              <a:buFont typeface="Arial" panose="020B0604020202020204" pitchFamily="34" charset="0"/>
+              <a:buChar char="•"/>
+              <a:defRPr sz="1800" kern="1200">
+                <a:solidFill>
+                  <a:schemeClr val="tx1"/>
+                </a:solidFill>
+                <a:latin typeface="+mn-lt"/>
+                <a:ea typeface="+mn-ea"/>
+                <a:cs typeface="+mn-cs"/>
+              </a:defRPr>
+            </a:lvl9pPr>
+          </a:lstStyle>
+          <a:p>
+            <a:pPr algn="just"/>
+            <a:r>
+              <a:rPr lang="pt-BR" sz="2000" dirty="0">
+                <a:solidFill>
+                  <a:schemeClr val="bg2">
+                    <a:lumMod val="25000"/>
+                  </a:schemeClr>
+                </a:solidFill>
+              </a:rPr>
+              <a:t>Similaridade</a:t>
+            </a:r>
+          </a:p>
+          <a:p>
+            <a:pPr lvl="1" algn="just"/>
+            <a:r>
+              <a:rPr lang="pt-BR" sz="1600" dirty="0">
+                <a:solidFill>
+                  <a:schemeClr val="bg2">
+                    <a:lumMod val="25000"/>
+                  </a:schemeClr>
+                </a:solidFill>
+              </a:rPr>
+              <a:t>Medida que avalia o grau de semelhança entre dois ou mais elementos linguísticos.</a:t>
+            </a:r>
+          </a:p>
+          <a:p>
+            <a:pPr lvl="1" algn="just"/>
+            <a:r>
+              <a:rPr lang="pt-BR" sz="1600" dirty="0">
+                <a:solidFill>
+                  <a:schemeClr val="bg2">
+                    <a:lumMod val="25000"/>
+                  </a:schemeClr>
+                </a:solidFill>
+              </a:rPr>
+              <a:t>Categorização.</a:t>
+            </a:r>
+          </a:p>
+          <a:p>
+            <a:pPr lvl="1" algn="just"/>
+            <a:r>
+              <a:rPr lang="pt-BR" sz="1600" dirty="0">
+                <a:solidFill>
+                  <a:schemeClr val="bg2">
+                    <a:lumMod val="25000"/>
+                  </a:schemeClr>
+                </a:solidFill>
+              </a:rPr>
+              <a:t>Classificação de sentimentos.</a:t>
+            </a:r>
+          </a:p>
+          <a:p>
+            <a:pPr algn="just"/>
+            <a:r>
+              <a:rPr lang="pt-BR" sz="2000" dirty="0">
+                <a:solidFill>
+                  <a:schemeClr val="bg2">
+                    <a:lumMod val="25000"/>
+                  </a:schemeClr>
+                </a:solidFill>
+              </a:rPr>
+              <a:t>Concordância.</a:t>
+            </a:r>
+          </a:p>
+          <a:p>
+            <a:pPr lvl="1" algn="just"/>
+            <a:r>
+              <a:rPr lang="pt-BR" sz="1600" dirty="0">
+                <a:solidFill>
+                  <a:schemeClr val="bg2">
+                    <a:lumMod val="25000"/>
+                  </a:schemeClr>
+                </a:solidFill>
+              </a:rPr>
+              <a:t>Permite analisar como as palavras são usadas em diferentes contextos.</a:t>
+            </a:r>
+          </a:p>
+          <a:p>
+            <a:pPr lvl="1" algn="just"/>
+            <a:r>
+              <a:rPr lang="pt-BR" sz="1600" dirty="0">
+                <a:solidFill>
+                  <a:schemeClr val="bg2">
+                    <a:lumMod val="25000"/>
+                  </a:schemeClr>
+                </a:solidFill>
+              </a:rPr>
+              <a:t>Concordância com outras palavras em uma frase.</a:t>
+            </a:r>
+          </a:p>
+          <a:p>
+            <a:pPr algn="just"/>
+            <a:r>
+              <a:rPr lang="pt-BR" sz="2000" dirty="0">
+                <a:solidFill>
+                  <a:schemeClr val="bg2">
+                    <a:lumMod val="25000"/>
+                  </a:schemeClr>
+                </a:solidFill>
+              </a:rPr>
+              <a:t>Bigramas.</a:t>
+            </a:r>
+          </a:p>
+          <a:p>
+            <a:pPr lvl="1" algn="just"/>
+            <a:r>
+              <a:rPr lang="pt-BR" sz="1600" dirty="0">
+                <a:solidFill>
+                  <a:schemeClr val="bg2">
+                    <a:lumMod val="25000"/>
+                  </a:schemeClr>
+                </a:solidFill>
+              </a:rPr>
+              <a:t>Palavras consecutivas.</a:t>
+            </a:r>
+          </a:p>
+          <a:p>
+            <a:pPr lvl="1" algn="just"/>
+            <a:r>
+              <a:rPr lang="pt-BR" sz="1600" dirty="0">
+                <a:solidFill>
+                  <a:schemeClr val="bg2">
+                    <a:lumMod val="25000"/>
+                  </a:schemeClr>
+                </a:solidFill>
+              </a:rPr>
+              <a:t>Sequência de duas palavras consecutivas em um texto.</a:t>
+            </a:r>
+          </a:p>
+          <a:p>
+            <a:pPr lvl="1" algn="just"/>
+            <a:r>
+              <a:rPr lang="pt-BR" sz="1600" dirty="0">
+                <a:solidFill>
+                  <a:schemeClr val="bg2">
+                    <a:lumMod val="25000"/>
+                  </a:schemeClr>
+                </a:solidFill>
+              </a:rPr>
+              <a:t>Padrões de uso de palavras.</a:t>
+            </a:r>
+          </a:p>
+        </p:txBody>
+      </p:sp>
     </p:spTree>
     <p:extLst>
       <p:ext uri="{BB962C8B-B14F-4D97-AF65-F5344CB8AC3E}">
@@ -5381,6 +5718,351 @@
 </p:sld>
 </file>
 
+<file path=ppt/slides/slide13.xml><?xml version="1.0" encoding="utf-8"?>
+<p:sld xmlns:a="http://schemas.openxmlformats.org/drawingml/2006/main" xmlns:r="http://schemas.openxmlformats.org/officeDocument/2006/relationships" xmlns:p="http://schemas.openxmlformats.org/presentationml/2006/main">
+  <p:cSld>
+    <p:spTree>
+      <p:nvGrpSpPr>
+        <p:cNvPr id="1" name=""/>
+        <p:cNvGrpSpPr/>
+        <p:nvPr/>
+      </p:nvGrpSpPr>
+      <p:grpSpPr>
+        <a:xfrm>
+          <a:off x="0" y="0"/>
+          <a:ext cx="0" cy="0"/>
+          <a:chOff x="0" y="0"/>
+          <a:chExt cx="0" cy="0"/>
+        </a:xfrm>
+      </p:grpSpPr>
+      <p:sp>
+        <p:nvSpPr>
+          <p:cNvPr id="2" name="Arrow: Pentagon 3">
+            <a:extLst>
+              <a:ext uri="{FF2B5EF4-FFF2-40B4-BE49-F238E27FC236}">
+                <a16:creationId xmlns:a16="http://schemas.microsoft.com/office/drawing/2014/main" id="{9A4880F5-21A6-54BC-FC82-3BB671B0E173}"/>
+              </a:ext>
+            </a:extLst>
+          </p:cNvPr>
+          <p:cNvSpPr/>
+          <p:nvPr/>
+        </p:nvSpPr>
+        <p:spPr>
+          <a:xfrm>
+            <a:off x="0" y="178295"/>
+            <a:ext cx="4975200" cy="630000"/>
+          </a:xfrm>
+          <a:prstGeom prst="homePlate">
+            <a:avLst/>
+          </a:prstGeom>
+          <a:solidFill>
+            <a:schemeClr val="bg2">
+              <a:lumMod val="25000"/>
+              <a:alpha val="85000"/>
+            </a:schemeClr>
+          </a:solidFill>
+        </p:spPr>
+        <p:style>
+          <a:lnRef idx="1">
+            <a:schemeClr val="accent3"/>
+          </a:lnRef>
+          <a:fillRef idx="3">
+            <a:schemeClr val="accent3"/>
+          </a:fillRef>
+          <a:effectRef idx="2">
+            <a:schemeClr val="accent3"/>
+          </a:effectRef>
+          <a:fontRef idx="minor">
+            <a:schemeClr val="lt1"/>
+          </a:fontRef>
+        </p:style>
+        <p:txBody>
+          <a:bodyPr rtlCol="0" anchor="ctr"/>
+          <a:lstStyle/>
+          <a:p>
+            <a:pPr algn="ctr"/>
+            <a:r>
+              <a:rPr lang="pt-BR" sz="3200" dirty="0">
+                <a:solidFill>
+                  <a:schemeClr val="bg1"/>
+                </a:solidFill>
+              </a:rPr>
+              <a:t>CONCLUSÃO</a:t>
+            </a:r>
+          </a:p>
+        </p:txBody>
+      </p:sp>
+      <p:sp>
+        <p:nvSpPr>
+          <p:cNvPr id="9" name="Espaço Reservado para Conteúdo 2">
+            <a:extLst>
+              <a:ext uri="{FF2B5EF4-FFF2-40B4-BE49-F238E27FC236}">
+                <a16:creationId xmlns:a16="http://schemas.microsoft.com/office/drawing/2014/main" id="{BA2E9260-8C4E-550C-6D64-86415D17FABF}"/>
+              </a:ext>
+            </a:extLst>
+          </p:cNvPr>
+          <p:cNvSpPr txBox="1">
+            <a:spLocks/>
+          </p:cNvSpPr>
+          <p:nvPr/>
+        </p:nvSpPr>
+        <p:spPr>
+          <a:xfrm>
+            <a:off x="317460" y="1017918"/>
+            <a:ext cx="11569740" cy="3959524"/>
+          </a:xfrm>
+          <a:prstGeom prst="rect">
+            <a:avLst/>
+          </a:prstGeom>
+        </p:spPr>
+        <p:txBody>
+          <a:bodyPr vert="horz" lIns="91440" tIns="45720" rIns="91440" bIns="45720" rtlCol="0">
+            <a:noAutofit/>
+          </a:bodyPr>
+          <a:lstStyle>
+            <a:lvl1pPr marL="228600" indent="-228600" algn="l" defTabSz="914400" rtl="0" eaLnBrk="1" latinLnBrk="0" hangingPunct="1">
+              <a:lnSpc>
+                <a:spcPct val="90000"/>
+              </a:lnSpc>
+              <a:spcBef>
+                <a:spcPts val="1000"/>
+              </a:spcBef>
+              <a:buFont typeface="Arial" panose="020B0604020202020204" pitchFamily="34" charset="0"/>
+              <a:buChar char="•"/>
+              <a:defRPr sz="2800" kern="1200">
+                <a:solidFill>
+                  <a:schemeClr val="tx1"/>
+                </a:solidFill>
+                <a:latin typeface="+mn-lt"/>
+                <a:ea typeface="+mn-ea"/>
+                <a:cs typeface="+mn-cs"/>
+              </a:defRPr>
+            </a:lvl1pPr>
+            <a:lvl2pPr marL="685800" indent="-228600" algn="l" defTabSz="914400" rtl="0" eaLnBrk="1" latinLnBrk="0" hangingPunct="1">
+              <a:lnSpc>
+                <a:spcPct val="90000"/>
+              </a:lnSpc>
+              <a:spcBef>
+                <a:spcPts val="500"/>
+              </a:spcBef>
+              <a:buFont typeface="Arial" panose="020B0604020202020204" pitchFamily="34" charset="0"/>
+              <a:buChar char="•"/>
+              <a:defRPr sz="2400" kern="1200">
+                <a:solidFill>
+                  <a:schemeClr val="tx1"/>
+                </a:solidFill>
+                <a:latin typeface="+mn-lt"/>
+                <a:ea typeface="+mn-ea"/>
+                <a:cs typeface="+mn-cs"/>
+              </a:defRPr>
+            </a:lvl2pPr>
+            <a:lvl3pPr marL="1143000" indent="-228600" algn="l" defTabSz="914400" rtl="0" eaLnBrk="1" latinLnBrk="0" hangingPunct="1">
+              <a:lnSpc>
+                <a:spcPct val="90000"/>
+              </a:lnSpc>
+              <a:spcBef>
+                <a:spcPts val="500"/>
+              </a:spcBef>
+              <a:buFont typeface="Arial" panose="020B0604020202020204" pitchFamily="34" charset="0"/>
+              <a:buChar char="•"/>
+              <a:defRPr sz="2000" kern="1200">
+                <a:solidFill>
+                  <a:schemeClr val="tx1"/>
+                </a:solidFill>
+                <a:latin typeface="+mn-lt"/>
+                <a:ea typeface="+mn-ea"/>
+                <a:cs typeface="+mn-cs"/>
+              </a:defRPr>
+            </a:lvl3pPr>
+            <a:lvl4pPr marL="1600200" indent="-228600" algn="l" defTabSz="914400" rtl="0" eaLnBrk="1" latinLnBrk="0" hangingPunct="1">
+              <a:lnSpc>
+                <a:spcPct val="90000"/>
+              </a:lnSpc>
+              <a:spcBef>
+                <a:spcPts val="500"/>
+              </a:spcBef>
+              <a:buFont typeface="Arial" panose="020B0604020202020204" pitchFamily="34" charset="0"/>
+              <a:buChar char="•"/>
+              <a:defRPr sz="1800" kern="1200">
+                <a:solidFill>
+                  <a:schemeClr val="tx1"/>
+                </a:solidFill>
+                <a:latin typeface="+mn-lt"/>
+                <a:ea typeface="+mn-ea"/>
+                <a:cs typeface="+mn-cs"/>
+              </a:defRPr>
+            </a:lvl4pPr>
+            <a:lvl5pPr marL="2057400" indent="-228600" algn="l" defTabSz="914400" rtl="0" eaLnBrk="1" latinLnBrk="0" hangingPunct="1">
+              <a:lnSpc>
+                <a:spcPct val="90000"/>
+              </a:lnSpc>
+              <a:spcBef>
+                <a:spcPts val="500"/>
+              </a:spcBef>
+              <a:buFont typeface="Arial" panose="020B0604020202020204" pitchFamily="34" charset="0"/>
+              <a:buChar char="•"/>
+              <a:defRPr sz="1800" kern="1200">
+                <a:solidFill>
+                  <a:schemeClr val="tx1"/>
+                </a:solidFill>
+                <a:latin typeface="+mn-lt"/>
+                <a:ea typeface="+mn-ea"/>
+                <a:cs typeface="+mn-cs"/>
+              </a:defRPr>
+            </a:lvl5pPr>
+            <a:lvl6pPr marL="2514600" indent="-228600" algn="l" defTabSz="914400" rtl="0" eaLnBrk="1" latinLnBrk="0" hangingPunct="1">
+              <a:lnSpc>
+                <a:spcPct val="90000"/>
+              </a:lnSpc>
+              <a:spcBef>
+                <a:spcPts val="500"/>
+              </a:spcBef>
+              <a:buFont typeface="Arial" panose="020B0604020202020204" pitchFamily="34" charset="0"/>
+              <a:buChar char="•"/>
+              <a:defRPr sz="1800" kern="1200">
+                <a:solidFill>
+                  <a:schemeClr val="tx1"/>
+                </a:solidFill>
+                <a:latin typeface="+mn-lt"/>
+                <a:ea typeface="+mn-ea"/>
+                <a:cs typeface="+mn-cs"/>
+              </a:defRPr>
+            </a:lvl6pPr>
+            <a:lvl7pPr marL="2971800" indent="-228600" algn="l" defTabSz="914400" rtl="0" eaLnBrk="1" latinLnBrk="0" hangingPunct="1">
+              <a:lnSpc>
+                <a:spcPct val="90000"/>
+              </a:lnSpc>
+              <a:spcBef>
+                <a:spcPts val="500"/>
+              </a:spcBef>
+              <a:buFont typeface="Arial" panose="020B0604020202020204" pitchFamily="34" charset="0"/>
+              <a:buChar char="•"/>
+              <a:defRPr sz="1800" kern="1200">
+                <a:solidFill>
+                  <a:schemeClr val="tx1"/>
+                </a:solidFill>
+                <a:latin typeface="+mn-lt"/>
+                <a:ea typeface="+mn-ea"/>
+                <a:cs typeface="+mn-cs"/>
+              </a:defRPr>
+            </a:lvl7pPr>
+            <a:lvl8pPr marL="3429000" indent="-228600" algn="l" defTabSz="914400" rtl="0" eaLnBrk="1" latinLnBrk="0" hangingPunct="1">
+              <a:lnSpc>
+                <a:spcPct val="90000"/>
+              </a:lnSpc>
+              <a:spcBef>
+                <a:spcPts val="500"/>
+              </a:spcBef>
+              <a:buFont typeface="Arial" panose="020B0604020202020204" pitchFamily="34" charset="0"/>
+              <a:buChar char="•"/>
+              <a:defRPr sz="1800" kern="1200">
+                <a:solidFill>
+                  <a:schemeClr val="tx1"/>
+                </a:solidFill>
+                <a:latin typeface="+mn-lt"/>
+                <a:ea typeface="+mn-ea"/>
+                <a:cs typeface="+mn-cs"/>
+              </a:defRPr>
+            </a:lvl8pPr>
+            <a:lvl9pPr marL="3886200" indent="-228600" algn="l" defTabSz="914400" rtl="0" eaLnBrk="1" latinLnBrk="0" hangingPunct="1">
+              <a:lnSpc>
+                <a:spcPct val="90000"/>
+              </a:lnSpc>
+              <a:spcBef>
+                <a:spcPts val="500"/>
+              </a:spcBef>
+              <a:buFont typeface="Arial" panose="020B0604020202020204" pitchFamily="34" charset="0"/>
+              <a:buChar char="•"/>
+              <a:defRPr sz="1800" kern="1200">
+                <a:solidFill>
+                  <a:schemeClr val="tx1"/>
+                </a:solidFill>
+                <a:latin typeface="+mn-lt"/>
+                <a:ea typeface="+mn-ea"/>
+                <a:cs typeface="+mn-cs"/>
+              </a:defRPr>
+            </a:lvl9pPr>
+          </a:lstStyle>
+          <a:p>
+            <a:pPr algn="just"/>
+            <a:r>
+              <a:rPr lang="pt-BR" sz="1800" dirty="0">
+                <a:solidFill>
+                  <a:schemeClr val="bg2">
+                    <a:lumMod val="25000"/>
+                  </a:schemeClr>
+                </a:solidFill>
+              </a:rPr>
+              <a:t>As ferramentas disponibilizadas pela biblioteca NLTK são robustas o suficiente para gerar análises avançadas. Porém, é necessários ter um certo conhecimento para implementar essas funcionalidades.</a:t>
+            </a:r>
+          </a:p>
+          <a:p>
+            <a:pPr algn="just"/>
+            <a:r>
+              <a:rPr lang="pt-BR" sz="1800" dirty="0">
+                <a:solidFill>
+                  <a:schemeClr val="bg2">
+                    <a:lumMod val="25000"/>
+                  </a:schemeClr>
+                </a:solidFill>
+              </a:rPr>
+              <a:t>Entender toda a estrutura/formatação dos dados que serão analisados é de suma importância para a etapa de pré-processamento das informações.</a:t>
+            </a:r>
+          </a:p>
+          <a:p>
+            <a:pPr algn="just"/>
+            <a:r>
+              <a:rPr lang="pt-BR" sz="1800" dirty="0">
+                <a:solidFill>
+                  <a:schemeClr val="bg2">
+                    <a:lumMod val="25000"/>
+                  </a:schemeClr>
+                </a:solidFill>
+              </a:rPr>
+              <a:t>Um fluxo robusto de extração, transformação e armazenamento de dados será decisivo para definição das etapas analíticas.</a:t>
+            </a:r>
+          </a:p>
+          <a:p>
+            <a:pPr algn="just"/>
+            <a:r>
+              <a:rPr lang="pt-BR" sz="1800" dirty="0">
+                <a:solidFill>
+                  <a:schemeClr val="bg2">
+                    <a:lumMod val="25000"/>
+                  </a:schemeClr>
+                </a:solidFill>
+              </a:rPr>
+              <a:t>Foi possível constatar o funcionamento analítico da biblioteca em mais de um idioma.</a:t>
+            </a:r>
+          </a:p>
+          <a:p>
+            <a:pPr algn="just"/>
+            <a:r>
+              <a:rPr lang="pt-BR" sz="1800" dirty="0">
+                <a:solidFill>
+                  <a:schemeClr val="bg2">
+                    <a:lumMod val="25000"/>
+                  </a:schemeClr>
+                </a:solidFill>
+              </a:rPr>
+              <a:t>Com a aplicação das técnicas de similaridade, concordância e bigramas, foi possível entender o significado de algumas palavras, mesmo para quem não teve contato com o universo Harry Potter.</a:t>
+            </a:r>
+          </a:p>
+        </p:txBody>
+      </p:sp>
+    </p:spTree>
+    <p:extLst>
+      <p:ext uri="{BB962C8B-B14F-4D97-AF65-F5344CB8AC3E}">
+        <p14:creationId xmlns:p14="http://schemas.microsoft.com/office/powerpoint/2010/main" val="734470075"/>
+      </p:ext>
+    </p:extLst>
+  </p:cSld>
+  <p:clrMapOvr>
+    <a:masterClrMapping/>
+  </p:clrMapOvr>
+</p:sld>
+</file>
+
 <file path=ppt/slides/slide2.xml><?xml version="1.0" encoding="utf-8"?>
 <p:sld xmlns:a="http://schemas.openxmlformats.org/drawingml/2006/main" xmlns:r="http://schemas.openxmlformats.org/officeDocument/2006/relationships" xmlns:p="http://schemas.openxmlformats.org/presentationml/2006/main">
   <p:cSld>
@@ -5416,19 +6098,19 @@
         </p:nvSpPr>
         <p:spPr>
           <a:xfrm>
-            <a:off x="539483" y="2051214"/>
-            <a:ext cx="4974204" cy="3204143"/>
+            <a:off x="410087" y="1688905"/>
+            <a:ext cx="4974204" cy="4185684"/>
           </a:xfrm>
         </p:spPr>
         <p:txBody>
           <a:bodyPr>
-            <a:normAutofit/>
+            <a:noAutofit/>
           </a:bodyPr>
           <a:lstStyle/>
           <a:p>
             <a:pPr algn="just"/>
             <a:r>
-              <a:rPr lang="pt-BR" sz="1600" dirty="0">
+              <a:rPr lang="pt-BR" sz="2400" dirty="0">
                 <a:solidFill>
                   <a:schemeClr val="bg2">
                     <a:lumMod val="25000"/>
@@ -5442,7 +6124,7 @@
           <a:p>
             <a:pPr algn="just"/>
             <a:r>
-              <a:rPr lang="pt-BR" sz="1600" dirty="0">
+              <a:rPr lang="pt-BR" sz="2400" dirty="0">
                 <a:solidFill>
                   <a:schemeClr val="bg2">
                     <a:lumMod val="25000"/>
@@ -5459,7 +6141,7 @@
               <a:buAutoNum type="alphaLcPeriod"/>
             </a:pPr>
             <a:r>
-              <a:rPr lang="pt-BR" sz="1600" dirty="0">
+              <a:rPr lang="pt-BR" dirty="0">
                 <a:solidFill>
                   <a:schemeClr val="bg2">
                     <a:lumMod val="25000"/>
@@ -5476,7 +6158,7 @@
               <a:buAutoNum type="alphaLcPeriod"/>
             </a:pPr>
             <a:r>
-              <a:rPr lang="pt-BR" sz="1600" dirty="0">
+              <a:rPr lang="pt-BR" dirty="0">
                 <a:solidFill>
                   <a:schemeClr val="bg2">
                     <a:lumMod val="25000"/>
@@ -5493,7 +6175,7 @@
               <a:buAutoNum type="alphaLcPeriod"/>
             </a:pPr>
             <a:r>
-              <a:rPr lang="pt-BR" sz="1600" dirty="0">
+              <a:rPr lang="pt-BR" dirty="0">
                 <a:solidFill>
                   <a:schemeClr val="bg2">
                     <a:lumMod val="25000"/>
@@ -5510,7 +6192,7 @@
               <a:buAutoNum type="alphaLcPeriod"/>
             </a:pPr>
             <a:r>
-              <a:rPr lang="pt-BR" sz="1600" dirty="0">
+              <a:rPr lang="pt-BR" dirty="0">
                 <a:solidFill>
                   <a:schemeClr val="bg2">
                     <a:lumMod val="25000"/>
@@ -5524,7 +6206,7 @@
           <a:p>
             <a:pPr algn="just"/>
             <a:r>
-              <a:rPr lang="pt-BR" sz="1600" dirty="0">
+              <a:rPr lang="pt-BR" sz="2400" dirty="0">
                 <a:solidFill>
                   <a:schemeClr val="bg2">
                     <a:lumMod val="25000"/>
@@ -5538,7 +6220,7 @@
           <a:p>
             <a:pPr algn="just"/>
             <a:r>
-              <a:rPr lang="pt-BR" sz="1600" dirty="0">
+              <a:rPr lang="pt-BR" sz="2400" dirty="0">
                 <a:solidFill>
                   <a:schemeClr val="bg2">
                     <a:lumMod val="25000"/>
@@ -5552,7 +6234,7 @@
           <a:p>
             <a:pPr algn="just"/>
             <a:r>
-              <a:rPr lang="pt-BR" sz="1600" dirty="0">
+              <a:rPr lang="pt-BR" sz="2400" dirty="0">
                 <a:solidFill>
                   <a:schemeClr val="bg2">
                     <a:lumMod val="25000"/>
@@ -5638,8 +6320,8 @@
         </p:nvSpPr>
         <p:spPr>
           <a:xfrm>
-            <a:off x="5841668" y="2540181"/>
-            <a:ext cx="5810849" cy="1777638"/>
+            <a:off x="5876173" y="2253501"/>
+            <a:ext cx="6011027" cy="2350997"/>
           </a:xfrm>
           <a:prstGeom prst="rect">
             <a:avLst/>
@@ -5848,7 +6530,7 @@
               <a:buNone/>
             </a:pPr>
             <a:r>
-              <a:rPr lang="pt-BR" sz="1600" dirty="0">
+              <a:rPr lang="pt-BR" sz="2000" dirty="0">
                 <a:solidFill>
                   <a:schemeClr val="bg2">
                     <a:lumMod val="10000"/>
@@ -5859,7 +6541,7 @@
               </a:rPr>
               <a:t>Desenvolver uma base de dados estruturada, sem erros de formatação e com os devidos parâmetros definidos, facilita a objetividade da visualização e análise das informações (Wickham, 2016).</a:t>
             </a:r>
-            <a:endParaRPr lang="pt-BR" sz="1600" dirty="0">
+            <a:endParaRPr lang="pt-BR" sz="2000" dirty="0">
               <a:solidFill>
                 <a:schemeClr val="bg2">
                   <a:lumMod val="10000"/>
@@ -5918,19 +6600,19 @@
         </p:nvSpPr>
         <p:spPr>
           <a:xfrm>
-            <a:off x="485225" y="1690689"/>
+            <a:off x="452988" y="1242115"/>
             <a:ext cx="5643012" cy="4243580"/>
           </a:xfrm>
         </p:spPr>
         <p:txBody>
           <a:bodyPr>
-            <a:normAutofit/>
+            <a:noAutofit/>
           </a:bodyPr>
           <a:lstStyle/>
           <a:p>
             <a:pPr algn="just"/>
             <a:r>
-              <a:rPr lang="pt-BR" sz="1600" dirty="0">
+              <a:rPr lang="pt-BR" sz="2000" dirty="0">
                 <a:solidFill>
                   <a:schemeClr val="bg2">
                     <a:lumMod val="25000"/>
@@ -5943,7 +6625,7 @@
           <a:p>
             <a:pPr algn="just"/>
             <a:r>
-              <a:rPr lang="pt-BR" sz="1600" dirty="0">
+              <a:rPr lang="pt-BR" sz="2000" dirty="0">
                 <a:solidFill>
                   <a:schemeClr val="bg2">
                     <a:lumMod val="25000"/>
@@ -5952,22 +6634,17 @@
               </a:rPr>
               <a:t>Processamento de Linguagem Natural – PLN.</a:t>
             </a:r>
-            <a:endParaRPr lang="pt-BR" sz="1200" dirty="0">
-              <a:solidFill>
-                <a:schemeClr val="bg2">
-                  <a:lumMod val="25000"/>
-                </a:schemeClr>
-              </a:solidFill>
-            </a:endParaRPr>
-          </a:p>
-          <a:p>
-            <a:pPr marL="666750" lvl="1" algn="just">
+          </a:p>
+          <a:p>
+            <a:pPr marL="895350" lvl="1" indent="-457200" algn="just">
               <a:lnSpc>
                 <a:spcPct val="100000"/>
               </a:lnSpc>
+              <a:buFont typeface="+mj-lt"/>
+              <a:buAutoNum type="alphaLcPeriod"/>
             </a:pPr>
             <a:r>
-              <a:rPr lang="pt-BR" sz="1600" dirty="0">
+              <a:rPr lang="pt-BR" sz="2000" dirty="0">
                 <a:solidFill>
                   <a:schemeClr val="bg2">
                     <a:lumMod val="25000"/>
@@ -5978,9 +6655,12 @@
             </a:r>
           </a:p>
           <a:p>
-            <a:pPr marL="666750" lvl="1" algn="just"/>
-            <a:r>
-              <a:rPr lang="pt-BR" sz="1600" dirty="0">
+            <a:pPr marL="895350" lvl="1" indent="-457200" algn="just">
+              <a:buFont typeface="+mj-lt"/>
+              <a:buAutoNum type="alphaLcPeriod"/>
+            </a:pPr>
+            <a:r>
+              <a:rPr lang="pt-BR" sz="2000" dirty="0">
                 <a:solidFill>
                   <a:schemeClr val="bg2">
                     <a:lumMod val="25000"/>
@@ -5991,9 +6671,12 @@
             </a:r>
           </a:p>
           <a:p>
-            <a:pPr marL="666750" lvl="1" algn="just"/>
-            <a:r>
-              <a:rPr lang="pt-BR" sz="1600" dirty="0">
+            <a:pPr marL="895350" lvl="1" indent="-457200" algn="just">
+              <a:buFont typeface="+mj-lt"/>
+              <a:buAutoNum type="alphaLcPeriod"/>
+            </a:pPr>
+            <a:r>
+              <a:rPr lang="pt-BR" sz="2000" dirty="0">
                 <a:solidFill>
                   <a:schemeClr val="bg2">
                     <a:lumMod val="25000"/>
@@ -6004,9 +6687,12 @@
             </a:r>
           </a:p>
           <a:p>
-            <a:pPr marL="666750" lvl="1" algn="just"/>
-            <a:r>
-              <a:rPr lang="pt-BR" sz="1600" dirty="0">
+            <a:pPr marL="895350" lvl="1" indent="-457200" algn="just">
+              <a:buFont typeface="+mj-lt"/>
+              <a:buAutoNum type="alphaLcPeriod"/>
+            </a:pPr>
+            <a:r>
+              <a:rPr lang="pt-BR" sz="2000" dirty="0">
                 <a:solidFill>
                   <a:schemeClr val="bg2">
                     <a:lumMod val="25000"/>
@@ -6017,9 +6703,12 @@
             </a:r>
           </a:p>
           <a:p>
-            <a:pPr marL="666750" lvl="1" algn="just"/>
-            <a:r>
-              <a:rPr lang="pt-BR" sz="1600" dirty="0">
+            <a:pPr marL="895350" lvl="1" indent="-457200" algn="just">
+              <a:buFont typeface="+mj-lt"/>
+              <a:buAutoNum type="alphaLcPeriod"/>
+            </a:pPr>
+            <a:r>
+              <a:rPr lang="pt-BR" sz="2000" dirty="0">
                 <a:solidFill>
                   <a:schemeClr val="bg2">
                     <a:lumMod val="25000"/>
@@ -6030,9 +6719,12 @@
             </a:r>
           </a:p>
           <a:p>
-            <a:pPr marL="666750" lvl="1" algn="just"/>
-            <a:r>
-              <a:rPr lang="pt-BR" sz="1600" dirty="0">
+            <a:pPr marL="895350" lvl="1" indent="-457200" algn="just">
+              <a:buFont typeface="+mj-lt"/>
+              <a:buAutoNum type="alphaLcPeriod"/>
+            </a:pPr>
+            <a:r>
+              <a:rPr lang="pt-BR" sz="2000" dirty="0">
                 <a:solidFill>
                   <a:schemeClr val="bg2">
                     <a:lumMod val="25000"/>
@@ -6045,7 +6737,7 @@
           <a:p>
             <a:pPr algn="just"/>
             <a:r>
-              <a:rPr lang="pt-BR" sz="1600" dirty="0">
+              <a:rPr lang="pt-BR" sz="2000" dirty="0">
                 <a:solidFill>
                   <a:schemeClr val="bg2">
                     <a:lumMod val="25000"/>
@@ -6058,7 +6750,7 @@
           <a:p>
             <a:pPr algn="just"/>
             <a:r>
-              <a:rPr lang="pt-BR" sz="1600" dirty="0">
+              <a:rPr lang="pt-BR" sz="2000" dirty="0">
                 <a:solidFill>
                   <a:schemeClr val="bg2">
                     <a:lumMod val="25000"/>
@@ -6071,7 +6763,7 @@
           <a:p>
             <a:pPr algn="just"/>
             <a:r>
-              <a:rPr lang="pt-BR" sz="1600" dirty="0">
+              <a:rPr lang="pt-BR" sz="2000" dirty="0">
                 <a:solidFill>
                   <a:schemeClr val="bg2">
                     <a:lumMod val="25000"/>
@@ -6097,8 +6789,8 @@
         </p:nvSpPr>
         <p:spPr>
           <a:xfrm>
-            <a:off x="6316610" y="2815629"/>
-            <a:ext cx="5643012" cy="1783690"/>
+            <a:off x="6307984" y="2008045"/>
+            <a:ext cx="5643012" cy="2841909"/>
           </a:xfrm>
           <a:prstGeom prst="rect">
             <a:avLst/>
@@ -6147,7 +6839,7 @@
               </a:spcBef>
             </a:pPr>
             <a:r>
-              <a:rPr lang="pt-BR" sz="1600" dirty="0">
+              <a:rPr lang="pt-BR" dirty="0">
                 <a:solidFill>
                   <a:schemeClr val="bg2">
                     <a:lumMod val="10000"/>
@@ -6159,7 +6851,7 @@
               <a:t>O objetivo deste trabalho é utilizar técnicas de processamento de linguagem natural nos “</a:t>
             </a:r>
             <a:r>
-              <a:rPr lang="pt-BR" sz="1600" dirty="0" err="1">
+              <a:rPr lang="pt-BR" dirty="0" err="1">
                 <a:solidFill>
                   <a:schemeClr val="bg2">
                     <a:lumMod val="10000"/>
@@ -6171,7 +6863,7 @@
               <a:t>datasets</a:t>
             </a:r>
             <a:r>
-              <a:rPr lang="pt-BR" sz="1600" dirty="0">
+              <a:rPr lang="pt-BR" dirty="0">
                 <a:solidFill>
                   <a:schemeClr val="bg2">
                     <a:lumMod val="10000"/>
@@ -6192,7 +6884,7 @@
                 <a:spcPts val="1000"/>
               </a:spcBef>
             </a:pPr>
-            <a:endParaRPr lang="pt-BR" sz="1600" dirty="0">
+            <a:endParaRPr lang="pt-BR" dirty="0">
               <a:solidFill>
                 <a:schemeClr val="bg2">
                   <a:lumMod val="10000"/>
@@ -6363,7 +7055,7 @@
         <p:spPr>
           <a:xfrm>
             <a:off x="452988" y="2490224"/>
-            <a:ext cx="5643012" cy="1877551"/>
+            <a:ext cx="5643012" cy="2124908"/>
           </a:xfrm>
           <a:prstGeom prst="rect">
             <a:avLst/>
@@ -6412,7 +7104,7 @@
               </a:spcBef>
             </a:pPr>
             <a:r>
-              <a:rPr lang="pt-BR" sz="1600" dirty="0">
+              <a:rPr lang="pt-BR" dirty="0">
                 <a:solidFill>
                   <a:schemeClr val="bg2">
                     <a:lumMod val="10000"/>
@@ -6424,7 +7116,7 @@
               <a:t>A estratégia de pesquisa utilizada no desenvolvimento deste projeto será exploratória, visando apresentar de forma clara e concisa, didática e prática, a implementação das técnicas de processamento de linguagem natural disponibilizadas pela biblioteca “Natural </a:t>
             </a:r>
             <a:r>
-              <a:rPr lang="pt-BR" sz="1600" dirty="0" err="1">
+              <a:rPr lang="pt-BR" dirty="0" err="1">
                 <a:solidFill>
                   <a:schemeClr val="bg2">
                     <a:lumMod val="10000"/>
@@ -6436,7 +7128,7 @@
               <a:t>Language</a:t>
             </a:r>
             <a:r>
-              <a:rPr lang="pt-BR" sz="1600" dirty="0">
+              <a:rPr lang="pt-BR" dirty="0">
                 <a:solidFill>
                   <a:schemeClr val="bg2">
                     <a:lumMod val="10000"/>
@@ -6459,7 +7151,7 @@
               <a:buFont typeface="Arial" panose="020B0604020202020204" pitchFamily="34" charset="0"/>
               <a:buChar char="•"/>
             </a:pPr>
-            <a:endParaRPr lang="pt-BR" sz="1600" b="1" dirty="0">
+            <a:endParaRPr lang="pt-BR" b="1" dirty="0">
               <a:solidFill>
                 <a:schemeClr val="bg2">
                   <a:lumMod val="10000"/>
@@ -6487,8 +7179,8 @@
         </p:nvSpPr>
         <p:spPr>
           <a:xfrm>
-            <a:off x="6283193" y="2069826"/>
-            <a:ext cx="5643012" cy="3171022"/>
+            <a:off x="6283193" y="1843489"/>
+            <a:ext cx="5643012" cy="3504888"/>
           </a:xfrm>
           <a:prstGeom prst="rect">
             <a:avLst/>
@@ -6496,7 +7188,7 @@
         </p:spPr>
         <p:txBody>
           <a:bodyPr vert="horz" lIns="91440" tIns="45720" rIns="91440" bIns="45720" rtlCol="0">
-            <a:normAutofit/>
+            <a:noAutofit/>
           </a:bodyPr>
           <a:lstStyle>
             <a:lvl1pPr marL="228600" indent="-228600" algn="l" defTabSz="914400" rtl="0" eaLnBrk="1" latinLnBrk="0" hangingPunct="1">
@@ -6665,7 +7357,7 @@
           <a:p>
             <a:pPr algn="just"/>
             <a:r>
-              <a:rPr lang="pt-BR" sz="1600" dirty="0">
+              <a:rPr lang="pt-BR" sz="2000" dirty="0">
                 <a:solidFill>
                   <a:schemeClr val="bg2">
                     <a:lumMod val="25000"/>
@@ -6675,7 +7367,7 @@
               <a:t>NLTK – Natural </a:t>
             </a:r>
             <a:r>
-              <a:rPr lang="pt-BR" sz="1600" dirty="0" err="1">
+              <a:rPr lang="pt-BR" sz="2000" dirty="0" err="1">
                 <a:solidFill>
                   <a:schemeClr val="bg2">
                     <a:lumMod val="25000"/>
@@ -6685,7 +7377,7 @@
               <a:t>Language</a:t>
             </a:r>
             <a:r>
-              <a:rPr lang="pt-BR" sz="1600" dirty="0">
+              <a:rPr lang="pt-BR" sz="2000" dirty="0">
                 <a:solidFill>
                   <a:schemeClr val="bg2">
                     <a:lumMod val="25000"/>
@@ -6694,22 +7386,17 @@
               </a:rPr>
               <a:t> Toolkit.</a:t>
             </a:r>
-            <a:endParaRPr lang="pt-BR" sz="1200" dirty="0">
-              <a:solidFill>
-                <a:schemeClr val="bg2">
-                  <a:lumMod val="25000"/>
-                </a:schemeClr>
-              </a:solidFill>
-            </a:endParaRPr>
-          </a:p>
-          <a:p>
-            <a:pPr marL="666750" lvl="1" algn="just">
+          </a:p>
+          <a:p>
+            <a:pPr marL="895350" lvl="1" indent="-457200" algn="just">
               <a:lnSpc>
                 <a:spcPct val="100000"/>
               </a:lnSpc>
+              <a:buFont typeface="+mj-lt"/>
+              <a:buAutoNum type="alphaLcPeriod"/>
             </a:pPr>
             <a:r>
-              <a:rPr lang="pt-BR" sz="1600" dirty="0">
+              <a:rPr lang="pt-BR" sz="2000" dirty="0">
                 <a:solidFill>
                   <a:schemeClr val="bg2">
                     <a:lumMod val="25000"/>
@@ -6720,13 +7407,15 @@
             </a:r>
           </a:p>
           <a:p>
-            <a:pPr marL="666750" lvl="1" algn="just">
+            <a:pPr marL="895350" lvl="1" indent="-457200" algn="just">
               <a:lnSpc>
                 <a:spcPct val="100000"/>
               </a:lnSpc>
+              <a:buFont typeface="+mj-lt"/>
+              <a:buAutoNum type="alphaLcPeriod"/>
             </a:pPr>
             <a:r>
-              <a:rPr lang="pt-BR" sz="1600" dirty="0">
+              <a:rPr lang="pt-BR" sz="2000" dirty="0">
                 <a:solidFill>
                   <a:schemeClr val="bg2">
                     <a:lumMod val="25000"/>
@@ -6737,9 +7426,12 @@
             </a:r>
           </a:p>
           <a:p>
-            <a:pPr marL="666750" lvl="1" algn="just"/>
-            <a:r>
-              <a:rPr lang="pt-BR" sz="1600" dirty="0">
+            <a:pPr marL="895350" lvl="1" indent="-457200" algn="just">
+              <a:buFont typeface="+mj-lt"/>
+              <a:buAutoNum type="alphaLcPeriod"/>
+            </a:pPr>
+            <a:r>
+              <a:rPr lang="pt-BR" sz="2000" dirty="0">
                 <a:solidFill>
                   <a:schemeClr val="bg2">
                     <a:lumMod val="25000"/>
@@ -6750,9 +7442,12 @@
             </a:r>
           </a:p>
           <a:p>
-            <a:pPr marL="666750" lvl="1" algn="just"/>
-            <a:r>
-              <a:rPr lang="pt-BR" sz="1600" dirty="0">
+            <a:pPr marL="895350" lvl="1" indent="-457200" algn="just">
+              <a:buFont typeface="+mj-lt"/>
+              <a:buAutoNum type="alphaLcPeriod"/>
+            </a:pPr>
+            <a:r>
+              <a:rPr lang="pt-BR" sz="2000" dirty="0">
                 <a:solidFill>
                   <a:schemeClr val="bg2">
                     <a:lumMod val="25000"/>
@@ -6763,9 +7458,12 @@
             </a:r>
           </a:p>
           <a:p>
-            <a:pPr marL="666750" lvl="1" algn="just"/>
-            <a:r>
-              <a:rPr lang="pt-BR" sz="1600" dirty="0">
+            <a:pPr marL="895350" lvl="1" indent="-457200" algn="just">
+              <a:buFont typeface="+mj-lt"/>
+              <a:buAutoNum type="alphaLcPeriod"/>
+            </a:pPr>
+            <a:r>
+              <a:rPr lang="pt-BR" sz="2000" dirty="0">
                 <a:solidFill>
                   <a:schemeClr val="bg2">
                     <a:lumMod val="25000"/>
@@ -6778,7 +7476,7 @@
           <a:p>
             <a:pPr algn="just"/>
             <a:r>
-              <a:rPr lang="pt-BR" sz="1600" dirty="0">
+              <a:rPr lang="pt-BR" sz="2000" dirty="0">
                 <a:solidFill>
                   <a:schemeClr val="bg2">
                     <a:lumMod val="25000"/>
@@ -6791,7 +7489,7 @@
           <a:p>
             <a:pPr algn="just"/>
             <a:r>
-              <a:rPr lang="pt-BR" sz="1600" dirty="0">
+              <a:rPr lang="pt-BR" sz="2000" dirty="0">
                 <a:solidFill>
                   <a:schemeClr val="bg2">
                     <a:lumMod val="25000"/>
@@ -6962,8 +7660,8 @@
         </p:nvSpPr>
         <p:spPr>
           <a:xfrm>
-            <a:off x="319248" y="3254056"/>
-            <a:ext cx="5643012" cy="2214238"/>
+            <a:off x="319248" y="3254055"/>
+            <a:ext cx="5643012" cy="2561269"/>
           </a:xfrm>
           <a:prstGeom prst="rect">
             <a:avLst/>
@@ -7012,7 +7710,7 @@
               <a:buChar char="•"/>
             </a:pPr>
             <a:r>
-              <a:rPr lang="pt-BR" sz="1600" dirty="0">
+              <a:rPr lang="pt-BR" dirty="0">
                 <a:solidFill>
                   <a:schemeClr val="bg2">
                     <a:lumMod val="10000"/>
@@ -7024,7 +7722,7 @@
               <a:t>Para a extração de informações dos livros, foi utilizado arquivos no formato .</a:t>
             </a:r>
             <a:r>
-              <a:rPr lang="pt-BR" sz="1600" dirty="0" err="1">
+              <a:rPr lang="pt-BR" dirty="0" err="1">
                 <a:solidFill>
                   <a:schemeClr val="bg2">
                     <a:lumMod val="10000"/>
@@ -7036,7 +7734,7 @@
               <a:t>txt</a:t>
             </a:r>
             <a:r>
-              <a:rPr lang="pt-BR" sz="1600" dirty="0">
+              <a:rPr lang="pt-BR" dirty="0">
                 <a:solidFill>
                   <a:schemeClr val="bg2">
                     <a:lumMod val="10000"/>
@@ -7060,7 +7758,7 @@
               <a:buChar char="•"/>
             </a:pPr>
             <a:r>
-              <a:rPr lang="pt-BR" sz="1600" dirty="0">
+              <a:rPr lang="pt-BR" dirty="0">
                 <a:solidFill>
                   <a:schemeClr val="bg2">
                     <a:lumMod val="10000"/>
@@ -7072,7 +7770,7 @@
               <a:t>Para a extração de informações dos filmes, foi utilizado </a:t>
             </a:r>
             <a:r>
-              <a:rPr lang="pt-BR" sz="1600" dirty="0" err="1">
+              <a:rPr lang="pt-BR" dirty="0" err="1">
                 <a:solidFill>
                   <a:schemeClr val="bg2">
                     <a:lumMod val="10000"/>
@@ -7084,7 +7782,7 @@
               <a:t>datasets</a:t>
             </a:r>
             <a:r>
-              <a:rPr lang="pt-BR" sz="1600" dirty="0">
+              <a:rPr lang="pt-BR" dirty="0">
                 <a:solidFill>
                   <a:schemeClr val="bg2">
                     <a:lumMod val="10000"/>
@@ -7107,7 +7805,7 @@
               <a:buFont typeface="Arial" panose="020B0604020202020204" pitchFamily="34" charset="0"/>
               <a:buChar char="•"/>
             </a:pPr>
-            <a:endParaRPr lang="pt-BR" sz="1600" dirty="0">
+            <a:endParaRPr lang="pt-BR" dirty="0">
               <a:solidFill>
                 <a:schemeClr val="bg2">
                   <a:lumMod val="10000"/>
@@ -7127,7 +7825,7 @@
               </a:spcBef>
             </a:pPr>
             <a:r>
-              <a:rPr lang="pt-BR" sz="1600" dirty="0">
+              <a:rPr lang="pt-BR" dirty="0">
                 <a:solidFill>
                   <a:schemeClr val="bg2">
                     <a:lumMod val="10000"/>
@@ -7338,7 +8036,7 @@
               <a:buNone/>
             </a:pPr>
             <a:r>
-              <a:rPr lang="pt-BR" sz="1600" dirty="0">
+              <a:rPr lang="pt-BR" sz="1800" dirty="0">
                 <a:solidFill>
                   <a:schemeClr val="bg2">
                     <a:lumMod val="25000"/>
@@ -7355,7 +8053,7 @@
               <a:buFont typeface="Arial" panose="020B0604020202020204" pitchFamily="34" charset="0"/>
               <a:buNone/>
             </a:pPr>
-            <a:endParaRPr lang="pt-BR" sz="1600" b="1" dirty="0">
+            <a:endParaRPr lang="pt-BR" sz="1800" b="1" dirty="0">
               <a:solidFill>
                 <a:schemeClr val="bg2">
                   <a:lumMod val="25000"/>
@@ -7383,8 +8081,8 @@
         </p:nvSpPr>
         <p:spPr>
           <a:xfrm>
-            <a:off x="7259541" y="2148365"/>
-            <a:ext cx="3148717" cy="2561269"/>
+            <a:off x="7259541" y="1906631"/>
+            <a:ext cx="3445840" cy="3044737"/>
           </a:xfrm>
           <a:prstGeom prst="rect">
             <a:avLst/>
@@ -7564,7 +8262,7 @@
               <a:buNone/>
             </a:pPr>
             <a:r>
-              <a:rPr lang="pt-BR" sz="1600" b="1" dirty="0">
+              <a:rPr lang="pt-BR" sz="1800" b="1" dirty="0">
                 <a:solidFill>
                   <a:schemeClr val="bg2">
                     <a:lumMod val="25000"/>
@@ -7582,7 +8280,7 @@
               <a:buAutoNum type="arabicPeriod"/>
             </a:pPr>
             <a:r>
-              <a:rPr lang="pt-BR" sz="1600" dirty="0">
+              <a:rPr lang="pt-BR" sz="1800" dirty="0">
                 <a:solidFill>
                   <a:schemeClr val="bg2">
                     <a:lumMod val="25000"/>
@@ -7594,7 +8292,7 @@
               <a:t>The </a:t>
             </a:r>
             <a:r>
-              <a:rPr lang="pt-BR" sz="1600" dirty="0" err="1">
+              <a:rPr lang="pt-BR" sz="1800" dirty="0" err="1">
                 <a:solidFill>
                   <a:schemeClr val="bg2">
                     <a:lumMod val="25000"/>
@@ -7606,7 +8304,7 @@
               <a:t>Philosopher's</a:t>
             </a:r>
             <a:r>
-              <a:rPr lang="pt-BR" sz="1600" dirty="0">
+              <a:rPr lang="pt-BR" sz="1800" dirty="0">
                 <a:solidFill>
                   <a:schemeClr val="bg2">
                     <a:lumMod val="25000"/>
@@ -7624,7 +8322,7 @@
               <a:buAutoNum type="arabicPeriod"/>
             </a:pPr>
             <a:r>
-              <a:rPr lang="pt-BR" sz="1600" dirty="0">
+              <a:rPr lang="pt-BR" sz="1800" dirty="0">
                 <a:solidFill>
                   <a:schemeClr val="bg2">
                     <a:lumMod val="25000"/>
@@ -7636,7 +8334,7 @@
               <a:t>The Chamber </a:t>
             </a:r>
             <a:r>
-              <a:rPr lang="pt-BR" sz="1600" dirty="0" err="1">
+              <a:rPr lang="pt-BR" sz="1800" dirty="0" err="1">
                 <a:solidFill>
                   <a:schemeClr val="bg2">
                     <a:lumMod val="25000"/>
@@ -7648,7 +8346,7 @@
               <a:t>of</a:t>
             </a:r>
             <a:r>
-              <a:rPr lang="pt-BR" sz="1600" dirty="0">
+              <a:rPr lang="pt-BR" sz="1800" dirty="0">
                 <a:solidFill>
                   <a:schemeClr val="bg2">
                     <a:lumMod val="25000"/>
@@ -7660,7 +8358,7 @@
               <a:t> </a:t>
             </a:r>
             <a:r>
-              <a:rPr lang="pt-BR" sz="1600" dirty="0" err="1">
+              <a:rPr lang="pt-BR" sz="1800" dirty="0" err="1">
                 <a:solidFill>
                   <a:schemeClr val="bg2">
                     <a:lumMod val="25000"/>
@@ -7671,7 +8369,7 @@
               </a:rPr>
               <a:t>Secrets</a:t>
             </a:r>
-            <a:endParaRPr lang="pt-BR" sz="1600" dirty="0">
+            <a:endParaRPr lang="pt-BR" sz="1800" dirty="0">
               <a:solidFill>
                 <a:schemeClr val="bg2">
                   <a:lumMod val="25000"/>
@@ -7687,7 +8385,7 @@
               <a:buAutoNum type="arabicPeriod"/>
             </a:pPr>
             <a:r>
-              <a:rPr lang="pt-BR" sz="1600" dirty="0">
+              <a:rPr lang="pt-BR" sz="1800" dirty="0">
                 <a:solidFill>
                   <a:schemeClr val="bg2">
                     <a:lumMod val="25000"/>
@@ -7699,7 +8397,7 @@
               <a:t>The </a:t>
             </a:r>
             <a:r>
-              <a:rPr lang="pt-BR" sz="1600" dirty="0" err="1">
+              <a:rPr lang="pt-BR" sz="1800" dirty="0" err="1">
                 <a:solidFill>
                   <a:schemeClr val="bg2">
                     <a:lumMod val="25000"/>
@@ -7711,7 +8409,7 @@
               <a:t>Prisoner</a:t>
             </a:r>
             <a:r>
-              <a:rPr lang="pt-BR" sz="1600" dirty="0">
+              <a:rPr lang="pt-BR" sz="1800" dirty="0">
                 <a:solidFill>
                   <a:schemeClr val="bg2">
                     <a:lumMod val="25000"/>
@@ -7723,7 +8421,7 @@
               <a:t> </a:t>
             </a:r>
             <a:r>
-              <a:rPr lang="pt-BR" sz="1600" dirty="0" err="1">
+              <a:rPr lang="pt-BR" sz="1800" dirty="0" err="1">
                 <a:solidFill>
                   <a:schemeClr val="bg2">
                     <a:lumMod val="25000"/>
@@ -7735,7 +8433,7 @@
               <a:t>of</a:t>
             </a:r>
             <a:r>
-              <a:rPr lang="pt-BR" sz="1600" dirty="0">
+              <a:rPr lang="pt-BR" sz="1800" dirty="0">
                 <a:solidFill>
                   <a:schemeClr val="bg2">
                     <a:lumMod val="25000"/>
@@ -7753,7 +8451,7 @@
               <a:buAutoNum type="arabicPeriod"/>
             </a:pPr>
             <a:r>
-              <a:rPr lang="pt-BR" sz="1600" dirty="0">
+              <a:rPr lang="pt-BR" sz="1800" dirty="0">
                 <a:solidFill>
                   <a:schemeClr val="bg2">
                     <a:lumMod val="25000"/>
@@ -7765,7 +8463,7 @@
               <a:t>The </a:t>
             </a:r>
             <a:r>
-              <a:rPr lang="pt-BR" sz="1600" dirty="0" err="1">
+              <a:rPr lang="pt-BR" sz="1800" dirty="0" err="1">
                 <a:solidFill>
                   <a:schemeClr val="bg2">
                     <a:lumMod val="25000"/>
@@ -7777,7 +8475,7 @@
               <a:t>Goblet</a:t>
             </a:r>
             <a:r>
-              <a:rPr lang="pt-BR" sz="1600" dirty="0">
+              <a:rPr lang="pt-BR" sz="1800" dirty="0">
                 <a:solidFill>
                   <a:schemeClr val="bg2">
                     <a:lumMod val="25000"/>
@@ -7789,7 +8487,7 @@
               <a:t> </a:t>
             </a:r>
             <a:r>
-              <a:rPr lang="pt-BR" sz="1600" dirty="0" err="1">
+              <a:rPr lang="pt-BR" sz="1800" dirty="0" err="1">
                 <a:solidFill>
                   <a:schemeClr val="bg2">
                     <a:lumMod val="25000"/>
@@ -7801,7 +8499,7 @@
               <a:t>of</a:t>
             </a:r>
             <a:r>
-              <a:rPr lang="pt-BR" sz="1600" dirty="0">
+              <a:rPr lang="pt-BR" sz="1800" dirty="0">
                 <a:solidFill>
                   <a:schemeClr val="bg2">
                     <a:lumMod val="25000"/>
@@ -7813,7 +8511,7 @@
               <a:t> </a:t>
             </a:r>
             <a:r>
-              <a:rPr lang="pt-BR" sz="1600" dirty="0" err="1">
+              <a:rPr lang="pt-BR" sz="1800" dirty="0" err="1">
                 <a:solidFill>
                   <a:schemeClr val="bg2">
                     <a:lumMod val="25000"/>
@@ -7824,7 +8522,7 @@
               </a:rPr>
               <a:t>Fire</a:t>
             </a:r>
-            <a:endParaRPr lang="pt-BR" sz="1600" dirty="0">
+            <a:endParaRPr lang="pt-BR" sz="1800" dirty="0">
               <a:solidFill>
                 <a:schemeClr val="bg2">
                   <a:lumMod val="25000"/>
@@ -7840,7 +8538,7 @@
               <a:buAutoNum type="arabicPeriod"/>
             </a:pPr>
             <a:r>
-              <a:rPr lang="pt-BR" sz="1600" dirty="0">
+              <a:rPr lang="pt-BR" sz="1800" dirty="0">
                 <a:solidFill>
                   <a:schemeClr val="bg2">
                     <a:lumMod val="25000"/>
@@ -7852,7 +8550,7 @@
               <a:t>The </a:t>
             </a:r>
             <a:r>
-              <a:rPr lang="pt-BR" sz="1600" dirty="0" err="1">
+              <a:rPr lang="pt-BR" sz="1800" dirty="0" err="1">
                 <a:solidFill>
                   <a:schemeClr val="bg2">
                     <a:lumMod val="25000"/>
@@ -7864,7 +8562,7 @@
               <a:t>Order</a:t>
             </a:r>
             <a:r>
-              <a:rPr lang="pt-BR" sz="1600" dirty="0">
+              <a:rPr lang="pt-BR" sz="1800" dirty="0">
                 <a:solidFill>
                   <a:schemeClr val="bg2">
                     <a:lumMod val="25000"/>
@@ -7876,7 +8574,7 @@
               <a:t> </a:t>
             </a:r>
             <a:r>
-              <a:rPr lang="pt-BR" sz="1600" dirty="0" err="1">
+              <a:rPr lang="pt-BR" sz="1800" dirty="0" err="1">
                 <a:solidFill>
                   <a:schemeClr val="bg2">
                     <a:lumMod val="25000"/>
@@ -7888,7 +8586,7 @@
               <a:t>of</a:t>
             </a:r>
             <a:r>
-              <a:rPr lang="pt-BR" sz="1600" dirty="0">
+              <a:rPr lang="pt-BR" sz="1800" dirty="0">
                 <a:solidFill>
                   <a:schemeClr val="bg2">
                     <a:lumMod val="25000"/>
@@ -7900,7 +8598,7 @@
               <a:t> </a:t>
             </a:r>
             <a:r>
-              <a:rPr lang="pt-BR" sz="1600" dirty="0" err="1">
+              <a:rPr lang="pt-BR" sz="1800" dirty="0" err="1">
                 <a:solidFill>
                   <a:schemeClr val="bg2">
                     <a:lumMod val="25000"/>
@@ -7912,7 +8610,7 @@
               <a:t>the</a:t>
             </a:r>
             <a:r>
-              <a:rPr lang="pt-BR" sz="1600" dirty="0">
+              <a:rPr lang="pt-BR" sz="1800" dirty="0">
                 <a:solidFill>
                   <a:schemeClr val="bg2">
                     <a:lumMod val="25000"/>
@@ -7930,7 +8628,7 @@
               <a:buAutoNum type="arabicPeriod"/>
             </a:pPr>
             <a:r>
-              <a:rPr lang="pt-BR" sz="1600" dirty="0">
+              <a:rPr lang="pt-BR" sz="1800" dirty="0">
                 <a:solidFill>
                   <a:schemeClr val="bg2">
                     <a:lumMod val="25000"/>
@@ -7942,7 +8640,7 @@
               <a:t>The Half </a:t>
             </a:r>
             <a:r>
-              <a:rPr lang="pt-BR" sz="1600" dirty="0" err="1">
+              <a:rPr lang="pt-BR" sz="1800" dirty="0" err="1">
                 <a:solidFill>
                   <a:schemeClr val="bg2">
                     <a:lumMod val="25000"/>
@@ -7954,7 +8652,7 @@
               <a:t>Blood</a:t>
             </a:r>
             <a:r>
-              <a:rPr lang="pt-BR" sz="1600" dirty="0">
+              <a:rPr lang="pt-BR" sz="1800" dirty="0">
                 <a:solidFill>
                   <a:schemeClr val="bg2">
                     <a:lumMod val="25000"/>
@@ -7972,7 +8670,7 @@
               <a:buAutoNum type="arabicPeriod"/>
             </a:pPr>
             <a:r>
-              <a:rPr lang="pt-BR" sz="1600" dirty="0">
+              <a:rPr lang="pt-BR" sz="1800" dirty="0">
                 <a:solidFill>
                   <a:schemeClr val="bg2">
                     <a:lumMod val="25000"/>
@@ -7984,7 +8682,7 @@
               <a:t>The </a:t>
             </a:r>
             <a:r>
-              <a:rPr lang="pt-BR" sz="1600" dirty="0" err="1">
+              <a:rPr lang="pt-BR" sz="1800" dirty="0" err="1">
                 <a:solidFill>
                   <a:schemeClr val="bg2">
                     <a:lumMod val="25000"/>
@@ -7996,7 +8694,7 @@
               <a:t>Deathly</a:t>
             </a:r>
             <a:r>
-              <a:rPr lang="pt-BR" sz="1600" dirty="0">
+              <a:rPr lang="pt-BR" sz="1800" dirty="0">
                 <a:solidFill>
                   <a:schemeClr val="bg2">
                     <a:lumMod val="25000"/>
@@ -8008,7 +8706,7 @@
               <a:t> </a:t>
             </a:r>
             <a:r>
-              <a:rPr lang="pt-BR" sz="1600" dirty="0" err="1">
+              <a:rPr lang="pt-BR" sz="1800" dirty="0" err="1">
                 <a:solidFill>
                   <a:schemeClr val="bg2">
                     <a:lumMod val="25000"/>
@@ -8019,7 +8717,7 @@
               </a:rPr>
               <a:t>Hallows</a:t>
             </a:r>
-            <a:endParaRPr lang="pt-BR" sz="1600" dirty="0">
+            <a:endParaRPr lang="pt-BR" sz="1800" dirty="0">
               <a:solidFill>
                 <a:schemeClr val="bg2">
                   <a:lumMod val="25000"/>
@@ -8076,7 +8774,7 @@
         <p:spPr>
           <a:xfrm>
             <a:off x="319248" y="2947307"/>
-            <a:ext cx="5643012" cy="2740421"/>
+            <a:ext cx="5688188" cy="2950708"/>
           </a:xfrm>
           <a:prstGeom prst="rect">
             <a:avLst/>
@@ -8125,7 +8823,7 @@
               <a:buChar char="•"/>
             </a:pPr>
             <a:r>
-              <a:rPr lang="pt-BR" sz="1600" dirty="0">
+              <a:rPr lang="pt-BR" dirty="0">
                 <a:solidFill>
                   <a:schemeClr val="bg2">
                     <a:lumMod val="10000"/>
@@ -8149,7 +8847,7 @@
               <a:buChar char="•"/>
             </a:pPr>
             <a:r>
-              <a:rPr lang="pt-BR" sz="1600" dirty="0">
+              <a:rPr lang="pt-BR" dirty="0">
                 <a:solidFill>
                   <a:schemeClr val="bg2">
                     <a:lumMod val="10000"/>
@@ -8173,7 +8871,7 @@
               <a:buChar char="•"/>
             </a:pPr>
             <a:r>
-              <a:rPr lang="pt-BR" sz="1600" dirty="0" err="1">
+              <a:rPr lang="pt-BR" dirty="0" err="1">
                 <a:solidFill>
                   <a:schemeClr val="bg2">
                     <a:lumMod val="10000"/>
@@ -8185,7 +8883,7 @@
               <a:t>Stopwords</a:t>
             </a:r>
             <a:r>
-              <a:rPr lang="pt-BR" sz="1600" dirty="0">
+              <a:rPr lang="pt-BR" dirty="0">
                 <a:solidFill>
                   <a:schemeClr val="bg2">
                     <a:lumMod val="10000"/>
@@ -8209,7 +8907,7 @@
               <a:buChar char="•"/>
             </a:pPr>
             <a:r>
-              <a:rPr lang="pt-BR" sz="1600" dirty="0">
+              <a:rPr lang="pt-BR" dirty="0">
                 <a:solidFill>
                   <a:schemeClr val="bg2">
                     <a:lumMod val="10000"/>
@@ -8233,7 +8931,7 @@
               <a:buChar char="•"/>
             </a:pPr>
             <a:r>
-              <a:rPr lang="pt-BR" sz="1600" dirty="0">
+              <a:rPr lang="pt-BR" dirty="0">
                 <a:solidFill>
                   <a:schemeClr val="bg2">
                     <a:lumMod val="10000"/>
@@ -8257,7 +8955,7 @@
               <a:buChar char="•"/>
             </a:pPr>
             <a:r>
-              <a:rPr lang="pt-BR" sz="1600" dirty="0">
+              <a:rPr lang="pt-BR" dirty="0">
                 <a:solidFill>
                   <a:schemeClr val="bg2">
                     <a:lumMod val="10000"/>
@@ -8289,13 +8987,13 @@
         </p:nvSpPr>
         <p:spPr>
           <a:xfrm>
-            <a:off x="319248" y="2298453"/>
-            <a:ext cx="5643012" cy="955603"/>
+            <a:off x="319248" y="2044460"/>
+            <a:ext cx="5643012" cy="902848"/>
           </a:xfrm>
         </p:spPr>
         <p:txBody>
           <a:bodyPr>
-            <a:normAutofit/>
+            <a:noAutofit/>
           </a:bodyPr>
           <a:lstStyle/>
           <a:p>
@@ -8303,7 +9001,7 @@
               <a:buNone/>
             </a:pPr>
             <a:r>
-              <a:rPr lang="pt-BR" sz="1600" dirty="0">
+              <a:rPr lang="pt-BR" sz="1800" dirty="0">
                 <a:solidFill>
                   <a:schemeClr val="bg2">
                     <a:lumMod val="25000"/>
@@ -8319,7 +9017,7 @@
             <a:pPr marL="0" indent="0" algn="just">
               <a:buNone/>
             </a:pPr>
-            <a:endParaRPr lang="pt-BR" sz="1600" b="1" dirty="0">
+            <a:endParaRPr lang="pt-BR" sz="1800" b="1" dirty="0">
               <a:solidFill>
                 <a:schemeClr val="bg2">
                   <a:lumMod val="25000"/>
@@ -10140,7 +10838,7 @@
               <a:buChar char="•"/>
             </a:pPr>
             <a:r>
-              <a:rPr lang="pt-BR" sz="1600" dirty="0">
+              <a:rPr lang="pt-BR" dirty="0">
                 <a:solidFill>
                   <a:schemeClr val="bg2">
                     <a:lumMod val="10000"/>
@@ -10164,7 +10862,7 @@
               <a:buChar char="•"/>
             </a:pPr>
             <a:r>
-              <a:rPr lang="pt-BR" sz="1600" dirty="0">
+              <a:rPr lang="pt-BR" dirty="0">
                 <a:solidFill>
                   <a:schemeClr val="bg2">
                     <a:lumMod val="10000"/>
@@ -10176,7 +10874,7 @@
               <a:t>Google </a:t>
             </a:r>
             <a:r>
-              <a:rPr lang="pt-BR" sz="1600" dirty="0" err="1">
+              <a:rPr lang="pt-BR" dirty="0" err="1">
                 <a:solidFill>
                   <a:schemeClr val="bg2">
                     <a:lumMod val="10000"/>
@@ -10188,7 +10886,7 @@
               <a:t>Colab</a:t>
             </a:r>
             <a:r>
-              <a:rPr lang="pt-BR" sz="1600" dirty="0">
+              <a:rPr lang="pt-BR" dirty="0">
                 <a:solidFill>
                   <a:schemeClr val="bg2">
                     <a:lumMod val="10000"/>
@@ -10212,7 +10910,7 @@
               <a:buChar char="•"/>
             </a:pPr>
             <a:r>
-              <a:rPr lang="pt-BR" sz="1600" dirty="0">
+              <a:rPr lang="pt-BR" dirty="0">
                 <a:solidFill>
                   <a:schemeClr val="bg2">
                     <a:lumMod val="10000"/>
@@ -10320,7 +11018,7 @@
               <a:buChar char="•"/>
             </a:pPr>
             <a:r>
-              <a:rPr lang="pt-BR" sz="1600" dirty="0">
+              <a:rPr lang="pt-BR" dirty="0">
                 <a:solidFill>
                   <a:schemeClr val="bg2">
                     <a:lumMod val="10000"/>
@@ -10332,7 +11030,7 @@
               <a:t>Implementação de expressões regulares (</a:t>
             </a:r>
             <a:r>
-              <a:rPr lang="pt-BR" sz="1600" dirty="0" err="1">
+              <a:rPr lang="pt-BR" dirty="0" err="1">
                 <a:solidFill>
                   <a:schemeClr val="bg2">
                     <a:lumMod val="10000"/>
@@ -10344,7 +11042,7 @@
               <a:t>ReGex</a:t>
             </a:r>
             <a:r>
-              <a:rPr lang="pt-BR" sz="1600" dirty="0">
+              <a:rPr lang="pt-BR" dirty="0">
                 <a:solidFill>
                   <a:schemeClr val="bg2">
                     <a:lumMod val="10000"/>
@@ -10368,7 +11066,7 @@
               <a:buChar char="•"/>
             </a:pPr>
             <a:r>
-              <a:rPr lang="pt-BR" sz="1600" dirty="0">
+              <a:rPr lang="pt-BR" dirty="0">
                 <a:solidFill>
                   <a:schemeClr val="bg2">
                     <a:lumMod val="10000"/>
@@ -10389,10 +11087,10 @@
                 <a:spcPts val="1000"/>
               </a:spcBef>
               <a:buFont typeface="+mj-lt"/>
-              <a:buAutoNum type="alphaLcParenR"/>
+              <a:buAutoNum type="alphaLcPeriod"/>
             </a:pPr>
             <a:r>
-              <a:rPr lang="pt-BR" sz="1600" dirty="0" err="1">
+              <a:rPr lang="pt-BR" dirty="0" err="1">
                 <a:solidFill>
                   <a:schemeClr val="bg2">
                     <a:lumMod val="10000"/>
@@ -10404,7 +11102,7 @@
               <a:t>Stopwords</a:t>
             </a:r>
             <a:r>
-              <a:rPr lang="pt-BR" sz="1600" dirty="0">
+              <a:rPr lang="pt-BR" dirty="0">
                 <a:solidFill>
                   <a:schemeClr val="bg2">
                     <a:lumMod val="10000"/>
@@ -10428,7 +11126,7 @@
               <a:buChar char="•"/>
             </a:pPr>
             <a:r>
-              <a:rPr lang="pt-BR" sz="1600" dirty="0">
+              <a:rPr lang="pt-BR" dirty="0">
                 <a:solidFill>
                   <a:schemeClr val="bg2">
                     <a:lumMod val="10000"/>
@@ -10452,7 +11150,7 @@
               <a:buChar char="•"/>
             </a:pPr>
             <a:r>
-              <a:rPr lang="pt-BR" sz="1600" dirty="0">
+              <a:rPr lang="pt-BR" dirty="0">
                 <a:solidFill>
                   <a:schemeClr val="bg2">
                     <a:lumMod val="10000"/>
@@ -10476,7 +11174,7 @@
               <a:buChar char="•"/>
             </a:pPr>
             <a:r>
-              <a:rPr lang="pt-BR" sz="1600" dirty="0" err="1">
+              <a:rPr lang="pt-BR" dirty="0" err="1">
                 <a:solidFill>
                   <a:schemeClr val="bg2">
                     <a:lumMod val="10000"/>
@@ -10488,7 +11186,7 @@
               <a:t>FreqDist</a:t>
             </a:r>
             <a:r>
-              <a:rPr lang="pt-BR" sz="1600" dirty="0">
+              <a:rPr lang="pt-BR" dirty="0">
                 <a:solidFill>
                   <a:schemeClr val="bg2">
                     <a:lumMod val="10000"/>
@@ -10511,7 +11209,7 @@
               <a:buFont typeface="Arial" panose="020B0604020202020204" pitchFamily="34" charset="0"/>
               <a:buChar char="•"/>
             </a:pPr>
-            <a:endParaRPr lang="pt-BR" sz="1600" dirty="0">
+            <a:endParaRPr lang="pt-BR" dirty="0">
               <a:solidFill>
                 <a:schemeClr val="bg2">
                   <a:lumMod val="10000"/>

--- a/Apresentação/Apresentação TCC - Vinícius Andrade Lopes.pptx
+++ b/Apresentação/Apresentação TCC - Vinícius Andrade Lopes.pptx
@@ -17,7 +17,10 @@
     <p:sldId id="266" r:id="rId11"/>
     <p:sldId id="267" r:id="rId12"/>
     <p:sldId id="268" r:id="rId13"/>
-    <p:sldId id="269" r:id="rId14"/>
+    <p:sldId id="270" r:id="rId14"/>
+    <p:sldId id="269" r:id="rId15"/>
+    <p:sldId id="271" r:id="rId16"/>
+    <p:sldId id="272" r:id="rId17"/>
   </p:sldIdLst>
   <p:sldSz cx="12192000" cy="6858000"/>
   <p:notesSz cx="6858000" cy="9144000"/>
@@ -400,7 +403,7 @@
           <a:p>
             <a:fld id="{588D7303-1349-4B3B-906B-0AD17F7A84D3}" type="datetimeFigureOut">
               <a:rPr lang="pt-BR" smtClean="0"/>
-              <a:t>19/05/2023</a:t>
+              <a:t>21/05/2023</a:t>
             </a:fld>
             <a:endParaRPr lang="pt-BR"/>
           </a:p>
@@ -608,7 +611,7 @@
           <a:p>
             <a:fld id="{588D7303-1349-4B3B-906B-0AD17F7A84D3}" type="datetimeFigureOut">
               <a:rPr lang="pt-BR" smtClean="0"/>
-              <a:t>19/05/2023</a:t>
+              <a:t>21/05/2023</a:t>
             </a:fld>
             <a:endParaRPr lang="pt-BR"/>
           </a:p>
@@ -806,7 +809,7 @@
           <a:p>
             <a:fld id="{588D7303-1349-4B3B-906B-0AD17F7A84D3}" type="datetimeFigureOut">
               <a:rPr lang="pt-BR" smtClean="0"/>
-              <a:t>19/05/2023</a:t>
+              <a:t>21/05/2023</a:t>
             </a:fld>
             <a:endParaRPr lang="pt-BR"/>
           </a:p>
@@ -1081,7 +1084,7 @@
           <a:p>
             <a:fld id="{588D7303-1349-4B3B-906B-0AD17F7A84D3}" type="datetimeFigureOut">
               <a:rPr lang="pt-BR" smtClean="0"/>
-              <a:t>19/05/2023</a:t>
+              <a:t>21/05/2023</a:t>
             </a:fld>
             <a:endParaRPr lang="pt-BR"/>
           </a:p>
@@ -1346,7 +1349,7 @@
           <a:p>
             <a:fld id="{588D7303-1349-4B3B-906B-0AD17F7A84D3}" type="datetimeFigureOut">
               <a:rPr lang="pt-BR" smtClean="0"/>
-              <a:t>19/05/2023</a:t>
+              <a:t>21/05/2023</a:t>
             </a:fld>
             <a:endParaRPr lang="pt-BR"/>
           </a:p>
@@ -1758,7 +1761,7 @@
           <a:p>
             <a:fld id="{588D7303-1349-4B3B-906B-0AD17F7A84D3}" type="datetimeFigureOut">
               <a:rPr lang="pt-BR" smtClean="0"/>
-              <a:t>19/05/2023</a:t>
+              <a:t>21/05/2023</a:t>
             </a:fld>
             <a:endParaRPr lang="pt-BR"/>
           </a:p>
@@ -1899,7 +1902,7 @@
           <a:p>
             <a:fld id="{588D7303-1349-4B3B-906B-0AD17F7A84D3}" type="datetimeFigureOut">
               <a:rPr lang="pt-BR" smtClean="0"/>
-              <a:t>19/05/2023</a:t>
+              <a:t>21/05/2023</a:t>
             </a:fld>
             <a:endParaRPr lang="pt-BR"/>
           </a:p>
@@ -2012,7 +2015,7 @@
           <a:p>
             <a:fld id="{588D7303-1349-4B3B-906B-0AD17F7A84D3}" type="datetimeFigureOut">
               <a:rPr lang="pt-BR" smtClean="0"/>
-              <a:t>19/05/2023</a:t>
+              <a:t>21/05/2023</a:t>
             </a:fld>
             <a:endParaRPr lang="pt-BR"/>
           </a:p>
@@ -2323,7 +2326,7 @@
           <a:p>
             <a:fld id="{588D7303-1349-4B3B-906B-0AD17F7A84D3}" type="datetimeFigureOut">
               <a:rPr lang="pt-BR" smtClean="0"/>
-              <a:t>19/05/2023</a:t>
+              <a:t>21/05/2023</a:t>
             </a:fld>
             <a:endParaRPr lang="pt-BR"/>
           </a:p>
@@ -2611,7 +2614,7 @@
           <a:p>
             <a:fld id="{588D7303-1349-4B3B-906B-0AD17F7A84D3}" type="datetimeFigureOut">
               <a:rPr lang="pt-BR" smtClean="0"/>
-              <a:t>19/05/2023</a:t>
+              <a:t>21/05/2023</a:t>
             </a:fld>
             <a:endParaRPr lang="pt-BR"/>
           </a:p>
@@ -2861,7 +2864,7 @@
           <a:p>
             <a:fld id="{588D7303-1349-4B3B-906B-0AD17F7A84D3}" type="datetimeFigureOut">
               <a:rPr lang="pt-BR" smtClean="0"/>
-              <a:t>19/05/2023</a:t>
+              <a:t>21/05/2023</a:t>
             </a:fld>
             <a:endParaRPr lang="pt-BR"/>
           </a:p>
@@ -5740,6 +5743,787 @@
           <p:cNvPr id="2" name="Arrow: Pentagon 3">
             <a:extLst>
               <a:ext uri="{FF2B5EF4-FFF2-40B4-BE49-F238E27FC236}">
+                <a16:creationId xmlns:a16="http://schemas.microsoft.com/office/drawing/2014/main" id="{5EF17347-024D-B3EA-70C3-382C13B1B13C}"/>
+              </a:ext>
+            </a:extLst>
+          </p:cNvPr>
+          <p:cNvSpPr/>
+          <p:nvPr/>
+        </p:nvSpPr>
+        <p:spPr>
+          <a:xfrm>
+            <a:off x="0" y="178295"/>
+            <a:ext cx="4975200" cy="630000"/>
+          </a:xfrm>
+          <a:prstGeom prst="homePlate">
+            <a:avLst/>
+          </a:prstGeom>
+          <a:solidFill>
+            <a:schemeClr val="bg2">
+              <a:lumMod val="25000"/>
+              <a:alpha val="85000"/>
+            </a:schemeClr>
+          </a:solidFill>
+        </p:spPr>
+        <p:style>
+          <a:lnRef idx="1">
+            <a:schemeClr val="accent3"/>
+          </a:lnRef>
+          <a:fillRef idx="3">
+            <a:schemeClr val="accent3"/>
+          </a:fillRef>
+          <a:effectRef idx="2">
+            <a:schemeClr val="accent3"/>
+          </a:effectRef>
+          <a:fontRef idx="minor">
+            <a:schemeClr val="lt1"/>
+          </a:fontRef>
+        </p:style>
+        <p:txBody>
+          <a:bodyPr rtlCol="0" anchor="ctr"/>
+          <a:lstStyle/>
+          <a:p>
+            <a:pPr algn="ctr"/>
+            <a:r>
+              <a:rPr lang="pt-BR" sz="3200" dirty="0">
+                <a:solidFill>
+                  <a:schemeClr val="bg1"/>
+                </a:solidFill>
+              </a:rPr>
+              <a:t>RESULTADOS E DISCUSSÕES</a:t>
+            </a:r>
+          </a:p>
+        </p:txBody>
+      </p:sp>
+      <p:sp>
+        <p:nvSpPr>
+          <p:cNvPr id="8" name="Arrow: Pentagon 5">
+            <a:extLst>
+              <a:ext uri="{FF2B5EF4-FFF2-40B4-BE49-F238E27FC236}">
+                <a16:creationId xmlns:a16="http://schemas.microsoft.com/office/drawing/2014/main" id="{FFB6C35C-DE14-FE99-AED0-953BAF08443D}"/>
+              </a:ext>
+            </a:extLst>
+          </p:cNvPr>
+          <p:cNvSpPr/>
+          <p:nvPr/>
+        </p:nvSpPr>
+        <p:spPr>
+          <a:xfrm>
+            <a:off x="0" y="698192"/>
+            <a:ext cx="3205538" cy="370852"/>
+          </a:xfrm>
+          <a:prstGeom prst="homePlate">
+            <a:avLst/>
+          </a:prstGeom>
+          <a:solidFill>
+            <a:schemeClr val="bg2">
+              <a:lumMod val="75000"/>
+            </a:schemeClr>
+          </a:solidFill>
+        </p:spPr>
+        <p:style>
+          <a:lnRef idx="1">
+            <a:schemeClr val="accent3"/>
+          </a:lnRef>
+          <a:fillRef idx="3">
+            <a:schemeClr val="accent3"/>
+          </a:fillRef>
+          <a:effectRef idx="2">
+            <a:schemeClr val="accent3"/>
+          </a:effectRef>
+          <a:fontRef idx="minor">
+            <a:schemeClr val="lt1"/>
+          </a:fontRef>
+        </p:style>
+        <p:txBody>
+          <a:bodyPr rtlCol="0" anchor="ctr"/>
+          <a:lstStyle/>
+          <a:p>
+            <a:pPr algn="ctr"/>
+            <a:r>
+              <a:rPr lang="pt-BR" sz="2400" dirty="0">
+                <a:solidFill>
+                  <a:schemeClr val="bg2">
+                    <a:lumMod val="25000"/>
+                  </a:schemeClr>
+                </a:solidFill>
+              </a:rPr>
+              <a:t>EXPLICAÇÃO</a:t>
+            </a:r>
+          </a:p>
+        </p:txBody>
+      </p:sp>
+      <p:sp>
+        <p:nvSpPr>
+          <p:cNvPr id="4" name="Espaço Reservado para Conteúdo 2">
+            <a:extLst>
+              <a:ext uri="{FF2B5EF4-FFF2-40B4-BE49-F238E27FC236}">
+                <a16:creationId xmlns:a16="http://schemas.microsoft.com/office/drawing/2014/main" id="{9C4DD9EF-870B-56AC-5689-25272D455F4A}"/>
+              </a:ext>
+            </a:extLst>
+          </p:cNvPr>
+          <p:cNvSpPr txBox="1">
+            <a:spLocks/>
+          </p:cNvSpPr>
+          <p:nvPr/>
+        </p:nvSpPr>
+        <p:spPr>
+          <a:xfrm>
+            <a:off x="317460" y="1591410"/>
+            <a:ext cx="5362904" cy="4570199"/>
+          </a:xfrm>
+          <a:prstGeom prst="rect">
+            <a:avLst/>
+          </a:prstGeom>
+        </p:spPr>
+        <p:txBody>
+          <a:bodyPr vert="horz" lIns="91440" tIns="45720" rIns="91440" bIns="45720" rtlCol="0">
+            <a:noAutofit/>
+          </a:bodyPr>
+          <a:lstStyle>
+            <a:lvl1pPr marL="228600" indent="-228600" algn="l" defTabSz="914400" rtl="0" eaLnBrk="1" latinLnBrk="0" hangingPunct="1">
+              <a:lnSpc>
+                <a:spcPct val="90000"/>
+              </a:lnSpc>
+              <a:spcBef>
+                <a:spcPts val="1000"/>
+              </a:spcBef>
+              <a:buFont typeface="Arial" panose="020B0604020202020204" pitchFamily="34" charset="0"/>
+              <a:buChar char="•"/>
+              <a:defRPr sz="2800" kern="1200">
+                <a:solidFill>
+                  <a:schemeClr val="tx1"/>
+                </a:solidFill>
+                <a:latin typeface="+mn-lt"/>
+                <a:ea typeface="+mn-ea"/>
+                <a:cs typeface="+mn-cs"/>
+              </a:defRPr>
+            </a:lvl1pPr>
+            <a:lvl2pPr marL="685800" indent="-228600" algn="l" defTabSz="914400" rtl="0" eaLnBrk="1" latinLnBrk="0" hangingPunct="1">
+              <a:lnSpc>
+                <a:spcPct val="90000"/>
+              </a:lnSpc>
+              <a:spcBef>
+                <a:spcPts val="500"/>
+              </a:spcBef>
+              <a:buFont typeface="Arial" panose="020B0604020202020204" pitchFamily="34" charset="0"/>
+              <a:buChar char="•"/>
+              <a:defRPr sz="2400" kern="1200">
+                <a:solidFill>
+                  <a:schemeClr val="tx1"/>
+                </a:solidFill>
+                <a:latin typeface="+mn-lt"/>
+                <a:ea typeface="+mn-ea"/>
+                <a:cs typeface="+mn-cs"/>
+              </a:defRPr>
+            </a:lvl2pPr>
+            <a:lvl3pPr marL="1143000" indent="-228600" algn="l" defTabSz="914400" rtl="0" eaLnBrk="1" latinLnBrk="0" hangingPunct="1">
+              <a:lnSpc>
+                <a:spcPct val="90000"/>
+              </a:lnSpc>
+              <a:spcBef>
+                <a:spcPts val="500"/>
+              </a:spcBef>
+              <a:buFont typeface="Arial" panose="020B0604020202020204" pitchFamily="34" charset="0"/>
+              <a:buChar char="•"/>
+              <a:defRPr sz="2000" kern="1200">
+                <a:solidFill>
+                  <a:schemeClr val="tx1"/>
+                </a:solidFill>
+                <a:latin typeface="+mn-lt"/>
+                <a:ea typeface="+mn-ea"/>
+                <a:cs typeface="+mn-cs"/>
+              </a:defRPr>
+            </a:lvl3pPr>
+            <a:lvl4pPr marL="1600200" indent="-228600" algn="l" defTabSz="914400" rtl="0" eaLnBrk="1" latinLnBrk="0" hangingPunct="1">
+              <a:lnSpc>
+                <a:spcPct val="90000"/>
+              </a:lnSpc>
+              <a:spcBef>
+                <a:spcPts val="500"/>
+              </a:spcBef>
+              <a:buFont typeface="Arial" panose="020B0604020202020204" pitchFamily="34" charset="0"/>
+              <a:buChar char="•"/>
+              <a:defRPr sz="1800" kern="1200">
+                <a:solidFill>
+                  <a:schemeClr val="tx1"/>
+                </a:solidFill>
+                <a:latin typeface="+mn-lt"/>
+                <a:ea typeface="+mn-ea"/>
+                <a:cs typeface="+mn-cs"/>
+              </a:defRPr>
+            </a:lvl4pPr>
+            <a:lvl5pPr marL="2057400" indent="-228600" algn="l" defTabSz="914400" rtl="0" eaLnBrk="1" latinLnBrk="0" hangingPunct="1">
+              <a:lnSpc>
+                <a:spcPct val="90000"/>
+              </a:lnSpc>
+              <a:spcBef>
+                <a:spcPts val="500"/>
+              </a:spcBef>
+              <a:buFont typeface="Arial" panose="020B0604020202020204" pitchFamily="34" charset="0"/>
+              <a:buChar char="•"/>
+              <a:defRPr sz="1800" kern="1200">
+                <a:solidFill>
+                  <a:schemeClr val="tx1"/>
+                </a:solidFill>
+                <a:latin typeface="+mn-lt"/>
+                <a:ea typeface="+mn-ea"/>
+                <a:cs typeface="+mn-cs"/>
+              </a:defRPr>
+            </a:lvl5pPr>
+            <a:lvl6pPr marL="2514600" indent="-228600" algn="l" defTabSz="914400" rtl="0" eaLnBrk="1" latinLnBrk="0" hangingPunct="1">
+              <a:lnSpc>
+                <a:spcPct val="90000"/>
+              </a:lnSpc>
+              <a:spcBef>
+                <a:spcPts val="500"/>
+              </a:spcBef>
+              <a:buFont typeface="Arial" panose="020B0604020202020204" pitchFamily="34" charset="0"/>
+              <a:buChar char="•"/>
+              <a:defRPr sz="1800" kern="1200">
+                <a:solidFill>
+                  <a:schemeClr val="tx1"/>
+                </a:solidFill>
+                <a:latin typeface="+mn-lt"/>
+                <a:ea typeface="+mn-ea"/>
+                <a:cs typeface="+mn-cs"/>
+              </a:defRPr>
+            </a:lvl6pPr>
+            <a:lvl7pPr marL="2971800" indent="-228600" algn="l" defTabSz="914400" rtl="0" eaLnBrk="1" latinLnBrk="0" hangingPunct="1">
+              <a:lnSpc>
+                <a:spcPct val="90000"/>
+              </a:lnSpc>
+              <a:spcBef>
+                <a:spcPts val="500"/>
+              </a:spcBef>
+              <a:buFont typeface="Arial" panose="020B0604020202020204" pitchFamily="34" charset="0"/>
+              <a:buChar char="•"/>
+              <a:defRPr sz="1800" kern="1200">
+                <a:solidFill>
+                  <a:schemeClr val="tx1"/>
+                </a:solidFill>
+                <a:latin typeface="+mn-lt"/>
+                <a:ea typeface="+mn-ea"/>
+                <a:cs typeface="+mn-cs"/>
+              </a:defRPr>
+            </a:lvl7pPr>
+            <a:lvl8pPr marL="3429000" indent="-228600" algn="l" defTabSz="914400" rtl="0" eaLnBrk="1" latinLnBrk="0" hangingPunct="1">
+              <a:lnSpc>
+                <a:spcPct val="90000"/>
+              </a:lnSpc>
+              <a:spcBef>
+                <a:spcPts val="500"/>
+              </a:spcBef>
+              <a:buFont typeface="Arial" panose="020B0604020202020204" pitchFamily="34" charset="0"/>
+              <a:buChar char="•"/>
+              <a:defRPr sz="1800" kern="1200">
+                <a:solidFill>
+                  <a:schemeClr val="tx1"/>
+                </a:solidFill>
+                <a:latin typeface="+mn-lt"/>
+                <a:ea typeface="+mn-ea"/>
+                <a:cs typeface="+mn-cs"/>
+              </a:defRPr>
+            </a:lvl8pPr>
+            <a:lvl9pPr marL="3886200" indent="-228600" algn="l" defTabSz="914400" rtl="0" eaLnBrk="1" latinLnBrk="0" hangingPunct="1">
+              <a:lnSpc>
+                <a:spcPct val="90000"/>
+              </a:lnSpc>
+              <a:spcBef>
+                <a:spcPts val="500"/>
+              </a:spcBef>
+              <a:buFont typeface="Arial" panose="020B0604020202020204" pitchFamily="34" charset="0"/>
+              <a:buChar char="•"/>
+              <a:defRPr sz="1800" kern="1200">
+                <a:solidFill>
+                  <a:schemeClr val="tx1"/>
+                </a:solidFill>
+                <a:latin typeface="+mn-lt"/>
+                <a:ea typeface="+mn-ea"/>
+                <a:cs typeface="+mn-cs"/>
+              </a:defRPr>
+            </a:lvl9pPr>
+          </a:lstStyle>
+          <a:p>
+            <a:pPr marL="0" indent="0" algn="just">
+              <a:buNone/>
+            </a:pPr>
+            <a:r>
+              <a:rPr lang="pt-BR" sz="2000" b="1" dirty="0">
+                <a:solidFill>
+                  <a:schemeClr val="bg2">
+                    <a:lumMod val="25000"/>
+                  </a:schemeClr>
+                </a:solidFill>
+              </a:rPr>
+              <a:t>LIVROS:</a:t>
+            </a:r>
+          </a:p>
+          <a:p>
+            <a:pPr algn="just"/>
+            <a:r>
+              <a:rPr lang="pt-BR" sz="2000" dirty="0">
+                <a:solidFill>
+                  <a:schemeClr val="bg2">
+                    <a:lumMod val="25000"/>
+                  </a:schemeClr>
+                </a:solidFill>
+              </a:rPr>
+              <a:t>Descrição detalhada de lugares.</a:t>
+            </a:r>
+          </a:p>
+          <a:p>
+            <a:pPr algn="just"/>
+            <a:r>
+              <a:rPr lang="pt-BR" sz="2000" dirty="0">
+                <a:solidFill>
+                  <a:schemeClr val="bg2">
+                    <a:lumMod val="25000"/>
+                  </a:schemeClr>
+                </a:solidFill>
+              </a:rPr>
+              <a:t>Descrição de personagens.</a:t>
+            </a:r>
+          </a:p>
+          <a:p>
+            <a:pPr algn="just"/>
+            <a:r>
+              <a:rPr lang="pt-BR" sz="2000" dirty="0">
+                <a:solidFill>
+                  <a:schemeClr val="bg2">
+                    <a:lumMod val="25000"/>
+                  </a:schemeClr>
+                </a:solidFill>
+              </a:rPr>
+              <a:t>Contextualizar uma ação ou reação de cenas específicas.</a:t>
+            </a:r>
+          </a:p>
+          <a:p>
+            <a:pPr algn="just"/>
+            <a:r>
+              <a:rPr lang="pt-BR" sz="2000" dirty="0">
+                <a:solidFill>
+                  <a:schemeClr val="bg2">
+                    <a:lumMod val="25000"/>
+                  </a:schemeClr>
+                </a:solidFill>
+              </a:rPr>
+              <a:t>Descrição de animais místicos.</a:t>
+            </a:r>
+          </a:p>
+          <a:p>
+            <a:pPr algn="just"/>
+            <a:r>
+              <a:rPr lang="pt-BR" sz="2000" dirty="0">
+                <a:solidFill>
+                  <a:schemeClr val="bg2">
+                    <a:lumMod val="25000"/>
+                  </a:schemeClr>
+                </a:solidFill>
+              </a:rPr>
+              <a:t>Funcionamento de uma magia.</a:t>
+            </a:r>
+          </a:p>
+          <a:p>
+            <a:pPr algn="just"/>
+            <a:r>
+              <a:rPr lang="pt-BR" sz="2000" dirty="0">
+                <a:solidFill>
+                  <a:schemeClr val="bg2">
+                    <a:lumMod val="25000"/>
+                  </a:schemeClr>
+                </a:solidFill>
+              </a:rPr>
+              <a:t>Emoções nos diálogos.</a:t>
+            </a:r>
+          </a:p>
+          <a:p>
+            <a:pPr marL="0" indent="0" algn="just">
+              <a:buNone/>
+            </a:pPr>
+            <a:r>
+              <a:rPr lang="pt-BR" sz="2000" b="1" dirty="0">
+                <a:solidFill>
+                  <a:schemeClr val="bg2">
+                    <a:lumMod val="25000"/>
+                  </a:schemeClr>
+                </a:solidFill>
+              </a:rPr>
+              <a:t>FILMES:</a:t>
+            </a:r>
+          </a:p>
+          <a:p>
+            <a:pPr algn="just"/>
+            <a:r>
+              <a:rPr lang="pt-BR" sz="2000" dirty="0">
+                <a:solidFill>
+                  <a:schemeClr val="bg2">
+                    <a:lumMod val="25000"/>
+                  </a:schemeClr>
+                </a:solidFill>
+              </a:rPr>
+              <a:t>Esses cenários são substituídos por imagens, não sendo necessário descrever, de forma textual, suas características</a:t>
+            </a:r>
+          </a:p>
+          <a:p>
+            <a:pPr algn="just"/>
+            <a:endParaRPr lang="pt-BR" sz="2000" dirty="0">
+              <a:solidFill>
+                <a:schemeClr val="bg2">
+                  <a:lumMod val="25000"/>
+                </a:schemeClr>
+              </a:solidFill>
+            </a:endParaRPr>
+          </a:p>
+        </p:txBody>
+      </p:sp>
+      <p:sp>
+        <p:nvSpPr>
+          <p:cNvPr id="7" name="Content Placeholder 5">
+            <a:extLst>
+              <a:ext uri="{FF2B5EF4-FFF2-40B4-BE49-F238E27FC236}">
+                <a16:creationId xmlns:a16="http://schemas.microsoft.com/office/drawing/2014/main" id="{CAE1C4A3-33CA-9C11-32B3-28887ADFC5EE}"/>
+              </a:ext>
+            </a:extLst>
+          </p:cNvPr>
+          <p:cNvSpPr txBox="1">
+            <a:spLocks/>
+          </p:cNvSpPr>
+          <p:nvPr/>
+        </p:nvSpPr>
+        <p:spPr>
+          <a:xfrm>
+            <a:off x="6096000" y="1514338"/>
+            <a:ext cx="5732764" cy="3829323"/>
+          </a:xfrm>
+          <a:prstGeom prst="rect">
+            <a:avLst/>
+          </a:prstGeom>
+          <a:solidFill>
+            <a:schemeClr val="tx2">
+              <a:lumMod val="60000"/>
+              <a:lumOff val="40000"/>
+              <a:alpha val="70000"/>
+            </a:schemeClr>
+          </a:solidFill>
+          <a:ln w="12700" cap="flat" cmpd="sng" algn="ctr">
+            <a:solidFill>
+              <a:schemeClr val="bg2">
+                <a:lumMod val="25000"/>
+              </a:schemeClr>
+            </a:solidFill>
+            <a:prstDash val="solid"/>
+            <a:miter lim="800000"/>
+          </a:ln>
+        </p:spPr>
+        <p:style>
+          <a:lnRef idx="1">
+            <a:schemeClr val="accent3"/>
+          </a:lnRef>
+          <a:fillRef idx="2">
+            <a:schemeClr val="accent3"/>
+          </a:fillRef>
+          <a:effectRef idx="1">
+            <a:schemeClr val="accent3"/>
+          </a:effectRef>
+          <a:fontRef idx="minor">
+            <a:schemeClr val="dk1"/>
+          </a:fontRef>
+        </p:style>
+        <p:txBody>
+          <a:bodyPr vert="horz" lIns="91440" tIns="45720" rIns="91440" bIns="45720" rtlCol="0" anchor="ctr" anchorCtr="0">
+            <a:noAutofit/>
+          </a:bodyPr>
+          <a:lstStyle>
+            <a:lvl1pPr marL="228600" indent="-228600" algn="l" defTabSz="914400" rtl="0" eaLnBrk="1" latinLnBrk="0" hangingPunct="1">
+              <a:lnSpc>
+                <a:spcPct val="90000"/>
+              </a:lnSpc>
+              <a:spcBef>
+                <a:spcPts val="1000"/>
+              </a:spcBef>
+              <a:buFont typeface="Arial" panose="020B0604020202020204" pitchFamily="34" charset="0"/>
+              <a:buChar char="•"/>
+              <a:defRPr sz="2800" kern="1200">
+                <a:solidFill>
+                  <a:schemeClr val="dk1"/>
+                </a:solidFill>
+                <a:latin typeface="+mn-lt"/>
+                <a:ea typeface="+mn-ea"/>
+                <a:cs typeface="+mn-cs"/>
+              </a:defRPr>
+            </a:lvl1pPr>
+            <a:lvl2pPr marL="685800" indent="-228600" algn="l" defTabSz="914400" rtl="0" eaLnBrk="1" latinLnBrk="0" hangingPunct="1">
+              <a:lnSpc>
+                <a:spcPct val="90000"/>
+              </a:lnSpc>
+              <a:spcBef>
+                <a:spcPts val="500"/>
+              </a:spcBef>
+              <a:buFont typeface="Arial" panose="020B0604020202020204" pitchFamily="34" charset="0"/>
+              <a:buChar char="•"/>
+              <a:defRPr sz="2400" kern="1200">
+                <a:solidFill>
+                  <a:schemeClr val="dk1"/>
+                </a:solidFill>
+                <a:latin typeface="+mn-lt"/>
+                <a:ea typeface="+mn-ea"/>
+                <a:cs typeface="+mn-cs"/>
+              </a:defRPr>
+            </a:lvl2pPr>
+            <a:lvl3pPr marL="1143000" indent="-228600" algn="l" defTabSz="914400" rtl="0" eaLnBrk="1" latinLnBrk="0" hangingPunct="1">
+              <a:lnSpc>
+                <a:spcPct val="90000"/>
+              </a:lnSpc>
+              <a:spcBef>
+                <a:spcPts val="500"/>
+              </a:spcBef>
+              <a:buFont typeface="Arial" panose="020B0604020202020204" pitchFamily="34" charset="0"/>
+              <a:buChar char="•"/>
+              <a:defRPr sz="2000" kern="1200">
+                <a:solidFill>
+                  <a:schemeClr val="dk1"/>
+                </a:solidFill>
+                <a:latin typeface="+mn-lt"/>
+                <a:ea typeface="+mn-ea"/>
+                <a:cs typeface="+mn-cs"/>
+              </a:defRPr>
+            </a:lvl3pPr>
+            <a:lvl4pPr marL="1600200" indent="-228600" algn="l" defTabSz="914400" rtl="0" eaLnBrk="1" latinLnBrk="0" hangingPunct="1">
+              <a:lnSpc>
+                <a:spcPct val="90000"/>
+              </a:lnSpc>
+              <a:spcBef>
+                <a:spcPts val="500"/>
+              </a:spcBef>
+              <a:buFont typeface="Arial" panose="020B0604020202020204" pitchFamily="34" charset="0"/>
+              <a:buChar char="•"/>
+              <a:defRPr sz="1800" kern="1200">
+                <a:solidFill>
+                  <a:schemeClr val="dk1"/>
+                </a:solidFill>
+                <a:latin typeface="+mn-lt"/>
+                <a:ea typeface="+mn-ea"/>
+                <a:cs typeface="+mn-cs"/>
+              </a:defRPr>
+            </a:lvl4pPr>
+            <a:lvl5pPr marL="2057400" indent="-228600" algn="l" defTabSz="914400" rtl="0" eaLnBrk="1" latinLnBrk="0" hangingPunct="1">
+              <a:lnSpc>
+                <a:spcPct val="90000"/>
+              </a:lnSpc>
+              <a:spcBef>
+                <a:spcPts val="500"/>
+              </a:spcBef>
+              <a:buFont typeface="Arial" panose="020B0604020202020204" pitchFamily="34" charset="0"/>
+              <a:buChar char="•"/>
+              <a:defRPr sz="1800" kern="1200">
+                <a:solidFill>
+                  <a:schemeClr val="dk1"/>
+                </a:solidFill>
+                <a:latin typeface="+mn-lt"/>
+                <a:ea typeface="+mn-ea"/>
+                <a:cs typeface="+mn-cs"/>
+              </a:defRPr>
+            </a:lvl5pPr>
+            <a:lvl6pPr marL="2514600" indent="-228600" algn="l" defTabSz="914400" rtl="0" eaLnBrk="1" latinLnBrk="0" hangingPunct="1">
+              <a:lnSpc>
+                <a:spcPct val="90000"/>
+              </a:lnSpc>
+              <a:spcBef>
+                <a:spcPts val="500"/>
+              </a:spcBef>
+              <a:buFont typeface="Arial" panose="020B0604020202020204" pitchFamily="34" charset="0"/>
+              <a:buChar char="•"/>
+              <a:defRPr sz="1800" kern="1200">
+                <a:solidFill>
+                  <a:schemeClr val="dk1"/>
+                </a:solidFill>
+                <a:latin typeface="+mn-lt"/>
+                <a:ea typeface="+mn-ea"/>
+                <a:cs typeface="+mn-cs"/>
+              </a:defRPr>
+            </a:lvl6pPr>
+            <a:lvl7pPr marL="2971800" indent="-228600" algn="l" defTabSz="914400" rtl="0" eaLnBrk="1" latinLnBrk="0" hangingPunct="1">
+              <a:lnSpc>
+                <a:spcPct val="90000"/>
+              </a:lnSpc>
+              <a:spcBef>
+                <a:spcPts val="500"/>
+              </a:spcBef>
+              <a:buFont typeface="Arial" panose="020B0604020202020204" pitchFamily="34" charset="0"/>
+              <a:buChar char="•"/>
+              <a:defRPr sz="1800" kern="1200">
+                <a:solidFill>
+                  <a:schemeClr val="dk1"/>
+                </a:solidFill>
+                <a:latin typeface="+mn-lt"/>
+                <a:ea typeface="+mn-ea"/>
+                <a:cs typeface="+mn-cs"/>
+              </a:defRPr>
+            </a:lvl7pPr>
+            <a:lvl8pPr marL="3429000" indent="-228600" algn="l" defTabSz="914400" rtl="0" eaLnBrk="1" latinLnBrk="0" hangingPunct="1">
+              <a:lnSpc>
+                <a:spcPct val="90000"/>
+              </a:lnSpc>
+              <a:spcBef>
+                <a:spcPts val="500"/>
+              </a:spcBef>
+              <a:buFont typeface="Arial" panose="020B0604020202020204" pitchFamily="34" charset="0"/>
+              <a:buChar char="•"/>
+              <a:defRPr sz="1800" kern="1200">
+                <a:solidFill>
+                  <a:schemeClr val="dk1"/>
+                </a:solidFill>
+                <a:latin typeface="+mn-lt"/>
+                <a:ea typeface="+mn-ea"/>
+                <a:cs typeface="+mn-cs"/>
+              </a:defRPr>
+            </a:lvl8pPr>
+            <a:lvl9pPr marL="3886200" indent="-228600" algn="l" defTabSz="914400" rtl="0" eaLnBrk="1" latinLnBrk="0" hangingPunct="1">
+              <a:lnSpc>
+                <a:spcPct val="90000"/>
+              </a:lnSpc>
+              <a:spcBef>
+                <a:spcPts val="500"/>
+              </a:spcBef>
+              <a:buFont typeface="Arial" panose="020B0604020202020204" pitchFamily="34" charset="0"/>
+              <a:buChar char="•"/>
+              <a:defRPr sz="1800" kern="1200">
+                <a:solidFill>
+                  <a:schemeClr val="dk1"/>
+                </a:solidFill>
+                <a:latin typeface="+mn-lt"/>
+                <a:ea typeface="+mn-ea"/>
+                <a:cs typeface="+mn-cs"/>
+              </a:defRPr>
+            </a:lvl9pPr>
+          </a:lstStyle>
+          <a:p>
+            <a:pPr marL="0" indent="0">
+              <a:buNone/>
+            </a:pPr>
+            <a:r>
+              <a:rPr lang="pt-BR" sz="2000" dirty="0">
+                <a:solidFill>
+                  <a:schemeClr val="bg2">
+                    <a:lumMod val="10000"/>
+                  </a:schemeClr>
+                </a:solidFill>
+                <a:cs typeface="Arial" panose="020B0604020202020204" pitchFamily="34" charset="0"/>
+              </a:rPr>
+              <a:t>Outra razão que impacta diretamente na redução da frequência de palavras está relacionada os diálogos nos filmes de Harry Potter, que são mais sucinto do que nos livros (</a:t>
+            </a:r>
+            <a:r>
+              <a:rPr lang="pt-BR" sz="2000" dirty="0" err="1">
+                <a:solidFill>
+                  <a:schemeClr val="bg2">
+                    <a:lumMod val="10000"/>
+                  </a:schemeClr>
+                </a:solidFill>
+                <a:cs typeface="Arial" panose="020B0604020202020204" pitchFamily="34" charset="0"/>
+              </a:rPr>
+              <a:t>Burkhardt</a:t>
+            </a:r>
+            <a:r>
+              <a:rPr lang="pt-BR" sz="2000" dirty="0">
+                <a:solidFill>
+                  <a:schemeClr val="bg2">
+                    <a:lumMod val="10000"/>
+                  </a:schemeClr>
+                </a:solidFill>
+                <a:cs typeface="Arial" panose="020B0604020202020204" pitchFamily="34" charset="0"/>
+              </a:rPr>
+              <a:t> e </a:t>
+            </a:r>
+            <a:r>
+              <a:rPr lang="pt-BR" sz="2000" dirty="0" err="1">
+                <a:solidFill>
+                  <a:schemeClr val="bg2">
+                    <a:lumMod val="10000"/>
+                  </a:schemeClr>
+                </a:solidFill>
+                <a:cs typeface="Arial" panose="020B0604020202020204" pitchFamily="34" charset="0"/>
+              </a:rPr>
+              <a:t>Gauvain</a:t>
+            </a:r>
+            <a:r>
+              <a:rPr lang="pt-BR" sz="2000" dirty="0">
+                <a:solidFill>
+                  <a:schemeClr val="bg2">
+                    <a:lumMod val="10000"/>
+                  </a:schemeClr>
+                </a:solidFill>
+                <a:cs typeface="Arial" panose="020B0604020202020204" pitchFamily="34" charset="0"/>
+              </a:rPr>
+              <a:t>, 2013).</a:t>
+            </a:r>
+          </a:p>
+          <a:p>
+            <a:pPr marL="0" indent="0">
+              <a:buNone/>
+            </a:pPr>
+            <a:endParaRPr lang="pt-BR" sz="2000" dirty="0">
+              <a:solidFill>
+                <a:schemeClr val="bg2">
+                  <a:lumMod val="10000"/>
+                </a:schemeClr>
+              </a:solidFill>
+              <a:cs typeface="Arial" panose="020B0604020202020204" pitchFamily="34" charset="0"/>
+            </a:endParaRPr>
+          </a:p>
+          <a:p>
+            <a:pPr marL="0" indent="0">
+              <a:buNone/>
+            </a:pPr>
+            <a:r>
+              <a:rPr lang="pt-BR" sz="2000" dirty="0">
+                <a:solidFill>
+                  <a:schemeClr val="bg2">
+                    <a:lumMod val="10000"/>
+                  </a:schemeClr>
+                </a:solidFill>
+                <a:cs typeface="Arial" panose="020B0604020202020204" pitchFamily="34" charset="0"/>
+              </a:rPr>
+              <a:t>O compromisso de Max em preservar a integridade de meus livros é importante para mim, e estou ansiosa para fazer parte desta nova adaptação que permitirá um grau de profundidade e detalhes apenas proporcionados por uma longa série de televisão (Rowling, 2023).</a:t>
+            </a:r>
+          </a:p>
+        </p:txBody>
+      </p:sp>
+    </p:spTree>
+    <p:extLst>
+      <p:ext uri="{BB962C8B-B14F-4D97-AF65-F5344CB8AC3E}">
+        <p14:creationId xmlns:p14="http://schemas.microsoft.com/office/powerpoint/2010/main" val="3713584901"/>
+      </p:ext>
+    </p:extLst>
+  </p:cSld>
+  <p:clrMapOvr>
+    <a:masterClrMapping/>
+  </p:clrMapOvr>
+</p:sld>
+</file>
+
+<file path=ppt/slides/slide14.xml><?xml version="1.0" encoding="utf-8"?>
+<p:sld xmlns:a="http://schemas.openxmlformats.org/drawingml/2006/main" xmlns:r="http://schemas.openxmlformats.org/officeDocument/2006/relationships" xmlns:p="http://schemas.openxmlformats.org/presentationml/2006/main">
+  <p:cSld>
+    <p:spTree>
+      <p:nvGrpSpPr>
+        <p:cNvPr id="1" name=""/>
+        <p:cNvGrpSpPr/>
+        <p:nvPr/>
+      </p:nvGrpSpPr>
+      <p:grpSpPr>
+        <a:xfrm>
+          <a:off x="0" y="0"/>
+          <a:ext cx="0" cy="0"/>
+          <a:chOff x="0" y="0"/>
+          <a:chExt cx="0" cy="0"/>
+        </a:xfrm>
+      </p:grpSpPr>
+      <p:sp>
+        <p:nvSpPr>
+          <p:cNvPr id="2" name="Arrow: Pentagon 3">
+            <a:extLst>
+              <a:ext uri="{FF2B5EF4-FFF2-40B4-BE49-F238E27FC236}">
                 <a16:creationId xmlns:a16="http://schemas.microsoft.com/office/drawing/2014/main" id="{9A4880F5-21A6-54BC-FC82-3BB671B0E173}"/>
               </a:ext>
             </a:extLst>
@@ -5808,8 +6592,8 @@
         </p:nvSpPr>
         <p:spPr>
           <a:xfrm>
-            <a:off x="317460" y="1017918"/>
-            <a:ext cx="11569740" cy="3959524"/>
+            <a:off x="761402" y="1647918"/>
+            <a:ext cx="10669195" cy="3928155"/>
           </a:xfrm>
           <a:prstGeom prst="rect">
             <a:avLst/>
@@ -6054,6 +6838,826 @@
     <p:extLst>
       <p:ext uri="{BB962C8B-B14F-4D97-AF65-F5344CB8AC3E}">
         <p14:creationId xmlns:p14="http://schemas.microsoft.com/office/powerpoint/2010/main" val="734470075"/>
+      </p:ext>
+    </p:extLst>
+  </p:cSld>
+  <p:clrMapOvr>
+    <a:masterClrMapping/>
+  </p:clrMapOvr>
+</p:sld>
+</file>
+
+<file path=ppt/slides/slide15.xml><?xml version="1.0" encoding="utf-8"?>
+<p:sld xmlns:a="http://schemas.openxmlformats.org/drawingml/2006/main" xmlns:r="http://schemas.openxmlformats.org/officeDocument/2006/relationships" xmlns:p="http://schemas.openxmlformats.org/presentationml/2006/main">
+  <p:cSld>
+    <p:spTree>
+      <p:nvGrpSpPr>
+        <p:cNvPr id="1" name=""/>
+        <p:cNvGrpSpPr/>
+        <p:nvPr/>
+      </p:nvGrpSpPr>
+      <p:grpSpPr>
+        <a:xfrm>
+          <a:off x="0" y="0"/>
+          <a:ext cx="0" cy="0"/>
+          <a:chOff x="0" y="0"/>
+          <a:chExt cx="0" cy="0"/>
+        </a:xfrm>
+      </p:grpSpPr>
+      <p:sp>
+        <p:nvSpPr>
+          <p:cNvPr id="2" name="Arrow: Pentagon 3">
+            <a:extLst>
+              <a:ext uri="{FF2B5EF4-FFF2-40B4-BE49-F238E27FC236}">
+                <a16:creationId xmlns:a16="http://schemas.microsoft.com/office/drawing/2014/main" id="{9A4880F5-21A6-54BC-FC82-3BB671B0E173}"/>
+              </a:ext>
+            </a:extLst>
+          </p:cNvPr>
+          <p:cNvSpPr/>
+          <p:nvPr/>
+        </p:nvSpPr>
+        <p:spPr>
+          <a:xfrm>
+            <a:off x="0" y="178295"/>
+            <a:ext cx="4975200" cy="630000"/>
+          </a:xfrm>
+          <a:prstGeom prst="homePlate">
+            <a:avLst/>
+          </a:prstGeom>
+          <a:solidFill>
+            <a:schemeClr val="bg2">
+              <a:lumMod val="25000"/>
+              <a:alpha val="85000"/>
+            </a:schemeClr>
+          </a:solidFill>
+        </p:spPr>
+        <p:style>
+          <a:lnRef idx="1">
+            <a:schemeClr val="accent3"/>
+          </a:lnRef>
+          <a:fillRef idx="3">
+            <a:schemeClr val="accent3"/>
+          </a:fillRef>
+          <a:effectRef idx="2">
+            <a:schemeClr val="accent3"/>
+          </a:effectRef>
+          <a:fontRef idx="minor">
+            <a:schemeClr val="lt1"/>
+          </a:fontRef>
+        </p:style>
+        <p:txBody>
+          <a:bodyPr rtlCol="0" anchor="ctr"/>
+          <a:lstStyle/>
+          <a:p>
+            <a:pPr algn="ctr"/>
+            <a:r>
+              <a:rPr lang="pt-BR" sz="3200" dirty="0">
+                <a:solidFill>
+                  <a:schemeClr val="bg1"/>
+                </a:solidFill>
+              </a:rPr>
+              <a:t>REFERÊNCIAS</a:t>
+            </a:r>
+          </a:p>
+        </p:txBody>
+      </p:sp>
+      <p:sp>
+        <p:nvSpPr>
+          <p:cNvPr id="9" name="Espaço Reservado para Conteúdo 2">
+            <a:extLst>
+              <a:ext uri="{FF2B5EF4-FFF2-40B4-BE49-F238E27FC236}">
+                <a16:creationId xmlns:a16="http://schemas.microsoft.com/office/drawing/2014/main" id="{BA2E9260-8C4E-550C-6D64-86415D17FABF}"/>
+              </a:ext>
+            </a:extLst>
+          </p:cNvPr>
+          <p:cNvSpPr txBox="1">
+            <a:spLocks/>
+          </p:cNvSpPr>
+          <p:nvPr/>
+        </p:nvSpPr>
+        <p:spPr>
+          <a:xfrm>
+            <a:off x="823748" y="1449238"/>
+            <a:ext cx="10544504" cy="3959524"/>
+          </a:xfrm>
+          <a:prstGeom prst="rect">
+            <a:avLst/>
+          </a:prstGeom>
+        </p:spPr>
+        <p:txBody>
+          <a:bodyPr vert="horz" lIns="91440" tIns="45720" rIns="91440" bIns="45720" rtlCol="0">
+            <a:noAutofit/>
+          </a:bodyPr>
+          <a:lstStyle>
+            <a:lvl1pPr marL="228600" indent="-228600" algn="l" defTabSz="914400" rtl="0" eaLnBrk="1" latinLnBrk="0" hangingPunct="1">
+              <a:lnSpc>
+                <a:spcPct val="90000"/>
+              </a:lnSpc>
+              <a:spcBef>
+                <a:spcPts val="1000"/>
+              </a:spcBef>
+              <a:buFont typeface="Arial" panose="020B0604020202020204" pitchFamily="34" charset="0"/>
+              <a:buChar char="•"/>
+              <a:defRPr sz="2800" kern="1200">
+                <a:solidFill>
+                  <a:schemeClr val="tx1"/>
+                </a:solidFill>
+                <a:latin typeface="+mn-lt"/>
+                <a:ea typeface="+mn-ea"/>
+                <a:cs typeface="+mn-cs"/>
+              </a:defRPr>
+            </a:lvl1pPr>
+            <a:lvl2pPr marL="685800" indent="-228600" algn="l" defTabSz="914400" rtl="0" eaLnBrk="1" latinLnBrk="0" hangingPunct="1">
+              <a:lnSpc>
+                <a:spcPct val="90000"/>
+              </a:lnSpc>
+              <a:spcBef>
+                <a:spcPts val="500"/>
+              </a:spcBef>
+              <a:buFont typeface="Arial" panose="020B0604020202020204" pitchFamily="34" charset="0"/>
+              <a:buChar char="•"/>
+              <a:defRPr sz="2400" kern="1200">
+                <a:solidFill>
+                  <a:schemeClr val="tx1"/>
+                </a:solidFill>
+                <a:latin typeface="+mn-lt"/>
+                <a:ea typeface="+mn-ea"/>
+                <a:cs typeface="+mn-cs"/>
+              </a:defRPr>
+            </a:lvl2pPr>
+            <a:lvl3pPr marL="1143000" indent="-228600" algn="l" defTabSz="914400" rtl="0" eaLnBrk="1" latinLnBrk="0" hangingPunct="1">
+              <a:lnSpc>
+                <a:spcPct val="90000"/>
+              </a:lnSpc>
+              <a:spcBef>
+                <a:spcPts val="500"/>
+              </a:spcBef>
+              <a:buFont typeface="Arial" panose="020B0604020202020204" pitchFamily="34" charset="0"/>
+              <a:buChar char="•"/>
+              <a:defRPr sz="2000" kern="1200">
+                <a:solidFill>
+                  <a:schemeClr val="tx1"/>
+                </a:solidFill>
+                <a:latin typeface="+mn-lt"/>
+                <a:ea typeface="+mn-ea"/>
+                <a:cs typeface="+mn-cs"/>
+              </a:defRPr>
+            </a:lvl3pPr>
+            <a:lvl4pPr marL="1600200" indent="-228600" algn="l" defTabSz="914400" rtl="0" eaLnBrk="1" latinLnBrk="0" hangingPunct="1">
+              <a:lnSpc>
+                <a:spcPct val="90000"/>
+              </a:lnSpc>
+              <a:spcBef>
+                <a:spcPts val="500"/>
+              </a:spcBef>
+              <a:buFont typeface="Arial" panose="020B0604020202020204" pitchFamily="34" charset="0"/>
+              <a:buChar char="•"/>
+              <a:defRPr sz="1800" kern="1200">
+                <a:solidFill>
+                  <a:schemeClr val="tx1"/>
+                </a:solidFill>
+                <a:latin typeface="+mn-lt"/>
+                <a:ea typeface="+mn-ea"/>
+                <a:cs typeface="+mn-cs"/>
+              </a:defRPr>
+            </a:lvl4pPr>
+            <a:lvl5pPr marL="2057400" indent="-228600" algn="l" defTabSz="914400" rtl="0" eaLnBrk="1" latinLnBrk="0" hangingPunct="1">
+              <a:lnSpc>
+                <a:spcPct val="90000"/>
+              </a:lnSpc>
+              <a:spcBef>
+                <a:spcPts val="500"/>
+              </a:spcBef>
+              <a:buFont typeface="Arial" panose="020B0604020202020204" pitchFamily="34" charset="0"/>
+              <a:buChar char="•"/>
+              <a:defRPr sz="1800" kern="1200">
+                <a:solidFill>
+                  <a:schemeClr val="tx1"/>
+                </a:solidFill>
+                <a:latin typeface="+mn-lt"/>
+                <a:ea typeface="+mn-ea"/>
+                <a:cs typeface="+mn-cs"/>
+              </a:defRPr>
+            </a:lvl5pPr>
+            <a:lvl6pPr marL="2514600" indent="-228600" algn="l" defTabSz="914400" rtl="0" eaLnBrk="1" latinLnBrk="0" hangingPunct="1">
+              <a:lnSpc>
+                <a:spcPct val="90000"/>
+              </a:lnSpc>
+              <a:spcBef>
+                <a:spcPts val="500"/>
+              </a:spcBef>
+              <a:buFont typeface="Arial" panose="020B0604020202020204" pitchFamily="34" charset="0"/>
+              <a:buChar char="•"/>
+              <a:defRPr sz="1800" kern="1200">
+                <a:solidFill>
+                  <a:schemeClr val="tx1"/>
+                </a:solidFill>
+                <a:latin typeface="+mn-lt"/>
+                <a:ea typeface="+mn-ea"/>
+                <a:cs typeface="+mn-cs"/>
+              </a:defRPr>
+            </a:lvl6pPr>
+            <a:lvl7pPr marL="2971800" indent="-228600" algn="l" defTabSz="914400" rtl="0" eaLnBrk="1" latinLnBrk="0" hangingPunct="1">
+              <a:lnSpc>
+                <a:spcPct val="90000"/>
+              </a:lnSpc>
+              <a:spcBef>
+                <a:spcPts val="500"/>
+              </a:spcBef>
+              <a:buFont typeface="Arial" panose="020B0604020202020204" pitchFamily="34" charset="0"/>
+              <a:buChar char="•"/>
+              <a:defRPr sz="1800" kern="1200">
+                <a:solidFill>
+                  <a:schemeClr val="tx1"/>
+                </a:solidFill>
+                <a:latin typeface="+mn-lt"/>
+                <a:ea typeface="+mn-ea"/>
+                <a:cs typeface="+mn-cs"/>
+              </a:defRPr>
+            </a:lvl7pPr>
+            <a:lvl8pPr marL="3429000" indent="-228600" algn="l" defTabSz="914400" rtl="0" eaLnBrk="1" latinLnBrk="0" hangingPunct="1">
+              <a:lnSpc>
+                <a:spcPct val="90000"/>
+              </a:lnSpc>
+              <a:spcBef>
+                <a:spcPts val="500"/>
+              </a:spcBef>
+              <a:buFont typeface="Arial" panose="020B0604020202020204" pitchFamily="34" charset="0"/>
+              <a:buChar char="•"/>
+              <a:defRPr sz="1800" kern="1200">
+                <a:solidFill>
+                  <a:schemeClr val="tx1"/>
+                </a:solidFill>
+                <a:latin typeface="+mn-lt"/>
+                <a:ea typeface="+mn-ea"/>
+                <a:cs typeface="+mn-cs"/>
+              </a:defRPr>
+            </a:lvl8pPr>
+            <a:lvl9pPr marL="3886200" indent="-228600" algn="l" defTabSz="914400" rtl="0" eaLnBrk="1" latinLnBrk="0" hangingPunct="1">
+              <a:lnSpc>
+                <a:spcPct val="90000"/>
+              </a:lnSpc>
+              <a:spcBef>
+                <a:spcPts val="500"/>
+              </a:spcBef>
+              <a:buFont typeface="Arial" panose="020B0604020202020204" pitchFamily="34" charset="0"/>
+              <a:buChar char="•"/>
+              <a:defRPr sz="1800" kern="1200">
+                <a:solidFill>
+                  <a:schemeClr val="tx1"/>
+                </a:solidFill>
+                <a:latin typeface="+mn-lt"/>
+                <a:ea typeface="+mn-ea"/>
+                <a:cs typeface="+mn-cs"/>
+              </a:defRPr>
+            </a:lvl9pPr>
+          </a:lstStyle>
+          <a:p>
+            <a:pPr algn="just"/>
+            <a:r>
+              <a:rPr lang="en-US" sz="1800" dirty="0">
+                <a:solidFill>
+                  <a:schemeClr val="bg2">
+                    <a:lumMod val="25000"/>
+                  </a:schemeClr>
+                </a:solidFill>
+              </a:rPr>
+              <a:t>Burkhardt, J. M., &amp; </a:t>
+            </a:r>
+            <a:r>
+              <a:rPr lang="en-US" sz="1800" dirty="0" err="1">
+                <a:solidFill>
+                  <a:schemeClr val="bg2">
+                    <a:lumMod val="25000"/>
+                  </a:schemeClr>
+                </a:solidFill>
+              </a:rPr>
+              <a:t>Gauvain</a:t>
+            </a:r>
+            <a:r>
+              <a:rPr lang="en-US" sz="1800" dirty="0">
+                <a:solidFill>
+                  <a:schemeClr val="bg2">
+                    <a:lumMod val="25000"/>
+                  </a:schemeClr>
+                </a:solidFill>
+              </a:rPr>
+              <a:t>, M. C. (2013). Comparing the Books to the Movies: A Study of Harry Potter and the Philosopher's Stone. Children's Literature in Education, 44(3), 257-273.</a:t>
+            </a:r>
+          </a:p>
+          <a:p>
+            <a:pPr algn="just"/>
+            <a:r>
+              <a:rPr lang="en-US" sz="1800" dirty="0">
+                <a:solidFill>
+                  <a:schemeClr val="bg2">
+                    <a:lumMod val="25000"/>
+                  </a:schemeClr>
+                </a:solidFill>
+              </a:rPr>
+              <a:t>Dale, Robert; MOISL, Hermann; SOMERS, Harold (Ed.). Handbook of natural language processing. CRC press, 2000.</a:t>
+            </a:r>
+          </a:p>
+          <a:p>
+            <a:pPr algn="just"/>
+            <a:r>
+              <a:rPr lang="en-US" sz="1800" dirty="0">
+                <a:solidFill>
+                  <a:schemeClr val="bg2">
+                    <a:lumMod val="25000"/>
+                  </a:schemeClr>
+                </a:solidFill>
+              </a:rPr>
+              <a:t>Desmond, John, and Peter Hawkes. Adaptation: Studying film and literature. McGraw-Hill Humanities Social, 2006.</a:t>
+            </a:r>
+          </a:p>
+          <a:p>
+            <a:pPr algn="just"/>
+            <a:r>
+              <a:rPr lang="pt-BR" sz="1800" dirty="0">
+                <a:solidFill>
+                  <a:schemeClr val="bg2">
+                    <a:lumMod val="25000"/>
+                  </a:schemeClr>
+                </a:solidFill>
+              </a:rPr>
+              <a:t>Wickham, Hadley. "Data </a:t>
+            </a:r>
+            <a:r>
+              <a:rPr lang="pt-BR" sz="1800" dirty="0" err="1">
+                <a:solidFill>
+                  <a:schemeClr val="bg2">
+                    <a:lumMod val="25000"/>
+                  </a:schemeClr>
+                </a:solidFill>
+              </a:rPr>
+              <a:t>analysis</a:t>
+            </a:r>
+            <a:r>
+              <a:rPr lang="pt-BR" sz="1800" dirty="0">
+                <a:solidFill>
+                  <a:schemeClr val="bg2">
+                    <a:lumMod val="25000"/>
+                  </a:schemeClr>
+                </a:solidFill>
+              </a:rPr>
+              <a:t>." ggplot2. Springer, </a:t>
+            </a:r>
+            <a:r>
+              <a:rPr lang="pt-BR" sz="1800" dirty="0" err="1">
+                <a:solidFill>
+                  <a:schemeClr val="bg2">
+                    <a:lumMod val="25000"/>
+                  </a:schemeClr>
+                </a:solidFill>
+              </a:rPr>
+              <a:t>Cham</a:t>
+            </a:r>
+            <a:r>
+              <a:rPr lang="pt-BR" sz="1800" dirty="0">
+                <a:solidFill>
+                  <a:schemeClr val="bg2">
+                    <a:lumMod val="25000"/>
+                  </a:schemeClr>
+                </a:solidFill>
+              </a:rPr>
+              <a:t>, 2016. 189-201.</a:t>
+            </a:r>
+          </a:p>
+          <a:p>
+            <a:pPr algn="just"/>
+            <a:endParaRPr lang="en-US" sz="1800" dirty="0">
+              <a:solidFill>
+                <a:schemeClr val="bg2">
+                  <a:lumMod val="25000"/>
+                </a:schemeClr>
+              </a:solidFill>
+            </a:endParaRPr>
+          </a:p>
+          <a:p>
+            <a:pPr algn="just"/>
+            <a:endParaRPr lang="en-US" sz="1800" dirty="0">
+              <a:solidFill>
+                <a:schemeClr val="bg2">
+                  <a:lumMod val="25000"/>
+                </a:schemeClr>
+              </a:solidFill>
+            </a:endParaRPr>
+          </a:p>
+          <a:p>
+            <a:pPr algn="just"/>
+            <a:endParaRPr lang="en-US" sz="1800" dirty="0">
+              <a:solidFill>
+                <a:schemeClr val="bg2">
+                  <a:lumMod val="25000"/>
+                </a:schemeClr>
+              </a:solidFill>
+            </a:endParaRPr>
+          </a:p>
+          <a:p>
+            <a:pPr algn="just"/>
+            <a:endParaRPr lang="en-US" sz="1800" dirty="0">
+              <a:solidFill>
+                <a:schemeClr val="bg2">
+                  <a:lumMod val="25000"/>
+                </a:schemeClr>
+              </a:solidFill>
+            </a:endParaRPr>
+          </a:p>
+          <a:p>
+            <a:pPr algn="just"/>
+            <a:endParaRPr lang="pt-BR" sz="1800" dirty="0">
+              <a:solidFill>
+                <a:schemeClr val="bg2">
+                  <a:lumMod val="25000"/>
+                </a:schemeClr>
+              </a:solidFill>
+            </a:endParaRPr>
+          </a:p>
+        </p:txBody>
+      </p:sp>
+    </p:spTree>
+    <p:extLst>
+      <p:ext uri="{BB962C8B-B14F-4D97-AF65-F5344CB8AC3E}">
+        <p14:creationId xmlns:p14="http://schemas.microsoft.com/office/powerpoint/2010/main" val="2973531586"/>
+      </p:ext>
+    </p:extLst>
+  </p:cSld>
+  <p:clrMapOvr>
+    <a:masterClrMapping/>
+  </p:clrMapOvr>
+</p:sld>
+</file>
+
+<file path=ppt/slides/slide16.xml><?xml version="1.0" encoding="utf-8"?>
+<p:sld xmlns:a="http://schemas.openxmlformats.org/drawingml/2006/main" xmlns:r="http://schemas.openxmlformats.org/officeDocument/2006/relationships" xmlns:p="http://schemas.openxmlformats.org/presentationml/2006/main">
+  <p:cSld>
+    <p:spTree>
+      <p:nvGrpSpPr>
+        <p:cNvPr id="1" name=""/>
+        <p:cNvGrpSpPr/>
+        <p:nvPr/>
+      </p:nvGrpSpPr>
+      <p:grpSpPr>
+        <a:xfrm>
+          <a:off x="0" y="0"/>
+          <a:ext cx="0" cy="0"/>
+          <a:chOff x="0" y="0"/>
+          <a:chExt cx="0" cy="0"/>
+        </a:xfrm>
+      </p:grpSpPr>
+      <p:sp>
+        <p:nvSpPr>
+          <p:cNvPr id="2" name="Arrow: Pentagon 3">
+            <a:extLst>
+              <a:ext uri="{FF2B5EF4-FFF2-40B4-BE49-F238E27FC236}">
+                <a16:creationId xmlns:a16="http://schemas.microsoft.com/office/drawing/2014/main" id="{9A4880F5-21A6-54BC-FC82-3BB671B0E173}"/>
+              </a:ext>
+            </a:extLst>
+          </p:cNvPr>
+          <p:cNvSpPr/>
+          <p:nvPr/>
+        </p:nvSpPr>
+        <p:spPr>
+          <a:xfrm>
+            <a:off x="0" y="178295"/>
+            <a:ext cx="4975200" cy="630000"/>
+          </a:xfrm>
+          <a:prstGeom prst="homePlate">
+            <a:avLst/>
+          </a:prstGeom>
+          <a:solidFill>
+            <a:schemeClr val="bg2">
+              <a:lumMod val="25000"/>
+              <a:alpha val="85000"/>
+            </a:schemeClr>
+          </a:solidFill>
+        </p:spPr>
+        <p:style>
+          <a:lnRef idx="1">
+            <a:schemeClr val="accent3"/>
+          </a:lnRef>
+          <a:fillRef idx="3">
+            <a:schemeClr val="accent3"/>
+          </a:fillRef>
+          <a:effectRef idx="2">
+            <a:schemeClr val="accent3"/>
+          </a:effectRef>
+          <a:fontRef idx="minor">
+            <a:schemeClr val="lt1"/>
+          </a:fontRef>
+        </p:style>
+        <p:txBody>
+          <a:bodyPr rtlCol="0" anchor="ctr"/>
+          <a:lstStyle/>
+          <a:p>
+            <a:pPr algn="ctr"/>
+            <a:r>
+              <a:rPr lang="pt-BR" sz="3200" dirty="0">
+                <a:solidFill>
+                  <a:schemeClr val="bg1"/>
+                </a:solidFill>
+              </a:rPr>
+              <a:t>ENCERRAMENTO</a:t>
+            </a:r>
+          </a:p>
+        </p:txBody>
+      </p:sp>
+      <p:grpSp>
+        <p:nvGrpSpPr>
+          <p:cNvPr id="5" name="Group 4">
+            <a:extLst>
+              <a:ext uri="{FF2B5EF4-FFF2-40B4-BE49-F238E27FC236}">
+                <a16:creationId xmlns:a16="http://schemas.microsoft.com/office/drawing/2014/main" id="{54F4B38F-2433-44C3-056A-546DFCA70B04}"/>
+              </a:ext>
+            </a:extLst>
+          </p:cNvPr>
+          <p:cNvGrpSpPr/>
+          <p:nvPr/>
+        </p:nvGrpSpPr>
+        <p:grpSpPr>
+          <a:xfrm>
+            <a:off x="3738995" y="1071995"/>
+            <a:ext cx="4714010" cy="4714010"/>
+            <a:chOff x="3738995" y="1071995"/>
+            <a:chExt cx="4714010" cy="4714010"/>
+          </a:xfrm>
+        </p:grpSpPr>
+        <p:pic>
+          <p:nvPicPr>
+            <p:cNvPr id="4" name="Picture 3" descr="A qr code on a white background&#10;&#10;Description automatically generated">
+              <a:extLst>
+                <a:ext uri="{FF2B5EF4-FFF2-40B4-BE49-F238E27FC236}">
+                  <a16:creationId xmlns:a16="http://schemas.microsoft.com/office/drawing/2014/main" id="{A700742E-4364-B443-A2C8-B50BEAE139BD}"/>
+                </a:ext>
+              </a:extLst>
+            </p:cNvPr>
+            <p:cNvPicPr>
+              <a:picLocks noChangeAspect="1"/>
+            </p:cNvPicPr>
+            <p:nvPr/>
+          </p:nvPicPr>
+          <p:blipFill>
+            <a:blip r:embed="rId2">
+              <a:extLst>
+                <a:ext uri="{28A0092B-C50C-407E-A947-70E740481C1C}">
+                  <a14:useLocalDpi xmlns:a14="http://schemas.microsoft.com/office/drawing/2010/main" val="0"/>
+                </a:ext>
+              </a:extLst>
+            </a:blip>
+            <a:stretch>
+              <a:fillRect/>
+            </a:stretch>
+          </p:blipFill>
+          <p:spPr>
+            <a:xfrm>
+              <a:off x="3738995" y="1071995"/>
+              <a:ext cx="4714010" cy="4714010"/>
+            </a:xfrm>
+            <a:prstGeom prst="rect">
+              <a:avLst/>
+            </a:prstGeom>
+          </p:spPr>
+        </p:pic>
+        <p:sp>
+          <p:nvSpPr>
+            <p:cNvPr id="9" name="Espaço Reservado para Conteúdo 2">
+              <a:extLst>
+                <a:ext uri="{FF2B5EF4-FFF2-40B4-BE49-F238E27FC236}">
+                  <a16:creationId xmlns:a16="http://schemas.microsoft.com/office/drawing/2014/main" id="{BA2E9260-8C4E-550C-6D64-86415D17FABF}"/>
+                </a:ext>
+              </a:extLst>
+            </p:cNvPr>
+            <p:cNvSpPr txBox="1">
+              <a:spLocks/>
+            </p:cNvSpPr>
+            <p:nvPr/>
+          </p:nvSpPr>
+          <p:spPr>
+            <a:xfrm>
+              <a:off x="4020274" y="5453032"/>
+              <a:ext cx="4151452" cy="332973"/>
+            </a:xfrm>
+            <a:prstGeom prst="rect">
+              <a:avLst/>
+            </a:prstGeom>
+          </p:spPr>
+          <p:txBody>
+            <a:bodyPr vert="horz" lIns="91440" tIns="45720" rIns="91440" bIns="45720" rtlCol="0">
+              <a:noAutofit/>
+            </a:bodyPr>
+            <a:lstStyle>
+              <a:lvl1pPr marL="228600" indent="-228600" algn="l" defTabSz="914400" rtl="0" eaLnBrk="1" latinLnBrk="0" hangingPunct="1">
+                <a:lnSpc>
+                  <a:spcPct val="90000"/>
+                </a:lnSpc>
+                <a:spcBef>
+                  <a:spcPts val="1000"/>
+                </a:spcBef>
+                <a:buFont typeface="Arial" panose="020B0604020202020204" pitchFamily="34" charset="0"/>
+                <a:buChar char="•"/>
+                <a:defRPr sz="2800" kern="1200">
+                  <a:solidFill>
+                    <a:schemeClr val="tx1"/>
+                  </a:solidFill>
+                  <a:latin typeface="+mn-lt"/>
+                  <a:ea typeface="+mn-ea"/>
+                  <a:cs typeface="+mn-cs"/>
+                </a:defRPr>
+              </a:lvl1pPr>
+              <a:lvl2pPr marL="685800" indent="-228600" algn="l" defTabSz="914400" rtl="0" eaLnBrk="1" latinLnBrk="0" hangingPunct="1">
+                <a:lnSpc>
+                  <a:spcPct val="90000"/>
+                </a:lnSpc>
+                <a:spcBef>
+                  <a:spcPts val="500"/>
+                </a:spcBef>
+                <a:buFont typeface="Arial" panose="020B0604020202020204" pitchFamily="34" charset="0"/>
+                <a:buChar char="•"/>
+                <a:defRPr sz="2400" kern="1200">
+                  <a:solidFill>
+                    <a:schemeClr val="tx1"/>
+                  </a:solidFill>
+                  <a:latin typeface="+mn-lt"/>
+                  <a:ea typeface="+mn-ea"/>
+                  <a:cs typeface="+mn-cs"/>
+                </a:defRPr>
+              </a:lvl2pPr>
+              <a:lvl3pPr marL="1143000" indent="-228600" algn="l" defTabSz="914400" rtl="0" eaLnBrk="1" latinLnBrk="0" hangingPunct="1">
+                <a:lnSpc>
+                  <a:spcPct val="90000"/>
+                </a:lnSpc>
+                <a:spcBef>
+                  <a:spcPts val="500"/>
+                </a:spcBef>
+                <a:buFont typeface="Arial" panose="020B0604020202020204" pitchFamily="34" charset="0"/>
+                <a:buChar char="•"/>
+                <a:defRPr sz="2000" kern="1200">
+                  <a:solidFill>
+                    <a:schemeClr val="tx1"/>
+                  </a:solidFill>
+                  <a:latin typeface="+mn-lt"/>
+                  <a:ea typeface="+mn-ea"/>
+                  <a:cs typeface="+mn-cs"/>
+                </a:defRPr>
+              </a:lvl3pPr>
+              <a:lvl4pPr marL="1600200" indent="-228600" algn="l" defTabSz="914400" rtl="0" eaLnBrk="1" latinLnBrk="0" hangingPunct="1">
+                <a:lnSpc>
+                  <a:spcPct val="90000"/>
+                </a:lnSpc>
+                <a:spcBef>
+                  <a:spcPts val="500"/>
+                </a:spcBef>
+                <a:buFont typeface="Arial" panose="020B0604020202020204" pitchFamily="34" charset="0"/>
+                <a:buChar char="•"/>
+                <a:defRPr sz="1800" kern="1200">
+                  <a:solidFill>
+                    <a:schemeClr val="tx1"/>
+                  </a:solidFill>
+                  <a:latin typeface="+mn-lt"/>
+                  <a:ea typeface="+mn-ea"/>
+                  <a:cs typeface="+mn-cs"/>
+                </a:defRPr>
+              </a:lvl4pPr>
+              <a:lvl5pPr marL="2057400" indent="-228600" algn="l" defTabSz="914400" rtl="0" eaLnBrk="1" latinLnBrk="0" hangingPunct="1">
+                <a:lnSpc>
+                  <a:spcPct val="90000"/>
+                </a:lnSpc>
+                <a:spcBef>
+                  <a:spcPts val="500"/>
+                </a:spcBef>
+                <a:buFont typeface="Arial" panose="020B0604020202020204" pitchFamily="34" charset="0"/>
+                <a:buChar char="•"/>
+                <a:defRPr sz="1800" kern="1200">
+                  <a:solidFill>
+                    <a:schemeClr val="tx1"/>
+                  </a:solidFill>
+                  <a:latin typeface="+mn-lt"/>
+                  <a:ea typeface="+mn-ea"/>
+                  <a:cs typeface="+mn-cs"/>
+                </a:defRPr>
+              </a:lvl5pPr>
+              <a:lvl6pPr marL="2514600" indent="-228600" algn="l" defTabSz="914400" rtl="0" eaLnBrk="1" latinLnBrk="0" hangingPunct="1">
+                <a:lnSpc>
+                  <a:spcPct val="90000"/>
+                </a:lnSpc>
+                <a:spcBef>
+                  <a:spcPts val="500"/>
+                </a:spcBef>
+                <a:buFont typeface="Arial" panose="020B0604020202020204" pitchFamily="34" charset="0"/>
+                <a:buChar char="•"/>
+                <a:defRPr sz="1800" kern="1200">
+                  <a:solidFill>
+                    <a:schemeClr val="tx1"/>
+                  </a:solidFill>
+                  <a:latin typeface="+mn-lt"/>
+                  <a:ea typeface="+mn-ea"/>
+                  <a:cs typeface="+mn-cs"/>
+                </a:defRPr>
+              </a:lvl6pPr>
+              <a:lvl7pPr marL="2971800" indent="-228600" algn="l" defTabSz="914400" rtl="0" eaLnBrk="1" latinLnBrk="0" hangingPunct="1">
+                <a:lnSpc>
+                  <a:spcPct val="90000"/>
+                </a:lnSpc>
+                <a:spcBef>
+                  <a:spcPts val="500"/>
+                </a:spcBef>
+                <a:buFont typeface="Arial" panose="020B0604020202020204" pitchFamily="34" charset="0"/>
+                <a:buChar char="•"/>
+                <a:defRPr sz="1800" kern="1200">
+                  <a:solidFill>
+                    <a:schemeClr val="tx1"/>
+                  </a:solidFill>
+                  <a:latin typeface="+mn-lt"/>
+                  <a:ea typeface="+mn-ea"/>
+                  <a:cs typeface="+mn-cs"/>
+                </a:defRPr>
+              </a:lvl7pPr>
+              <a:lvl8pPr marL="3429000" indent="-228600" algn="l" defTabSz="914400" rtl="0" eaLnBrk="1" latinLnBrk="0" hangingPunct="1">
+                <a:lnSpc>
+                  <a:spcPct val="90000"/>
+                </a:lnSpc>
+                <a:spcBef>
+                  <a:spcPts val="500"/>
+                </a:spcBef>
+                <a:buFont typeface="Arial" panose="020B0604020202020204" pitchFamily="34" charset="0"/>
+                <a:buChar char="•"/>
+                <a:defRPr sz="1800" kern="1200">
+                  <a:solidFill>
+                    <a:schemeClr val="tx1"/>
+                  </a:solidFill>
+                  <a:latin typeface="+mn-lt"/>
+                  <a:ea typeface="+mn-ea"/>
+                  <a:cs typeface="+mn-cs"/>
+                </a:defRPr>
+              </a:lvl8pPr>
+              <a:lvl9pPr marL="3886200" indent="-228600" algn="l" defTabSz="914400" rtl="0" eaLnBrk="1" latinLnBrk="0" hangingPunct="1">
+                <a:lnSpc>
+                  <a:spcPct val="90000"/>
+                </a:lnSpc>
+                <a:spcBef>
+                  <a:spcPts val="500"/>
+                </a:spcBef>
+                <a:buFont typeface="Arial" panose="020B0604020202020204" pitchFamily="34" charset="0"/>
+                <a:buChar char="•"/>
+                <a:defRPr sz="1800" kern="1200">
+                  <a:solidFill>
+                    <a:schemeClr val="tx1"/>
+                  </a:solidFill>
+                  <a:latin typeface="+mn-lt"/>
+                  <a:ea typeface="+mn-ea"/>
+                  <a:cs typeface="+mn-cs"/>
+                </a:defRPr>
+              </a:lvl9pPr>
+            </a:lstStyle>
+            <a:p>
+              <a:pPr algn="just"/>
+              <a:r>
+                <a:rPr lang="en-US" sz="1800" dirty="0">
+                  <a:solidFill>
+                    <a:schemeClr val="bg2">
+                      <a:lumMod val="25000"/>
+                    </a:schemeClr>
+                  </a:solidFill>
+                </a:rPr>
+                <a:t>GitHub: </a:t>
+              </a:r>
+              <a:r>
+                <a:rPr lang="en-US" sz="1800" dirty="0">
+                  <a:solidFill>
+                    <a:schemeClr val="bg2">
+                      <a:lumMod val="25000"/>
+                    </a:schemeClr>
+                  </a:solidFill>
+                  <a:hlinkClick r:id="rId3"/>
+                </a:rPr>
+                <a:t>https://github.com/viniciusanl</a:t>
+              </a:r>
+              <a:endParaRPr lang="en-US" sz="1800" dirty="0">
+                <a:solidFill>
+                  <a:schemeClr val="bg2">
+                    <a:lumMod val="25000"/>
+                  </a:schemeClr>
+                </a:solidFill>
+              </a:endParaRPr>
+            </a:p>
+            <a:p>
+              <a:pPr algn="just"/>
+              <a:endParaRPr lang="pt-BR" sz="1800" dirty="0">
+                <a:solidFill>
+                  <a:schemeClr val="bg2">
+                    <a:lumMod val="25000"/>
+                  </a:schemeClr>
+                </a:solidFill>
+              </a:endParaRPr>
+            </a:p>
+          </p:txBody>
+        </p:sp>
+      </p:grpSp>
+    </p:spTree>
+    <p:extLst>
+      <p:ext uri="{BB962C8B-B14F-4D97-AF65-F5344CB8AC3E}">
+        <p14:creationId xmlns:p14="http://schemas.microsoft.com/office/powerpoint/2010/main" val="1133341666"/>
       </p:ext>
     </p:extLst>
   </p:cSld>

--- a/Apresentação/Apresentação TCC - Vinícius Andrade Lopes.pptx
+++ b/Apresentação/Apresentação TCC - Vinícius Andrade Lopes.pptx
@@ -4347,7 +4347,7 @@
                   </a:schemeClr>
                 </a:solidFill>
               </a:rPr>
-              <a:t>Medida que avalia o grau de semelhança entre dois ou mais elementos linguísticos.</a:t>
+              <a:t>Medida que avalia o grau de semelhança entre dois ou mais elementos linguísticos;</a:t>
             </a:r>
           </a:p>
           <a:p>
@@ -4360,7 +4360,7 @@
                   </a:schemeClr>
                 </a:solidFill>
               </a:rPr>
-              <a:t>Categorização.</a:t>
+              <a:t>Categorização;</a:t>
             </a:r>
           </a:p>
           <a:p>
@@ -4386,7 +4386,7 @@
                   </a:schemeClr>
                 </a:solidFill>
               </a:rPr>
-              <a:t>Concordância.</a:t>
+              <a:t>Concordância</a:t>
             </a:r>
           </a:p>
           <a:p>
@@ -4399,7 +4399,7 @@
                   </a:schemeClr>
                 </a:solidFill>
               </a:rPr>
-              <a:t>Permite analisar como as palavras são usadas em diferentes contextos.</a:t>
+              <a:t>Permite analisar como as palavras são usadas em diferentes contextos;</a:t>
             </a:r>
           </a:p>
           <a:p>
@@ -4425,7 +4425,7 @@
                   </a:schemeClr>
                 </a:solidFill>
               </a:rPr>
-              <a:t>Bigramas.</a:t>
+              <a:t>Bigramas</a:t>
             </a:r>
           </a:p>
           <a:p>
@@ -4438,7 +4438,7 @@
                   </a:schemeClr>
                 </a:solidFill>
               </a:rPr>
-              <a:t>Palavras consecutivas.</a:t>
+              <a:t>Palavras consecutivas;</a:t>
             </a:r>
           </a:p>
           <a:p>
@@ -4451,7 +4451,7 @@
                   </a:schemeClr>
                 </a:solidFill>
               </a:rPr>
-              <a:t>Sequência de duas palavras consecutivas em um texto.</a:t>
+              <a:t>Sequência de duas palavras consecutivas em um texto;</a:t>
             </a:r>
           </a:p>
           <a:p>
@@ -6069,7 +6069,7 @@
                   </a:schemeClr>
                 </a:solidFill>
               </a:rPr>
-              <a:t>Descrição detalhada de lugares.</a:t>
+              <a:t>Descrição detalhada de lugares</a:t>
             </a:r>
           </a:p>
           <a:p>
@@ -6082,7 +6082,7 @@
                   </a:schemeClr>
                 </a:solidFill>
               </a:rPr>
-              <a:t>Descrição de personagens.</a:t>
+              <a:t>Descrição de personagens</a:t>
             </a:r>
           </a:p>
           <a:p>
@@ -6095,7 +6095,7 @@
                   </a:schemeClr>
                 </a:solidFill>
               </a:rPr>
-              <a:t>Contextualizar uma ação ou reação de cenas específicas.</a:t>
+              <a:t>Contextualizar uma ação ou reação de cenas específicas</a:t>
             </a:r>
           </a:p>
           <a:p>
@@ -6108,7 +6108,7 @@
                   </a:schemeClr>
                 </a:solidFill>
               </a:rPr>
-              <a:t>Descrição de animais místicos.</a:t>
+              <a:t>Descrição de animais místicos</a:t>
             </a:r>
           </a:p>
           <a:p>
@@ -6121,7 +6121,7 @@
                   </a:schemeClr>
                 </a:solidFill>
               </a:rPr>
-              <a:t>Funcionamento de uma magia.</a:t>
+              <a:t>Funcionamento de uma magia</a:t>
             </a:r>
           </a:p>
           <a:p>
@@ -6134,7 +6134,7 @@
                   </a:schemeClr>
                 </a:solidFill>
               </a:rPr>
-              <a:t>Emoções nos diálogos.</a:t>
+              <a:t>Emoções nos diálogos</a:t>
             </a:r>
           </a:p>
           <a:p>
@@ -6411,7 +6411,7 @@
                 </a:solidFill>
                 <a:cs typeface="Arial" panose="020B0604020202020204" pitchFamily="34" charset="0"/>
               </a:rPr>
-              <a:t>Outra razão que impacta diretamente na redução da frequência de palavras está relacionada os diálogos nos filmes de Harry Potter, que são mais sucinto do que nos livros (</a:t>
+              <a:t>Outra razão que impacta diretamente na redução da frequência de palavras está relacionada aos diálogos nos filmes de Harry Potter, que são mais sucintos quando comparados aos dos livros (</a:t>
             </a:r>
             <a:r>
               <a:rPr lang="pt-BR" sz="2000" dirty="0" err="1">
@@ -6484,7 +6484,7 @@
                 </a:solidFill>
                 <a:cs typeface="Arial" panose="020B0604020202020204" pitchFamily="34" charset="0"/>
               </a:rPr>
-              <a:t>O compromisso de Max em preservar a integridade de meus livros é importante para mim, e estou ansiosa para fazer parte desta nova adaptação que permitirá um grau de profundidade e detalhes apenas proporcionados por uma longa série de televisão (Rowling, 2023).</a:t>
+              <a:t>“O compromisso de Max em preservar a integridade de meus livros é importante para mim, e estou ansiosa para fazer parte desta nova adaptação que permitirá um grau de profundidade e detalhes apenas proporcionados por uma longa série de televisão” (Rowling, 2023).</a:t>
             </a:r>
           </a:p>
         </p:txBody>
@@ -6777,7 +6777,7 @@
                   </a:schemeClr>
                 </a:solidFill>
               </a:rPr>
-              <a:t>As ferramentas disponibilizadas pela biblioteca NLTK são robustas o suficiente para gerar análises avançadas. Porém, é necessários ter um certo conhecimento para implementar essas funcionalidades.</a:t>
+              <a:t>As ferramentas disponibilizadas pela biblioteca NLTK são robustas o suficiente para gerar análises avançadas. Porém, é necessário conhecimento para implementar essas funcionalidades;</a:t>
             </a:r>
           </a:p>
           <a:p>
@@ -6790,7 +6790,7 @@
                   </a:schemeClr>
                 </a:solidFill>
               </a:rPr>
-              <a:t>Entender toda a estrutura/formatação dos dados que serão analisados é de suma importância para a etapa de pré-processamento das informações.</a:t>
+              <a:t>Entender toda a estrutura/formatação dos dados que serão analisados é de suma importância para a etapa de pré-processamento das informações;</a:t>
             </a:r>
           </a:p>
           <a:p>
@@ -6803,7 +6803,7 @@
                   </a:schemeClr>
                 </a:solidFill>
               </a:rPr>
-              <a:t>Um fluxo robusto de extração, transformação e armazenamento de dados será decisivo para definição das etapas analíticas.</a:t>
+              <a:t>Um fluxo robusto de extração, transformação e armazenamento de dados será decisivo para definição das etapas analíticas;</a:t>
             </a:r>
           </a:p>
           <a:p>
@@ -6816,7 +6816,7 @@
                   </a:schemeClr>
                 </a:solidFill>
               </a:rPr>
-              <a:t>Foi possível constatar o funcionamento analítico da biblioteca em mais de um idioma.</a:t>
+              <a:t>Foi possível constatar o funcionamento analítico da biblioteca em mais de um idioma;</a:t>
             </a:r>
           </a:p>
           <a:p>
@@ -7142,7 +7142,7 @@
                   </a:schemeClr>
                 </a:solidFill>
               </a:rPr>
-              <a:t>, M. C. (2013). Comparing the Books to the Movies: A Study of Harry Potter and the Philosopher's Stone. Children's Literature in Education, 44(3), 257-273.</a:t>
+              <a:t>, M. C. (2013). Comparing the Books to the Movies: A Study of Harry Potter and the Philosopher's Stone. Children's Literature in Education, 44(3), 257-273;</a:t>
             </a:r>
           </a:p>
           <a:p>
@@ -7155,7 +7155,7 @@
                   </a:schemeClr>
                 </a:solidFill>
               </a:rPr>
-              <a:t>Dale, Robert; MOISL, Hermann; SOMERS, Harold (Ed.). Handbook of natural language processing. CRC press, 2000.</a:t>
+              <a:t>Dale, Robert; MOISL, Hermann; SOMERS, Harold (Ed.). Handbook of natural language processing. CRC press, 2000;</a:t>
             </a:r>
           </a:p>
           <a:p>
@@ -7168,7 +7168,121 @@
                   </a:schemeClr>
                 </a:solidFill>
               </a:rPr>
-              <a:t>Desmond, John, and Peter Hawkes. Adaptation: Studying film and literature. McGraw-Hill Humanities Social, 2006.</a:t>
+              <a:t>Desmond, John, and Peter Hawkes. Adaptation: Studying film and literature. McGraw-Hill Humanities Social, 2006;</a:t>
+            </a:r>
+          </a:p>
+          <a:p>
+            <a:pPr algn="just"/>
+            <a:r>
+              <a:rPr lang="en-US" sz="1800" dirty="0">
+                <a:solidFill>
+                  <a:schemeClr val="bg2">
+                    <a:lumMod val="25000"/>
+                  </a:schemeClr>
+                </a:solidFill>
+              </a:rPr>
+              <a:t>Max Orders First Ever “Harry Potter” Television Series. Warner Bros. Discovery Inc, 2023. </a:t>
+            </a:r>
+            <a:r>
+              <a:rPr lang="en-US" sz="1800" dirty="0" err="1">
+                <a:solidFill>
+                  <a:schemeClr val="bg2">
+                    <a:lumMod val="25000"/>
+                  </a:schemeClr>
+                </a:solidFill>
+              </a:rPr>
+              <a:t>Disponível</a:t>
+            </a:r>
+            <a:r>
+              <a:rPr lang="en-US" sz="1800" dirty="0">
+                <a:solidFill>
+                  <a:schemeClr val="bg2">
+                    <a:lumMod val="25000"/>
+                  </a:schemeClr>
+                </a:solidFill>
+              </a:rPr>
+              <a:t> </a:t>
+            </a:r>
+            <a:r>
+              <a:rPr lang="en-US" sz="1800" dirty="0" err="1">
+                <a:solidFill>
+                  <a:schemeClr val="bg2">
+                    <a:lumMod val="25000"/>
+                  </a:schemeClr>
+                </a:solidFill>
+              </a:rPr>
+              <a:t>em</a:t>
+            </a:r>
+            <a:r>
+              <a:rPr lang="en-US" sz="1800" dirty="0">
+                <a:solidFill>
+                  <a:schemeClr val="bg2">
+                    <a:lumMod val="25000"/>
+                  </a:schemeClr>
+                </a:solidFill>
+              </a:rPr>
+              <a:t>: </a:t>
+            </a:r>
+            <a:r>
+              <a:rPr lang="en-US" sz="1800" dirty="0">
+                <a:solidFill>
+                  <a:schemeClr val="bg2">
+                    <a:lumMod val="25000"/>
+                  </a:schemeClr>
+                </a:solidFill>
+                <a:hlinkClick r:id="rId2"/>
+              </a:rPr>
+              <a:t>https://press.wbd.com/us/media-release/max/max-orders-first-ever-harry-potter-television-series</a:t>
+            </a:r>
+            <a:r>
+              <a:rPr lang="en-US" sz="1800" dirty="0">
+                <a:solidFill>
+                  <a:schemeClr val="bg2">
+                    <a:lumMod val="25000"/>
+                  </a:schemeClr>
+                </a:solidFill>
+              </a:rPr>
+              <a:t>. </a:t>
+            </a:r>
+            <a:r>
+              <a:rPr lang="en-US" sz="1800" dirty="0" err="1">
+                <a:solidFill>
+                  <a:schemeClr val="bg2">
+                    <a:lumMod val="25000"/>
+                  </a:schemeClr>
+                </a:solidFill>
+              </a:rPr>
+              <a:t>Acesso</a:t>
+            </a:r>
+            <a:r>
+              <a:rPr lang="en-US" sz="1800" dirty="0">
+                <a:solidFill>
+                  <a:schemeClr val="bg2">
+                    <a:lumMod val="25000"/>
+                  </a:schemeClr>
+                </a:solidFill>
+              </a:rPr>
+              <a:t> </a:t>
+            </a:r>
+            <a:r>
+              <a:rPr lang="en-US" sz="1800" dirty="0" err="1">
+                <a:solidFill>
+                  <a:schemeClr val="bg2">
+                    <a:lumMod val="25000"/>
+                  </a:schemeClr>
+                </a:solidFill>
+              </a:rPr>
+              <a:t>em</a:t>
+            </a:r>
+            <a:r>
+              <a:rPr lang="en-US" sz="1800" dirty="0">
+                <a:solidFill>
+                  <a:schemeClr val="bg2">
+                    <a:lumMod val="25000"/>
+                  </a:schemeClr>
+                </a:solidFill>
+              </a:rPr>
+              <a:t>: 21/05/2023.</a:t>
             </a:r>
           </a:p>
           <a:p>
@@ -7722,7 +7836,7 @@
                 </a:solidFill>
                 <a:cs typeface="Arial" panose="020B0604020202020204" pitchFamily="34" charset="0"/>
               </a:rPr>
-              <a:t>Interpretação de dados textuais.</a:t>
+              <a:t>Interpretação de dados textuais</a:t>
             </a:r>
           </a:p>
           <a:p>
@@ -7736,7 +7850,7 @@
                 </a:solidFill>
                 <a:cs typeface="Arial" panose="020B0604020202020204" pitchFamily="34" charset="0"/>
               </a:rPr>
-              <a:t>Compreensão de dados.</a:t>
+              <a:t>Compreensão de dados</a:t>
             </a:r>
           </a:p>
           <a:p>
@@ -7818,7 +7932,7 @@
                 </a:solidFill>
                 <a:cs typeface="Arial" panose="020B0604020202020204" pitchFamily="34" charset="0"/>
               </a:rPr>
-              <a:t>Informações significantes.</a:t>
+              <a:t>Informações significantes</a:t>
             </a:r>
           </a:p>
           <a:p>
@@ -7832,7 +7946,7 @@
                 </a:solidFill>
                 <a:cs typeface="Arial" panose="020B0604020202020204" pitchFamily="34" charset="0"/>
               </a:rPr>
-              <a:t>Entendimento da regra de negócio.</a:t>
+              <a:t>Entendimento da regra de negócio</a:t>
             </a:r>
           </a:p>
           <a:p>
@@ -7846,7 +7960,7 @@
                 </a:solidFill>
                 <a:cs typeface="Arial" panose="020B0604020202020204" pitchFamily="34" charset="0"/>
               </a:rPr>
-              <a:t>Diversidade de dados.</a:t>
+              <a:t>Diversidade de dados</a:t>
             </a:r>
           </a:p>
         </p:txBody>
@@ -8223,7 +8337,7 @@
                   </a:schemeClr>
                 </a:solidFill>
               </a:rPr>
-              <a:t>Inteligência artificial.</a:t>
+              <a:t>Inteligência artificial</a:t>
             </a:r>
           </a:p>
           <a:p>
@@ -8236,7 +8350,7 @@
                   </a:schemeClr>
                 </a:solidFill>
               </a:rPr>
-              <a:t>Processamento de Linguagem Natural – PLN.</a:t>
+              <a:t>Processamento de Linguagem Natural – PLN</a:t>
             </a:r>
           </a:p>
           <a:p>
@@ -8335,7 +8449,7 @@
                   </a:schemeClr>
                 </a:solidFill>
               </a:rPr>
-              <a:t>Estruturas gramaticas.</a:t>
+              <a:t>Estruturas gramáticas.</a:t>
             </a:r>
           </a:p>
           <a:p>
@@ -8348,7 +8462,7 @@
                   </a:schemeClr>
                 </a:solidFill>
               </a:rPr>
-              <a:t>Desenvolvimento computacional de linguagens naturais.</a:t>
+              <a:t>Desenvolvimento computacional de linguagens naturais</a:t>
             </a:r>
           </a:p>
           <a:p>
@@ -8361,7 +8475,7 @@
                   </a:schemeClr>
                 </a:solidFill>
               </a:rPr>
-              <a:t>Compreender conteúdos descritos por humanos.</a:t>
+              <a:t>Compreender conteúdos descritos por humanos</a:t>
             </a:r>
           </a:p>
           <a:p>
@@ -8374,7 +8488,7 @@
                   </a:schemeClr>
                 </a:solidFill>
               </a:rPr>
-              <a:t>Informações válidas.</a:t>
+              <a:t>Informações válidas</a:t>
             </a:r>
           </a:p>
         </p:txBody>
@@ -8968,7 +9082,7 @@
                   </a:schemeClr>
                 </a:solidFill>
               </a:rPr>
-              <a:t>NLTK – Natural </a:t>
+              <a:t>NLTK – “Natural </a:t>
             </a:r>
             <a:r>
               <a:rPr lang="pt-BR" sz="2000" dirty="0" err="1">
@@ -8988,7 +9102,7 @@
                   </a:schemeClr>
                 </a:solidFill>
               </a:rPr>
-              <a:t> Toolkit.</a:t>
+              <a:t> Toolkit”</a:t>
             </a:r>
           </a:p>
           <a:p>
@@ -9087,7 +9201,7 @@
                   </a:schemeClr>
                 </a:solidFill>
               </a:rPr>
-              <a:t>Desenvolvimento computacional de linguagens naturais.</a:t>
+              <a:t>Desenvolvimento computacional de linguagens naturais</a:t>
             </a:r>
           </a:p>
           <a:p>
@@ -9100,7 +9214,7 @@
                   </a:schemeClr>
                 </a:solidFill>
               </a:rPr>
-              <a:t>Compreender conteúdos descritos por humanos.</a:t>
+              <a:t>Compreender conteúdos descritos por humanos</a:t>
             </a:r>
           </a:p>
         </p:txBody>
@@ -9323,7 +9437,7 @@
                 <a:ea typeface="Calibri" panose="020F0502020204030204" pitchFamily="34" charset="0"/>
                 <a:cs typeface="Arial" panose="020B0604020202020204" pitchFamily="34" charset="0"/>
               </a:rPr>
-              <a:t>Para a extração de informações dos livros, foi utilizado arquivos no formato .</a:t>
+              <a:t>Para a extração de informações dos livros, foram utilizados arquivos no formato .</a:t>
             </a:r>
             <a:r>
               <a:rPr lang="pt-BR" dirty="0" err="1">
@@ -9337,18 +9451,15 @@
               </a:rPr>
               <a:t>txt</a:t>
             </a:r>
-            <a:r>
-              <a:rPr lang="pt-BR" dirty="0">
-                <a:solidFill>
-                  <a:schemeClr val="bg2">
-                    <a:lumMod val="10000"/>
-                  </a:schemeClr>
-                </a:solidFill>
-                <a:ea typeface="Calibri" panose="020F0502020204030204" pitchFamily="34" charset="0"/>
-                <a:cs typeface="Arial" panose="020B0604020202020204" pitchFamily="34" charset="0"/>
-              </a:rPr>
-              <a:t>.</a:t>
-            </a:r>
+            <a:endParaRPr lang="pt-BR" dirty="0">
+              <a:solidFill>
+                <a:schemeClr val="bg2">
+                  <a:lumMod val="10000"/>
+                </a:schemeClr>
+              </a:solidFill>
+              <a:ea typeface="Calibri" panose="020F0502020204030204" pitchFamily="34" charset="0"/>
+              <a:cs typeface="Arial" panose="020B0604020202020204" pitchFamily="34" charset="0"/>
+            </a:endParaRPr>
           </a:p>
           <a:p>
             <a:pPr marL="228600" indent="-228600">
@@ -9371,7 +9482,7 @@
                 <a:ea typeface="Calibri" panose="020F0502020204030204" pitchFamily="34" charset="0"/>
                 <a:cs typeface="Arial" panose="020B0604020202020204" pitchFamily="34" charset="0"/>
               </a:rPr>
-              <a:t>Para a extração de informações dos filmes, foi utilizado </a:t>
+              <a:t>Para a extração de informações dos filmes, foram utilizado </a:t>
             </a:r>
             <a:r>
               <a:rPr lang="pt-BR" dirty="0" err="1">
@@ -9395,7 +9506,7 @@
                 <a:ea typeface="Calibri" panose="020F0502020204030204" pitchFamily="34" charset="0"/>
                 <a:cs typeface="Arial" panose="020B0604020202020204" pitchFamily="34" charset="0"/>
               </a:rPr>
-              <a:t> contendo os diálogos dos personagens que foram adaptados para os filmes da saga.</a:t>
+              <a:t> contendo os diálogos dos personagens que foram adaptados para os filmes da saga</a:t>
             </a:r>
           </a:p>
           <a:p>
@@ -9649,7 +9760,7 @@
                 <a:ea typeface="Calibri" panose="020F0502020204030204" pitchFamily="34" charset="0"/>
                 <a:cs typeface="Arial" panose="020B0604020202020204" pitchFamily="34" charset="0"/>
               </a:rPr>
-              <a:t>Para realizar a comparação entre as dados textuais da saga Harry Potter, foi necessário coletar as informações dos livros e das obras cinematográficas.</a:t>
+              <a:t>Para realizar a comparação entre os dados textuais da saga Harry Potter, foi necessário coletar as informações dos livros e das obras cinematográficas.</a:t>
             </a:r>
           </a:p>
           <a:p>
@@ -10436,7 +10547,7 @@
                 <a:ea typeface="Calibri" panose="020F0502020204030204" pitchFamily="34" charset="0"/>
                 <a:cs typeface="Arial" panose="020B0604020202020204" pitchFamily="34" charset="0"/>
               </a:rPr>
-              <a:t>Remoção de dados “desnecessários”.</a:t>
+              <a:t>Remoção de dados desnecessários</a:t>
             </a:r>
           </a:p>
           <a:p>
@@ -10475,7 +10586,7 @@
               <a:buChar char="•"/>
             </a:pPr>
             <a:r>
-              <a:rPr lang="pt-BR" dirty="0" err="1">
+              <a:rPr lang="pt-BR" dirty="0">
                 <a:solidFill>
                   <a:schemeClr val="bg2">
                     <a:lumMod val="10000"/>
@@ -10484,10 +10595,10 @@
                 <a:ea typeface="Calibri" panose="020F0502020204030204" pitchFamily="34" charset="0"/>
                 <a:cs typeface="Arial" panose="020B0604020202020204" pitchFamily="34" charset="0"/>
               </a:rPr>
-              <a:t>Stopwords</a:t>
-            </a:r>
-            <a:r>
-              <a:rPr lang="pt-BR" dirty="0">
+              <a:t>“</a:t>
+            </a:r>
+            <a:r>
+              <a:rPr lang="pt-BR" dirty="0" err="1">
                 <a:solidFill>
                   <a:schemeClr val="bg2">
                     <a:lumMod val="10000"/>
@@ -10496,7 +10607,19 @@
                 <a:ea typeface="Calibri" panose="020F0502020204030204" pitchFamily="34" charset="0"/>
                 <a:cs typeface="Arial" panose="020B0604020202020204" pitchFamily="34" charset="0"/>
               </a:rPr>
-              <a:t>;</a:t>
+              <a:t>Stopwords</a:t>
+            </a:r>
+            <a:r>
+              <a:rPr lang="pt-BR" dirty="0">
+                <a:solidFill>
+                  <a:schemeClr val="bg2">
+                    <a:lumMod val="10000"/>
+                  </a:schemeClr>
+                </a:solidFill>
+                <a:ea typeface="Calibri" panose="020F0502020204030204" pitchFamily="34" charset="0"/>
+                <a:cs typeface="Arial" panose="020B0604020202020204" pitchFamily="34" charset="0"/>
+              </a:rPr>
+              <a:t>”;</a:t>
             </a:r>
           </a:p>
           <a:p>
@@ -10544,7 +10667,7 @@
                 <a:ea typeface="Calibri" panose="020F0502020204030204" pitchFamily="34" charset="0"/>
                 <a:cs typeface="Arial" panose="020B0604020202020204" pitchFamily="34" charset="0"/>
               </a:rPr>
-              <a:t>Colocar todos os textos em minúsculo.</a:t>
+              <a:t>Colocar todos os textos em minúsculo</a:t>
             </a:r>
           </a:p>
           <a:p>
@@ -10568,7 +10691,7 @@
                 <a:ea typeface="Calibri" panose="020F0502020204030204" pitchFamily="34" charset="0"/>
                 <a:cs typeface="Arial" panose="020B0604020202020204" pitchFamily="34" charset="0"/>
               </a:rPr>
-              <a:t>Aplicar as etapas do processamento de linguagem natural, disponibilizadas pela biblioteca NLTK.</a:t>
+              <a:t>Aplicar as etapas do processamento de linguagem natural, disponibilizadas pela biblioteca NLTK</a:t>
             </a:r>
           </a:p>
         </p:txBody>
@@ -10614,7 +10737,7 @@
                 <a:ea typeface="Calibri" panose="020F0502020204030204" pitchFamily="34" charset="0"/>
                 <a:cs typeface="Arial" panose="020B0604020202020204" pitchFamily="34" charset="0"/>
               </a:rPr>
-              <a:t>Para melhorar a análise dos dados textuais, ambas as bases de dados foram submetidas a mesma etapa de pré-processamento.</a:t>
+              <a:t>Para melhorar a análise dos dados textuais, ambas as bases de dados foram submetidas à mesma etapa de pré-processamento.</a:t>
             </a:r>
           </a:p>
           <a:p>
@@ -12451,7 +12574,7 @@
                 <a:ea typeface="Calibri" panose="020F0502020204030204" pitchFamily="34" charset="0"/>
                 <a:cs typeface="Arial" panose="020B0604020202020204" pitchFamily="34" charset="0"/>
               </a:rPr>
-              <a:t>Identificação de arquivos.</a:t>
+              <a:t>Identificação de arquivos</a:t>
             </a:r>
           </a:p>
           <a:p>
@@ -12499,7 +12622,7 @@
                 <a:ea typeface="Calibri" panose="020F0502020204030204" pitchFamily="34" charset="0"/>
                 <a:cs typeface="Arial" panose="020B0604020202020204" pitchFamily="34" charset="0"/>
               </a:rPr>
-              <a:t> + Google Drive.</a:t>
+              <a:t> + Google Drive</a:t>
             </a:r>
           </a:p>
           <a:p>
@@ -12523,7 +12646,7 @@
                 <a:ea typeface="Calibri" panose="020F0502020204030204" pitchFamily="34" charset="0"/>
                 <a:cs typeface="Arial" panose="020B0604020202020204" pitchFamily="34" charset="0"/>
               </a:rPr>
-              <a:t>Python.</a:t>
+              <a:t>“Python”</a:t>
             </a:r>
           </a:p>
         </p:txBody>
@@ -12655,7 +12778,7 @@
                 <a:ea typeface="Calibri" panose="020F0502020204030204" pitchFamily="34" charset="0"/>
                 <a:cs typeface="Arial" panose="020B0604020202020204" pitchFamily="34" charset="0"/>
               </a:rPr>
-              <a:t>).</a:t>
+              <a:t>)</a:t>
             </a:r>
           </a:p>
           <a:p>
@@ -12679,7 +12802,7 @@
                 <a:ea typeface="Calibri" panose="020F0502020204030204" pitchFamily="34" charset="0"/>
                 <a:cs typeface="Arial" panose="020B0604020202020204" pitchFamily="34" charset="0"/>
               </a:rPr>
-              <a:t>Limpeza dos dados.</a:t>
+              <a:t>Limpeza dos dados</a:t>
             </a:r>
           </a:p>
           <a:p>
@@ -12694,7 +12817,7 @@
               <a:buAutoNum type="alphaLcPeriod"/>
             </a:pPr>
             <a:r>
-              <a:rPr lang="pt-BR" dirty="0" err="1">
+              <a:rPr lang="pt-BR" dirty="0">
                 <a:solidFill>
                   <a:schemeClr val="bg2">
                     <a:lumMod val="10000"/>
@@ -12703,10 +12826,10 @@
                 <a:ea typeface="Calibri" panose="020F0502020204030204" pitchFamily="34" charset="0"/>
                 <a:cs typeface="Arial" panose="020B0604020202020204" pitchFamily="34" charset="0"/>
               </a:rPr>
-              <a:t>Stopwords</a:t>
-            </a:r>
-            <a:r>
-              <a:rPr lang="pt-BR" dirty="0">
+              <a:t>“</a:t>
+            </a:r>
+            <a:r>
+              <a:rPr lang="pt-BR" dirty="0" err="1">
                 <a:solidFill>
                   <a:schemeClr val="bg2">
                     <a:lumMod val="10000"/>
@@ -12715,7 +12838,19 @@
                 <a:ea typeface="Calibri" panose="020F0502020204030204" pitchFamily="34" charset="0"/>
                 <a:cs typeface="Arial" panose="020B0604020202020204" pitchFamily="34" charset="0"/>
               </a:rPr>
-              <a:t>.</a:t>
+              <a:t>Stopwords</a:t>
+            </a:r>
+            <a:r>
+              <a:rPr lang="pt-BR" dirty="0">
+                <a:solidFill>
+                  <a:schemeClr val="bg2">
+                    <a:lumMod val="10000"/>
+                  </a:schemeClr>
+                </a:solidFill>
+                <a:ea typeface="Calibri" panose="020F0502020204030204" pitchFamily="34" charset="0"/>
+                <a:cs typeface="Arial" panose="020B0604020202020204" pitchFamily="34" charset="0"/>
+              </a:rPr>
+              <a:t>”.</a:t>
             </a:r>
           </a:p>
           <a:p>
@@ -12739,7 +12874,7 @@
                 <a:ea typeface="Calibri" panose="020F0502020204030204" pitchFamily="34" charset="0"/>
                 <a:cs typeface="Arial" panose="020B0604020202020204" pitchFamily="34" charset="0"/>
               </a:rPr>
-              <a:t>Padronização dos dados.</a:t>
+              <a:t>Padronização dos dados</a:t>
             </a:r>
           </a:p>
           <a:p>
@@ -12763,7 +12898,7 @@
                 <a:ea typeface="Calibri" panose="020F0502020204030204" pitchFamily="34" charset="0"/>
                 <a:cs typeface="Arial" panose="020B0604020202020204" pitchFamily="34" charset="0"/>
               </a:rPr>
-              <a:t>Processamento de dados.</a:t>
+              <a:t>Processamento de dados</a:t>
             </a:r>
           </a:p>
           <a:p>
@@ -12778,7 +12913,7 @@
               <a:buChar char="•"/>
             </a:pPr>
             <a:r>
-              <a:rPr lang="pt-BR" dirty="0" err="1">
+              <a:rPr lang="pt-BR" dirty="0">
                 <a:solidFill>
                   <a:schemeClr val="bg2">
                     <a:lumMod val="10000"/>
@@ -12787,10 +12922,10 @@
                 <a:ea typeface="Calibri" panose="020F0502020204030204" pitchFamily="34" charset="0"/>
                 <a:cs typeface="Arial" panose="020B0604020202020204" pitchFamily="34" charset="0"/>
               </a:rPr>
-              <a:t>FreqDist</a:t>
-            </a:r>
-            <a:r>
-              <a:rPr lang="pt-BR" dirty="0">
+              <a:t>“</a:t>
+            </a:r>
+            <a:r>
+              <a:rPr lang="pt-BR" dirty="0" err="1">
                 <a:solidFill>
                   <a:schemeClr val="bg2">
                     <a:lumMod val="10000"/>
@@ -12799,7 +12934,19 @@
                 <a:ea typeface="Calibri" panose="020F0502020204030204" pitchFamily="34" charset="0"/>
                 <a:cs typeface="Arial" panose="020B0604020202020204" pitchFamily="34" charset="0"/>
               </a:rPr>
-              <a:t>: Mensura a frequência que cada palavra aparece dentro de um contexto.</a:t>
+              <a:t>FreqDist</a:t>
+            </a:r>
+            <a:r>
+              <a:rPr lang="pt-BR" dirty="0">
+                <a:solidFill>
+                  <a:schemeClr val="bg2">
+                    <a:lumMod val="10000"/>
+                  </a:schemeClr>
+                </a:solidFill>
+                <a:ea typeface="Calibri" panose="020F0502020204030204" pitchFamily="34" charset="0"/>
+                <a:cs typeface="Arial" panose="020B0604020202020204" pitchFamily="34" charset="0"/>
+              </a:rPr>
+              <a:t>”: Mensura a frequência que cada palavra aparece dentro de um contexto</a:t>
             </a:r>
           </a:p>
           <a:p>
@@ -14101,7 +14248,7 @@
           <a:p>
             <a:r>
               <a:rPr lang="pt-BR" sz="1200" dirty="0"/>
-              <a:t>Output gerado após o processamento textual do livro Harry Potter e a Pedra Filosofal, limitado a cinco palavras que mais se repete, onde é possível representar a diferença das informações não tratadas e a aplicação do pré-processamento. </a:t>
+              <a:t>Output gerado após o processamento textual do livro Harry Potter e a Pedra Filosofal, limitado às cinco palavras que mais se repetem, onde é possível representar a diferença das informações não tratadas e a aplicação do pré-processamento. </a:t>
             </a:r>
             <a:br>
               <a:rPr lang="pt-BR" sz="1200" dirty="0"/>

--- a/Apresentação/Apresentação TCC - Vinícius Andrade Lopes.pptx
+++ b/Apresentação/Apresentação TCC - Vinícius Andrade Lopes.pptx
@@ -403,7 +403,7 @@
           <a:p>
             <a:fld id="{588D7303-1349-4B3B-906B-0AD17F7A84D3}" type="datetimeFigureOut">
               <a:rPr lang="pt-BR" smtClean="0"/>
-              <a:t>21/05/2023</a:t>
+              <a:t>24/07/2023</a:t>
             </a:fld>
             <a:endParaRPr lang="pt-BR"/>
           </a:p>
@@ -611,7 +611,7 @@
           <a:p>
             <a:fld id="{588D7303-1349-4B3B-906B-0AD17F7A84D3}" type="datetimeFigureOut">
               <a:rPr lang="pt-BR" smtClean="0"/>
-              <a:t>21/05/2023</a:t>
+              <a:t>24/07/2023</a:t>
             </a:fld>
             <a:endParaRPr lang="pt-BR"/>
           </a:p>
@@ -809,7 +809,7 @@
           <a:p>
             <a:fld id="{588D7303-1349-4B3B-906B-0AD17F7A84D3}" type="datetimeFigureOut">
               <a:rPr lang="pt-BR" smtClean="0"/>
-              <a:t>21/05/2023</a:t>
+              <a:t>24/07/2023</a:t>
             </a:fld>
             <a:endParaRPr lang="pt-BR"/>
           </a:p>
@@ -1084,7 +1084,7 @@
           <a:p>
             <a:fld id="{588D7303-1349-4B3B-906B-0AD17F7A84D3}" type="datetimeFigureOut">
               <a:rPr lang="pt-BR" smtClean="0"/>
-              <a:t>21/05/2023</a:t>
+              <a:t>24/07/2023</a:t>
             </a:fld>
             <a:endParaRPr lang="pt-BR"/>
           </a:p>
@@ -1349,7 +1349,7 @@
           <a:p>
             <a:fld id="{588D7303-1349-4B3B-906B-0AD17F7A84D3}" type="datetimeFigureOut">
               <a:rPr lang="pt-BR" smtClean="0"/>
-              <a:t>21/05/2023</a:t>
+              <a:t>24/07/2023</a:t>
             </a:fld>
             <a:endParaRPr lang="pt-BR"/>
           </a:p>
@@ -1761,7 +1761,7 @@
           <a:p>
             <a:fld id="{588D7303-1349-4B3B-906B-0AD17F7A84D3}" type="datetimeFigureOut">
               <a:rPr lang="pt-BR" smtClean="0"/>
-              <a:t>21/05/2023</a:t>
+              <a:t>24/07/2023</a:t>
             </a:fld>
             <a:endParaRPr lang="pt-BR"/>
           </a:p>
@@ -1902,7 +1902,7 @@
           <a:p>
             <a:fld id="{588D7303-1349-4B3B-906B-0AD17F7A84D3}" type="datetimeFigureOut">
               <a:rPr lang="pt-BR" smtClean="0"/>
-              <a:t>21/05/2023</a:t>
+              <a:t>24/07/2023</a:t>
             </a:fld>
             <a:endParaRPr lang="pt-BR"/>
           </a:p>
@@ -2015,7 +2015,7 @@
           <a:p>
             <a:fld id="{588D7303-1349-4B3B-906B-0AD17F7A84D3}" type="datetimeFigureOut">
               <a:rPr lang="pt-BR" smtClean="0"/>
-              <a:t>21/05/2023</a:t>
+              <a:t>24/07/2023</a:t>
             </a:fld>
             <a:endParaRPr lang="pt-BR"/>
           </a:p>
@@ -2326,7 +2326,7 @@
           <a:p>
             <a:fld id="{588D7303-1349-4B3B-906B-0AD17F7A84D3}" type="datetimeFigureOut">
               <a:rPr lang="pt-BR" smtClean="0"/>
-              <a:t>21/05/2023</a:t>
+              <a:t>24/07/2023</a:t>
             </a:fld>
             <a:endParaRPr lang="pt-BR"/>
           </a:p>
@@ -2614,7 +2614,7 @@
           <a:p>
             <a:fld id="{588D7303-1349-4B3B-906B-0AD17F7A84D3}" type="datetimeFigureOut">
               <a:rPr lang="pt-BR" smtClean="0"/>
-              <a:t>21/05/2023</a:t>
+              <a:t>24/07/2023</a:t>
             </a:fld>
             <a:endParaRPr lang="pt-BR"/>
           </a:p>
@@ -2864,7 +2864,7 @@
           <a:p>
             <a:fld id="{588D7303-1349-4B3B-906B-0AD17F7A84D3}" type="datetimeFigureOut">
               <a:rPr lang="pt-BR" smtClean="0"/>
-              <a:t>21/05/2023</a:t>
+              <a:t>24/07/2023</a:t>
             </a:fld>
             <a:endParaRPr lang="pt-BR"/>
           </a:p>
@@ -7420,6 +7420,42 @@
           <a:chExt cx="0" cy="0"/>
         </a:xfrm>
       </p:grpSpPr>
+      <p:pic>
+        <p:nvPicPr>
+          <p:cNvPr id="8" name="Picture 7" descr="A qr code with a headphone and glasses&#10;&#10;Description automatically generated">
+            <a:extLst>
+              <a:ext uri="{FF2B5EF4-FFF2-40B4-BE49-F238E27FC236}">
+                <a16:creationId xmlns:a16="http://schemas.microsoft.com/office/drawing/2014/main" id="{E5709FC7-909E-F126-BBBA-1FDE3AFAD2E2}"/>
+              </a:ext>
+            </a:extLst>
+          </p:cNvPr>
+          <p:cNvPicPr>
+            <a:picLocks noChangeAspect="1"/>
+          </p:cNvPicPr>
+          <p:nvPr/>
+        </p:nvPicPr>
+        <p:blipFill>
+          <a:blip r:embed="rId2">
+            <a:extLst>
+              <a:ext uri="{28A0092B-C50C-407E-A947-70E740481C1C}">
+                <a14:useLocalDpi xmlns:a14="http://schemas.microsoft.com/office/drawing/2010/main" val="0"/>
+              </a:ext>
+            </a:extLst>
+          </a:blip>
+          <a:stretch>
+            <a:fillRect/>
+          </a:stretch>
+        </p:blipFill>
+        <p:spPr>
+          <a:xfrm>
+            <a:off x="3393540" y="726540"/>
+            <a:ext cx="5404919" cy="5404919"/>
+          </a:xfrm>
+          <a:prstGeom prst="rect">
+            <a:avLst/>
+          </a:prstGeom>
+        </p:spPr>
+      </p:pic>
       <p:sp>
         <p:nvSpPr>
           <p:cNvPr id="2" name="Arrow: Pentagon 3">
@@ -7472,302 +7508,247 @@
                   <a:schemeClr val="bg1"/>
                 </a:solidFill>
               </a:rPr>
-              <a:t>ENCERRAMENTO</a:t>
+              <a:t>REPOSITÓRIO</a:t>
             </a:r>
           </a:p>
         </p:txBody>
       </p:sp>
-      <p:grpSp>
-        <p:nvGrpSpPr>
-          <p:cNvPr id="5" name="Group 4">
+      <p:sp>
+        <p:nvSpPr>
+          <p:cNvPr id="9" name="Espaço Reservado para Conteúdo 2">
             <a:extLst>
               <a:ext uri="{FF2B5EF4-FFF2-40B4-BE49-F238E27FC236}">
-                <a16:creationId xmlns:a16="http://schemas.microsoft.com/office/drawing/2014/main" id="{54F4B38F-2433-44C3-056A-546DFCA70B04}"/>
+                <a16:creationId xmlns:a16="http://schemas.microsoft.com/office/drawing/2014/main" id="{BA2E9260-8C4E-550C-6D64-86415D17FABF}"/>
               </a:ext>
             </a:extLst>
           </p:cNvPr>
-          <p:cNvGrpSpPr/>
+          <p:cNvSpPr txBox="1">
+            <a:spLocks/>
+          </p:cNvSpPr>
           <p:nvPr/>
-        </p:nvGrpSpPr>
-        <p:grpSpPr>
+        </p:nvSpPr>
+        <p:spPr>
           <a:xfrm>
-            <a:off x="3738995" y="1071995"/>
-            <a:ext cx="4714010" cy="4714010"/>
-            <a:chOff x="3738995" y="1071995"/>
-            <a:chExt cx="4714010" cy="4714010"/>
+            <a:off x="4362272" y="5721532"/>
+            <a:ext cx="3467454" cy="332973"/>
           </a:xfrm>
-        </p:grpSpPr>
-        <p:pic>
-          <p:nvPicPr>
-            <p:cNvPr id="4" name="Picture 3" descr="A qr code on a white background&#10;&#10;Description automatically generated">
-              <a:extLst>
-                <a:ext uri="{FF2B5EF4-FFF2-40B4-BE49-F238E27FC236}">
-                  <a16:creationId xmlns:a16="http://schemas.microsoft.com/office/drawing/2014/main" id="{A700742E-4364-B443-A2C8-B50BEAE139BD}"/>
-                </a:ext>
-              </a:extLst>
-            </p:cNvPr>
-            <p:cNvPicPr>
-              <a:picLocks noChangeAspect="1"/>
-            </p:cNvPicPr>
-            <p:nvPr/>
-          </p:nvPicPr>
-          <p:blipFill>
-            <a:blip r:embed="rId2">
-              <a:extLst>
-                <a:ext uri="{28A0092B-C50C-407E-A947-70E740481C1C}">
-                  <a14:useLocalDpi xmlns:a14="http://schemas.microsoft.com/office/drawing/2010/main" val="0"/>
-                </a:ext>
-              </a:extLst>
-            </a:blip>
-            <a:stretch>
-              <a:fillRect/>
-            </a:stretch>
-          </p:blipFill>
-          <p:spPr>
-            <a:xfrm>
-              <a:off x="3738995" y="1071995"/>
-              <a:ext cx="4714010" cy="4714010"/>
-            </a:xfrm>
-            <a:prstGeom prst="rect">
-              <a:avLst/>
-            </a:prstGeom>
-          </p:spPr>
-        </p:pic>
-        <p:sp>
-          <p:nvSpPr>
-            <p:cNvPr id="9" name="Espaço Reservado para Conteúdo 2">
-              <a:extLst>
-                <a:ext uri="{FF2B5EF4-FFF2-40B4-BE49-F238E27FC236}">
-                  <a16:creationId xmlns:a16="http://schemas.microsoft.com/office/drawing/2014/main" id="{BA2E9260-8C4E-550C-6D64-86415D17FABF}"/>
-                </a:ext>
-              </a:extLst>
-            </p:cNvPr>
-            <p:cNvSpPr txBox="1">
-              <a:spLocks/>
-            </p:cNvSpPr>
-            <p:nvPr/>
-          </p:nvSpPr>
-          <p:spPr>
-            <a:xfrm>
-              <a:off x="4020274" y="5453032"/>
-              <a:ext cx="4151452" cy="332973"/>
-            </a:xfrm>
-            <a:prstGeom prst="rect">
-              <a:avLst/>
-            </a:prstGeom>
-          </p:spPr>
-          <p:txBody>
-            <a:bodyPr vert="horz" lIns="91440" tIns="45720" rIns="91440" bIns="45720" rtlCol="0">
-              <a:noAutofit/>
-            </a:bodyPr>
-            <a:lstStyle>
-              <a:lvl1pPr marL="228600" indent="-228600" algn="l" defTabSz="914400" rtl="0" eaLnBrk="1" latinLnBrk="0" hangingPunct="1">
-                <a:lnSpc>
-                  <a:spcPct val="90000"/>
-                </a:lnSpc>
-                <a:spcBef>
-                  <a:spcPts val="1000"/>
-                </a:spcBef>
-                <a:buFont typeface="Arial" panose="020B0604020202020204" pitchFamily="34" charset="0"/>
-                <a:buChar char="•"/>
-                <a:defRPr sz="2800" kern="1200">
-                  <a:solidFill>
-                    <a:schemeClr val="tx1"/>
-                  </a:solidFill>
-                  <a:latin typeface="+mn-lt"/>
-                  <a:ea typeface="+mn-ea"/>
-                  <a:cs typeface="+mn-cs"/>
-                </a:defRPr>
-              </a:lvl1pPr>
-              <a:lvl2pPr marL="685800" indent="-228600" algn="l" defTabSz="914400" rtl="0" eaLnBrk="1" latinLnBrk="0" hangingPunct="1">
-                <a:lnSpc>
-                  <a:spcPct val="90000"/>
-                </a:lnSpc>
-                <a:spcBef>
-                  <a:spcPts val="500"/>
-                </a:spcBef>
-                <a:buFont typeface="Arial" panose="020B0604020202020204" pitchFamily="34" charset="0"/>
-                <a:buChar char="•"/>
-                <a:defRPr sz="2400" kern="1200">
-                  <a:solidFill>
-                    <a:schemeClr val="tx1"/>
-                  </a:solidFill>
-                  <a:latin typeface="+mn-lt"/>
-                  <a:ea typeface="+mn-ea"/>
-                  <a:cs typeface="+mn-cs"/>
-                </a:defRPr>
-              </a:lvl2pPr>
-              <a:lvl3pPr marL="1143000" indent="-228600" algn="l" defTabSz="914400" rtl="0" eaLnBrk="1" latinLnBrk="0" hangingPunct="1">
-                <a:lnSpc>
-                  <a:spcPct val="90000"/>
-                </a:lnSpc>
-                <a:spcBef>
-                  <a:spcPts val="500"/>
-                </a:spcBef>
-                <a:buFont typeface="Arial" panose="020B0604020202020204" pitchFamily="34" charset="0"/>
-                <a:buChar char="•"/>
-                <a:defRPr sz="2000" kern="1200">
-                  <a:solidFill>
-                    <a:schemeClr val="tx1"/>
-                  </a:solidFill>
-                  <a:latin typeface="+mn-lt"/>
-                  <a:ea typeface="+mn-ea"/>
-                  <a:cs typeface="+mn-cs"/>
-                </a:defRPr>
-              </a:lvl3pPr>
-              <a:lvl4pPr marL="1600200" indent="-228600" algn="l" defTabSz="914400" rtl="0" eaLnBrk="1" latinLnBrk="0" hangingPunct="1">
-                <a:lnSpc>
-                  <a:spcPct val="90000"/>
-                </a:lnSpc>
-                <a:spcBef>
-                  <a:spcPts val="500"/>
-                </a:spcBef>
-                <a:buFont typeface="Arial" panose="020B0604020202020204" pitchFamily="34" charset="0"/>
-                <a:buChar char="•"/>
-                <a:defRPr sz="1800" kern="1200">
-                  <a:solidFill>
-                    <a:schemeClr val="tx1"/>
-                  </a:solidFill>
-                  <a:latin typeface="+mn-lt"/>
-                  <a:ea typeface="+mn-ea"/>
-                  <a:cs typeface="+mn-cs"/>
-                </a:defRPr>
-              </a:lvl4pPr>
-              <a:lvl5pPr marL="2057400" indent="-228600" algn="l" defTabSz="914400" rtl="0" eaLnBrk="1" latinLnBrk="0" hangingPunct="1">
-                <a:lnSpc>
-                  <a:spcPct val="90000"/>
-                </a:lnSpc>
-                <a:spcBef>
-                  <a:spcPts val="500"/>
-                </a:spcBef>
-                <a:buFont typeface="Arial" panose="020B0604020202020204" pitchFamily="34" charset="0"/>
-                <a:buChar char="•"/>
-                <a:defRPr sz="1800" kern="1200">
-                  <a:solidFill>
-                    <a:schemeClr val="tx1"/>
-                  </a:solidFill>
-                  <a:latin typeface="+mn-lt"/>
-                  <a:ea typeface="+mn-ea"/>
-                  <a:cs typeface="+mn-cs"/>
-                </a:defRPr>
-              </a:lvl5pPr>
-              <a:lvl6pPr marL="2514600" indent="-228600" algn="l" defTabSz="914400" rtl="0" eaLnBrk="1" latinLnBrk="0" hangingPunct="1">
-                <a:lnSpc>
-                  <a:spcPct val="90000"/>
-                </a:lnSpc>
-                <a:spcBef>
-                  <a:spcPts val="500"/>
-                </a:spcBef>
-                <a:buFont typeface="Arial" panose="020B0604020202020204" pitchFamily="34" charset="0"/>
-                <a:buChar char="•"/>
-                <a:defRPr sz="1800" kern="1200">
-                  <a:solidFill>
-                    <a:schemeClr val="tx1"/>
-                  </a:solidFill>
-                  <a:latin typeface="+mn-lt"/>
-                  <a:ea typeface="+mn-ea"/>
-                  <a:cs typeface="+mn-cs"/>
-                </a:defRPr>
-              </a:lvl6pPr>
-              <a:lvl7pPr marL="2971800" indent="-228600" algn="l" defTabSz="914400" rtl="0" eaLnBrk="1" latinLnBrk="0" hangingPunct="1">
-                <a:lnSpc>
-                  <a:spcPct val="90000"/>
-                </a:lnSpc>
-                <a:spcBef>
-                  <a:spcPts val="500"/>
-                </a:spcBef>
-                <a:buFont typeface="Arial" panose="020B0604020202020204" pitchFamily="34" charset="0"/>
-                <a:buChar char="•"/>
-                <a:defRPr sz="1800" kern="1200">
-                  <a:solidFill>
-                    <a:schemeClr val="tx1"/>
-                  </a:solidFill>
-                  <a:latin typeface="+mn-lt"/>
-                  <a:ea typeface="+mn-ea"/>
-                  <a:cs typeface="+mn-cs"/>
-                </a:defRPr>
-              </a:lvl7pPr>
-              <a:lvl8pPr marL="3429000" indent="-228600" algn="l" defTabSz="914400" rtl="0" eaLnBrk="1" latinLnBrk="0" hangingPunct="1">
-                <a:lnSpc>
-                  <a:spcPct val="90000"/>
-                </a:lnSpc>
-                <a:spcBef>
-                  <a:spcPts val="500"/>
-                </a:spcBef>
-                <a:buFont typeface="Arial" panose="020B0604020202020204" pitchFamily="34" charset="0"/>
-                <a:buChar char="•"/>
-                <a:defRPr sz="1800" kern="1200">
-                  <a:solidFill>
-                    <a:schemeClr val="tx1"/>
-                  </a:solidFill>
-                  <a:latin typeface="+mn-lt"/>
-                  <a:ea typeface="+mn-ea"/>
-                  <a:cs typeface="+mn-cs"/>
-                </a:defRPr>
-              </a:lvl8pPr>
-              <a:lvl9pPr marL="3886200" indent="-228600" algn="l" defTabSz="914400" rtl="0" eaLnBrk="1" latinLnBrk="0" hangingPunct="1">
-                <a:lnSpc>
-                  <a:spcPct val="90000"/>
-                </a:lnSpc>
-                <a:spcBef>
-                  <a:spcPts val="500"/>
-                </a:spcBef>
-                <a:buFont typeface="Arial" panose="020B0604020202020204" pitchFamily="34" charset="0"/>
-                <a:buChar char="•"/>
-                <a:defRPr sz="1800" kern="1200">
-                  <a:solidFill>
-                    <a:schemeClr val="tx1"/>
-                  </a:solidFill>
-                  <a:latin typeface="+mn-lt"/>
-                  <a:ea typeface="+mn-ea"/>
-                  <a:cs typeface="+mn-cs"/>
-                </a:defRPr>
-              </a:lvl9pPr>
-            </a:lstStyle>
-            <a:p>
-              <a:pPr algn="just"/>
-              <a:r>
-                <a:rPr lang="en-US" sz="1800" dirty="0">
-                  <a:solidFill>
-                    <a:schemeClr val="bg2">
-                      <a:lumMod val="25000"/>
-                    </a:schemeClr>
-                  </a:solidFill>
-                </a:rPr>
-                <a:t>GitHub: </a:t>
-              </a:r>
-              <a:r>
-                <a:rPr lang="en-US" sz="1800" dirty="0">
-                  <a:solidFill>
-                    <a:schemeClr val="bg2">
-                      <a:lumMod val="25000"/>
-                    </a:schemeClr>
-                  </a:solidFill>
-                  <a:hlinkClick r:id="rId3"/>
-                </a:rPr>
-                <a:t>https://github.com/viniciusanl</a:t>
-              </a:r>
-              <a:endParaRPr lang="en-US" sz="1800" dirty="0">
+          <a:prstGeom prst="rect">
+            <a:avLst/>
+          </a:prstGeom>
+        </p:spPr>
+        <p:txBody>
+          <a:bodyPr vert="horz" lIns="91440" tIns="45720" rIns="91440" bIns="45720" rtlCol="0">
+            <a:noAutofit/>
+          </a:bodyPr>
+          <a:lstStyle>
+            <a:lvl1pPr marL="228600" indent="-228600" algn="l" defTabSz="914400" rtl="0" eaLnBrk="1" latinLnBrk="0" hangingPunct="1">
+              <a:lnSpc>
+                <a:spcPct val="90000"/>
+              </a:lnSpc>
+              <a:spcBef>
+                <a:spcPts val="1000"/>
+              </a:spcBef>
+              <a:buFont typeface="Arial" panose="020B0604020202020204" pitchFamily="34" charset="0"/>
+              <a:buChar char="•"/>
+              <a:defRPr sz="2800" kern="1200">
+                <a:solidFill>
+                  <a:schemeClr val="tx1"/>
+                </a:solidFill>
+                <a:latin typeface="+mn-lt"/>
+                <a:ea typeface="+mn-ea"/>
+                <a:cs typeface="+mn-cs"/>
+              </a:defRPr>
+            </a:lvl1pPr>
+            <a:lvl2pPr marL="685800" indent="-228600" algn="l" defTabSz="914400" rtl="0" eaLnBrk="1" latinLnBrk="0" hangingPunct="1">
+              <a:lnSpc>
+                <a:spcPct val="90000"/>
+              </a:lnSpc>
+              <a:spcBef>
+                <a:spcPts val="500"/>
+              </a:spcBef>
+              <a:buFont typeface="Arial" panose="020B0604020202020204" pitchFamily="34" charset="0"/>
+              <a:buChar char="•"/>
+              <a:defRPr sz="2400" kern="1200">
+                <a:solidFill>
+                  <a:schemeClr val="tx1"/>
+                </a:solidFill>
+                <a:latin typeface="+mn-lt"/>
+                <a:ea typeface="+mn-ea"/>
+                <a:cs typeface="+mn-cs"/>
+              </a:defRPr>
+            </a:lvl2pPr>
+            <a:lvl3pPr marL="1143000" indent="-228600" algn="l" defTabSz="914400" rtl="0" eaLnBrk="1" latinLnBrk="0" hangingPunct="1">
+              <a:lnSpc>
+                <a:spcPct val="90000"/>
+              </a:lnSpc>
+              <a:spcBef>
+                <a:spcPts val="500"/>
+              </a:spcBef>
+              <a:buFont typeface="Arial" panose="020B0604020202020204" pitchFamily="34" charset="0"/>
+              <a:buChar char="•"/>
+              <a:defRPr sz="2000" kern="1200">
+                <a:solidFill>
+                  <a:schemeClr val="tx1"/>
+                </a:solidFill>
+                <a:latin typeface="+mn-lt"/>
+                <a:ea typeface="+mn-ea"/>
+                <a:cs typeface="+mn-cs"/>
+              </a:defRPr>
+            </a:lvl3pPr>
+            <a:lvl4pPr marL="1600200" indent="-228600" algn="l" defTabSz="914400" rtl="0" eaLnBrk="1" latinLnBrk="0" hangingPunct="1">
+              <a:lnSpc>
+                <a:spcPct val="90000"/>
+              </a:lnSpc>
+              <a:spcBef>
+                <a:spcPts val="500"/>
+              </a:spcBef>
+              <a:buFont typeface="Arial" panose="020B0604020202020204" pitchFamily="34" charset="0"/>
+              <a:buChar char="•"/>
+              <a:defRPr sz="1800" kern="1200">
+                <a:solidFill>
+                  <a:schemeClr val="tx1"/>
+                </a:solidFill>
+                <a:latin typeface="+mn-lt"/>
+                <a:ea typeface="+mn-ea"/>
+                <a:cs typeface="+mn-cs"/>
+              </a:defRPr>
+            </a:lvl4pPr>
+            <a:lvl5pPr marL="2057400" indent="-228600" algn="l" defTabSz="914400" rtl="0" eaLnBrk="1" latinLnBrk="0" hangingPunct="1">
+              <a:lnSpc>
+                <a:spcPct val="90000"/>
+              </a:lnSpc>
+              <a:spcBef>
+                <a:spcPts val="500"/>
+              </a:spcBef>
+              <a:buFont typeface="Arial" panose="020B0604020202020204" pitchFamily="34" charset="0"/>
+              <a:buChar char="•"/>
+              <a:defRPr sz="1800" kern="1200">
+                <a:solidFill>
+                  <a:schemeClr val="tx1"/>
+                </a:solidFill>
+                <a:latin typeface="+mn-lt"/>
+                <a:ea typeface="+mn-ea"/>
+                <a:cs typeface="+mn-cs"/>
+              </a:defRPr>
+            </a:lvl5pPr>
+            <a:lvl6pPr marL="2514600" indent="-228600" algn="l" defTabSz="914400" rtl="0" eaLnBrk="1" latinLnBrk="0" hangingPunct="1">
+              <a:lnSpc>
+                <a:spcPct val="90000"/>
+              </a:lnSpc>
+              <a:spcBef>
+                <a:spcPts val="500"/>
+              </a:spcBef>
+              <a:buFont typeface="Arial" panose="020B0604020202020204" pitchFamily="34" charset="0"/>
+              <a:buChar char="•"/>
+              <a:defRPr sz="1800" kern="1200">
+                <a:solidFill>
+                  <a:schemeClr val="tx1"/>
+                </a:solidFill>
+                <a:latin typeface="+mn-lt"/>
+                <a:ea typeface="+mn-ea"/>
+                <a:cs typeface="+mn-cs"/>
+              </a:defRPr>
+            </a:lvl6pPr>
+            <a:lvl7pPr marL="2971800" indent="-228600" algn="l" defTabSz="914400" rtl="0" eaLnBrk="1" latinLnBrk="0" hangingPunct="1">
+              <a:lnSpc>
+                <a:spcPct val="90000"/>
+              </a:lnSpc>
+              <a:spcBef>
+                <a:spcPts val="500"/>
+              </a:spcBef>
+              <a:buFont typeface="Arial" panose="020B0604020202020204" pitchFamily="34" charset="0"/>
+              <a:buChar char="•"/>
+              <a:defRPr sz="1800" kern="1200">
+                <a:solidFill>
+                  <a:schemeClr val="tx1"/>
+                </a:solidFill>
+                <a:latin typeface="+mn-lt"/>
+                <a:ea typeface="+mn-ea"/>
+                <a:cs typeface="+mn-cs"/>
+              </a:defRPr>
+            </a:lvl7pPr>
+            <a:lvl8pPr marL="3429000" indent="-228600" algn="l" defTabSz="914400" rtl="0" eaLnBrk="1" latinLnBrk="0" hangingPunct="1">
+              <a:lnSpc>
+                <a:spcPct val="90000"/>
+              </a:lnSpc>
+              <a:spcBef>
+                <a:spcPts val="500"/>
+              </a:spcBef>
+              <a:buFont typeface="Arial" panose="020B0604020202020204" pitchFamily="34" charset="0"/>
+              <a:buChar char="•"/>
+              <a:defRPr sz="1800" kern="1200">
+                <a:solidFill>
+                  <a:schemeClr val="tx1"/>
+                </a:solidFill>
+                <a:latin typeface="+mn-lt"/>
+                <a:ea typeface="+mn-ea"/>
+                <a:cs typeface="+mn-cs"/>
+              </a:defRPr>
+            </a:lvl8pPr>
+            <a:lvl9pPr marL="3886200" indent="-228600" algn="l" defTabSz="914400" rtl="0" eaLnBrk="1" latinLnBrk="0" hangingPunct="1">
+              <a:lnSpc>
+                <a:spcPct val="90000"/>
+              </a:lnSpc>
+              <a:spcBef>
+                <a:spcPts val="500"/>
+              </a:spcBef>
+              <a:buFont typeface="Arial" panose="020B0604020202020204" pitchFamily="34" charset="0"/>
+              <a:buChar char="•"/>
+              <a:defRPr sz="1800" kern="1200">
+                <a:solidFill>
+                  <a:schemeClr val="tx1"/>
+                </a:solidFill>
+                <a:latin typeface="+mn-lt"/>
+                <a:ea typeface="+mn-ea"/>
+                <a:cs typeface="+mn-cs"/>
+              </a:defRPr>
+            </a:lvl9pPr>
+          </a:lstStyle>
+          <a:p>
+            <a:pPr marL="0" indent="0" algn="just">
+              <a:buNone/>
+            </a:pPr>
+            <a:r>
+              <a:rPr lang="en-US" sz="1800" dirty="0">
                 <a:solidFill>
                   <a:schemeClr val="bg2">
                     <a:lumMod val="25000"/>
                   </a:schemeClr>
                 </a:solidFill>
-              </a:endParaRPr>
-            </a:p>
-            <a:p>
-              <a:pPr algn="just"/>
-              <a:endParaRPr lang="pt-BR" sz="1800" dirty="0">
+              </a:rPr>
+              <a:t>GitHub: </a:t>
+            </a:r>
+            <a:r>
+              <a:rPr lang="en-US" sz="1800" u="sng" dirty="0">
                 <a:solidFill>
                   <a:schemeClr val="bg2">
                     <a:lumMod val="25000"/>
                   </a:schemeClr>
                 </a:solidFill>
-              </a:endParaRPr>
-            </a:p>
-          </p:txBody>
-        </p:sp>
-      </p:grpSp>
+                <a:hlinkClick r:id="rId3"/>
+              </a:rPr>
+              <a:t>https://github.com/Wiryco</a:t>
+            </a:r>
+            <a:endParaRPr lang="en-US" sz="1800" u="sng" dirty="0">
+              <a:solidFill>
+                <a:schemeClr val="bg2">
+                  <a:lumMod val="25000"/>
+                </a:schemeClr>
+              </a:solidFill>
+            </a:endParaRPr>
+          </a:p>
+          <a:p>
+            <a:pPr algn="just"/>
+            <a:endParaRPr lang="pt-BR" sz="1800" dirty="0">
+              <a:solidFill>
+                <a:schemeClr val="bg2">
+                  <a:lumMod val="25000"/>
+                </a:schemeClr>
+              </a:solidFill>
+            </a:endParaRPr>
+          </a:p>
+        </p:txBody>
+      </p:sp>
     </p:spTree>
     <p:extLst>
       <p:ext uri="{BB962C8B-B14F-4D97-AF65-F5344CB8AC3E}">
